--- a/Sistemas Informaticos/UD1/Trabajo historia sistema informaticos.pptx
+++ b/Sistemas Informaticos/UD1/Trabajo historia sistema informaticos.pptx
@@ -9,6 +9,7 @@
     <p:sldId id="257" r:id="rId3"/>
     <p:sldId id="258" r:id="rId4"/>
     <p:sldId id="259" r:id="rId5"/>
+    <p:sldId id="260" r:id="rId6"/>
   </p:sldIdLst>
   <p:sldSz cx="12192000" cy="6858000"/>
   <p:notesSz cx="6858000" cy="9144000"/>
@@ -118,7 +119,7 @@
 <file path=ppt/revisionInfo.xml><?xml version="1.0" encoding="utf-8"?>
 <p1510:revInfo xmlns:a="http://schemas.openxmlformats.org/drawingml/2006/main" xmlns:r="http://schemas.openxmlformats.org/officeDocument/2006/relationships" xmlns:p1510="http://schemas.microsoft.com/office/powerpoint/2015/10/main">
   <p1510:revLst>
-    <p1510:client id="{C766F9D2-225C-499C-8FD8-FF5D73E24B64}" v="174" dt="2023-09-27T14:23:48.783"/>
+    <p1510:client id="{C766F9D2-225C-499C-8FD8-FF5D73E24B64}" v="179" dt="2023-09-27T19:03:15.486"/>
   </p1510:revLst>
 </p1510:revInfo>
 </file>
@@ -1344,7 +1345,7 @@
   <pc:docChgLst>
     <pc:chgData name="Francisco Martin" userId="559f4d3f8982107f" providerId="LiveId" clId="{C766F9D2-225C-499C-8FD8-FF5D73E24B64}"/>
     <pc:docChg chg="undo custSel addSld delSld modSld modMainMaster">
-      <pc:chgData name="Francisco Martin" userId="559f4d3f8982107f" providerId="LiveId" clId="{C766F9D2-225C-499C-8FD8-FF5D73E24B64}" dt="2023-09-27T14:24:32.501" v="712" actId="1076"/>
+      <pc:chgData name="Francisco Martin" userId="559f4d3f8982107f" providerId="LiveId" clId="{C766F9D2-225C-499C-8FD8-FF5D73E24B64}" dt="2023-09-27T19:04:12.676" v="773" actId="1076"/>
       <pc:docMkLst>
         <pc:docMk/>
       </pc:docMkLst>
@@ -1639,7 +1640,7 @@
         </pc:cxnChg>
       </pc:sldChg>
       <pc:sldChg chg="addSp delSp modSp add mod modTransition">
-        <pc:chgData name="Francisco Martin" userId="559f4d3f8982107f" providerId="LiveId" clId="{C766F9D2-225C-499C-8FD8-FF5D73E24B64}" dt="2023-09-27T14:24:32.501" v="712" actId="1076"/>
+        <pc:chgData name="Francisco Martin" userId="559f4d3f8982107f" providerId="LiveId" clId="{C766F9D2-225C-499C-8FD8-FF5D73E24B64}" dt="2023-09-27T18:55:38.202" v="752" actId="206"/>
         <pc:sldMkLst>
           <pc:docMk/>
           <pc:sldMk cId="2070359962" sldId="259"/>
@@ -1653,6 +1654,22 @@
           </ac:spMkLst>
         </pc:spChg>
         <pc:spChg chg="add mod">
+          <ac:chgData name="Francisco Martin" userId="559f4d3f8982107f" providerId="LiveId" clId="{C766F9D2-225C-499C-8FD8-FF5D73E24B64}" dt="2023-09-27T18:49:55.566" v="745" actId="20577"/>
+          <ac:spMkLst>
+            <pc:docMk/>
+            <pc:sldMk cId="2070359962" sldId="259"/>
+            <ac:spMk id="3" creationId="{89A11176-808E-50D5-24F3-1CE4E0E618E3}"/>
+          </ac:spMkLst>
+        </pc:spChg>
+        <pc:spChg chg="add mod">
+          <ac:chgData name="Francisco Martin" userId="559f4d3f8982107f" providerId="LiveId" clId="{C766F9D2-225C-499C-8FD8-FF5D73E24B64}" dt="2023-09-27T18:54:42.498" v="751" actId="207"/>
+          <ac:spMkLst>
+            <pc:docMk/>
+            <pc:sldMk cId="2070359962" sldId="259"/>
+            <ac:spMk id="4" creationId="{FA656749-8259-EBBB-6F78-A3976723CFE1}"/>
+          </ac:spMkLst>
+        </pc:spChg>
+        <pc:spChg chg="add mod">
           <ac:chgData name="Francisco Martin" userId="559f4d3f8982107f" providerId="LiveId" clId="{C766F9D2-225C-499C-8FD8-FF5D73E24B64}" dt="2023-09-27T14:07:59.727" v="638" actId="164"/>
           <ac:spMkLst>
             <pc:docMk/>
@@ -1669,7 +1686,7 @@
           </ac:spMkLst>
         </pc:spChg>
         <pc:spChg chg="add mod">
-          <ac:chgData name="Francisco Martin" userId="559f4d3f8982107f" providerId="LiveId" clId="{C766F9D2-225C-499C-8FD8-FF5D73E24B64}" dt="2023-09-27T14:22:12.785" v="703" actId="207"/>
+          <ac:chgData name="Francisco Martin" userId="559f4d3f8982107f" providerId="LiveId" clId="{C766F9D2-225C-499C-8FD8-FF5D73E24B64}" dt="2023-09-27T18:55:38.202" v="752" actId="206"/>
           <ac:spMkLst>
             <pc:docMk/>
             <pc:sldMk cId="2070359962" sldId="259"/>
@@ -1828,6 +1845,69 @@
             <ac:cxnSpMk id="20" creationId="{529A13FE-CC88-EBD5-29CF-F8BAD9EECEFF}"/>
           </ac:cxnSpMkLst>
         </pc:cxnChg>
+      </pc:sldChg>
+      <pc:sldChg chg="addSp delSp modSp add mod">
+        <pc:chgData name="Francisco Martin" userId="559f4d3f8982107f" providerId="LiveId" clId="{C766F9D2-225C-499C-8FD8-FF5D73E24B64}" dt="2023-09-27T19:04:12.676" v="773" actId="1076"/>
+        <pc:sldMkLst>
+          <pc:docMk/>
+          <pc:sldMk cId="2271487826" sldId="260"/>
+        </pc:sldMkLst>
+        <pc:spChg chg="del mod">
+          <ac:chgData name="Francisco Martin" userId="559f4d3f8982107f" providerId="LiveId" clId="{C766F9D2-225C-499C-8FD8-FF5D73E24B64}" dt="2023-09-27T19:02:11.733" v="756" actId="478"/>
+          <ac:spMkLst>
+            <pc:docMk/>
+            <pc:sldMk cId="2271487826" sldId="260"/>
+            <ac:spMk id="2" creationId="{65D761A7-5E1A-4363-1EE7-487839A24CB4}"/>
+          </ac:spMkLst>
+        </pc:spChg>
+        <pc:spChg chg="mod">
+          <ac:chgData name="Francisco Martin" userId="559f4d3f8982107f" providerId="LiveId" clId="{C766F9D2-225C-499C-8FD8-FF5D73E24B64}" dt="2023-09-27T19:03:46.910" v="772" actId="1076"/>
+          <ac:spMkLst>
+            <pc:docMk/>
+            <pc:sldMk cId="2271487826" sldId="260"/>
+            <ac:spMk id="3" creationId="{89A11176-808E-50D5-24F3-1CE4E0E618E3}"/>
+          </ac:spMkLst>
+        </pc:spChg>
+        <pc:spChg chg="mod">
+          <ac:chgData name="Francisco Martin" userId="559f4d3f8982107f" providerId="LiveId" clId="{C766F9D2-225C-499C-8FD8-FF5D73E24B64}" dt="2023-09-27T19:04:12.676" v="773" actId="1076"/>
+          <ac:spMkLst>
+            <pc:docMk/>
+            <pc:sldMk cId="2271487826" sldId="260"/>
+            <ac:spMk id="4" creationId="{FA656749-8259-EBBB-6F78-A3976723CFE1}"/>
+          </ac:spMkLst>
+        </pc:spChg>
+        <pc:spChg chg="add mod ord">
+          <ac:chgData name="Francisco Martin" userId="559f4d3f8982107f" providerId="LiveId" clId="{C766F9D2-225C-499C-8FD8-FF5D73E24B64}" dt="2023-09-27T19:03:32.780" v="769" actId="167"/>
+          <ac:spMkLst>
+            <pc:docMk/>
+            <pc:sldMk cId="2271487826" sldId="260"/>
+            <ac:spMk id="5" creationId="{B1F973F9-0C83-7DA6-549A-C2B958781C5B}"/>
+          </ac:spMkLst>
+        </pc:spChg>
+        <pc:spChg chg="mod">
+          <ac:chgData name="Francisco Martin" userId="559f4d3f8982107f" providerId="LiveId" clId="{C766F9D2-225C-499C-8FD8-FF5D73E24B64}" dt="2023-09-27T19:02:29.453" v="760" actId="1076"/>
+          <ac:spMkLst>
+            <pc:docMk/>
+            <pc:sldMk cId="2271487826" sldId="260"/>
+            <ac:spMk id="16" creationId="{B74D8065-916C-C2F8-7443-FEE81D22F0AC}"/>
+          </ac:spMkLst>
+        </pc:spChg>
+        <pc:picChg chg="mod">
+          <ac:chgData name="Francisco Martin" userId="559f4d3f8982107f" providerId="LiveId" clId="{C766F9D2-225C-499C-8FD8-FF5D73E24B64}" dt="2023-09-27T19:02:36.628" v="761" actId="1076"/>
+          <ac:picMkLst>
+            <pc:docMk/>
+            <pc:sldMk cId="2271487826" sldId="260"/>
+            <ac:picMk id="18" creationId="{3E712D82-1072-3190-F07A-618129E3A17D}"/>
+          </ac:picMkLst>
+        </pc:picChg>
+        <pc:picChg chg="mod">
+          <ac:chgData name="Francisco Martin" userId="559f4d3f8982107f" providerId="LiveId" clId="{C766F9D2-225C-499C-8FD8-FF5D73E24B64}" dt="2023-09-27T19:02:25.778" v="759" actId="1076"/>
+          <ac:picMkLst>
+            <pc:docMk/>
+            <pc:sldMk cId="2271487826" sldId="260"/>
+            <ac:picMk id="21" creationId="{3997A5C5-B5FB-A1F3-A6AA-7B216FBA7E86}"/>
+          </ac:picMkLst>
+        </pc:picChg>
       </pc:sldChg>
       <pc:sldMasterChg chg="modTransition modSldLayout">
         <pc:chgData name="Francisco Martin" userId="559f4d3f8982107f" providerId="LiveId" clId="{C766F9D2-225C-499C-8FD8-FF5D73E24B64}" dt="2023-09-27T14:01:21.527" v="524"/>
@@ -6556,8 +6636,8 @@
         </p:nvSpPr>
         <p:spPr>
           <a:xfrm>
-            <a:off x="0" y="0"/>
-            <a:ext cx="12222480" cy="6858000"/>
+            <a:off x="0" y="-138196"/>
+            <a:ext cx="12506566" cy="6996196"/>
           </a:xfrm>
           <a:custGeom>
             <a:avLst/>
@@ -6578,6 +6658,14 @@
               <a:gd name="connsiteY2" fmla="*/ 30480 h 6858000"/>
               <a:gd name="connsiteX3" fmla="*/ 0 w 12222480"/>
               <a:gd name="connsiteY3" fmla="*/ 6858000 h 6858000"/>
+              <a:gd name="connsiteX0" fmla="*/ 0 w 12506566"/>
+              <a:gd name="connsiteY0" fmla="*/ 6996196 h 6996196"/>
+              <a:gd name="connsiteX1" fmla="*/ 0 w 12506566"/>
+              <a:gd name="connsiteY1" fmla="*/ 138196 h 6996196"/>
+              <a:gd name="connsiteX2" fmla="*/ 12506566 w 12506566"/>
+              <a:gd name="connsiteY2" fmla="*/ 0 h 6996196"/>
+              <a:gd name="connsiteX3" fmla="*/ 0 w 12506566"/>
+              <a:gd name="connsiteY3" fmla="*/ 6996196 h 6996196"/>
             </a:gdLst>
             <a:ahLst/>
             <a:cxnLst>
@@ -6596,18 +6684,18 @@
             </a:cxnLst>
             <a:rect l="l" t="t" r="r" b="b"/>
             <a:pathLst>
-              <a:path w="12222480" h="6858000">
+              <a:path w="12506566" h="6996196">
                 <a:moveTo>
-                  <a:pt x="0" y="6858000"/>
+                  <a:pt x="0" y="6996196"/>
                 </a:moveTo>
                 <a:lnTo>
-                  <a:pt x="0" y="0"/>
+                  <a:pt x="0" y="138196"/>
                 </a:lnTo>
                 <a:lnTo>
-                  <a:pt x="12222480" y="30480"/>
+                  <a:pt x="12506566" y="0"/>
                 </a:lnTo>
                 <a:lnTo>
-                  <a:pt x="0" y="6858000"/>
+                  <a:pt x="0" y="6996196"/>
                 </a:lnTo>
                 <a:close/>
               </a:path>
@@ -6638,7 +6726,7 @@
           <a:lstStyle/>
           <a:p>
             <a:pPr algn="ctr"/>
-            <a:endParaRPr lang="es-ES"/>
+            <a:endParaRPr lang="es-ES" dirty="0"/>
           </a:p>
         </p:txBody>
       </p:sp>
@@ -6714,10 +6802,612 @@
           </a:prstGeom>
         </p:spPr>
       </p:pic>
+      <p:sp>
+        <p:nvSpPr>
+          <p:cNvPr id="3" name="CuadroTexto 2">
+            <a:extLst>
+              <a:ext uri="{FF2B5EF4-FFF2-40B4-BE49-F238E27FC236}">
+                <a16:creationId xmlns:a16="http://schemas.microsoft.com/office/drawing/2014/main" id="{89A11176-808E-50D5-24F3-1CE4E0E618E3}"/>
+              </a:ext>
+            </a:extLst>
+          </p:cNvPr>
+          <p:cNvSpPr txBox="1"/>
+          <p:nvPr/>
+        </p:nvSpPr>
+        <p:spPr>
+          <a:xfrm>
+            <a:off x="189248" y="246617"/>
+            <a:ext cx="6939521" cy="477054"/>
+          </a:xfrm>
+          <a:prstGeom prst="rect">
+            <a:avLst/>
+          </a:prstGeom>
+          <a:noFill/>
+        </p:spPr>
+        <p:txBody>
+          <a:bodyPr wrap="square" rtlCol="0">
+            <a:spAutoFit/>
+          </a:bodyPr>
+          <a:lstStyle/>
+          <a:p>
+            <a:r>
+              <a:rPr lang="es-ES" sz="2500" dirty="0">
+                <a:solidFill>
+                  <a:schemeClr val="bg1"/>
+                </a:solidFill>
+              </a:rPr>
+              <a:t>1938 </a:t>
+            </a:r>
+            <a:r>
+              <a:rPr lang="es-ES" sz="2500" dirty="0">
+                <a:solidFill>
+                  <a:schemeClr val="bg1"/>
+                </a:solidFill>
+                <a:sym typeface="Wingdings" panose="05000000000000000000" pitchFamily="2" charset="2"/>
+              </a:rPr>
+              <a:t>- 1959</a:t>
+            </a:r>
+            <a:endParaRPr lang="es-ES" sz="2500" dirty="0">
+              <a:solidFill>
+                <a:schemeClr val="bg1"/>
+              </a:solidFill>
+            </a:endParaRPr>
+          </a:p>
+        </p:txBody>
+      </p:sp>
+      <p:sp>
+        <p:nvSpPr>
+          <p:cNvPr id="4" name="CuadroTexto 3">
+            <a:extLst>
+              <a:ext uri="{FF2B5EF4-FFF2-40B4-BE49-F238E27FC236}">
+                <a16:creationId xmlns:a16="http://schemas.microsoft.com/office/drawing/2014/main" id="{FA656749-8259-EBBB-6F78-A3976723CFE1}"/>
+              </a:ext>
+            </a:extLst>
+          </p:cNvPr>
+          <p:cNvSpPr txBox="1"/>
+          <p:nvPr/>
+        </p:nvSpPr>
+        <p:spPr>
+          <a:xfrm>
+            <a:off x="189248" y="851744"/>
+            <a:ext cx="7933820" cy="2031325"/>
+          </a:xfrm>
+          <a:prstGeom prst="rect">
+            <a:avLst/>
+          </a:prstGeom>
+          <a:noFill/>
+        </p:spPr>
+        <p:txBody>
+          <a:bodyPr wrap="square" rtlCol="0">
+            <a:spAutoFit/>
+          </a:bodyPr>
+          <a:lstStyle/>
+          <a:p>
+            <a:r>
+              <a:rPr lang="en-US" dirty="0">
+                <a:solidFill>
+                  <a:schemeClr val="bg1"/>
+                </a:solidFill>
+              </a:rPr>
+              <a:t>The first generation of computers marked a before and after in the history of computing.</a:t>
+            </a:r>
+          </a:p>
+          <a:p>
+            <a:endParaRPr lang="en-US" dirty="0">
+              <a:solidFill>
+                <a:schemeClr val="bg1"/>
+              </a:solidFill>
+            </a:endParaRPr>
+          </a:p>
+          <a:p>
+            <a:r>
+              <a:rPr lang="en-US" dirty="0">
+                <a:solidFill>
+                  <a:schemeClr val="bg1"/>
+                </a:solidFill>
+              </a:rPr>
+              <a:t>Despite their limitations, these computers paved the way for future advances.</a:t>
+            </a:r>
+          </a:p>
+          <a:p>
+            <a:pPr algn="ctr"/>
+            <a:endParaRPr lang="en-US" dirty="0">
+              <a:solidFill>
+                <a:schemeClr val="bg1"/>
+              </a:solidFill>
+            </a:endParaRPr>
+          </a:p>
+          <a:p>
+            <a:r>
+              <a:rPr lang="en-US" dirty="0">
+                <a:solidFill>
+                  <a:schemeClr val="bg1"/>
+                </a:solidFill>
+              </a:rPr>
+              <a:t>The development of the Atanasoff Berry computer and the Von Neumann architecture laid the foundation for the next generations of computers.</a:t>
+            </a:r>
+            <a:endParaRPr lang="es-ES" dirty="0">
+              <a:solidFill>
+                <a:schemeClr val="bg1"/>
+              </a:solidFill>
+            </a:endParaRPr>
+          </a:p>
+        </p:txBody>
+      </p:sp>
     </p:spTree>
     <p:extLst>
       <p:ext uri="{BB962C8B-B14F-4D97-AF65-F5344CB8AC3E}">
         <p14:creationId xmlns:p14="http://schemas.microsoft.com/office/powerpoint/2010/main" val="2070359962"/>
+      </p:ext>
+    </p:extLst>
+  </p:cSld>
+  <p:clrMapOvr>
+    <a:masterClrMapping/>
+  </p:clrMapOvr>
+  <mc:AlternateContent xmlns:mc="http://schemas.openxmlformats.org/markup-compatibility/2006" xmlns:p159="http://schemas.microsoft.com/office/powerpoint/2015/09/main">
+    <mc:Choice Requires="p159">
+      <p:transition xmlns:p14="http://schemas.microsoft.com/office/powerpoint/2010/main" spd="slow" p14:dur="2000">
+        <p159:morph option="byObject"/>
+      </p:transition>
+    </mc:Choice>
+    <mc:Fallback xmlns="">
+      <p:transition spd="slow">
+        <p:fade/>
+      </p:transition>
+    </mc:Fallback>
+  </mc:AlternateContent>
+</p:sld>
+</file>
+
+<file path=ppt/slides/slide5.xml><?xml version="1.0" encoding="utf-8"?>
+<p:sld xmlns:a="http://schemas.openxmlformats.org/drawingml/2006/main" xmlns:r="http://schemas.openxmlformats.org/officeDocument/2006/relationships" xmlns:p="http://schemas.openxmlformats.org/presentationml/2006/main">
+  <p:cSld>
+    <p:spTree>
+      <p:nvGrpSpPr>
+        <p:cNvPr id="1" name=""/>
+        <p:cNvGrpSpPr/>
+        <p:nvPr/>
+      </p:nvGrpSpPr>
+      <p:grpSpPr>
+        <a:xfrm>
+          <a:off x="0" y="0"/>
+          <a:ext cx="0" cy="0"/>
+          <a:chOff x="0" y="0"/>
+          <a:chExt cx="0" cy="0"/>
+        </a:xfrm>
+      </p:grpSpPr>
+      <p:sp>
+        <p:nvSpPr>
+          <p:cNvPr id="5" name="Triángulo rectángulo 15">
+            <a:extLst>
+              <a:ext uri="{FF2B5EF4-FFF2-40B4-BE49-F238E27FC236}">
+                <a16:creationId xmlns:a16="http://schemas.microsoft.com/office/drawing/2014/main" id="{B1F973F9-0C83-7DA6-549A-C2B958781C5B}"/>
+              </a:ext>
+            </a:extLst>
+          </p:cNvPr>
+          <p:cNvSpPr/>
+          <p:nvPr/>
+        </p:nvSpPr>
+        <p:spPr>
+          <a:xfrm>
+            <a:off x="0" y="-138196"/>
+            <a:ext cx="12506566" cy="7054812"/>
+          </a:xfrm>
+          <a:custGeom>
+            <a:avLst/>
+            <a:gdLst>
+              <a:gd name="connsiteX0" fmla="*/ 0 w 12192000"/>
+              <a:gd name="connsiteY0" fmla="*/ 6858000 h 6858000"/>
+              <a:gd name="connsiteX1" fmla="*/ 0 w 12192000"/>
+              <a:gd name="connsiteY1" fmla="*/ 0 h 6858000"/>
+              <a:gd name="connsiteX2" fmla="*/ 12192000 w 12192000"/>
+              <a:gd name="connsiteY2" fmla="*/ 6858000 h 6858000"/>
+              <a:gd name="connsiteX3" fmla="*/ 0 w 12192000"/>
+              <a:gd name="connsiteY3" fmla="*/ 6858000 h 6858000"/>
+              <a:gd name="connsiteX0" fmla="*/ 0 w 12222480"/>
+              <a:gd name="connsiteY0" fmla="*/ 6858000 h 6858000"/>
+              <a:gd name="connsiteX1" fmla="*/ 0 w 12222480"/>
+              <a:gd name="connsiteY1" fmla="*/ 0 h 6858000"/>
+              <a:gd name="connsiteX2" fmla="*/ 12222480 w 12222480"/>
+              <a:gd name="connsiteY2" fmla="*/ 30480 h 6858000"/>
+              <a:gd name="connsiteX3" fmla="*/ 0 w 12222480"/>
+              <a:gd name="connsiteY3" fmla="*/ 6858000 h 6858000"/>
+              <a:gd name="connsiteX0" fmla="*/ 0 w 12506566"/>
+              <a:gd name="connsiteY0" fmla="*/ 6996196 h 6996196"/>
+              <a:gd name="connsiteX1" fmla="*/ 0 w 12506566"/>
+              <a:gd name="connsiteY1" fmla="*/ 138196 h 6996196"/>
+              <a:gd name="connsiteX2" fmla="*/ 12506566 w 12506566"/>
+              <a:gd name="connsiteY2" fmla="*/ 0 h 6996196"/>
+              <a:gd name="connsiteX3" fmla="*/ 0 w 12506566"/>
+              <a:gd name="connsiteY3" fmla="*/ 6996196 h 6996196"/>
+              <a:gd name="connsiteX0" fmla="*/ 0 w 12506566"/>
+              <a:gd name="connsiteY0" fmla="*/ 6996196 h 7054812"/>
+              <a:gd name="connsiteX1" fmla="*/ 12238892 w 12506566"/>
+              <a:gd name="connsiteY1" fmla="*/ 7054812 h 7054812"/>
+              <a:gd name="connsiteX2" fmla="*/ 12506566 w 12506566"/>
+              <a:gd name="connsiteY2" fmla="*/ 0 h 7054812"/>
+              <a:gd name="connsiteX3" fmla="*/ 0 w 12506566"/>
+              <a:gd name="connsiteY3" fmla="*/ 6996196 h 7054812"/>
+            </a:gdLst>
+            <a:ahLst/>
+            <a:cxnLst>
+              <a:cxn ang="0">
+                <a:pos x="connsiteX0" y="connsiteY0"/>
+              </a:cxn>
+              <a:cxn ang="0">
+                <a:pos x="connsiteX1" y="connsiteY1"/>
+              </a:cxn>
+              <a:cxn ang="0">
+                <a:pos x="connsiteX2" y="connsiteY2"/>
+              </a:cxn>
+              <a:cxn ang="0">
+                <a:pos x="connsiteX3" y="connsiteY3"/>
+              </a:cxn>
+            </a:cxnLst>
+            <a:rect l="l" t="t" r="r" b="b"/>
+            <a:pathLst>
+              <a:path w="12506566" h="7054812">
+                <a:moveTo>
+                  <a:pt x="0" y="6996196"/>
+                </a:moveTo>
+                <a:lnTo>
+                  <a:pt x="12238892" y="7054812"/>
+                </a:lnTo>
+                <a:lnTo>
+                  <a:pt x="12506566" y="0"/>
+                </a:lnTo>
+                <a:lnTo>
+                  <a:pt x="0" y="6996196"/>
+                </a:lnTo>
+                <a:close/>
+              </a:path>
+            </a:pathLst>
+          </a:custGeom>
+          <a:solidFill>
+            <a:schemeClr val="tx2"/>
+          </a:solidFill>
+        </p:spPr>
+        <p:style>
+          <a:lnRef idx="2">
+            <a:schemeClr val="accent1">
+              <a:shade val="15000"/>
+            </a:schemeClr>
+          </a:lnRef>
+          <a:fillRef idx="1">
+            <a:schemeClr val="accent1"/>
+          </a:fillRef>
+          <a:effectRef idx="0">
+            <a:schemeClr val="accent1"/>
+          </a:effectRef>
+          <a:fontRef idx="minor">
+            <a:schemeClr val="lt1"/>
+          </a:fontRef>
+        </p:style>
+        <p:txBody>
+          <a:bodyPr rtlCol="0" anchor="ctr"/>
+          <a:lstStyle/>
+          <a:p>
+            <a:pPr algn="ctr"/>
+            <a:endParaRPr lang="es-ES" dirty="0"/>
+          </a:p>
+        </p:txBody>
+      </p:sp>
+      <p:sp>
+        <p:nvSpPr>
+          <p:cNvPr id="16" name="Triángulo rectángulo 15">
+            <a:extLst>
+              <a:ext uri="{FF2B5EF4-FFF2-40B4-BE49-F238E27FC236}">
+                <a16:creationId xmlns:a16="http://schemas.microsoft.com/office/drawing/2014/main" id="{B74D8065-916C-C2F8-7443-FEE81D22F0AC}"/>
+              </a:ext>
+            </a:extLst>
+          </p:cNvPr>
+          <p:cNvSpPr/>
+          <p:nvPr/>
+        </p:nvSpPr>
+        <p:spPr>
+          <a:xfrm>
+            <a:off x="-11808173" y="-7281518"/>
+            <a:ext cx="12506566" cy="6996196"/>
+          </a:xfrm>
+          <a:custGeom>
+            <a:avLst/>
+            <a:gdLst>
+              <a:gd name="connsiteX0" fmla="*/ 0 w 12192000"/>
+              <a:gd name="connsiteY0" fmla="*/ 6858000 h 6858000"/>
+              <a:gd name="connsiteX1" fmla="*/ 0 w 12192000"/>
+              <a:gd name="connsiteY1" fmla="*/ 0 h 6858000"/>
+              <a:gd name="connsiteX2" fmla="*/ 12192000 w 12192000"/>
+              <a:gd name="connsiteY2" fmla="*/ 6858000 h 6858000"/>
+              <a:gd name="connsiteX3" fmla="*/ 0 w 12192000"/>
+              <a:gd name="connsiteY3" fmla="*/ 6858000 h 6858000"/>
+              <a:gd name="connsiteX0" fmla="*/ 0 w 12222480"/>
+              <a:gd name="connsiteY0" fmla="*/ 6858000 h 6858000"/>
+              <a:gd name="connsiteX1" fmla="*/ 0 w 12222480"/>
+              <a:gd name="connsiteY1" fmla="*/ 0 h 6858000"/>
+              <a:gd name="connsiteX2" fmla="*/ 12222480 w 12222480"/>
+              <a:gd name="connsiteY2" fmla="*/ 30480 h 6858000"/>
+              <a:gd name="connsiteX3" fmla="*/ 0 w 12222480"/>
+              <a:gd name="connsiteY3" fmla="*/ 6858000 h 6858000"/>
+              <a:gd name="connsiteX0" fmla="*/ 0 w 12506566"/>
+              <a:gd name="connsiteY0" fmla="*/ 6996196 h 6996196"/>
+              <a:gd name="connsiteX1" fmla="*/ 0 w 12506566"/>
+              <a:gd name="connsiteY1" fmla="*/ 138196 h 6996196"/>
+              <a:gd name="connsiteX2" fmla="*/ 12506566 w 12506566"/>
+              <a:gd name="connsiteY2" fmla="*/ 0 h 6996196"/>
+              <a:gd name="connsiteX3" fmla="*/ 0 w 12506566"/>
+              <a:gd name="connsiteY3" fmla="*/ 6996196 h 6996196"/>
+            </a:gdLst>
+            <a:ahLst/>
+            <a:cxnLst>
+              <a:cxn ang="0">
+                <a:pos x="connsiteX0" y="connsiteY0"/>
+              </a:cxn>
+              <a:cxn ang="0">
+                <a:pos x="connsiteX1" y="connsiteY1"/>
+              </a:cxn>
+              <a:cxn ang="0">
+                <a:pos x="connsiteX2" y="connsiteY2"/>
+              </a:cxn>
+              <a:cxn ang="0">
+                <a:pos x="connsiteX3" y="connsiteY3"/>
+              </a:cxn>
+            </a:cxnLst>
+            <a:rect l="l" t="t" r="r" b="b"/>
+            <a:pathLst>
+              <a:path w="12506566" h="6996196">
+                <a:moveTo>
+                  <a:pt x="0" y="6996196"/>
+                </a:moveTo>
+                <a:lnTo>
+                  <a:pt x="0" y="138196"/>
+                </a:lnTo>
+                <a:lnTo>
+                  <a:pt x="12506566" y="0"/>
+                </a:lnTo>
+                <a:lnTo>
+                  <a:pt x="0" y="6996196"/>
+                </a:lnTo>
+                <a:close/>
+              </a:path>
+            </a:pathLst>
+          </a:custGeom>
+          <a:solidFill>
+            <a:schemeClr val="tx2"/>
+          </a:solidFill>
+        </p:spPr>
+        <p:style>
+          <a:lnRef idx="2">
+            <a:schemeClr val="accent1">
+              <a:shade val="15000"/>
+            </a:schemeClr>
+          </a:lnRef>
+          <a:fillRef idx="1">
+            <a:schemeClr val="accent1"/>
+          </a:fillRef>
+          <a:effectRef idx="0">
+            <a:schemeClr val="accent1"/>
+          </a:effectRef>
+          <a:fontRef idx="minor">
+            <a:schemeClr val="lt1"/>
+          </a:fontRef>
+        </p:style>
+        <p:txBody>
+          <a:bodyPr rtlCol="0" anchor="ctr"/>
+          <a:lstStyle/>
+          <a:p>
+            <a:pPr algn="ctr"/>
+            <a:endParaRPr lang="es-ES" dirty="0"/>
+          </a:p>
+        </p:txBody>
+      </p:sp>
+      <p:pic>
+        <p:nvPicPr>
+          <p:cNvPr id="18" name="Imagen 17" descr="Foto en blanco y negro de una pareja&#10;&#10;Descripción generada automáticamente con confianza baja">
+            <a:extLst>
+              <a:ext uri="{FF2B5EF4-FFF2-40B4-BE49-F238E27FC236}">
+                <a16:creationId xmlns:a16="http://schemas.microsoft.com/office/drawing/2014/main" id="{3E712D82-1072-3190-F07A-618129E3A17D}"/>
+              </a:ext>
+            </a:extLst>
+          </p:cNvPr>
+          <p:cNvPicPr>
+            <a:picLocks noChangeAspect="1"/>
+          </p:cNvPicPr>
+          <p:nvPr/>
+        </p:nvPicPr>
+        <p:blipFill>
+          <a:blip r:embed="rId2">
+            <a:extLst>
+              <a:ext uri="{28A0092B-C50C-407E-A947-70E740481C1C}">
+                <a14:useLocalDpi xmlns:a14="http://schemas.microsoft.com/office/drawing/2010/main" val="0"/>
+              </a:ext>
+            </a:extLst>
+          </a:blip>
+          <a:stretch>
+            <a:fillRect/>
+          </a:stretch>
+        </p:blipFill>
+        <p:spPr>
+          <a:xfrm>
+            <a:off x="21518729" y="1867406"/>
+            <a:ext cx="3053933" cy="4073183"/>
+          </a:xfrm>
+          <a:prstGeom prst="rect">
+            <a:avLst/>
+          </a:prstGeom>
+        </p:spPr>
+      </p:pic>
+      <p:pic>
+        <p:nvPicPr>
+          <p:cNvPr id="21" name="Imagen 20">
+            <a:extLst>
+              <a:ext uri="{FF2B5EF4-FFF2-40B4-BE49-F238E27FC236}">
+                <a16:creationId xmlns:a16="http://schemas.microsoft.com/office/drawing/2014/main" id="{3997A5C5-B5FB-A1F3-A6AA-7B216FBA7E86}"/>
+              </a:ext>
+            </a:extLst>
+          </p:cNvPr>
+          <p:cNvPicPr>
+            <a:picLocks noChangeAspect="1"/>
+          </p:cNvPicPr>
+          <p:nvPr/>
+        </p:nvPicPr>
+        <p:blipFill>
+          <a:blip r:embed="rId3">
+            <a:extLst>
+              <a:ext uri="{28A0092B-C50C-407E-A947-70E740481C1C}">
+                <a14:useLocalDpi xmlns:a14="http://schemas.microsoft.com/office/drawing/2010/main" val="0"/>
+              </a:ext>
+            </a:extLst>
+          </a:blip>
+          <a:stretch>
+            <a:fillRect/>
+          </a:stretch>
+        </p:blipFill>
+        <p:spPr>
+          <a:xfrm rot="20767758">
+            <a:off x="3448853" y="10284169"/>
+            <a:ext cx="3438311" cy="2433861"/>
+          </a:xfrm>
+          <a:prstGeom prst="rect">
+            <a:avLst/>
+          </a:prstGeom>
+        </p:spPr>
+      </p:pic>
+      <p:sp>
+        <p:nvSpPr>
+          <p:cNvPr id="3" name="CuadroTexto 2">
+            <a:extLst>
+              <a:ext uri="{FF2B5EF4-FFF2-40B4-BE49-F238E27FC236}">
+                <a16:creationId xmlns:a16="http://schemas.microsoft.com/office/drawing/2014/main" id="{89A11176-808E-50D5-24F3-1CE4E0E618E3}"/>
+              </a:ext>
+            </a:extLst>
+          </p:cNvPr>
+          <p:cNvSpPr txBox="1"/>
+          <p:nvPr/>
+        </p:nvSpPr>
+        <p:spPr>
+          <a:xfrm>
+            <a:off x="10293132" y="1216082"/>
+            <a:ext cx="6939521" cy="477054"/>
+          </a:xfrm>
+          <a:prstGeom prst="rect">
+            <a:avLst/>
+          </a:prstGeom>
+          <a:noFill/>
+        </p:spPr>
+        <p:txBody>
+          <a:bodyPr wrap="square" rtlCol="0">
+            <a:spAutoFit/>
+          </a:bodyPr>
+          <a:lstStyle/>
+          <a:p>
+            <a:r>
+              <a:rPr lang="es-ES" sz="2500" dirty="0">
+                <a:solidFill>
+                  <a:schemeClr val="bg1"/>
+                </a:solidFill>
+              </a:rPr>
+              <a:t>1938 </a:t>
+            </a:r>
+            <a:r>
+              <a:rPr lang="es-ES" sz="2500" dirty="0">
+                <a:solidFill>
+                  <a:schemeClr val="bg1"/>
+                </a:solidFill>
+                <a:sym typeface="Wingdings" panose="05000000000000000000" pitchFamily="2" charset="2"/>
+              </a:rPr>
+              <a:t>- 1959</a:t>
+            </a:r>
+            <a:endParaRPr lang="es-ES" sz="2500" dirty="0">
+              <a:solidFill>
+                <a:schemeClr val="bg1"/>
+              </a:solidFill>
+            </a:endParaRPr>
+          </a:p>
+        </p:txBody>
+      </p:sp>
+      <p:sp>
+        <p:nvSpPr>
+          <p:cNvPr id="4" name="CuadroTexto 3">
+            <a:extLst>
+              <a:ext uri="{FF2B5EF4-FFF2-40B4-BE49-F238E27FC236}">
+                <a16:creationId xmlns:a16="http://schemas.microsoft.com/office/drawing/2014/main" id="{FA656749-8259-EBBB-6F78-A3976723CFE1}"/>
+              </a:ext>
+            </a:extLst>
+          </p:cNvPr>
+          <p:cNvSpPr txBox="1"/>
+          <p:nvPr/>
+        </p:nvSpPr>
+        <p:spPr>
+          <a:xfrm>
+            <a:off x="4919452" y="3997857"/>
+            <a:ext cx="7933820" cy="2031325"/>
+          </a:xfrm>
+          <a:prstGeom prst="rect">
+            <a:avLst/>
+          </a:prstGeom>
+          <a:noFill/>
+        </p:spPr>
+        <p:txBody>
+          <a:bodyPr wrap="square" rtlCol="0">
+            <a:spAutoFit/>
+          </a:bodyPr>
+          <a:lstStyle/>
+          <a:p>
+            <a:r>
+              <a:rPr lang="en-US" dirty="0">
+                <a:solidFill>
+                  <a:schemeClr val="bg1"/>
+                </a:solidFill>
+              </a:rPr>
+              <a:t>The first generation of computers marked a before and after in the history of computing.</a:t>
+            </a:r>
+          </a:p>
+          <a:p>
+            <a:endParaRPr lang="en-US" dirty="0">
+              <a:solidFill>
+                <a:schemeClr val="bg1"/>
+              </a:solidFill>
+            </a:endParaRPr>
+          </a:p>
+          <a:p>
+            <a:r>
+              <a:rPr lang="en-US" dirty="0">
+                <a:solidFill>
+                  <a:schemeClr val="bg1"/>
+                </a:solidFill>
+              </a:rPr>
+              <a:t>Despite their limitations, these computers paved the way for future advances.</a:t>
+            </a:r>
+          </a:p>
+          <a:p>
+            <a:pPr algn="ctr"/>
+            <a:endParaRPr lang="en-US" dirty="0">
+              <a:solidFill>
+                <a:schemeClr val="bg1"/>
+              </a:solidFill>
+            </a:endParaRPr>
+          </a:p>
+          <a:p>
+            <a:r>
+              <a:rPr lang="en-US" dirty="0">
+                <a:solidFill>
+                  <a:schemeClr val="bg1"/>
+                </a:solidFill>
+              </a:rPr>
+              <a:t>The development of the Atanasoff Berry computer and the Von Neumann architecture laid the foundation for the next generations of computers.</a:t>
+            </a:r>
+            <a:endParaRPr lang="es-ES" dirty="0">
+              <a:solidFill>
+                <a:schemeClr val="bg1"/>
+              </a:solidFill>
+            </a:endParaRPr>
+          </a:p>
+        </p:txBody>
+      </p:sp>
+    </p:spTree>
+    <p:extLst>
+      <p:ext uri="{BB962C8B-B14F-4D97-AF65-F5344CB8AC3E}">
+        <p14:creationId xmlns:p14="http://schemas.microsoft.com/office/powerpoint/2010/main" val="2271487826"/>
       </p:ext>
     </p:extLst>
   </p:cSld>

--- a/Sistemas Informaticos/UD1/Trabajo historia sistema informaticos.pptx
+++ b/Sistemas Informaticos/UD1/Trabajo historia sistema informaticos.pptx
@@ -10,6 +10,10 @@
     <p:sldId id="258" r:id="rId4"/>
     <p:sldId id="259" r:id="rId5"/>
     <p:sldId id="260" r:id="rId6"/>
+    <p:sldId id="261" r:id="rId7"/>
+    <p:sldId id="262" r:id="rId8"/>
+    <p:sldId id="263" r:id="rId9"/>
+    <p:sldId id="264" r:id="rId10"/>
   </p:sldIdLst>
   <p:sldSz cx="12192000" cy="6858000"/>
   <p:notesSz cx="6858000" cy="9144000"/>
@@ -119,7 +123,7 @@
 <file path=ppt/revisionInfo.xml><?xml version="1.0" encoding="utf-8"?>
 <p1510:revInfo xmlns:a="http://schemas.openxmlformats.org/drawingml/2006/main" xmlns:r="http://schemas.openxmlformats.org/officeDocument/2006/relationships" xmlns:p1510="http://schemas.microsoft.com/office/powerpoint/2015/10/main">
   <p1510:revLst>
-    <p1510:client id="{C766F9D2-225C-499C-8FD8-FF5D73E24B64}" v="179" dt="2023-09-27T19:03:15.486"/>
+    <p1510:client id="{C766F9D2-225C-499C-8FD8-FF5D73E24B64}" v="497" dt="2023-09-28T18:40:51.030"/>
   </p1510:revLst>
 </p1510:revInfo>
 </file>
@@ -1345,16 +1349,24 @@
   <pc:docChgLst>
     <pc:chgData name="Francisco Martin" userId="559f4d3f8982107f" providerId="LiveId" clId="{C766F9D2-225C-499C-8FD8-FF5D73E24B64}"/>
     <pc:docChg chg="undo custSel addSld delSld modSld modMainMaster">
-      <pc:chgData name="Francisco Martin" userId="559f4d3f8982107f" providerId="LiveId" clId="{C766F9D2-225C-499C-8FD8-FF5D73E24B64}" dt="2023-09-27T19:04:12.676" v="773" actId="1076"/>
+      <pc:chgData name="Francisco Martin" userId="559f4d3f8982107f" providerId="LiveId" clId="{C766F9D2-225C-499C-8FD8-FF5D73E24B64}" dt="2023-09-28T18:41:17.039" v="2387" actId="478"/>
       <pc:docMkLst>
         <pc:docMk/>
       </pc:docMkLst>
       <pc:sldChg chg="addSp delSp modSp new mod modTransition modAnim">
-        <pc:chgData name="Francisco Martin" userId="559f4d3f8982107f" providerId="LiveId" clId="{C766F9D2-225C-499C-8FD8-FF5D73E24B64}" dt="2023-09-27T14:01:22.292" v="533"/>
+        <pc:chgData name="Francisco Martin" userId="559f4d3f8982107f" providerId="LiveId" clId="{C766F9D2-225C-499C-8FD8-FF5D73E24B64}" dt="2023-09-28T18:37:04.217" v="2139" actId="1035"/>
         <pc:sldMkLst>
           <pc:docMk/>
           <pc:sldMk cId="2733407566" sldId="256"/>
         </pc:sldMkLst>
+        <pc:spChg chg="add mod">
+          <ac:chgData name="Francisco Martin" userId="559f4d3f8982107f" providerId="LiveId" clId="{C766F9D2-225C-499C-8FD8-FF5D73E24B64}" dt="2023-09-28T18:36:53.416" v="2068" actId="1036"/>
+          <ac:spMkLst>
+            <pc:docMk/>
+            <pc:sldMk cId="2733407566" sldId="256"/>
+            <ac:spMk id="2" creationId="{B7E9F229-C548-0C6D-A43E-BC385601484A}"/>
+          </ac:spMkLst>
+        </pc:spChg>
         <pc:spChg chg="add del mod">
           <ac:chgData name="Francisco Martin" userId="559f4d3f8982107f" providerId="LiveId" clId="{C766F9D2-225C-499C-8FD8-FF5D73E24B64}" dt="2023-09-27T13:32:46.506" v="19" actId="478"/>
           <ac:spMkLst>
@@ -1363,6 +1375,14 @@
             <ac:spMk id="2" creationId="{CD346BA9-332E-2EBE-CC42-DB61DB9E087F}"/>
           </ac:spMkLst>
         </pc:spChg>
+        <pc:spChg chg="add mod">
+          <ac:chgData name="Francisco Martin" userId="559f4d3f8982107f" providerId="LiveId" clId="{C766F9D2-225C-499C-8FD8-FF5D73E24B64}" dt="2023-09-28T18:36:53.416" v="2068" actId="1036"/>
+          <ac:spMkLst>
+            <pc:docMk/>
+            <pc:sldMk cId="2733407566" sldId="256"/>
+            <ac:spMk id="3" creationId="{8923DDBE-A312-C903-5654-BDB5459C228F}"/>
+          </ac:spMkLst>
+        </pc:spChg>
         <pc:spChg chg="add del mod">
           <ac:chgData name="Francisco Martin" userId="559f4d3f8982107f" providerId="LiveId" clId="{C766F9D2-225C-499C-8FD8-FF5D73E24B64}" dt="2023-09-27T13:33:48.083" v="31" actId="478"/>
           <ac:spMkLst>
@@ -1379,6 +1399,14 @@
             <ac:spMk id="4" creationId="{35BD24B5-5151-96BC-6FE0-34C385B3601D}"/>
           </ac:spMkLst>
         </pc:spChg>
+        <pc:spChg chg="add mod">
+          <ac:chgData name="Francisco Martin" userId="559f4d3f8982107f" providerId="LiveId" clId="{C766F9D2-225C-499C-8FD8-FF5D73E24B64}" dt="2023-09-28T18:36:53.416" v="2068" actId="1036"/>
+          <ac:spMkLst>
+            <pc:docMk/>
+            <pc:sldMk cId="2733407566" sldId="256"/>
+            <ac:spMk id="4" creationId="{513A3EA0-E03F-22B4-D218-3249A743E2C8}"/>
+          </ac:spMkLst>
+        </pc:spChg>
         <pc:spChg chg="add mod ord">
           <ac:chgData name="Francisco Martin" userId="559f4d3f8982107f" providerId="LiveId" clId="{C766F9D2-225C-499C-8FD8-FF5D73E24B64}" dt="2023-09-27T13:46:33.795" v="264" actId="1035"/>
           <ac:spMkLst>
@@ -1403,6 +1431,46 @@
             <ac:spMk id="7" creationId="{874F270E-C96E-55B8-3B9E-9CF7EDB68D61}"/>
           </ac:spMkLst>
         </pc:spChg>
+        <pc:spChg chg="add mod">
+          <ac:chgData name="Francisco Martin" userId="559f4d3f8982107f" providerId="LiveId" clId="{C766F9D2-225C-499C-8FD8-FF5D73E24B64}" dt="2023-09-28T18:37:04.217" v="2139" actId="1035"/>
+          <ac:spMkLst>
+            <pc:docMk/>
+            <pc:sldMk cId="2733407566" sldId="256"/>
+            <ac:spMk id="9" creationId="{55121FE0-014C-1184-96A4-3596AE20A164}"/>
+          </ac:spMkLst>
+        </pc:spChg>
+        <pc:spChg chg="add mod">
+          <ac:chgData name="Francisco Martin" userId="559f4d3f8982107f" providerId="LiveId" clId="{C766F9D2-225C-499C-8FD8-FF5D73E24B64}" dt="2023-09-28T18:37:04.217" v="2139" actId="1035"/>
+          <ac:spMkLst>
+            <pc:docMk/>
+            <pc:sldMk cId="2733407566" sldId="256"/>
+            <ac:spMk id="10" creationId="{2367A931-6124-23E1-19A1-DA189B247A21}"/>
+          </ac:spMkLst>
+        </pc:spChg>
+        <pc:spChg chg="add mod">
+          <ac:chgData name="Francisco Martin" userId="559f4d3f8982107f" providerId="LiveId" clId="{C766F9D2-225C-499C-8FD8-FF5D73E24B64}" dt="2023-09-28T18:37:04.217" v="2139" actId="1035"/>
+          <ac:spMkLst>
+            <pc:docMk/>
+            <pc:sldMk cId="2733407566" sldId="256"/>
+            <ac:spMk id="11" creationId="{EA124609-C464-8AB5-3997-00C16C40E086}"/>
+          </ac:spMkLst>
+        </pc:spChg>
+        <pc:picChg chg="add mod">
+          <ac:chgData name="Francisco Martin" userId="559f4d3f8982107f" providerId="LiveId" clId="{C766F9D2-225C-499C-8FD8-FF5D73E24B64}" dt="2023-09-28T18:36:53.416" v="2068" actId="1036"/>
+          <ac:picMkLst>
+            <pc:docMk/>
+            <pc:sldMk cId="2733407566" sldId="256"/>
+            <ac:picMk id="8" creationId="{F0E95FDD-E68D-056B-2F3E-1D052087AD9A}"/>
+          </ac:picMkLst>
+        </pc:picChg>
+        <pc:picChg chg="add mod">
+          <ac:chgData name="Francisco Martin" userId="559f4d3f8982107f" providerId="LiveId" clId="{C766F9D2-225C-499C-8FD8-FF5D73E24B64}" dt="2023-09-28T18:37:04.217" v="2139" actId="1035"/>
+          <ac:picMkLst>
+            <pc:docMk/>
+            <pc:sldMk cId="2733407566" sldId="256"/>
+            <ac:picMk id="12" creationId="{17598184-5F00-05C7-AF09-4EC1A467F8C5}"/>
+          </ac:picMkLst>
+        </pc:picChg>
       </pc:sldChg>
       <pc:sldChg chg="del">
         <pc:chgData name="Francisco Martin" userId="559f4d3f8982107f" providerId="LiveId" clId="{C766F9D2-225C-499C-8FD8-FF5D73E24B64}" dt="2023-09-27T13:31:05.993" v="0" actId="2696"/>
@@ -1411,12 +1479,220 @@
           <pc:sldMk cId="3308827409" sldId="256"/>
         </pc:sldMkLst>
       </pc:sldChg>
-      <pc:sldChg chg="new modTransition">
-        <pc:chgData name="Francisco Martin" userId="559f4d3f8982107f" providerId="LiveId" clId="{C766F9D2-225C-499C-8FD8-FF5D73E24B64}" dt="2023-09-27T14:01:22.231" v="531"/>
+      <pc:sldChg chg="addSp delSp modSp new mod modTransition">
+        <pc:chgData name="Francisco Martin" userId="559f4d3f8982107f" providerId="LiveId" clId="{C766F9D2-225C-499C-8FD8-FF5D73E24B64}" dt="2023-09-28T18:41:17.039" v="2387" actId="478"/>
         <pc:sldMkLst>
           <pc:docMk/>
           <pc:sldMk cId="1638443025" sldId="257"/>
         </pc:sldMkLst>
+        <pc:spChg chg="add mod">
+          <ac:chgData name="Francisco Martin" userId="559f4d3f8982107f" providerId="LiveId" clId="{C766F9D2-225C-499C-8FD8-FF5D73E24B64}" dt="2023-09-28T18:32:48.187" v="1985" actId="255"/>
+          <ac:spMkLst>
+            <pc:docMk/>
+            <pc:sldMk cId="1638443025" sldId="257"/>
+            <ac:spMk id="2" creationId="{B3AC832D-289B-8984-CFB2-1152DE1B4A74}"/>
+          </ac:spMkLst>
+        </pc:spChg>
+        <pc:spChg chg="add mod">
+          <ac:chgData name="Francisco Martin" userId="559f4d3f8982107f" providerId="LiveId" clId="{C766F9D2-225C-499C-8FD8-FF5D73E24B64}" dt="2023-09-28T18:29:40.453" v="1868" actId="2085"/>
+          <ac:spMkLst>
+            <pc:docMk/>
+            <pc:sldMk cId="1638443025" sldId="257"/>
+            <ac:spMk id="3" creationId="{A9BDF635-3EFD-2EA0-AE81-72216DD1F220}"/>
+          </ac:spMkLst>
+        </pc:spChg>
+        <pc:spChg chg="add mod ord">
+          <ac:chgData name="Francisco Martin" userId="559f4d3f8982107f" providerId="LiveId" clId="{C766F9D2-225C-499C-8FD8-FF5D73E24B64}" dt="2023-09-28T18:32:09.448" v="1977" actId="167"/>
+          <ac:spMkLst>
+            <pc:docMk/>
+            <pc:sldMk cId="1638443025" sldId="257"/>
+            <ac:spMk id="4" creationId="{DC87F1DC-FAE6-E8B9-8FF6-6230C2B2E2B4}"/>
+          </ac:spMkLst>
+        </pc:spChg>
+        <pc:spChg chg="add mod">
+          <ac:chgData name="Francisco Martin" userId="559f4d3f8982107f" providerId="LiveId" clId="{C766F9D2-225C-499C-8FD8-FF5D73E24B64}" dt="2023-09-28T18:30:31.265" v="1905" actId="207"/>
+          <ac:spMkLst>
+            <pc:docMk/>
+            <pc:sldMk cId="1638443025" sldId="257"/>
+            <ac:spMk id="5" creationId="{6531D578-3137-1E53-14EB-400E6290AF71}"/>
+          </ac:spMkLst>
+        </pc:spChg>
+        <pc:spChg chg="add mod">
+          <ac:chgData name="Francisco Martin" userId="559f4d3f8982107f" providerId="LiveId" clId="{C766F9D2-225C-499C-8FD8-FF5D73E24B64}" dt="2023-09-28T18:32:41.151" v="1984" actId="255"/>
+          <ac:spMkLst>
+            <pc:docMk/>
+            <pc:sldMk cId="1638443025" sldId="257"/>
+            <ac:spMk id="6" creationId="{A164C7C3-94FC-22F6-26D0-2684227C0435}"/>
+          </ac:spMkLst>
+        </pc:spChg>
+        <pc:spChg chg="add mod">
+          <ac:chgData name="Francisco Martin" userId="559f4d3f8982107f" providerId="LiveId" clId="{C766F9D2-225C-499C-8FD8-FF5D73E24B64}" dt="2023-09-28T18:31:55.539" v="1973" actId="1076"/>
+          <ac:spMkLst>
+            <pc:docMk/>
+            <pc:sldMk cId="1638443025" sldId="257"/>
+            <ac:spMk id="7" creationId="{010FC586-B66C-BFC1-1247-1C6CCE4FDB66}"/>
+          </ac:spMkLst>
+        </pc:spChg>
+        <pc:spChg chg="add mod ord">
+          <ac:chgData name="Francisco Martin" userId="559f4d3f8982107f" providerId="LiveId" clId="{C766F9D2-225C-499C-8FD8-FF5D73E24B64}" dt="2023-09-28T18:36:36.431" v="2001" actId="207"/>
+          <ac:spMkLst>
+            <pc:docMk/>
+            <pc:sldMk cId="1638443025" sldId="257"/>
+            <ac:spMk id="12" creationId="{C46EDB26-700A-13CA-9933-5740F0127FEA}"/>
+          </ac:spMkLst>
+        </pc:spChg>
+        <pc:spChg chg="add mod">
+          <ac:chgData name="Francisco Martin" userId="559f4d3f8982107f" providerId="LiveId" clId="{C766F9D2-225C-499C-8FD8-FF5D73E24B64}" dt="2023-09-28T18:39:37.155" v="2379" actId="1076"/>
+          <ac:spMkLst>
+            <pc:docMk/>
+            <pc:sldMk cId="1638443025" sldId="257"/>
+            <ac:spMk id="13" creationId="{32010B86-4CED-B96A-E3E9-301D1BB1935D}"/>
+          </ac:spMkLst>
+        </pc:spChg>
+        <pc:spChg chg="mod">
+          <ac:chgData name="Francisco Martin" userId="559f4d3f8982107f" providerId="LiveId" clId="{C766F9D2-225C-499C-8FD8-FF5D73E24B64}" dt="2023-09-28T18:39:22.568" v="2259"/>
+          <ac:spMkLst>
+            <pc:docMk/>
+            <pc:sldMk cId="1638443025" sldId="257"/>
+            <ac:spMk id="16" creationId="{779391DA-DE6D-E4FB-8CEC-238D2A36BCA0}"/>
+          </ac:spMkLst>
+        </pc:spChg>
+        <pc:spChg chg="mod">
+          <ac:chgData name="Francisco Martin" userId="559f4d3f8982107f" providerId="LiveId" clId="{C766F9D2-225C-499C-8FD8-FF5D73E24B64}" dt="2023-09-28T18:39:22.568" v="2259"/>
+          <ac:spMkLst>
+            <pc:docMk/>
+            <pc:sldMk cId="1638443025" sldId="257"/>
+            <ac:spMk id="19" creationId="{7DB688CB-D74C-1C9C-B28E-ECE7713AA844}"/>
+          </ac:spMkLst>
+        </pc:spChg>
+        <pc:spChg chg="mod">
+          <ac:chgData name="Francisco Martin" userId="559f4d3f8982107f" providerId="LiveId" clId="{C766F9D2-225C-499C-8FD8-FF5D73E24B64}" dt="2023-09-28T18:39:22.568" v="2259"/>
+          <ac:spMkLst>
+            <pc:docMk/>
+            <pc:sldMk cId="1638443025" sldId="257"/>
+            <ac:spMk id="22" creationId="{3845E150-E608-3423-7570-3307776051A8}"/>
+          </ac:spMkLst>
+        </pc:spChg>
+        <pc:spChg chg="mod">
+          <ac:chgData name="Francisco Martin" userId="559f4d3f8982107f" providerId="LiveId" clId="{C766F9D2-225C-499C-8FD8-FF5D73E24B64}" dt="2023-09-28T18:39:22.568" v="2259"/>
+          <ac:spMkLst>
+            <pc:docMk/>
+            <pc:sldMk cId="1638443025" sldId="257"/>
+            <ac:spMk id="25" creationId="{D3EEA35E-B0C0-0D84-37EE-ECA976B96222}"/>
+          </ac:spMkLst>
+        </pc:spChg>
+        <pc:spChg chg="mod">
+          <ac:chgData name="Francisco Martin" userId="559f4d3f8982107f" providerId="LiveId" clId="{C766F9D2-225C-499C-8FD8-FF5D73E24B64}" dt="2023-09-28T18:39:22.568" v="2259"/>
+          <ac:spMkLst>
+            <pc:docMk/>
+            <pc:sldMk cId="1638443025" sldId="257"/>
+            <ac:spMk id="28" creationId="{28546082-65C6-0CE2-5B13-3119AF3750DB}"/>
+          </ac:spMkLst>
+        </pc:spChg>
+        <pc:spChg chg="add del mod">
+          <ac:chgData name="Francisco Martin" userId="559f4d3f8982107f" providerId="LiveId" clId="{C766F9D2-225C-499C-8FD8-FF5D73E24B64}" dt="2023-09-28T18:41:17.039" v="2387" actId="478"/>
+          <ac:spMkLst>
+            <pc:docMk/>
+            <pc:sldMk cId="1638443025" sldId="257"/>
+            <ac:spMk id="29" creationId="{535DADFC-BB98-8692-141F-FBEE87285A05}"/>
+          </ac:spMkLst>
+        </pc:spChg>
+        <pc:grpChg chg="add mod">
+          <ac:chgData name="Francisco Martin" userId="559f4d3f8982107f" providerId="LiveId" clId="{C766F9D2-225C-499C-8FD8-FF5D73E24B64}" dt="2023-09-28T18:39:43.675" v="2380" actId="1076"/>
+          <ac:grpSpMkLst>
+            <pc:docMk/>
+            <pc:sldMk cId="1638443025" sldId="257"/>
+            <ac:grpSpMk id="14" creationId="{988C2078-2CB8-A2C9-DDED-7920ACFA089C}"/>
+          </ac:grpSpMkLst>
+        </pc:grpChg>
+        <pc:grpChg chg="add mod">
+          <ac:chgData name="Francisco Martin" userId="559f4d3f8982107f" providerId="LiveId" clId="{C766F9D2-225C-499C-8FD8-FF5D73E24B64}" dt="2023-09-28T18:39:47.999" v="2381" actId="1076"/>
+          <ac:grpSpMkLst>
+            <pc:docMk/>
+            <pc:sldMk cId="1638443025" sldId="257"/>
+            <ac:grpSpMk id="17" creationId="{02F90508-A1A4-77D2-6220-F43ED32F3C86}"/>
+          </ac:grpSpMkLst>
+        </pc:grpChg>
+        <pc:grpChg chg="add mod">
+          <ac:chgData name="Francisco Martin" userId="559f4d3f8982107f" providerId="LiveId" clId="{C766F9D2-225C-499C-8FD8-FF5D73E24B64}" dt="2023-09-28T18:39:43.675" v="2380" actId="1076"/>
+          <ac:grpSpMkLst>
+            <pc:docMk/>
+            <pc:sldMk cId="1638443025" sldId="257"/>
+            <ac:grpSpMk id="20" creationId="{614A09BA-97DD-F02C-41D5-E46D32F1B228}"/>
+          </ac:grpSpMkLst>
+        </pc:grpChg>
+        <pc:grpChg chg="add mod">
+          <ac:chgData name="Francisco Martin" userId="559f4d3f8982107f" providerId="LiveId" clId="{C766F9D2-225C-499C-8FD8-FF5D73E24B64}" dt="2023-09-28T18:39:47.999" v="2381" actId="1076"/>
+          <ac:grpSpMkLst>
+            <pc:docMk/>
+            <pc:sldMk cId="1638443025" sldId="257"/>
+            <ac:grpSpMk id="23" creationId="{9BB3D10E-50D1-ECE3-D6C9-C523829964F1}"/>
+          </ac:grpSpMkLst>
+        </pc:grpChg>
+        <pc:grpChg chg="add mod">
+          <ac:chgData name="Francisco Martin" userId="559f4d3f8982107f" providerId="LiveId" clId="{C766F9D2-225C-499C-8FD8-FF5D73E24B64}" dt="2023-09-28T18:39:43.675" v="2380" actId="1076"/>
+          <ac:grpSpMkLst>
+            <pc:docMk/>
+            <pc:sldMk cId="1638443025" sldId="257"/>
+            <ac:grpSpMk id="26" creationId="{8A6CE59E-99C7-6FCC-8189-45072218B63B}"/>
+          </ac:grpSpMkLst>
+        </pc:grpChg>
+        <pc:picChg chg="add mod">
+          <ac:chgData name="Francisco Martin" userId="559f4d3f8982107f" providerId="LiveId" clId="{C766F9D2-225C-499C-8FD8-FF5D73E24B64}" dt="2023-09-28T18:34:47.539" v="1993" actId="1038"/>
+          <ac:picMkLst>
+            <pc:docMk/>
+            <pc:sldMk cId="1638443025" sldId="257"/>
+            <ac:picMk id="9" creationId="{5E917A25-F131-BC25-3C62-B82EEBC384AC}"/>
+          </ac:picMkLst>
+        </pc:picChg>
+        <pc:picChg chg="add mod">
+          <ac:chgData name="Francisco Martin" userId="559f4d3f8982107f" providerId="LiveId" clId="{C766F9D2-225C-499C-8FD8-FF5D73E24B64}" dt="2023-09-28T18:35:49.266" v="1997" actId="1076"/>
+          <ac:picMkLst>
+            <pc:docMk/>
+            <pc:sldMk cId="1638443025" sldId="257"/>
+            <ac:picMk id="11" creationId="{CD09E7DE-4E5A-72B9-3F71-C3144E1CC651}"/>
+          </ac:picMkLst>
+        </pc:picChg>
+        <pc:cxnChg chg="mod">
+          <ac:chgData name="Francisco Martin" userId="559f4d3f8982107f" providerId="LiveId" clId="{C766F9D2-225C-499C-8FD8-FF5D73E24B64}" dt="2023-09-28T18:39:22.568" v="2259"/>
+          <ac:cxnSpMkLst>
+            <pc:docMk/>
+            <pc:sldMk cId="1638443025" sldId="257"/>
+            <ac:cxnSpMk id="15" creationId="{3C38BEB2-50D5-6203-EE2E-C122D7970719}"/>
+          </ac:cxnSpMkLst>
+        </pc:cxnChg>
+        <pc:cxnChg chg="mod">
+          <ac:chgData name="Francisco Martin" userId="559f4d3f8982107f" providerId="LiveId" clId="{C766F9D2-225C-499C-8FD8-FF5D73E24B64}" dt="2023-09-28T18:39:22.568" v="2259"/>
+          <ac:cxnSpMkLst>
+            <pc:docMk/>
+            <pc:sldMk cId="1638443025" sldId="257"/>
+            <ac:cxnSpMk id="18" creationId="{C3CB5082-5CBE-8A26-3B2E-143A13201A59}"/>
+          </ac:cxnSpMkLst>
+        </pc:cxnChg>
+        <pc:cxnChg chg="mod">
+          <ac:chgData name="Francisco Martin" userId="559f4d3f8982107f" providerId="LiveId" clId="{C766F9D2-225C-499C-8FD8-FF5D73E24B64}" dt="2023-09-28T18:39:22.568" v="2259"/>
+          <ac:cxnSpMkLst>
+            <pc:docMk/>
+            <pc:sldMk cId="1638443025" sldId="257"/>
+            <ac:cxnSpMk id="21" creationId="{03E74D0F-FD09-D72C-2D05-919D46817FD3}"/>
+          </ac:cxnSpMkLst>
+        </pc:cxnChg>
+        <pc:cxnChg chg="mod">
+          <ac:chgData name="Francisco Martin" userId="559f4d3f8982107f" providerId="LiveId" clId="{C766F9D2-225C-499C-8FD8-FF5D73E24B64}" dt="2023-09-28T18:39:22.568" v="2259"/>
+          <ac:cxnSpMkLst>
+            <pc:docMk/>
+            <pc:sldMk cId="1638443025" sldId="257"/>
+            <ac:cxnSpMk id="24" creationId="{0542D9C8-9033-06F3-DA2C-7C377AB4A3BF}"/>
+          </ac:cxnSpMkLst>
+        </pc:cxnChg>
+        <pc:cxnChg chg="mod">
+          <ac:chgData name="Francisco Martin" userId="559f4d3f8982107f" providerId="LiveId" clId="{C766F9D2-225C-499C-8FD8-FF5D73E24B64}" dt="2023-09-28T18:39:22.568" v="2259"/>
+          <ac:cxnSpMkLst>
+            <pc:docMk/>
+            <pc:sldMk cId="1638443025" sldId="257"/>
+            <ac:cxnSpMk id="27" creationId="{199E2D71-B999-C79F-15D4-F40DE06D7D52}"/>
+          </ac:cxnSpMkLst>
+        </pc:cxnChg>
       </pc:sldChg>
       <pc:sldChg chg="add del">
         <pc:chgData name="Francisco Martin" userId="559f4d3f8982107f" providerId="LiveId" clId="{C766F9D2-225C-499C-8FD8-FF5D73E24B64}" dt="2023-09-27T13:37:14.166" v="59" actId="47"/>
@@ -1426,7 +1702,7 @@
         </pc:sldMkLst>
       </pc:sldChg>
       <pc:sldChg chg="addSp delSp modSp new mod modTransition">
-        <pc:chgData name="Francisco Martin" userId="559f4d3f8982107f" providerId="LiveId" clId="{C766F9D2-225C-499C-8FD8-FF5D73E24B64}" dt="2023-09-27T14:23:39.518" v="705" actId="1076"/>
+        <pc:chgData name="Francisco Martin" userId="559f4d3f8982107f" providerId="LiveId" clId="{C766F9D2-225C-499C-8FD8-FF5D73E24B64}" dt="2023-09-28T18:40:47.228" v="2384" actId="167"/>
         <pc:sldMkLst>
           <pc:docMk/>
           <pc:sldMk cId="3849775111" sldId="258"/>
@@ -1439,8 +1715,16 @@
             <ac:spMk id="2" creationId="{65D761A7-5E1A-4363-1EE7-487839A24CB4}"/>
           </ac:spMkLst>
         </pc:spChg>
+        <pc:spChg chg="add mod ord">
+          <ac:chgData name="Francisco Martin" userId="559f4d3f8982107f" providerId="LiveId" clId="{C766F9D2-225C-499C-8FD8-FF5D73E24B64}" dt="2023-09-28T18:40:47.228" v="2384" actId="167"/>
+          <ac:spMkLst>
+            <pc:docMk/>
+            <pc:sldMk cId="3849775111" sldId="258"/>
+            <ac:spMk id="11" creationId="{BF8CF8DA-6B37-68F1-6226-A2B0DC3A338D}"/>
+          </ac:spMkLst>
+        </pc:spChg>
         <pc:spChg chg="add mod">
-          <ac:chgData name="Francisco Martin" userId="559f4d3f8982107f" providerId="LiveId" clId="{C766F9D2-225C-499C-8FD8-FF5D73E24B64}" dt="2023-09-27T14:03:55.075" v="572" actId="2085"/>
+          <ac:chgData name="Francisco Martin" userId="559f4d3f8982107f" providerId="LiveId" clId="{C766F9D2-225C-499C-8FD8-FF5D73E24B64}" dt="2023-09-28T18:38:19.419" v="2157" actId="164"/>
           <ac:spMkLst>
             <pc:docMk/>
             <pc:sldMk cId="3849775111" sldId="258"/>
@@ -1448,7 +1732,7 @@
           </ac:spMkLst>
         </pc:spChg>
         <pc:spChg chg="add mod">
-          <ac:chgData name="Francisco Martin" userId="559f4d3f8982107f" providerId="LiveId" clId="{C766F9D2-225C-499C-8FD8-FF5D73E24B64}" dt="2023-09-27T14:04:00.087" v="573" actId="2085"/>
+          <ac:chgData name="Francisco Martin" userId="559f4d3f8982107f" providerId="LiveId" clId="{C766F9D2-225C-499C-8FD8-FF5D73E24B64}" dt="2023-09-28T18:38:25.412" v="2158" actId="164"/>
           <ac:spMkLst>
             <pc:docMk/>
             <pc:sldMk cId="3849775111" sldId="258"/>
@@ -1456,7 +1740,7 @@
           </ac:spMkLst>
         </pc:spChg>
         <pc:spChg chg="add mod">
-          <ac:chgData name="Francisco Martin" userId="559f4d3f8982107f" providerId="LiveId" clId="{C766F9D2-225C-499C-8FD8-FF5D73E24B64}" dt="2023-09-27T14:04:04.498" v="574" actId="2085"/>
+          <ac:chgData name="Francisco Martin" userId="559f4d3f8982107f" providerId="LiveId" clId="{C766F9D2-225C-499C-8FD8-FF5D73E24B64}" dt="2023-09-28T18:38:31.851" v="2159" actId="164"/>
           <ac:spMkLst>
             <pc:docMk/>
             <pc:sldMk cId="3849775111" sldId="258"/>
@@ -1464,7 +1748,7 @@
           </ac:spMkLst>
         </pc:spChg>
         <pc:spChg chg="add mod">
-          <ac:chgData name="Francisco Martin" userId="559f4d3f8982107f" providerId="LiveId" clId="{C766F9D2-225C-499C-8FD8-FF5D73E24B64}" dt="2023-09-27T14:04:08.277" v="575" actId="2085"/>
+          <ac:chgData name="Francisco Martin" userId="559f4d3f8982107f" providerId="LiveId" clId="{C766F9D2-225C-499C-8FD8-FF5D73E24B64}" dt="2023-09-28T18:38:37.643" v="2160" actId="164"/>
           <ac:spMkLst>
             <pc:docMk/>
             <pc:sldMk cId="3849775111" sldId="258"/>
@@ -1472,7 +1756,7 @@
           </ac:spMkLst>
         </pc:spChg>
         <pc:spChg chg="add mod">
-          <ac:chgData name="Francisco Martin" userId="559f4d3f8982107f" providerId="LiveId" clId="{C766F9D2-225C-499C-8FD8-FF5D73E24B64}" dt="2023-09-27T14:04:11.772" v="576" actId="2085"/>
+          <ac:chgData name="Francisco Martin" userId="559f4d3f8982107f" providerId="LiveId" clId="{C766F9D2-225C-499C-8FD8-FF5D73E24B64}" dt="2023-09-28T18:38:43.388" v="2161" actId="164"/>
           <ac:spMkLst>
             <pc:docMk/>
             <pc:sldMk cId="3849775111" sldId="258"/>
@@ -1495,6 +1779,46 @@
             <ac:spMk id="31" creationId="{C291B07C-44C3-C943-5D2B-40C5E90072B8}"/>
           </ac:spMkLst>
         </pc:spChg>
+        <pc:grpChg chg="add mod">
+          <ac:chgData name="Francisco Martin" userId="559f4d3f8982107f" providerId="LiveId" clId="{C766F9D2-225C-499C-8FD8-FF5D73E24B64}" dt="2023-09-28T18:38:19.419" v="2157" actId="164"/>
+          <ac:grpSpMkLst>
+            <pc:docMk/>
+            <pc:sldMk cId="3849775111" sldId="258"/>
+            <ac:grpSpMk id="3" creationId="{7BA532D4-62DA-1163-EE66-50BEEFAC6EF9}"/>
+          </ac:grpSpMkLst>
+        </pc:grpChg>
+        <pc:grpChg chg="add mod">
+          <ac:chgData name="Francisco Martin" userId="559f4d3f8982107f" providerId="LiveId" clId="{C766F9D2-225C-499C-8FD8-FF5D73E24B64}" dt="2023-09-28T18:38:25.412" v="2158" actId="164"/>
+          <ac:grpSpMkLst>
+            <pc:docMk/>
+            <pc:sldMk cId="3849775111" sldId="258"/>
+            <ac:grpSpMk id="6" creationId="{EE1E5373-C503-718D-A827-B8B9F4CDF5E8}"/>
+          </ac:grpSpMkLst>
+        </pc:grpChg>
+        <pc:grpChg chg="add mod">
+          <ac:chgData name="Francisco Martin" userId="559f4d3f8982107f" providerId="LiveId" clId="{C766F9D2-225C-499C-8FD8-FF5D73E24B64}" dt="2023-09-28T18:38:31.851" v="2159" actId="164"/>
+          <ac:grpSpMkLst>
+            <pc:docMk/>
+            <pc:sldMk cId="3849775111" sldId="258"/>
+            <ac:grpSpMk id="7" creationId="{A37F0681-5C81-AB93-3DAE-509902C423DB}"/>
+          </ac:grpSpMkLst>
+        </pc:grpChg>
+        <pc:grpChg chg="add mod">
+          <ac:chgData name="Francisco Martin" userId="559f4d3f8982107f" providerId="LiveId" clId="{C766F9D2-225C-499C-8FD8-FF5D73E24B64}" dt="2023-09-28T18:38:37.643" v="2160" actId="164"/>
+          <ac:grpSpMkLst>
+            <pc:docMk/>
+            <pc:sldMk cId="3849775111" sldId="258"/>
+            <ac:grpSpMk id="9" creationId="{3F0F393A-ECA6-9244-5D47-8596863930E7}"/>
+          </ac:grpSpMkLst>
+        </pc:grpChg>
+        <pc:grpChg chg="add mod">
+          <ac:chgData name="Francisco Martin" userId="559f4d3f8982107f" providerId="LiveId" clId="{C766F9D2-225C-499C-8FD8-FF5D73E24B64}" dt="2023-09-28T18:38:43.388" v="2161" actId="164"/>
+          <ac:grpSpMkLst>
+            <pc:docMk/>
+            <pc:sldMk cId="3849775111" sldId="258"/>
+            <ac:grpSpMk id="10" creationId="{31933D57-C3C8-F437-36D3-F7FC3EC05257}"/>
+          </ac:grpSpMkLst>
+        </pc:grpChg>
         <pc:picChg chg="add mod">
           <ac:chgData name="Francisco Martin" userId="559f4d3f8982107f" providerId="LiveId" clId="{C766F9D2-225C-499C-8FD8-FF5D73E24B64}" dt="2023-09-27T14:21:21.601" v="696" actId="1076"/>
           <ac:picMkLst>
@@ -1512,7 +1836,7 @@
           </ac:picMkLst>
         </pc:picChg>
         <pc:cxnChg chg="add mod">
-          <ac:chgData name="Francisco Martin" userId="559f4d3f8982107f" providerId="LiveId" clId="{C766F9D2-225C-499C-8FD8-FF5D73E24B64}" dt="2023-09-27T13:52:55.216" v="295" actId="208"/>
+          <ac:chgData name="Francisco Martin" userId="559f4d3f8982107f" providerId="LiveId" clId="{C766F9D2-225C-499C-8FD8-FF5D73E24B64}" dt="2023-09-28T18:38:19.419" v="2157" actId="164"/>
           <ac:cxnSpMkLst>
             <pc:docMk/>
             <pc:sldMk cId="3849775111" sldId="258"/>
@@ -1520,7 +1844,7 @@
           </ac:cxnSpMkLst>
         </pc:cxnChg>
         <pc:cxnChg chg="add mod">
-          <ac:chgData name="Francisco Martin" userId="559f4d3f8982107f" providerId="LiveId" clId="{C766F9D2-225C-499C-8FD8-FF5D73E24B64}" dt="2023-09-27T13:54:01.636" v="307" actId="14100"/>
+          <ac:chgData name="Francisco Martin" userId="559f4d3f8982107f" providerId="LiveId" clId="{C766F9D2-225C-499C-8FD8-FF5D73E24B64}" dt="2023-09-28T18:38:25.412" v="2158" actId="164"/>
           <ac:cxnSpMkLst>
             <pc:docMk/>
             <pc:sldMk cId="3849775111" sldId="258"/>
@@ -1528,7 +1852,7 @@
           </ac:cxnSpMkLst>
         </pc:cxnChg>
         <pc:cxnChg chg="add mod">
-          <ac:chgData name="Francisco Martin" userId="559f4d3f8982107f" providerId="LiveId" clId="{C766F9D2-225C-499C-8FD8-FF5D73E24B64}" dt="2023-09-27T13:54:30.393" v="315" actId="14100"/>
+          <ac:chgData name="Francisco Martin" userId="559f4d3f8982107f" providerId="LiveId" clId="{C766F9D2-225C-499C-8FD8-FF5D73E24B64}" dt="2023-09-28T18:38:37.643" v="2160" actId="164"/>
           <ac:cxnSpMkLst>
             <pc:docMk/>
             <pc:sldMk cId="3849775111" sldId="258"/>
@@ -1536,7 +1860,7 @@
           </ac:cxnSpMkLst>
         </pc:cxnChg>
         <pc:cxnChg chg="add mod">
-          <ac:chgData name="Francisco Martin" userId="559f4d3f8982107f" providerId="LiveId" clId="{C766F9D2-225C-499C-8FD8-FF5D73E24B64}" dt="2023-09-27T13:54:08.592" v="308" actId="14100"/>
+          <ac:chgData name="Francisco Martin" userId="559f4d3f8982107f" providerId="LiveId" clId="{C766F9D2-225C-499C-8FD8-FF5D73E24B64}" dt="2023-09-28T18:38:43.388" v="2161" actId="164"/>
           <ac:cxnSpMkLst>
             <pc:docMk/>
             <pc:sldMk cId="3849775111" sldId="258"/>
@@ -1544,7 +1868,7 @@
           </ac:cxnSpMkLst>
         </pc:cxnChg>
         <pc:cxnChg chg="add mod">
-          <ac:chgData name="Francisco Martin" userId="559f4d3f8982107f" providerId="LiveId" clId="{C766F9D2-225C-499C-8FD8-FF5D73E24B64}" dt="2023-09-27T13:54:26.244" v="314" actId="14100"/>
+          <ac:chgData name="Francisco Martin" userId="559f4d3f8982107f" providerId="LiveId" clId="{C766F9D2-225C-499C-8FD8-FF5D73E24B64}" dt="2023-09-28T18:38:31.851" v="2159" actId="164"/>
           <ac:cxnSpMkLst>
             <pc:docMk/>
             <pc:sldMk cId="3849775111" sldId="258"/>
@@ -1640,7 +1964,7 @@
         </pc:cxnChg>
       </pc:sldChg>
       <pc:sldChg chg="addSp delSp modSp add mod modTransition">
-        <pc:chgData name="Francisco Martin" userId="559f4d3f8982107f" providerId="LiveId" clId="{C766F9D2-225C-499C-8FD8-FF5D73E24B64}" dt="2023-09-27T18:55:38.202" v="752" actId="206"/>
+        <pc:chgData name="Francisco Martin" userId="559f4d3f8982107f" providerId="LiveId" clId="{C766F9D2-225C-499C-8FD8-FF5D73E24B64}" dt="2023-09-28T18:39:05.883" v="2258" actId="1036"/>
         <pc:sldMkLst>
           <pc:docMk/>
           <pc:sldMk cId="2070359962" sldId="259"/>
@@ -1678,6 +2002,38 @@
           </ac:spMkLst>
         </pc:spChg>
         <pc:spChg chg="add del mod">
+          <ac:chgData name="Francisco Martin" userId="559f4d3f8982107f" providerId="LiveId" clId="{C766F9D2-225C-499C-8FD8-FF5D73E24B64}" dt="2023-09-28T18:38:01.666" v="2156"/>
+          <ac:spMkLst>
+            <pc:docMk/>
+            <pc:sldMk cId="2070359962" sldId="259"/>
+            <ac:spMk id="12" creationId="{D272E094-5333-E982-E346-464494B8D915}"/>
+          </ac:spMkLst>
+        </pc:spChg>
+        <pc:spChg chg="add del mod">
+          <ac:chgData name="Francisco Martin" userId="559f4d3f8982107f" providerId="LiveId" clId="{C766F9D2-225C-499C-8FD8-FF5D73E24B64}" dt="2023-09-28T18:38:01.666" v="2156"/>
+          <ac:spMkLst>
+            <pc:docMk/>
+            <pc:sldMk cId="2070359962" sldId="259"/>
+            <ac:spMk id="13" creationId="{222F8C81-9FD6-2C7A-3679-7B8420F65E7F}"/>
+          </ac:spMkLst>
+        </pc:spChg>
+        <pc:spChg chg="add del mod">
+          <ac:chgData name="Francisco Martin" userId="559f4d3f8982107f" providerId="LiveId" clId="{C766F9D2-225C-499C-8FD8-FF5D73E24B64}" dt="2023-09-28T18:38:01.666" v="2156"/>
+          <ac:spMkLst>
+            <pc:docMk/>
+            <pc:sldMk cId="2070359962" sldId="259"/>
+            <ac:spMk id="14" creationId="{866BE41E-899B-5A28-5751-7E5D9A75EEE3}"/>
+          </ac:spMkLst>
+        </pc:spChg>
+        <pc:spChg chg="add del mod">
+          <ac:chgData name="Francisco Martin" userId="559f4d3f8982107f" providerId="LiveId" clId="{C766F9D2-225C-499C-8FD8-FF5D73E24B64}" dt="2023-09-28T18:38:01.666" v="2156"/>
+          <ac:spMkLst>
+            <pc:docMk/>
+            <pc:sldMk cId="2070359962" sldId="259"/>
+            <ac:spMk id="15" creationId="{37A6C9A5-F254-ECB7-AB40-063A789C12AA}"/>
+          </ac:spMkLst>
+        </pc:spChg>
+        <pc:spChg chg="add del mod">
           <ac:chgData name="Francisco Martin" userId="559f4d3f8982107f" providerId="LiveId" clId="{C766F9D2-225C-499C-8FD8-FF5D73E24B64}" dt="2023-09-27T14:17:45.916" v="687" actId="478"/>
           <ac:spMkLst>
             <pc:docMk/>
@@ -1693,6 +2049,22 @@
             <ac:spMk id="16" creationId="{B74D8065-916C-C2F8-7443-FEE81D22F0AC}"/>
           </ac:spMkLst>
         </pc:spChg>
+        <pc:spChg chg="add del mod">
+          <ac:chgData name="Francisco Martin" userId="559f4d3f8982107f" providerId="LiveId" clId="{C766F9D2-225C-499C-8FD8-FF5D73E24B64}" dt="2023-09-28T18:38:01.666" v="2156"/>
+          <ac:spMkLst>
+            <pc:docMk/>
+            <pc:sldMk cId="2070359962" sldId="259"/>
+            <ac:spMk id="17" creationId="{E0679448-961C-133C-3626-B4DA665E993C}"/>
+          </ac:spMkLst>
+        </pc:spChg>
+        <pc:spChg chg="mod">
+          <ac:chgData name="Francisco Martin" userId="559f4d3f8982107f" providerId="LiveId" clId="{C766F9D2-225C-499C-8FD8-FF5D73E24B64}" dt="2023-09-28T18:38:49.433" v="2162"/>
+          <ac:spMkLst>
+            <pc:docMk/>
+            <pc:sldMk cId="2070359962" sldId="259"/>
+            <ac:spMk id="22" creationId="{D20E9AD6-EDC5-064C-FAAF-11F8BD004464}"/>
+          </ac:spMkLst>
+        </pc:spChg>
         <pc:spChg chg="add del mod ord">
           <ac:chgData name="Francisco Martin" userId="559f4d3f8982107f" providerId="LiveId" clId="{C766F9D2-225C-499C-8FD8-FF5D73E24B64}" dt="2023-09-27T14:07:25.815" v="633" actId="164"/>
           <ac:spMkLst>
@@ -1701,6 +2073,14 @@
             <ac:spMk id="25" creationId="{38D984AA-3721-7658-BB37-C13BA810F3CB}"/>
           </ac:spMkLst>
         </pc:spChg>
+        <pc:spChg chg="mod">
+          <ac:chgData name="Francisco Martin" userId="559f4d3f8982107f" providerId="LiveId" clId="{C766F9D2-225C-499C-8FD8-FF5D73E24B64}" dt="2023-09-28T18:38:49.433" v="2162"/>
+          <ac:spMkLst>
+            <pc:docMk/>
+            <pc:sldMk cId="2070359962" sldId="259"/>
+            <ac:spMk id="25" creationId="{64AD502C-BDDD-02D2-021B-6AA05C80A645}"/>
+          </ac:spMkLst>
+        </pc:spChg>
         <pc:spChg chg="add del mod">
           <ac:chgData name="Francisco Martin" userId="559f4d3f8982107f" providerId="LiveId" clId="{C766F9D2-225C-499C-8FD8-FF5D73E24B64}" dt="2023-09-27T14:07:43.054" v="635" actId="164"/>
           <ac:spMkLst>
@@ -1717,6 +2097,14 @@
             <ac:spMk id="27" creationId="{7C571550-1362-052F-12FB-2C6B2EDA86E7}"/>
           </ac:spMkLst>
         </pc:spChg>
+        <pc:spChg chg="mod">
+          <ac:chgData name="Francisco Martin" userId="559f4d3f8982107f" providerId="LiveId" clId="{C766F9D2-225C-499C-8FD8-FF5D73E24B64}" dt="2023-09-28T18:38:49.433" v="2162"/>
+          <ac:spMkLst>
+            <pc:docMk/>
+            <pc:sldMk cId="2070359962" sldId="259"/>
+            <ac:spMk id="28" creationId="{8133BC87-335D-45BB-B0E1-97DF8BEE3645}"/>
+          </ac:spMkLst>
+        </pc:spChg>
         <pc:spChg chg="add del mod">
           <ac:chgData name="Francisco Martin" userId="559f4d3f8982107f" providerId="LiveId" clId="{C766F9D2-225C-499C-8FD8-FF5D73E24B64}" dt="2023-09-27T14:07:53.083" v="636" actId="164"/>
           <ac:spMkLst>
@@ -1731,6 +2119,22 @@
             <pc:docMk/>
             <pc:sldMk cId="2070359962" sldId="259"/>
             <ac:spMk id="29" creationId="{BE3A9EE8-26D3-CC17-2627-6E6BA4A105C4}"/>
+          </ac:spMkLst>
+        </pc:spChg>
+        <pc:spChg chg="mod">
+          <ac:chgData name="Francisco Martin" userId="559f4d3f8982107f" providerId="LiveId" clId="{C766F9D2-225C-499C-8FD8-FF5D73E24B64}" dt="2023-09-28T18:39:03.150" v="2211"/>
+          <ac:spMkLst>
+            <pc:docMk/>
+            <pc:sldMk cId="2070359962" sldId="259"/>
+            <ac:spMk id="31" creationId="{0F5D14C5-8EF2-ED75-7393-F977376FB5F0}"/>
+          </ac:spMkLst>
+        </pc:spChg>
+        <pc:spChg chg="mod">
+          <ac:chgData name="Francisco Martin" userId="559f4d3f8982107f" providerId="LiveId" clId="{C766F9D2-225C-499C-8FD8-FF5D73E24B64}" dt="2023-09-28T18:39:03.150" v="2211"/>
+          <ac:spMkLst>
+            <pc:docMk/>
+            <pc:sldMk cId="2070359962" sldId="259"/>
+            <ac:spMk id="34" creationId="{2CA0C054-4209-D78F-C1FD-A3E6B7C88553}"/>
           </ac:spMkLst>
         </pc:spChg>
         <pc:grpChg chg="add del mod">
@@ -1781,6 +2185,62 @@
             <ac:grpSpMk id="14" creationId="{5A457FC9-5B33-0717-DC14-86DF5942B84B}"/>
           </ac:grpSpMkLst>
         </pc:grpChg>
+        <pc:grpChg chg="add mod">
+          <ac:chgData name="Francisco Martin" userId="559f4d3f8982107f" providerId="LiveId" clId="{C766F9D2-225C-499C-8FD8-FF5D73E24B64}" dt="2023-09-28T18:38:52.571" v="2210" actId="1035"/>
+          <ac:grpSpMkLst>
+            <pc:docMk/>
+            <pc:sldMk cId="2070359962" sldId="259"/>
+            <ac:grpSpMk id="19" creationId="{CD45B3CB-F569-514F-69C0-49FEB7441FFA}"/>
+          </ac:grpSpMkLst>
+        </pc:grpChg>
+        <pc:grpChg chg="add mod">
+          <ac:chgData name="Francisco Martin" userId="559f4d3f8982107f" providerId="LiveId" clId="{C766F9D2-225C-499C-8FD8-FF5D73E24B64}" dt="2023-09-28T18:38:52.571" v="2210" actId="1035"/>
+          <ac:grpSpMkLst>
+            <pc:docMk/>
+            <pc:sldMk cId="2070359962" sldId="259"/>
+            <ac:grpSpMk id="23" creationId="{B124CF58-E15F-E800-87B0-F385B9F77FFC}"/>
+          </ac:grpSpMkLst>
+        </pc:grpChg>
+        <pc:grpChg chg="add mod">
+          <ac:chgData name="Francisco Martin" userId="559f4d3f8982107f" providerId="LiveId" clId="{C766F9D2-225C-499C-8FD8-FF5D73E24B64}" dt="2023-09-28T18:38:52.571" v="2210" actId="1035"/>
+          <ac:grpSpMkLst>
+            <pc:docMk/>
+            <pc:sldMk cId="2070359962" sldId="259"/>
+            <ac:grpSpMk id="26" creationId="{4A77C105-2456-F64F-79CE-23ACEDE86BC4}"/>
+          </ac:grpSpMkLst>
+        </pc:grpChg>
+        <pc:grpChg chg="add mod">
+          <ac:chgData name="Francisco Martin" userId="559f4d3f8982107f" providerId="LiveId" clId="{C766F9D2-225C-499C-8FD8-FF5D73E24B64}" dt="2023-09-28T18:39:05.883" v="2258" actId="1036"/>
+          <ac:grpSpMkLst>
+            <pc:docMk/>
+            <pc:sldMk cId="2070359962" sldId="259"/>
+            <ac:grpSpMk id="29" creationId="{CEA0F0FC-1506-1550-4A81-600CFCE43007}"/>
+          </ac:grpSpMkLst>
+        </pc:grpChg>
+        <pc:grpChg chg="add mod">
+          <ac:chgData name="Francisco Martin" userId="559f4d3f8982107f" providerId="LiveId" clId="{C766F9D2-225C-499C-8FD8-FF5D73E24B64}" dt="2023-09-28T18:39:05.883" v="2258" actId="1036"/>
+          <ac:grpSpMkLst>
+            <pc:docMk/>
+            <pc:sldMk cId="2070359962" sldId="259"/>
+            <ac:grpSpMk id="32" creationId="{08A11607-60EE-67A9-2613-86A58849DDE0}"/>
+          </ac:grpSpMkLst>
+        </pc:grpChg>
+        <pc:picChg chg="add mod">
+          <ac:chgData name="Francisco Martin" userId="559f4d3f8982107f" providerId="LiveId" clId="{C766F9D2-225C-499C-8FD8-FF5D73E24B64}" dt="2023-09-28T17:20:41.643" v="807" actId="1076"/>
+          <ac:picMkLst>
+            <pc:docMk/>
+            <pc:sldMk cId="2070359962" sldId="259"/>
+            <ac:picMk id="5" creationId="{104702F1-AC4A-3A78-A311-0024A728ABC2}"/>
+          </ac:picMkLst>
+        </pc:picChg>
+        <pc:picChg chg="add mod">
+          <ac:chgData name="Francisco Martin" userId="559f4d3f8982107f" providerId="LiveId" clId="{C766F9D2-225C-499C-8FD8-FF5D73E24B64}" dt="2023-09-28T17:20:41.643" v="807" actId="1076"/>
+          <ac:picMkLst>
+            <pc:docMk/>
+            <pc:sldMk cId="2070359962" sldId="259"/>
+            <ac:picMk id="6" creationId="{32E96978-D11B-67DA-DD23-D40C5E461850}"/>
+          </ac:picMkLst>
+        </pc:picChg>
         <pc:picChg chg="add mod">
           <ac:chgData name="Francisco Martin" userId="559f4d3f8982107f" providerId="LiveId" clId="{C766F9D2-225C-499C-8FD8-FF5D73E24B64}" dt="2023-09-27T14:21:53.391" v="702" actId="1076"/>
           <ac:picMkLst>
@@ -1814,11 +2274,43 @@
           </ac:cxnSpMkLst>
         </pc:cxnChg>
         <pc:cxnChg chg="add del mod">
+          <ac:chgData name="Francisco Martin" userId="559f4d3f8982107f" providerId="LiveId" clId="{C766F9D2-225C-499C-8FD8-FF5D73E24B64}" dt="2023-09-28T18:38:01.666" v="2156"/>
+          <ac:cxnSpMkLst>
+            <pc:docMk/>
+            <pc:sldMk cId="2070359962" sldId="259"/>
+            <ac:cxnSpMk id="7" creationId="{A298D1F4-E0B3-C2B8-7885-D8469FA8670A}"/>
+          </ac:cxnSpMkLst>
+        </pc:cxnChg>
+        <pc:cxnChg chg="add del mod">
           <ac:chgData name="Francisco Martin" userId="559f4d3f8982107f" providerId="LiveId" clId="{C766F9D2-225C-499C-8FD8-FF5D73E24B64}" dt="2023-09-27T14:07:53.083" v="636" actId="164"/>
           <ac:cxnSpMkLst>
             <pc:docMk/>
             <pc:sldMk cId="2070359962" sldId="259"/>
             <ac:cxnSpMk id="8" creationId="{4F8F12F2-A560-92D6-79B8-C7EFCB588A99}"/>
+          </ac:cxnSpMkLst>
+        </pc:cxnChg>
+        <pc:cxnChg chg="add del mod">
+          <ac:chgData name="Francisco Martin" userId="559f4d3f8982107f" providerId="LiveId" clId="{C766F9D2-225C-499C-8FD8-FF5D73E24B64}" dt="2023-09-28T18:38:01.666" v="2156"/>
+          <ac:cxnSpMkLst>
+            <pc:docMk/>
+            <pc:sldMk cId="2070359962" sldId="259"/>
+            <ac:cxnSpMk id="8" creationId="{AE03281B-78AE-AD0E-AAE0-4263B20A8664}"/>
+          </ac:cxnSpMkLst>
+        </pc:cxnChg>
+        <pc:cxnChg chg="add del mod">
+          <ac:chgData name="Francisco Martin" userId="559f4d3f8982107f" providerId="LiveId" clId="{C766F9D2-225C-499C-8FD8-FF5D73E24B64}" dt="2023-09-28T18:38:01.666" v="2156"/>
+          <ac:cxnSpMkLst>
+            <pc:docMk/>
+            <pc:sldMk cId="2070359962" sldId="259"/>
+            <ac:cxnSpMk id="9" creationId="{3312212B-D65B-D677-86FE-613E82B13931}"/>
+          </ac:cxnSpMkLst>
+        </pc:cxnChg>
+        <pc:cxnChg chg="add del mod">
+          <ac:chgData name="Francisco Martin" userId="559f4d3f8982107f" providerId="LiveId" clId="{C766F9D2-225C-499C-8FD8-FF5D73E24B64}" dt="2023-09-28T18:38:01.666" v="2156"/>
+          <ac:cxnSpMkLst>
+            <pc:docMk/>
+            <pc:sldMk cId="2070359962" sldId="259"/>
+            <ac:cxnSpMk id="10" creationId="{62627B0C-46AC-2C9C-0DF0-D06958DBF635}"/>
           </ac:cxnSpMkLst>
         </pc:cxnChg>
         <pc:cxnChg chg="add mod">
@@ -1830,11 +2322,27 @@
           </ac:cxnSpMkLst>
         </pc:cxnChg>
         <pc:cxnChg chg="add del mod">
+          <ac:chgData name="Francisco Martin" userId="559f4d3f8982107f" providerId="LiveId" clId="{C766F9D2-225C-499C-8FD8-FF5D73E24B64}" dt="2023-09-28T18:38:01.666" v="2156"/>
+          <ac:cxnSpMkLst>
+            <pc:docMk/>
+            <pc:sldMk cId="2070359962" sldId="259"/>
+            <ac:cxnSpMk id="11" creationId="{EFBE2941-3238-4D9D-3450-875BED5167A5}"/>
+          </ac:cxnSpMkLst>
+        </pc:cxnChg>
+        <pc:cxnChg chg="add del mod">
           <ac:chgData name="Francisco Martin" userId="559f4d3f8982107f" providerId="LiveId" clId="{C766F9D2-225C-499C-8FD8-FF5D73E24B64}" dt="2023-09-27T14:08:15.706" v="642" actId="164"/>
           <ac:cxnSpMkLst>
             <pc:docMk/>
             <pc:sldMk cId="2070359962" sldId="259"/>
             <ac:cxnSpMk id="12" creationId="{E8B8A75A-5488-1EE6-39CC-FFB65442BE9D}"/>
+          </ac:cxnSpMkLst>
+        </pc:cxnChg>
+        <pc:cxnChg chg="mod">
+          <ac:chgData name="Francisco Martin" userId="559f4d3f8982107f" providerId="LiveId" clId="{C766F9D2-225C-499C-8FD8-FF5D73E24B64}" dt="2023-09-28T18:38:49.433" v="2162"/>
+          <ac:cxnSpMkLst>
+            <pc:docMk/>
+            <pc:sldMk cId="2070359962" sldId="259"/>
+            <ac:cxnSpMk id="20" creationId="{031484EE-266F-C440-891A-5822794B8245}"/>
           </ac:cxnSpMkLst>
         </pc:cxnChg>
         <pc:cxnChg chg="add del mod">
@@ -1845,9 +2353,41 @@
             <ac:cxnSpMk id="20" creationId="{529A13FE-CC88-EBD5-29CF-F8BAD9EECEFF}"/>
           </ac:cxnSpMkLst>
         </pc:cxnChg>
+        <pc:cxnChg chg="mod">
+          <ac:chgData name="Francisco Martin" userId="559f4d3f8982107f" providerId="LiveId" clId="{C766F9D2-225C-499C-8FD8-FF5D73E24B64}" dt="2023-09-28T18:38:49.433" v="2162"/>
+          <ac:cxnSpMkLst>
+            <pc:docMk/>
+            <pc:sldMk cId="2070359962" sldId="259"/>
+            <ac:cxnSpMk id="24" creationId="{8E086460-13BA-C1A7-3F21-E73B4FF37D5E}"/>
+          </ac:cxnSpMkLst>
+        </pc:cxnChg>
+        <pc:cxnChg chg="mod">
+          <ac:chgData name="Francisco Martin" userId="559f4d3f8982107f" providerId="LiveId" clId="{C766F9D2-225C-499C-8FD8-FF5D73E24B64}" dt="2023-09-28T18:38:49.433" v="2162"/>
+          <ac:cxnSpMkLst>
+            <pc:docMk/>
+            <pc:sldMk cId="2070359962" sldId="259"/>
+            <ac:cxnSpMk id="27" creationId="{736B78FE-0536-FD44-1994-C620A7177EDC}"/>
+          </ac:cxnSpMkLst>
+        </pc:cxnChg>
+        <pc:cxnChg chg="mod">
+          <ac:chgData name="Francisco Martin" userId="559f4d3f8982107f" providerId="LiveId" clId="{C766F9D2-225C-499C-8FD8-FF5D73E24B64}" dt="2023-09-28T18:39:03.150" v="2211"/>
+          <ac:cxnSpMkLst>
+            <pc:docMk/>
+            <pc:sldMk cId="2070359962" sldId="259"/>
+            <ac:cxnSpMk id="30" creationId="{5F0D491C-3471-6FED-5CC0-142B43193181}"/>
+          </ac:cxnSpMkLst>
+        </pc:cxnChg>
+        <pc:cxnChg chg="mod">
+          <ac:chgData name="Francisco Martin" userId="559f4d3f8982107f" providerId="LiveId" clId="{C766F9D2-225C-499C-8FD8-FF5D73E24B64}" dt="2023-09-28T18:39:03.150" v="2211"/>
+          <ac:cxnSpMkLst>
+            <pc:docMk/>
+            <pc:sldMk cId="2070359962" sldId="259"/>
+            <ac:cxnSpMk id="33" creationId="{22B984BC-3459-ACD8-CB5B-B175452372A6}"/>
+          </ac:cxnSpMkLst>
+        </pc:cxnChg>
       </pc:sldChg>
       <pc:sldChg chg="addSp delSp modSp add mod">
-        <pc:chgData name="Francisco Martin" userId="559f4d3f8982107f" providerId="LiveId" clId="{C766F9D2-225C-499C-8FD8-FF5D73E24B64}" dt="2023-09-27T19:04:12.676" v="773" actId="1076"/>
+        <pc:chgData name="Francisco Martin" userId="559f4d3f8982107f" providerId="LiveId" clId="{C766F9D2-225C-499C-8FD8-FF5D73E24B64}" dt="2023-09-28T17:36:25.237" v="978" actId="1076"/>
         <pc:sldMkLst>
           <pc:docMk/>
           <pc:sldMk cId="2271487826" sldId="260"/>
@@ -1861,7 +2401,7 @@
           </ac:spMkLst>
         </pc:spChg>
         <pc:spChg chg="mod">
-          <ac:chgData name="Francisco Martin" userId="559f4d3f8982107f" providerId="LiveId" clId="{C766F9D2-225C-499C-8FD8-FF5D73E24B64}" dt="2023-09-27T19:03:46.910" v="772" actId="1076"/>
+          <ac:chgData name="Francisco Martin" userId="559f4d3f8982107f" providerId="LiveId" clId="{C766F9D2-225C-499C-8FD8-FF5D73E24B64}" dt="2023-09-28T17:17:45.152" v="787" actId="20577"/>
           <ac:spMkLst>
             <pc:docMk/>
             <pc:sldMk cId="2271487826" sldId="260"/>
@@ -1869,7 +2409,7 @@
           </ac:spMkLst>
         </pc:spChg>
         <pc:spChg chg="mod">
-          <ac:chgData name="Francisco Martin" userId="559f4d3f8982107f" providerId="LiveId" clId="{C766F9D2-225C-499C-8FD8-FF5D73E24B64}" dt="2023-09-27T19:04:12.676" v="773" actId="1076"/>
+          <ac:chgData name="Francisco Martin" userId="559f4d3f8982107f" providerId="LiveId" clId="{C766F9D2-225C-499C-8FD8-FF5D73E24B64}" dt="2023-09-28T17:16:31.315" v="779" actId="1076"/>
           <ac:spMkLst>
             <pc:docMk/>
             <pc:sldMk cId="2271487826" sldId="260"/>
@@ -1884,6 +2424,30 @@
             <ac:spMk id="5" creationId="{B1F973F9-0C83-7DA6-549A-C2B958781C5B}"/>
           </ac:spMkLst>
         </pc:spChg>
+        <pc:spChg chg="add mod">
+          <ac:chgData name="Francisco Martin" userId="559f4d3f8982107f" providerId="LiveId" clId="{C766F9D2-225C-499C-8FD8-FF5D73E24B64}" dt="2023-09-28T17:22:37.482" v="816" actId="1076"/>
+          <ac:spMkLst>
+            <pc:docMk/>
+            <pc:sldMk cId="2271487826" sldId="260"/>
+            <ac:spMk id="9" creationId="{3A87696D-379D-0E62-E086-0561DEC6CDC2}"/>
+          </ac:spMkLst>
+        </pc:spChg>
+        <pc:spChg chg="add mod">
+          <ac:chgData name="Francisco Martin" userId="559f4d3f8982107f" providerId="LiveId" clId="{C766F9D2-225C-499C-8FD8-FF5D73E24B64}" dt="2023-09-28T17:25:43.564" v="885" actId="1076"/>
+          <ac:spMkLst>
+            <pc:docMk/>
+            <pc:sldMk cId="2271487826" sldId="260"/>
+            <ac:spMk id="10" creationId="{70F7C0C0-AC17-A1B9-646D-6F8563628C47}"/>
+          </ac:spMkLst>
+        </pc:spChg>
+        <pc:spChg chg="add mod">
+          <ac:chgData name="Francisco Martin" userId="559f4d3f8982107f" providerId="LiveId" clId="{C766F9D2-225C-499C-8FD8-FF5D73E24B64}" dt="2023-09-28T17:25:43.564" v="885" actId="1076"/>
+          <ac:spMkLst>
+            <pc:docMk/>
+            <pc:sldMk cId="2271487826" sldId="260"/>
+            <ac:spMk id="11" creationId="{D7AF360E-0D0F-8577-DFC3-B6E3D86B06B1}"/>
+          </ac:spMkLst>
+        </pc:spChg>
         <pc:spChg chg="mod">
           <ac:chgData name="Francisco Martin" userId="559f4d3f8982107f" providerId="LiveId" clId="{C766F9D2-225C-499C-8FD8-FF5D73E24B64}" dt="2023-09-27T19:02:29.453" v="760" actId="1076"/>
           <ac:spMkLst>
@@ -1892,6 +2456,38 @@
             <ac:spMk id="16" creationId="{B74D8065-916C-C2F8-7443-FEE81D22F0AC}"/>
           </ac:spMkLst>
         </pc:spChg>
+        <pc:picChg chg="add mod">
+          <ac:chgData name="Francisco Martin" userId="559f4d3f8982107f" providerId="LiveId" clId="{C766F9D2-225C-499C-8FD8-FF5D73E24B64}" dt="2023-09-28T17:20:05.402" v="799" actId="1076"/>
+          <ac:picMkLst>
+            <pc:docMk/>
+            <pc:sldMk cId="2271487826" sldId="260"/>
+            <ac:picMk id="6" creationId="{3FCAB125-F530-4B0D-70B7-DF8B7B2A81EB}"/>
+          </ac:picMkLst>
+        </pc:picChg>
+        <pc:picChg chg="add mod">
+          <ac:chgData name="Francisco Martin" userId="559f4d3f8982107f" providerId="LiveId" clId="{C766F9D2-225C-499C-8FD8-FF5D73E24B64}" dt="2023-09-28T17:20:19.896" v="803" actId="1076"/>
+          <ac:picMkLst>
+            <pc:docMk/>
+            <pc:sldMk cId="2271487826" sldId="260"/>
+            <ac:picMk id="8" creationId="{1C207210-3542-F1E9-6EC3-A78A41FD2959}"/>
+          </ac:picMkLst>
+        </pc:picChg>
+        <pc:picChg chg="add mod">
+          <ac:chgData name="Francisco Martin" userId="559f4d3f8982107f" providerId="LiveId" clId="{C766F9D2-225C-499C-8FD8-FF5D73E24B64}" dt="2023-09-28T17:36:16.688" v="976" actId="1076"/>
+          <ac:picMkLst>
+            <pc:docMk/>
+            <pc:sldMk cId="2271487826" sldId="260"/>
+            <ac:picMk id="12" creationId="{8235586E-5C8B-04F4-5251-F8C709A8FB21}"/>
+          </ac:picMkLst>
+        </pc:picChg>
+        <pc:picChg chg="add mod">
+          <ac:chgData name="Francisco Martin" userId="559f4d3f8982107f" providerId="LiveId" clId="{C766F9D2-225C-499C-8FD8-FF5D73E24B64}" dt="2023-09-28T17:36:25.237" v="978" actId="1076"/>
+          <ac:picMkLst>
+            <pc:docMk/>
+            <pc:sldMk cId="2271487826" sldId="260"/>
+            <ac:picMk id="13" creationId="{7306C52D-5806-782A-2AE9-0CB7078455CA}"/>
+          </ac:picMkLst>
+        </pc:picChg>
         <pc:picChg chg="mod">
           <ac:chgData name="Francisco Martin" userId="559f4d3f8982107f" providerId="LiveId" clId="{C766F9D2-225C-499C-8FD8-FF5D73E24B64}" dt="2023-09-27T19:02:36.628" v="761" actId="1076"/>
           <ac:picMkLst>
@@ -1906,6 +2502,722 @@
             <pc:docMk/>
             <pc:sldMk cId="2271487826" sldId="260"/>
             <ac:picMk id="21" creationId="{3997A5C5-B5FB-A1F3-A6AA-7B216FBA7E86}"/>
+          </ac:picMkLst>
+        </pc:picChg>
+      </pc:sldChg>
+      <pc:sldChg chg="addSp delSp modSp add mod">
+        <pc:chgData name="Francisco Martin" userId="559f4d3f8982107f" providerId="LiveId" clId="{C766F9D2-225C-499C-8FD8-FF5D73E24B64}" dt="2023-09-28T17:54:01.622" v="1344" actId="1076"/>
+        <pc:sldMkLst>
+          <pc:docMk/>
+          <pc:sldMk cId="2315756250" sldId="261"/>
+        </pc:sldMkLst>
+        <pc:spChg chg="add mod">
+          <ac:chgData name="Francisco Martin" userId="559f4d3f8982107f" providerId="LiveId" clId="{C766F9D2-225C-499C-8FD8-FF5D73E24B64}" dt="2023-09-28T17:35:38.730" v="969" actId="1076"/>
+          <ac:spMkLst>
+            <pc:docMk/>
+            <pc:sldMk cId="2315756250" sldId="261"/>
+            <ac:spMk id="2" creationId="{30C84C7C-3583-3298-91B4-B6B7AA6BDBF0}"/>
+          </ac:spMkLst>
+        </pc:spChg>
+        <pc:spChg chg="mod ord">
+          <ac:chgData name="Francisco Martin" userId="559f4d3f8982107f" providerId="LiveId" clId="{C766F9D2-225C-499C-8FD8-FF5D73E24B64}" dt="2023-09-28T17:34:29.718" v="961" actId="20577"/>
+          <ac:spMkLst>
+            <pc:docMk/>
+            <pc:sldMk cId="2315756250" sldId="261"/>
+            <ac:spMk id="3" creationId="{89A11176-808E-50D5-24F3-1CE4E0E618E3}"/>
+          </ac:spMkLst>
+        </pc:spChg>
+        <pc:spChg chg="mod ord">
+          <ac:chgData name="Francisco Martin" userId="559f4d3f8982107f" providerId="LiveId" clId="{C766F9D2-225C-499C-8FD8-FF5D73E24B64}" dt="2023-09-28T17:34:44.969" v="962" actId="1076"/>
+          <ac:spMkLst>
+            <pc:docMk/>
+            <pc:sldMk cId="2315756250" sldId="261"/>
+            <ac:spMk id="4" creationId="{FA656749-8259-EBBB-6F78-A3976723CFE1}"/>
+          </ac:spMkLst>
+        </pc:spChg>
+        <pc:spChg chg="mod">
+          <ac:chgData name="Francisco Martin" userId="559f4d3f8982107f" providerId="LiveId" clId="{C766F9D2-225C-499C-8FD8-FF5D73E24B64}" dt="2023-09-28T17:23:17.055" v="824" actId="1076"/>
+          <ac:spMkLst>
+            <pc:docMk/>
+            <pc:sldMk cId="2315756250" sldId="261"/>
+            <ac:spMk id="5" creationId="{B1F973F9-0C83-7DA6-549A-C2B958781C5B}"/>
+          </ac:spMkLst>
+        </pc:spChg>
+        <pc:spChg chg="add mod">
+          <ac:chgData name="Francisco Martin" userId="559f4d3f8982107f" providerId="LiveId" clId="{C766F9D2-225C-499C-8FD8-FF5D73E24B64}" dt="2023-09-28T17:25:13.929" v="881" actId="1076"/>
+          <ac:spMkLst>
+            <pc:docMk/>
+            <pc:sldMk cId="2315756250" sldId="261"/>
+            <ac:spMk id="7" creationId="{EDBABC68-ADFA-CD5C-CD82-70ADF513A970}"/>
+          </ac:spMkLst>
+        </pc:spChg>
+        <pc:spChg chg="add mod">
+          <ac:chgData name="Francisco Martin" userId="559f4d3f8982107f" providerId="LiveId" clId="{C766F9D2-225C-499C-8FD8-FF5D73E24B64}" dt="2023-09-28T17:25:21.336" v="883" actId="1076"/>
+          <ac:spMkLst>
+            <pc:docMk/>
+            <pc:sldMk cId="2315756250" sldId="261"/>
+            <ac:spMk id="9" creationId="{44F06CC8-059F-66B8-A83C-8A4CFA347CD7}"/>
+          </ac:spMkLst>
+        </pc:spChg>
+        <pc:spChg chg="add mod">
+          <ac:chgData name="Francisco Martin" userId="559f4d3f8982107f" providerId="LiveId" clId="{C766F9D2-225C-499C-8FD8-FF5D73E24B64}" dt="2023-09-28T17:47:30.428" v="1307" actId="1036"/>
+          <ac:spMkLst>
+            <pc:docMk/>
+            <pc:sldMk cId="2315756250" sldId="261"/>
+            <ac:spMk id="14" creationId="{3F9C5AB2-6BE1-2893-112B-80B378A6F498}"/>
+          </ac:spMkLst>
+        </pc:spChg>
+        <pc:spChg chg="add mod ord">
+          <ac:chgData name="Francisco Martin" userId="559f4d3f8982107f" providerId="LiveId" clId="{C766F9D2-225C-499C-8FD8-FF5D73E24B64}" dt="2023-09-28T17:49:40.406" v="1333" actId="166"/>
+          <ac:spMkLst>
+            <pc:docMk/>
+            <pc:sldMk cId="2315756250" sldId="261"/>
+            <ac:spMk id="15" creationId="{90D77B5E-6C9E-FB12-9226-12125790A817}"/>
+          </ac:spMkLst>
+        </pc:spChg>
+        <pc:spChg chg="del">
+          <ac:chgData name="Francisco Martin" userId="559f4d3f8982107f" providerId="LiveId" clId="{C766F9D2-225C-499C-8FD8-FF5D73E24B64}" dt="2023-09-28T17:21:45.895" v="811" actId="478"/>
+          <ac:spMkLst>
+            <pc:docMk/>
+            <pc:sldMk cId="2315756250" sldId="261"/>
+            <ac:spMk id="16" creationId="{B74D8065-916C-C2F8-7443-FEE81D22F0AC}"/>
+          </ac:spMkLst>
+        </pc:spChg>
+        <pc:spChg chg="add mod ord">
+          <ac:chgData name="Francisco Martin" userId="559f4d3f8982107f" providerId="LiveId" clId="{C766F9D2-225C-499C-8FD8-FF5D73E24B64}" dt="2023-09-28T17:49:35.688" v="1332" actId="166"/>
+          <ac:spMkLst>
+            <pc:docMk/>
+            <pc:sldMk cId="2315756250" sldId="261"/>
+            <ac:spMk id="17" creationId="{52252AC3-BC00-299E-8EF9-EA56AAB4C0A7}"/>
+          </ac:spMkLst>
+        </pc:spChg>
+        <pc:spChg chg="add mod">
+          <ac:chgData name="Francisco Martin" userId="559f4d3f8982107f" providerId="LiveId" clId="{C766F9D2-225C-499C-8FD8-FF5D73E24B64}" dt="2023-09-28T17:48:49.234" v="1331" actId="1076"/>
+          <ac:spMkLst>
+            <pc:docMk/>
+            <pc:sldMk cId="2315756250" sldId="261"/>
+            <ac:spMk id="19" creationId="{7437F4CE-110E-E95E-75E2-93AF6DC69F1C}"/>
+          </ac:spMkLst>
+        </pc:spChg>
+        <pc:spChg chg="add mod">
+          <ac:chgData name="Francisco Martin" userId="559f4d3f8982107f" providerId="LiveId" clId="{C766F9D2-225C-499C-8FD8-FF5D73E24B64}" dt="2023-09-28T17:48:49.234" v="1331" actId="1076"/>
+          <ac:spMkLst>
+            <pc:docMk/>
+            <pc:sldMk cId="2315756250" sldId="261"/>
+            <ac:spMk id="20" creationId="{8063276E-2627-320F-6A65-1CF23B91321C}"/>
+          </ac:spMkLst>
+        </pc:spChg>
+        <pc:picChg chg="mod">
+          <ac:chgData name="Francisco Martin" userId="559f4d3f8982107f" providerId="LiveId" clId="{C766F9D2-225C-499C-8FD8-FF5D73E24B64}" dt="2023-09-28T17:22:41.425" v="817" actId="1076"/>
+          <ac:picMkLst>
+            <pc:docMk/>
+            <pc:sldMk cId="2315756250" sldId="261"/>
+            <ac:picMk id="6" creationId="{3FCAB125-F530-4B0D-70B7-DF8B7B2A81EB}"/>
+          </ac:picMkLst>
+        </pc:picChg>
+        <pc:picChg chg="mod">
+          <ac:chgData name="Francisco Martin" userId="559f4d3f8982107f" providerId="LiveId" clId="{C766F9D2-225C-499C-8FD8-FF5D73E24B64}" dt="2023-09-28T17:22:42.785" v="818" actId="1076"/>
+          <ac:picMkLst>
+            <pc:docMk/>
+            <pc:sldMk cId="2315756250" sldId="261"/>
+            <ac:picMk id="8" creationId="{1C207210-3542-F1E9-6EC3-A78A41FD2959}"/>
+          </ac:picMkLst>
+        </pc:picChg>
+        <pc:picChg chg="add mod">
+          <ac:chgData name="Francisco Martin" userId="559f4d3f8982107f" providerId="LiveId" clId="{C766F9D2-225C-499C-8FD8-FF5D73E24B64}" dt="2023-09-28T17:35:24.421" v="966" actId="1076"/>
+          <ac:picMkLst>
+            <pc:docMk/>
+            <pc:sldMk cId="2315756250" sldId="261"/>
+            <ac:picMk id="11" creationId="{56A2C9EE-5B83-A08A-4660-C25802C88347}"/>
+          </ac:picMkLst>
+        </pc:picChg>
+        <pc:picChg chg="add mod">
+          <ac:chgData name="Francisco Martin" userId="559f4d3f8982107f" providerId="LiveId" clId="{C766F9D2-225C-499C-8FD8-FF5D73E24B64}" dt="2023-09-28T17:36:05.419" v="974" actId="1076"/>
+          <ac:picMkLst>
+            <pc:docMk/>
+            <pc:sldMk cId="2315756250" sldId="261"/>
+            <ac:picMk id="13" creationId="{84676C56-2314-0F3A-B4C5-A1BC756DFE6C}"/>
+          </ac:picMkLst>
+        </pc:picChg>
+        <pc:picChg chg="del">
+          <ac:chgData name="Francisco Martin" userId="559f4d3f8982107f" providerId="LiveId" clId="{C766F9D2-225C-499C-8FD8-FF5D73E24B64}" dt="2023-09-28T17:21:37.142" v="809" actId="478"/>
+          <ac:picMkLst>
+            <pc:docMk/>
+            <pc:sldMk cId="2315756250" sldId="261"/>
+            <ac:picMk id="18" creationId="{3E712D82-1072-3190-F07A-618129E3A17D}"/>
+          </ac:picMkLst>
+        </pc:picChg>
+        <pc:picChg chg="del">
+          <ac:chgData name="Francisco Martin" userId="559f4d3f8982107f" providerId="LiveId" clId="{C766F9D2-225C-499C-8FD8-FF5D73E24B64}" dt="2023-09-28T17:21:43.063" v="810" actId="478"/>
+          <ac:picMkLst>
+            <pc:docMk/>
+            <pc:sldMk cId="2315756250" sldId="261"/>
+            <ac:picMk id="21" creationId="{3997A5C5-B5FB-A1F3-A6AA-7B216FBA7E86}"/>
+          </ac:picMkLst>
+        </pc:picChg>
+        <pc:picChg chg="add mod">
+          <ac:chgData name="Francisco Martin" userId="559f4d3f8982107f" providerId="LiveId" clId="{C766F9D2-225C-499C-8FD8-FF5D73E24B64}" dt="2023-09-28T17:54:01.622" v="1344" actId="1076"/>
+          <ac:picMkLst>
+            <pc:docMk/>
+            <pc:sldMk cId="2315756250" sldId="261"/>
+            <ac:picMk id="22" creationId="{2FAA5ADE-5D89-7972-B63C-6154BF148831}"/>
+          </ac:picMkLst>
+        </pc:picChg>
+        <pc:picChg chg="add mod">
+          <ac:chgData name="Francisco Martin" userId="559f4d3f8982107f" providerId="LiveId" clId="{C766F9D2-225C-499C-8FD8-FF5D73E24B64}" dt="2023-09-28T17:54:01.622" v="1344" actId="1076"/>
+          <ac:picMkLst>
+            <pc:docMk/>
+            <pc:sldMk cId="2315756250" sldId="261"/>
+            <ac:picMk id="23" creationId="{0CA23594-AC4D-4D14-7E2F-B09D36F55D83}"/>
+          </ac:picMkLst>
+        </pc:picChg>
+        <pc:picChg chg="add mod">
+          <ac:chgData name="Francisco Martin" userId="559f4d3f8982107f" providerId="LiveId" clId="{C766F9D2-225C-499C-8FD8-FF5D73E24B64}" dt="2023-09-28T17:54:01.622" v="1344" actId="1076"/>
+          <ac:picMkLst>
+            <pc:docMk/>
+            <pc:sldMk cId="2315756250" sldId="261"/>
+            <ac:picMk id="24" creationId="{B16B2DF4-CFF0-A45C-AF27-477D86227EE3}"/>
+          </ac:picMkLst>
+        </pc:picChg>
+        <pc:picChg chg="add del mod">
+          <ac:chgData name="Francisco Martin" userId="559f4d3f8982107f" providerId="LiveId" clId="{C766F9D2-225C-499C-8FD8-FF5D73E24B64}" dt="2023-09-28T17:35:39.168" v="970"/>
+          <ac:picMkLst>
+            <pc:docMk/>
+            <pc:sldMk cId="2315756250" sldId="261"/>
+            <ac:picMk id="1026" creationId="{FB218F9C-B49C-C21B-1F2B-5181A48F180C}"/>
+          </ac:picMkLst>
+        </pc:picChg>
+      </pc:sldChg>
+      <pc:sldChg chg="addSp delSp modSp add mod">
+        <pc:chgData name="Francisco Martin" userId="559f4d3f8982107f" providerId="LiveId" clId="{C766F9D2-225C-499C-8FD8-FF5D73E24B64}" dt="2023-09-28T18:14:57.830" v="1815" actId="1037"/>
+        <pc:sldMkLst>
+          <pc:docMk/>
+          <pc:sldMk cId="2721584381" sldId="262"/>
+        </pc:sldMkLst>
+        <pc:spChg chg="del mod">
+          <ac:chgData name="Francisco Martin" userId="559f4d3f8982107f" providerId="LiveId" clId="{C766F9D2-225C-499C-8FD8-FF5D73E24B64}" dt="2023-09-28T17:40:39.832" v="1168" actId="478"/>
+          <ac:spMkLst>
+            <pc:docMk/>
+            <pc:sldMk cId="2721584381" sldId="262"/>
+            <ac:spMk id="3" creationId="{89A11176-808E-50D5-24F3-1CE4E0E618E3}"/>
+          </ac:spMkLst>
+        </pc:spChg>
+        <pc:spChg chg="add del mod">
+          <ac:chgData name="Francisco Martin" userId="559f4d3f8982107f" providerId="LiveId" clId="{C766F9D2-225C-499C-8FD8-FF5D73E24B64}" dt="2023-09-28T17:40:44.295" v="1170" actId="478"/>
+          <ac:spMkLst>
+            <pc:docMk/>
+            <pc:sldMk cId="2721584381" sldId="262"/>
+            <ac:spMk id="4" creationId="{FA656749-8259-EBBB-6F78-A3976723CFE1}"/>
+          </ac:spMkLst>
+        </pc:spChg>
+        <pc:spChg chg="del">
+          <ac:chgData name="Francisco Martin" userId="559f4d3f8982107f" providerId="LiveId" clId="{C766F9D2-225C-499C-8FD8-FF5D73E24B64}" dt="2023-09-28T17:37:32.949" v="983" actId="478"/>
+          <ac:spMkLst>
+            <pc:docMk/>
+            <pc:sldMk cId="2721584381" sldId="262"/>
+            <ac:spMk id="5" creationId="{B1F973F9-0C83-7DA6-549A-C2B958781C5B}"/>
+          </ac:spMkLst>
+        </pc:spChg>
+        <pc:spChg chg="mod">
+          <ac:chgData name="Francisco Martin" userId="559f4d3f8982107f" providerId="LiveId" clId="{C766F9D2-225C-499C-8FD8-FF5D73E24B64}" dt="2023-09-28T17:38:23.324" v="1129" actId="1038"/>
+          <ac:spMkLst>
+            <pc:docMk/>
+            <pc:sldMk cId="2721584381" sldId="262"/>
+            <ac:spMk id="7" creationId="{EDBABC68-ADFA-CD5C-CD82-70ADF513A970}"/>
+          </ac:spMkLst>
+        </pc:spChg>
+        <pc:spChg chg="mod">
+          <ac:chgData name="Francisco Martin" userId="559f4d3f8982107f" providerId="LiveId" clId="{C766F9D2-225C-499C-8FD8-FF5D73E24B64}" dt="2023-09-28T17:39:14.555" v="1155" actId="1037"/>
+          <ac:spMkLst>
+            <pc:docMk/>
+            <pc:sldMk cId="2721584381" sldId="262"/>
+            <ac:spMk id="9" creationId="{44F06CC8-059F-66B8-A83C-8A4CFA347CD7}"/>
+          </ac:spMkLst>
+        </pc:spChg>
+        <pc:spChg chg="add del mod">
+          <ac:chgData name="Francisco Martin" userId="559f4d3f8982107f" providerId="LiveId" clId="{C766F9D2-225C-499C-8FD8-FF5D73E24B64}" dt="2023-09-28T17:40:12.531" v="1166" actId="478"/>
+          <ac:spMkLst>
+            <pc:docMk/>
+            <pc:sldMk cId="2721584381" sldId="262"/>
+            <ac:spMk id="10" creationId="{7DD03523-876F-F60F-D4EE-9CB138E1D355}"/>
+          </ac:spMkLst>
+        </pc:spChg>
+        <pc:spChg chg="add del mod">
+          <ac:chgData name="Francisco Martin" userId="559f4d3f8982107f" providerId="LiveId" clId="{C766F9D2-225C-499C-8FD8-FF5D73E24B64}" dt="2023-09-28T17:40:06.591" v="1165" actId="478"/>
+          <ac:spMkLst>
+            <pc:docMk/>
+            <pc:sldMk cId="2721584381" sldId="262"/>
+            <ac:spMk id="12" creationId="{D9E237C5-9AFD-DF30-94CD-759EB697B0AE}"/>
+          </ac:spMkLst>
+        </pc:spChg>
+        <pc:spChg chg="add del mod">
+          <ac:chgData name="Francisco Martin" userId="559f4d3f8982107f" providerId="LiveId" clId="{C766F9D2-225C-499C-8FD8-FF5D73E24B64}" dt="2023-09-28T17:41:04.910" v="1177" actId="478"/>
+          <ac:spMkLst>
+            <pc:docMk/>
+            <pc:sldMk cId="2721584381" sldId="262"/>
+            <ac:spMk id="14" creationId="{4A7EAA7D-C902-59BC-AD2D-17EF53745400}"/>
+          </ac:spMkLst>
+        </pc:spChg>
+        <pc:spChg chg="add mod">
+          <ac:chgData name="Francisco Martin" userId="559f4d3f8982107f" providerId="LiveId" clId="{C766F9D2-225C-499C-8FD8-FF5D73E24B64}" dt="2023-09-28T17:47:56.403" v="1310" actId="1076"/>
+          <ac:spMkLst>
+            <pc:docMk/>
+            <pc:sldMk cId="2721584381" sldId="262"/>
+            <ac:spMk id="15" creationId="{582C65E6-E023-321E-FA55-C76311B494CE}"/>
+          </ac:spMkLst>
+        </pc:spChg>
+        <pc:spChg chg="add mod">
+          <ac:chgData name="Francisco Martin" userId="559f4d3f8982107f" providerId="LiveId" clId="{C766F9D2-225C-499C-8FD8-FF5D73E24B64}" dt="2023-09-28T17:48:00.886" v="1311" actId="1076"/>
+          <ac:spMkLst>
+            <pc:docMk/>
+            <pc:sldMk cId="2721584381" sldId="262"/>
+            <ac:spMk id="16" creationId="{43C89C5F-DCAD-DCF1-DAB5-727C1484D9D8}"/>
+          </ac:spMkLst>
+        </pc:spChg>
+        <pc:spChg chg="add mod">
+          <ac:chgData name="Francisco Martin" userId="559f4d3f8982107f" providerId="LiveId" clId="{C766F9D2-225C-499C-8FD8-FF5D73E24B64}" dt="2023-09-28T17:47:45.740" v="1309"/>
+          <ac:spMkLst>
+            <pc:docMk/>
+            <pc:sldMk cId="2721584381" sldId="262"/>
+            <ac:spMk id="17" creationId="{DC458CFC-8B29-10EA-4AC0-166B7D238F2D}"/>
+          </ac:spMkLst>
+        </pc:spChg>
+        <pc:spChg chg="add mod">
+          <ac:chgData name="Francisco Martin" userId="559f4d3f8982107f" providerId="LiveId" clId="{C766F9D2-225C-499C-8FD8-FF5D73E24B64}" dt="2023-09-28T17:48:09.248" v="1329" actId="1038"/>
+          <ac:spMkLst>
+            <pc:docMk/>
+            <pc:sldMk cId="2721584381" sldId="262"/>
+            <ac:spMk id="18" creationId="{D784A650-4277-C71F-B85A-C4BADC6815E0}"/>
+          </ac:spMkLst>
+        </pc:spChg>
+        <pc:spChg chg="add del mod">
+          <ac:chgData name="Francisco Martin" userId="559f4d3f8982107f" providerId="LiveId" clId="{C766F9D2-225C-499C-8FD8-FF5D73E24B64}" dt="2023-09-28T18:14:50.134" v="1737" actId="478"/>
+          <ac:spMkLst>
+            <pc:docMk/>
+            <pc:sldMk cId="2721584381" sldId="262"/>
+            <ac:spMk id="28" creationId="{794ACF00-B833-BA79-ACD4-A24EC5712011}"/>
+          </ac:spMkLst>
+        </pc:spChg>
+        <pc:spChg chg="add del mod">
+          <ac:chgData name="Francisco Martin" userId="559f4d3f8982107f" providerId="LiveId" clId="{C766F9D2-225C-499C-8FD8-FF5D73E24B64}" dt="2023-09-28T18:14:33.763" v="1648" actId="478"/>
+          <ac:spMkLst>
+            <pc:docMk/>
+            <pc:sldMk cId="2721584381" sldId="262"/>
+            <ac:spMk id="29" creationId="{FB06B257-598F-FA58-3CE7-D3CF5CDF4442}"/>
+          </ac:spMkLst>
+        </pc:spChg>
+        <pc:spChg chg="add del mod">
+          <ac:chgData name="Francisco Martin" userId="559f4d3f8982107f" providerId="LiveId" clId="{C766F9D2-225C-499C-8FD8-FF5D73E24B64}" dt="2023-09-28T18:14:49.739" v="1736"/>
+          <ac:spMkLst>
+            <pc:docMk/>
+            <pc:sldMk cId="2721584381" sldId="262"/>
+            <ac:spMk id="33" creationId="{99B756B2-5650-A44E-10DB-E0D09BA5C1D0}"/>
+          </ac:spMkLst>
+        </pc:spChg>
+        <pc:spChg chg="add mod">
+          <ac:chgData name="Francisco Martin" userId="559f4d3f8982107f" providerId="LiveId" clId="{C766F9D2-225C-499C-8FD8-FF5D73E24B64}" dt="2023-09-28T18:14:57.830" v="1815" actId="1037"/>
+          <ac:spMkLst>
+            <pc:docMk/>
+            <pc:sldMk cId="2721584381" sldId="262"/>
+            <ac:spMk id="37" creationId="{1F8C57E7-57BC-3C0A-D10E-613D2D40C855}"/>
+          </ac:spMkLst>
+        </pc:spChg>
+        <pc:picChg chg="del">
+          <ac:chgData name="Francisco Martin" userId="559f4d3f8982107f" providerId="LiveId" clId="{C766F9D2-225C-499C-8FD8-FF5D73E24B64}" dt="2023-09-28T17:37:49.799" v="989" actId="478"/>
+          <ac:picMkLst>
+            <pc:docMk/>
+            <pc:sldMk cId="2721584381" sldId="262"/>
+            <ac:picMk id="6" creationId="{3FCAB125-F530-4B0D-70B7-DF8B7B2A81EB}"/>
+          </ac:picMkLst>
+        </pc:picChg>
+        <pc:picChg chg="del">
+          <ac:chgData name="Francisco Martin" userId="559f4d3f8982107f" providerId="LiveId" clId="{C766F9D2-225C-499C-8FD8-FF5D73E24B64}" dt="2023-09-28T17:37:47.976" v="988" actId="478"/>
+          <ac:picMkLst>
+            <pc:docMk/>
+            <pc:sldMk cId="2721584381" sldId="262"/>
+            <ac:picMk id="8" creationId="{1C207210-3542-F1E9-6EC3-A78A41FD2959}"/>
+          </ac:picMkLst>
+        </pc:picChg>
+        <pc:picChg chg="mod">
+          <ac:chgData name="Francisco Martin" userId="559f4d3f8982107f" providerId="LiveId" clId="{C766F9D2-225C-499C-8FD8-FF5D73E24B64}" dt="2023-09-28T17:37:31.428" v="982" actId="1076"/>
+          <ac:picMkLst>
+            <pc:docMk/>
+            <pc:sldMk cId="2721584381" sldId="262"/>
+            <ac:picMk id="11" creationId="{56A2C9EE-5B83-A08A-4660-C25802C88347}"/>
+          </ac:picMkLst>
+        </pc:picChg>
+        <pc:picChg chg="mod">
+          <ac:chgData name="Francisco Martin" userId="559f4d3f8982107f" providerId="LiveId" clId="{C766F9D2-225C-499C-8FD8-FF5D73E24B64}" dt="2023-09-28T17:37:44.709" v="987" actId="1076"/>
+          <ac:picMkLst>
+            <pc:docMk/>
+            <pc:sldMk cId="2721584381" sldId="262"/>
+            <ac:picMk id="13" creationId="{84676C56-2314-0F3A-B4C5-A1BC756DFE6C}"/>
+          </ac:picMkLst>
+        </pc:picChg>
+        <pc:picChg chg="add mod">
+          <ac:chgData name="Francisco Martin" userId="559f4d3f8982107f" providerId="LiveId" clId="{C766F9D2-225C-499C-8FD8-FF5D73E24B64}" dt="2023-09-28T17:52:30.560" v="1339" actId="14100"/>
+          <ac:picMkLst>
+            <pc:docMk/>
+            <pc:sldMk cId="2721584381" sldId="262"/>
+            <ac:picMk id="20" creationId="{465612B1-F90A-F556-0BD8-FD88DB51229F}"/>
+          </ac:picMkLst>
+        </pc:picChg>
+        <pc:picChg chg="add mod">
+          <ac:chgData name="Francisco Martin" userId="559f4d3f8982107f" providerId="LiveId" clId="{C766F9D2-225C-499C-8FD8-FF5D73E24B64}" dt="2023-09-28T17:52:32.993" v="1340" actId="1076"/>
+          <ac:picMkLst>
+            <pc:docMk/>
+            <pc:sldMk cId="2721584381" sldId="262"/>
+            <ac:picMk id="22" creationId="{C76BF180-8DE0-45EA-BF9F-ACE9C95999AE}"/>
+          </ac:picMkLst>
+        </pc:picChg>
+        <pc:picChg chg="add mod">
+          <ac:chgData name="Francisco Martin" userId="559f4d3f8982107f" providerId="LiveId" clId="{C766F9D2-225C-499C-8FD8-FF5D73E24B64}" dt="2023-09-28T17:53:44.547" v="1342" actId="1076"/>
+          <ac:picMkLst>
+            <pc:docMk/>
+            <pc:sldMk cId="2721584381" sldId="262"/>
+            <ac:picMk id="24" creationId="{B2A098AC-3F1C-6F16-FCA4-07F8F8EE1BA2}"/>
+          </ac:picMkLst>
+        </pc:picChg>
+        <pc:picChg chg="add del mod">
+          <ac:chgData name="Francisco Martin" userId="559f4d3f8982107f" providerId="LiveId" clId="{C766F9D2-225C-499C-8FD8-FF5D73E24B64}" dt="2023-09-28T18:10:07.210" v="1548" actId="478"/>
+          <ac:picMkLst>
+            <pc:docMk/>
+            <pc:sldMk cId="2721584381" sldId="262"/>
+            <ac:picMk id="25" creationId="{E0F54D4F-F310-5FA1-EA37-D3ED3BB37538}"/>
+          </ac:picMkLst>
+        </pc:picChg>
+        <pc:picChg chg="add del mod">
+          <ac:chgData name="Francisco Martin" userId="559f4d3f8982107f" providerId="LiveId" clId="{C766F9D2-225C-499C-8FD8-FF5D73E24B64}" dt="2023-09-28T18:10:08.715" v="1549" actId="478"/>
+          <ac:picMkLst>
+            <pc:docMk/>
+            <pc:sldMk cId="2721584381" sldId="262"/>
+            <ac:picMk id="26" creationId="{6B49478A-4EBC-BF83-5D84-F4B2C3B8F8F2}"/>
+          </ac:picMkLst>
+        </pc:picChg>
+        <pc:picChg chg="add del mod">
+          <ac:chgData name="Francisco Martin" userId="559f4d3f8982107f" providerId="LiveId" clId="{C766F9D2-225C-499C-8FD8-FF5D73E24B64}" dt="2023-09-28T18:10:10.471" v="1550" actId="478"/>
+          <ac:picMkLst>
+            <pc:docMk/>
+            <pc:sldMk cId="2721584381" sldId="262"/>
+            <ac:picMk id="27" creationId="{11D9EFF5-99BC-7688-E6B8-4CA97BD65DE4}"/>
+          </ac:picMkLst>
+        </pc:picChg>
+        <pc:picChg chg="add del mod">
+          <ac:chgData name="Francisco Martin" userId="559f4d3f8982107f" providerId="LiveId" clId="{C766F9D2-225C-499C-8FD8-FF5D73E24B64}" dt="2023-09-28T18:14:33.763" v="1648" actId="478"/>
+          <ac:picMkLst>
+            <pc:docMk/>
+            <pc:sldMk cId="2721584381" sldId="262"/>
+            <ac:picMk id="30" creationId="{6266FBBB-78C1-E118-2B6F-FB9165AA8E73}"/>
+          </ac:picMkLst>
+        </pc:picChg>
+        <pc:picChg chg="add del mod">
+          <ac:chgData name="Francisco Martin" userId="559f4d3f8982107f" providerId="LiveId" clId="{C766F9D2-225C-499C-8FD8-FF5D73E24B64}" dt="2023-09-28T18:14:33.763" v="1648" actId="478"/>
+          <ac:picMkLst>
+            <pc:docMk/>
+            <pc:sldMk cId="2721584381" sldId="262"/>
+            <ac:picMk id="31" creationId="{9DF3B221-206E-59E7-3791-4CABF7A9EB39}"/>
+          </ac:picMkLst>
+        </pc:picChg>
+        <pc:picChg chg="add del mod">
+          <ac:chgData name="Francisco Martin" userId="559f4d3f8982107f" providerId="LiveId" clId="{C766F9D2-225C-499C-8FD8-FF5D73E24B64}" dt="2023-09-28T18:14:33.763" v="1648" actId="478"/>
+          <ac:picMkLst>
+            <pc:docMk/>
+            <pc:sldMk cId="2721584381" sldId="262"/>
+            <ac:picMk id="32" creationId="{C5273DA4-81AC-26A4-D4EF-7EB4929EFD6E}"/>
+          </ac:picMkLst>
+        </pc:picChg>
+        <pc:picChg chg="add del mod">
+          <ac:chgData name="Francisco Martin" userId="559f4d3f8982107f" providerId="LiveId" clId="{C766F9D2-225C-499C-8FD8-FF5D73E24B64}" dt="2023-09-28T18:14:49.739" v="1736"/>
+          <ac:picMkLst>
+            <pc:docMk/>
+            <pc:sldMk cId="2721584381" sldId="262"/>
+            <ac:picMk id="34" creationId="{5CF78147-1D98-C086-0E88-9E6750BD1D93}"/>
+          </ac:picMkLst>
+        </pc:picChg>
+        <pc:picChg chg="add del mod">
+          <ac:chgData name="Francisco Martin" userId="559f4d3f8982107f" providerId="LiveId" clId="{C766F9D2-225C-499C-8FD8-FF5D73E24B64}" dt="2023-09-28T18:14:49.739" v="1736"/>
+          <ac:picMkLst>
+            <pc:docMk/>
+            <pc:sldMk cId="2721584381" sldId="262"/>
+            <ac:picMk id="35" creationId="{14E49B9A-0FEA-981B-3926-4D24B4C79EF2}"/>
+          </ac:picMkLst>
+        </pc:picChg>
+        <pc:picChg chg="add del mod">
+          <ac:chgData name="Francisco Martin" userId="559f4d3f8982107f" providerId="LiveId" clId="{C766F9D2-225C-499C-8FD8-FF5D73E24B64}" dt="2023-09-28T18:14:49.739" v="1736"/>
+          <ac:picMkLst>
+            <pc:docMk/>
+            <pc:sldMk cId="2721584381" sldId="262"/>
+            <ac:picMk id="36" creationId="{BF5D7117-FF7E-DE94-46A6-565E9D4A9777}"/>
+          </ac:picMkLst>
+        </pc:picChg>
+        <pc:picChg chg="add mod">
+          <ac:chgData name="Francisco Martin" userId="559f4d3f8982107f" providerId="LiveId" clId="{C766F9D2-225C-499C-8FD8-FF5D73E24B64}" dt="2023-09-28T18:14:57.830" v="1815" actId="1037"/>
+          <ac:picMkLst>
+            <pc:docMk/>
+            <pc:sldMk cId="2721584381" sldId="262"/>
+            <ac:picMk id="38" creationId="{E4D9EAD0-3BA2-3F78-E0BB-7738B564FC0C}"/>
+          </ac:picMkLst>
+        </pc:picChg>
+        <pc:picChg chg="add mod">
+          <ac:chgData name="Francisco Martin" userId="559f4d3f8982107f" providerId="LiveId" clId="{C766F9D2-225C-499C-8FD8-FF5D73E24B64}" dt="2023-09-28T18:14:57.830" v="1815" actId="1037"/>
+          <ac:picMkLst>
+            <pc:docMk/>
+            <pc:sldMk cId="2721584381" sldId="262"/>
+            <ac:picMk id="39" creationId="{311A17C4-5D5B-E66C-1B70-D98E013A9DD3}"/>
+          </ac:picMkLst>
+        </pc:picChg>
+        <pc:picChg chg="add mod">
+          <ac:chgData name="Francisco Martin" userId="559f4d3f8982107f" providerId="LiveId" clId="{C766F9D2-225C-499C-8FD8-FF5D73E24B64}" dt="2023-09-28T18:14:57.830" v="1815" actId="1037"/>
+          <ac:picMkLst>
+            <pc:docMk/>
+            <pc:sldMk cId="2721584381" sldId="262"/>
+            <ac:picMk id="40" creationId="{DCAFF876-8851-DD5C-19A6-3CB9664E7EA9}"/>
+          </ac:picMkLst>
+        </pc:picChg>
+      </pc:sldChg>
+      <pc:sldChg chg="addSp delSp modSp add mod">
+        <pc:chgData name="Francisco Martin" userId="559f4d3f8982107f" providerId="LiveId" clId="{C766F9D2-225C-499C-8FD8-FF5D73E24B64}" dt="2023-09-28T18:16:14.285" v="1823" actId="1076"/>
+        <pc:sldMkLst>
+          <pc:docMk/>
+          <pc:sldMk cId="2693214980" sldId="263"/>
+        </pc:sldMkLst>
+        <pc:spChg chg="add mod">
+          <ac:chgData name="Francisco Martin" userId="559f4d3f8982107f" providerId="LiveId" clId="{C766F9D2-225C-499C-8FD8-FF5D73E24B64}" dt="2023-09-28T17:59:35.712" v="1514" actId="1038"/>
+          <ac:spMkLst>
+            <pc:docMk/>
+            <pc:sldMk cId="2693214980" sldId="263"/>
+            <ac:spMk id="3" creationId="{CD1DA583-0EA5-17CB-32B0-08B6C92729BC}"/>
+          </ac:spMkLst>
+        </pc:spChg>
+        <pc:spChg chg="add del mod">
+          <ac:chgData name="Francisco Martin" userId="559f4d3f8982107f" providerId="LiveId" clId="{C766F9D2-225C-499C-8FD8-FF5D73E24B64}" dt="2023-09-28T18:14:13.456" v="1647"/>
+          <ac:spMkLst>
+            <pc:docMk/>
+            <pc:sldMk cId="2693214980" sldId="263"/>
+            <ac:spMk id="4" creationId="{5BDF0777-9E01-FD28-D549-B1973A382CA0}"/>
+          </ac:spMkLst>
+        </pc:spChg>
+        <pc:spChg chg="add mod">
+          <ac:chgData name="Francisco Martin" userId="559f4d3f8982107f" providerId="LiveId" clId="{C766F9D2-225C-499C-8FD8-FF5D73E24B64}" dt="2023-09-28T18:16:14.285" v="1823" actId="1076"/>
+          <ac:spMkLst>
+            <pc:docMk/>
+            <pc:sldMk cId="2693214980" sldId="263"/>
+            <ac:spMk id="5" creationId="{C6AA9602-39B0-9B3F-364F-5C64457602FE}"/>
+          </ac:spMkLst>
+        </pc:spChg>
+        <pc:spChg chg="add mod">
+          <ac:chgData name="Francisco Martin" userId="559f4d3f8982107f" providerId="LiveId" clId="{C766F9D2-225C-499C-8FD8-FF5D73E24B64}" dt="2023-09-28T18:16:09.229" v="1822" actId="1076"/>
+          <ac:spMkLst>
+            <pc:docMk/>
+            <pc:sldMk cId="2693214980" sldId="263"/>
+            <ac:spMk id="6" creationId="{CA8F7752-0C1A-3CEA-5690-620E1F2BF208}"/>
+          </ac:spMkLst>
+        </pc:spChg>
+        <pc:spChg chg="mod">
+          <ac:chgData name="Francisco Martin" userId="559f4d3f8982107f" providerId="LiveId" clId="{C766F9D2-225C-499C-8FD8-FF5D73E24B64}" dt="2023-09-28T17:57:24.051" v="1348" actId="1076"/>
+          <ac:spMkLst>
+            <pc:docMk/>
+            <pc:sldMk cId="2693214980" sldId="263"/>
+            <ac:spMk id="7" creationId="{EDBABC68-ADFA-CD5C-CD82-70ADF513A970}"/>
+          </ac:spMkLst>
+        </pc:spChg>
+        <pc:spChg chg="mod">
+          <ac:chgData name="Francisco Martin" userId="559f4d3f8982107f" providerId="LiveId" clId="{C766F9D2-225C-499C-8FD8-FF5D73E24B64}" dt="2023-09-28T17:57:09.192" v="1346" actId="1076"/>
+          <ac:spMkLst>
+            <pc:docMk/>
+            <pc:sldMk cId="2693214980" sldId="263"/>
+            <ac:spMk id="15" creationId="{582C65E6-E023-321E-FA55-C76311B494CE}"/>
+          </ac:spMkLst>
+        </pc:spChg>
+        <pc:spChg chg="mod">
+          <ac:chgData name="Francisco Martin" userId="559f4d3f8982107f" providerId="LiveId" clId="{C766F9D2-225C-499C-8FD8-FF5D73E24B64}" dt="2023-09-28T17:57:29.028" v="1349" actId="1076"/>
+          <ac:spMkLst>
+            <pc:docMk/>
+            <pc:sldMk cId="2693214980" sldId="263"/>
+            <ac:spMk id="16" creationId="{43C89C5F-DCAD-DCF1-DAB5-727C1484D9D8}"/>
+          </ac:spMkLst>
+        </pc:spChg>
+        <pc:spChg chg="mod">
+          <ac:chgData name="Francisco Martin" userId="559f4d3f8982107f" providerId="LiveId" clId="{C766F9D2-225C-499C-8FD8-FF5D73E24B64}" dt="2023-09-28T17:57:46.893" v="1416" actId="1037"/>
+          <ac:spMkLst>
+            <pc:docMk/>
+            <pc:sldMk cId="2693214980" sldId="263"/>
+            <ac:spMk id="17" creationId="{DC458CFC-8B29-10EA-4AC0-166B7D238F2D}"/>
+          </ac:spMkLst>
+        </pc:spChg>
+        <pc:spChg chg="mod">
+          <ac:chgData name="Francisco Martin" userId="559f4d3f8982107f" providerId="LiveId" clId="{C766F9D2-225C-499C-8FD8-FF5D73E24B64}" dt="2023-09-28T18:08:20.472" v="1535" actId="14100"/>
+          <ac:spMkLst>
+            <pc:docMk/>
+            <pc:sldMk cId="2693214980" sldId="263"/>
+            <ac:spMk id="18" creationId="{D784A650-4277-C71F-B85A-C4BADC6815E0}"/>
+          </ac:spMkLst>
+        </pc:spChg>
+        <pc:picChg chg="del">
+          <ac:chgData name="Francisco Martin" userId="559f4d3f8982107f" providerId="LiveId" clId="{C766F9D2-225C-499C-8FD8-FF5D73E24B64}" dt="2023-09-28T17:57:32.651" v="1351" actId="478"/>
+          <ac:picMkLst>
+            <pc:docMk/>
+            <pc:sldMk cId="2693214980" sldId="263"/>
+            <ac:picMk id="11" creationId="{56A2C9EE-5B83-A08A-4660-C25802C88347}"/>
+          </ac:picMkLst>
+        </pc:picChg>
+        <pc:picChg chg="del">
+          <ac:chgData name="Francisco Martin" userId="559f4d3f8982107f" providerId="LiveId" clId="{C766F9D2-225C-499C-8FD8-FF5D73E24B64}" dt="2023-09-28T17:57:30.771" v="1350" actId="478"/>
+          <ac:picMkLst>
+            <pc:docMk/>
+            <pc:sldMk cId="2693214980" sldId="263"/>
+            <ac:picMk id="13" creationId="{84676C56-2314-0F3A-B4C5-A1BC756DFE6C}"/>
+          </ac:picMkLst>
+        </pc:picChg>
+        <pc:picChg chg="mod">
+          <ac:chgData name="Francisco Martin" userId="559f4d3f8982107f" providerId="LiveId" clId="{C766F9D2-225C-499C-8FD8-FF5D73E24B64}" dt="2023-09-28T17:57:38.203" v="1354" actId="1076"/>
+          <ac:picMkLst>
+            <pc:docMk/>
+            <pc:sldMk cId="2693214980" sldId="263"/>
+            <ac:picMk id="20" creationId="{465612B1-F90A-F556-0BD8-FD88DB51229F}"/>
+          </ac:picMkLst>
+        </pc:picChg>
+        <pc:picChg chg="mod">
+          <ac:chgData name="Francisco Martin" userId="559f4d3f8982107f" providerId="LiveId" clId="{C766F9D2-225C-499C-8FD8-FF5D73E24B64}" dt="2023-09-28T17:57:34.683" v="1352" actId="1076"/>
+          <ac:picMkLst>
+            <pc:docMk/>
+            <pc:sldMk cId="2693214980" sldId="263"/>
+            <ac:picMk id="22" creationId="{C76BF180-8DE0-45EA-BF9F-ACE9C95999AE}"/>
+          </ac:picMkLst>
+        </pc:picChg>
+        <pc:picChg chg="mod">
+          <ac:chgData name="Francisco Martin" userId="559f4d3f8982107f" providerId="LiveId" clId="{C766F9D2-225C-499C-8FD8-FF5D73E24B64}" dt="2023-09-28T17:57:36.026" v="1353" actId="1076"/>
+          <ac:picMkLst>
+            <pc:docMk/>
+            <pc:sldMk cId="2693214980" sldId="263"/>
+            <ac:picMk id="24" creationId="{B2A098AC-3F1C-6F16-FCA4-07F8F8EE1BA2}"/>
+          </ac:picMkLst>
+        </pc:picChg>
+        <pc:picChg chg="add mod">
+          <ac:chgData name="Francisco Martin" userId="559f4d3f8982107f" providerId="LiveId" clId="{C766F9D2-225C-499C-8FD8-FF5D73E24B64}" dt="2023-09-28T18:13:58.298" v="1646" actId="1076"/>
+          <ac:picMkLst>
+            <pc:docMk/>
+            <pc:sldMk cId="2693214980" sldId="263"/>
+            <ac:picMk id="2050" creationId="{9D538B02-52BD-6938-FFA8-04EE13FF5697}"/>
+          </ac:picMkLst>
+        </pc:picChg>
+        <pc:picChg chg="add del mod">
+          <ac:chgData name="Francisco Martin" userId="559f4d3f8982107f" providerId="LiveId" clId="{C766F9D2-225C-499C-8FD8-FF5D73E24B64}" dt="2023-09-28T18:08:21.008" v="1536"/>
+          <ac:picMkLst>
+            <pc:docMk/>
+            <pc:sldMk cId="2693214980" sldId="263"/>
+            <ac:picMk id="2052" creationId="{1358F67D-C608-1F41-FBC4-16071009EF3B}"/>
+          </ac:picMkLst>
+        </pc:picChg>
+        <pc:picChg chg="add mod">
+          <ac:chgData name="Francisco Martin" userId="559f4d3f8982107f" providerId="LiveId" clId="{C766F9D2-225C-499C-8FD8-FF5D73E24B64}" dt="2023-09-28T18:08:28.923" v="1539" actId="1076"/>
+          <ac:picMkLst>
+            <pc:docMk/>
+            <pc:sldMk cId="2693214980" sldId="263"/>
+            <ac:picMk id="2054" creationId="{63C225B1-040A-418E-7181-FD362FD9ADFC}"/>
+          </ac:picMkLst>
+        </pc:picChg>
+        <pc:picChg chg="add del mod">
+          <ac:chgData name="Francisco Martin" userId="559f4d3f8982107f" providerId="LiveId" clId="{C766F9D2-225C-499C-8FD8-FF5D73E24B64}" dt="2023-09-28T18:09:05.153" v="1542" actId="478"/>
+          <ac:picMkLst>
+            <pc:docMk/>
+            <pc:sldMk cId="2693214980" sldId="263"/>
+            <ac:picMk id="2056" creationId="{5698544D-4B2D-CEB4-429D-588B36464A2E}"/>
+          </ac:picMkLst>
+        </pc:picChg>
+        <pc:picChg chg="add mod">
+          <ac:chgData name="Francisco Martin" userId="559f4d3f8982107f" providerId="LiveId" clId="{C766F9D2-225C-499C-8FD8-FF5D73E24B64}" dt="2023-09-28T18:09:28.178" v="1545" actId="1076"/>
+          <ac:picMkLst>
+            <pc:docMk/>
+            <pc:sldMk cId="2693214980" sldId="263"/>
+            <ac:picMk id="2058" creationId="{246ADEFE-667B-47EE-F314-DA23FB29C123}"/>
+          </ac:picMkLst>
+        </pc:picChg>
+      </pc:sldChg>
+      <pc:sldChg chg="addSp delSp modSp add mod">
+        <pc:chgData name="Francisco Martin" userId="559f4d3f8982107f" providerId="LiveId" clId="{C766F9D2-225C-499C-8FD8-FF5D73E24B64}" dt="2023-09-28T18:20:04.065" v="1854" actId="12789"/>
+        <pc:sldMkLst>
+          <pc:docMk/>
+          <pc:sldMk cId="4222792968" sldId="264"/>
+        </pc:sldMkLst>
+        <pc:spChg chg="mod">
+          <ac:chgData name="Francisco Martin" userId="559f4d3f8982107f" providerId="LiveId" clId="{C766F9D2-225C-499C-8FD8-FF5D73E24B64}" dt="2023-09-28T18:16:51.369" v="1825" actId="1076"/>
+          <ac:spMkLst>
+            <pc:docMk/>
+            <pc:sldMk cId="4222792968" sldId="264"/>
+            <ac:spMk id="5" creationId="{C6AA9602-39B0-9B3F-364F-5C64457602FE}"/>
+          </ac:spMkLst>
+        </pc:spChg>
+        <pc:spChg chg="mod">
+          <ac:chgData name="Francisco Martin" userId="559f4d3f8982107f" providerId="LiveId" clId="{C766F9D2-225C-499C-8FD8-FF5D73E24B64}" dt="2023-09-28T18:17:25.315" v="1834" actId="14100"/>
+          <ac:spMkLst>
+            <pc:docMk/>
+            <pc:sldMk cId="4222792968" sldId="264"/>
+            <ac:spMk id="6" creationId="{CA8F7752-0C1A-3CEA-5690-620E1F2BF208}"/>
+          </ac:spMkLst>
+        </pc:spChg>
+        <pc:spChg chg="add mod">
+          <ac:chgData name="Francisco Martin" userId="559f4d3f8982107f" providerId="LiveId" clId="{C766F9D2-225C-499C-8FD8-FF5D73E24B64}" dt="2023-09-28T18:20:04.065" v="1854" actId="12789"/>
+          <ac:spMkLst>
+            <pc:docMk/>
+            <pc:sldMk cId="4222792968" sldId="264"/>
+            <ac:spMk id="8" creationId="{2F1A5FB4-2C1B-5B74-29D5-EF9219DD04B6}"/>
+          </ac:spMkLst>
+        </pc:spChg>
+        <pc:spChg chg="del">
+          <ac:chgData name="Francisco Martin" userId="559f4d3f8982107f" providerId="LiveId" clId="{C766F9D2-225C-499C-8FD8-FF5D73E24B64}" dt="2023-09-28T18:17:04.901" v="1828" actId="478"/>
+          <ac:spMkLst>
+            <pc:docMk/>
+            <pc:sldMk cId="4222792968" sldId="264"/>
+            <ac:spMk id="9" creationId="{44F06CC8-059F-66B8-A83C-8A4CFA347CD7}"/>
+          </ac:spMkLst>
+        </pc:spChg>
+        <pc:spChg chg="del">
+          <ac:chgData name="Francisco Martin" userId="559f4d3f8982107f" providerId="LiveId" clId="{C766F9D2-225C-499C-8FD8-FF5D73E24B64}" dt="2023-09-28T18:17:02.220" v="1827" actId="478"/>
+          <ac:spMkLst>
+            <pc:docMk/>
+            <pc:sldMk cId="4222792968" sldId="264"/>
+            <ac:spMk id="15" creationId="{582C65E6-E023-321E-FA55-C76311B494CE}"/>
+          </ac:spMkLst>
+        </pc:spChg>
+        <pc:spChg chg="del">
+          <ac:chgData name="Francisco Martin" userId="559f4d3f8982107f" providerId="LiveId" clId="{C766F9D2-225C-499C-8FD8-FF5D73E24B64}" dt="2023-09-28T18:17:02.220" v="1827" actId="478"/>
+          <ac:spMkLst>
+            <pc:docMk/>
+            <pc:sldMk cId="4222792968" sldId="264"/>
+            <ac:spMk id="16" creationId="{43C89C5F-DCAD-DCF1-DAB5-727C1484D9D8}"/>
+          </ac:spMkLst>
+        </pc:spChg>
+        <pc:spChg chg="del">
+          <ac:chgData name="Francisco Martin" userId="559f4d3f8982107f" providerId="LiveId" clId="{C766F9D2-225C-499C-8FD8-FF5D73E24B64}" dt="2023-09-28T18:17:06.810" v="1829" actId="478"/>
+          <ac:spMkLst>
+            <pc:docMk/>
+            <pc:sldMk cId="4222792968" sldId="264"/>
+            <ac:spMk id="17" creationId="{DC458CFC-8B29-10EA-4AC0-166B7D238F2D}"/>
+          </ac:spMkLst>
+        </pc:spChg>
+        <pc:picChg chg="del">
+          <ac:chgData name="Francisco Martin" userId="559f4d3f8982107f" providerId="LiveId" clId="{C766F9D2-225C-499C-8FD8-FF5D73E24B64}" dt="2023-09-28T18:17:02.220" v="1827" actId="478"/>
+          <ac:picMkLst>
+            <pc:docMk/>
+            <pc:sldMk cId="4222792968" sldId="264"/>
+            <ac:picMk id="20" creationId="{465612B1-F90A-F556-0BD8-FD88DB51229F}"/>
+          </ac:picMkLst>
+        </pc:picChg>
+        <pc:picChg chg="del">
+          <ac:chgData name="Francisco Martin" userId="559f4d3f8982107f" providerId="LiveId" clId="{C766F9D2-225C-499C-8FD8-FF5D73E24B64}" dt="2023-09-28T18:17:02.220" v="1827" actId="478"/>
+          <ac:picMkLst>
+            <pc:docMk/>
+            <pc:sldMk cId="4222792968" sldId="264"/>
+            <ac:picMk id="22" creationId="{C76BF180-8DE0-45EA-BF9F-ACE9C95999AE}"/>
+          </ac:picMkLst>
+        </pc:picChg>
+        <pc:picChg chg="del">
+          <ac:chgData name="Francisco Martin" userId="559f4d3f8982107f" providerId="LiveId" clId="{C766F9D2-225C-499C-8FD8-FF5D73E24B64}" dt="2023-09-28T18:17:02.220" v="1827" actId="478"/>
+          <ac:picMkLst>
+            <pc:docMk/>
+            <pc:sldMk cId="4222792968" sldId="264"/>
+            <ac:picMk id="24" creationId="{B2A098AC-3F1C-6F16-FCA4-07F8F8EE1BA2}"/>
           </ac:picMkLst>
         </pc:picChg>
       </pc:sldChg>
@@ -2156,7 +3468,7 @@
           <a:p>
             <a:fld id="{CECB9A20-B842-4FAE-977E-B8D9A9BD47D6}" type="datetimeFigureOut">
               <a:rPr lang="es-ES" smtClean="0"/>
-              <a:t>27/09/2023</a:t>
+              <a:t>28/09/2023</a:t>
             </a:fld>
             <a:endParaRPr lang="es-ES"/>
           </a:p>
@@ -2354,7 +3666,7 @@
           <a:p>
             <a:fld id="{CECB9A20-B842-4FAE-977E-B8D9A9BD47D6}" type="datetimeFigureOut">
               <a:rPr lang="es-ES" smtClean="0"/>
-              <a:t>27/09/2023</a:t>
+              <a:t>28/09/2023</a:t>
             </a:fld>
             <a:endParaRPr lang="es-ES"/>
           </a:p>
@@ -2562,7 +3874,7 @@
           <a:p>
             <a:fld id="{CECB9A20-B842-4FAE-977E-B8D9A9BD47D6}" type="datetimeFigureOut">
               <a:rPr lang="es-ES" smtClean="0"/>
-              <a:t>27/09/2023</a:t>
+              <a:t>28/09/2023</a:t>
             </a:fld>
             <a:endParaRPr lang="es-ES"/>
           </a:p>
@@ -2760,7 +4072,7 @@
           <a:p>
             <a:fld id="{CECB9A20-B842-4FAE-977E-B8D9A9BD47D6}" type="datetimeFigureOut">
               <a:rPr lang="es-ES" smtClean="0"/>
-              <a:t>27/09/2023</a:t>
+              <a:t>28/09/2023</a:t>
             </a:fld>
             <a:endParaRPr lang="es-ES"/>
           </a:p>
@@ -3035,7 +4347,7 @@
           <a:p>
             <a:fld id="{CECB9A20-B842-4FAE-977E-B8D9A9BD47D6}" type="datetimeFigureOut">
               <a:rPr lang="es-ES" smtClean="0"/>
-              <a:t>27/09/2023</a:t>
+              <a:t>28/09/2023</a:t>
             </a:fld>
             <a:endParaRPr lang="es-ES"/>
           </a:p>
@@ -3300,7 +4612,7 @@
           <a:p>
             <a:fld id="{CECB9A20-B842-4FAE-977E-B8D9A9BD47D6}" type="datetimeFigureOut">
               <a:rPr lang="es-ES" smtClean="0"/>
-              <a:t>27/09/2023</a:t>
+              <a:t>28/09/2023</a:t>
             </a:fld>
             <a:endParaRPr lang="es-ES"/>
           </a:p>
@@ -3712,7 +5024,7 @@
           <a:p>
             <a:fld id="{CECB9A20-B842-4FAE-977E-B8D9A9BD47D6}" type="datetimeFigureOut">
               <a:rPr lang="es-ES" smtClean="0"/>
-              <a:t>27/09/2023</a:t>
+              <a:t>28/09/2023</a:t>
             </a:fld>
             <a:endParaRPr lang="es-ES"/>
           </a:p>
@@ -3853,7 +5165,7 @@
           <a:p>
             <a:fld id="{CECB9A20-B842-4FAE-977E-B8D9A9BD47D6}" type="datetimeFigureOut">
               <a:rPr lang="es-ES" smtClean="0"/>
-              <a:t>27/09/2023</a:t>
+              <a:t>28/09/2023</a:t>
             </a:fld>
             <a:endParaRPr lang="es-ES"/>
           </a:p>
@@ -3966,7 +5278,7 @@
           <a:p>
             <a:fld id="{CECB9A20-B842-4FAE-977E-B8D9A9BD47D6}" type="datetimeFigureOut">
               <a:rPr lang="es-ES" smtClean="0"/>
-              <a:t>27/09/2023</a:t>
+              <a:t>28/09/2023</a:t>
             </a:fld>
             <a:endParaRPr lang="es-ES"/>
           </a:p>
@@ -4277,7 +5589,7 @@
           <a:p>
             <a:fld id="{CECB9A20-B842-4FAE-977E-B8D9A9BD47D6}" type="datetimeFigureOut">
               <a:rPr lang="es-ES" smtClean="0"/>
-              <a:t>27/09/2023</a:t>
+              <a:t>28/09/2023</a:t>
             </a:fld>
             <a:endParaRPr lang="es-ES"/>
           </a:p>
@@ -4565,7 +5877,7 @@
           <a:p>
             <a:fld id="{CECB9A20-B842-4FAE-977E-B8D9A9BD47D6}" type="datetimeFigureOut">
               <a:rPr lang="es-ES" smtClean="0"/>
-              <a:t>27/09/2023</a:t>
+              <a:t>28/09/2023</a:t>
             </a:fld>
             <a:endParaRPr lang="es-ES"/>
           </a:p>
@@ -4806,7 +6118,7 @@
           <a:p>
             <a:fld id="{CECB9A20-B842-4FAE-977E-B8D9A9BD47D6}" type="datetimeFigureOut">
               <a:rPr lang="es-ES" smtClean="0"/>
-              <a:t>27/09/2023</a:t>
+              <a:t>28/09/2023</a:t>
             </a:fld>
             <a:endParaRPr lang="es-ES"/>
           </a:p>
@@ -5632,6 +6944,346 @@
           </a:p>
         </p:txBody>
       </p:sp>
+      <p:sp>
+        <p:nvSpPr>
+          <p:cNvPr id="2" name="Rectángulo: esquinas redondeadas 1">
+            <a:extLst>
+              <a:ext uri="{FF2B5EF4-FFF2-40B4-BE49-F238E27FC236}">
+                <a16:creationId xmlns:a16="http://schemas.microsoft.com/office/drawing/2014/main" id="{B7E9F229-C548-0C6D-A43E-BC385601484A}"/>
+              </a:ext>
+            </a:extLst>
+          </p:cNvPr>
+          <p:cNvSpPr/>
+          <p:nvPr/>
+        </p:nvSpPr>
+        <p:spPr>
+          <a:xfrm>
+            <a:off x="701040" y="7863840"/>
+            <a:ext cx="4495800" cy="6858000"/>
+          </a:xfrm>
+          <a:prstGeom prst="roundRect">
+            <a:avLst/>
+          </a:prstGeom>
+          <a:solidFill>
+            <a:srgbClr val="92D050"/>
+          </a:solidFill>
+          <a:ln>
+            <a:noFill/>
+          </a:ln>
+        </p:spPr>
+        <p:style>
+          <a:lnRef idx="2">
+            <a:schemeClr val="accent1">
+              <a:shade val="15000"/>
+            </a:schemeClr>
+          </a:lnRef>
+          <a:fillRef idx="1">
+            <a:schemeClr val="accent1"/>
+          </a:fillRef>
+          <a:effectRef idx="0">
+            <a:schemeClr val="accent1"/>
+          </a:effectRef>
+          <a:fontRef idx="minor">
+            <a:schemeClr val="lt1"/>
+          </a:fontRef>
+        </p:style>
+        <p:txBody>
+          <a:bodyPr rtlCol="0" anchor="ctr"/>
+          <a:lstStyle/>
+          <a:p>
+            <a:pPr algn="ctr"/>
+            <a:endParaRPr lang="es-ES"/>
+          </a:p>
+        </p:txBody>
+      </p:sp>
+      <p:sp>
+        <p:nvSpPr>
+          <p:cNvPr id="3" name="CuadroTexto 2">
+            <a:extLst>
+              <a:ext uri="{FF2B5EF4-FFF2-40B4-BE49-F238E27FC236}">
+                <a16:creationId xmlns:a16="http://schemas.microsoft.com/office/drawing/2014/main" id="{8923DDBE-A312-C903-5654-BDB5459C228F}"/>
+              </a:ext>
+            </a:extLst>
+          </p:cNvPr>
+          <p:cNvSpPr txBox="1"/>
+          <p:nvPr/>
+        </p:nvSpPr>
+        <p:spPr>
+          <a:xfrm>
+            <a:off x="857878" y="8082162"/>
+            <a:ext cx="4201802" cy="707886"/>
+          </a:xfrm>
+          <a:prstGeom prst="rect">
+            <a:avLst/>
+          </a:prstGeom>
+          <a:noFill/>
+        </p:spPr>
+        <p:txBody>
+          <a:bodyPr wrap="square" rtlCol="0">
+            <a:spAutoFit/>
+          </a:bodyPr>
+          <a:lstStyle/>
+          <a:p>
+            <a:r>
+              <a:rPr lang="es-ES" sz="4000" dirty="0">
+                <a:solidFill>
+                  <a:schemeClr val="bg1"/>
+                </a:solidFill>
+              </a:rPr>
+              <a:t>NON DIGITAL TIME</a:t>
+            </a:r>
+          </a:p>
+        </p:txBody>
+      </p:sp>
+      <p:sp>
+        <p:nvSpPr>
+          <p:cNvPr id="4" name="CuadroTexto 3">
+            <a:extLst>
+              <a:ext uri="{FF2B5EF4-FFF2-40B4-BE49-F238E27FC236}">
+                <a16:creationId xmlns:a16="http://schemas.microsoft.com/office/drawing/2014/main" id="{513A3EA0-E03F-22B4-D218-3249A743E2C8}"/>
+              </a:ext>
+            </a:extLst>
+          </p:cNvPr>
+          <p:cNvSpPr txBox="1"/>
+          <p:nvPr/>
+        </p:nvSpPr>
+        <p:spPr>
+          <a:xfrm>
+            <a:off x="857878" y="8751244"/>
+            <a:ext cx="4338962" cy="3754874"/>
+          </a:xfrm>
+          <a:prstGeom prst="rect">
+            <a:avLst/>
+          </a:prstGeom>
+          <a:noFill/>
+        </p:spPr>
+        <p:txBody>
+          <a:bodyPr wrap="square" rtlCol="0">
+            <a:spAutoFit/>
+          </a:bodyPr>
+          <a:lstStyle/>
+          <a:p>
+            <a:r>
+              <a:rPr lang="en-US" sz="2000" dirty="0">
+                <a:solidFill>
+                  <a:schemeClr val="bg1"/>
+                </a:solidFill>
+              </a:rPr>
+              <a:t>Before the advent of digital computers, people used various computing devices, such as the abacus and the ruler. Charles Babbage and Ada Lovelace made important advances in the design of computing machines, while Herman Hollerith developed punched cards for data processing. Godfrey Leibniz and George Boole laid the foundations of modern computing with their work on binary arithmetic and Boolean algebra.</a:t>
+            </a:r>
+          </a:p>
+          <a:p>
+            <a:endParaRPr lang="es-ES" dirty="0"/>
+          </a:p>
+        </p:txBody>
+      </p:sp>
+      <p:pic>
+        <p:nvPicPr>
+          <p:cNvPr id="8" name="Imagen 7">
+            <a:extLst>
+              <a:ext uri="{FF2B5EF4-FFF2-40B4-BE49-F238E27FC236}">
+                <a16:creationId xmlns:a16="http://schemas.microsoft.com/office/drawing/2014/main" id="{F0E95FDD-E68D-056B-2F3E-1D052087AD9A}"/>
+              </a:ext>
+            </a:extLst>
+          </p:cNvPr>
+          <p:cNvPicPr>
+            <a:picLocks noChangeAspect="1"/>
+          </p:cNvPicPr>
+          <p:nvPr/>
+        </p:nvPicPr>
+        <p:blipFill>
+          <a:blip r:embed="rId3">
+            <a:extLst>
+              <a:ext uri="{28A0092B-C50C-407E-A947-70E740481C1C}">
+                <a14:useLocalDpi xmlns:a14="http://schemas.microsoft.com/office/drawing/2010/main" val="0"/>
+              </a:ext>
+            </a:extLst>
+          </a:blip>
+          <a:stretch>
+            <a:fillRect/>
+          </a:stretch>
+        </p:blipFill>
+        <p:spPr>
+          <a:xfrm>
+            <a:off x="837571" y="12419854"/>
+            <a:ext cx="4252589" cy="1856964"/>
+          </a:xfrm>
+          <a:prstGeom prst="rect">
+            <a:avLst/>
+          </a:prstGeom>
+        </p:spPr>
+      </p:pic>
+      <p:sp>
+        <p:nvSpPr>
+          <p:cNvPr id="9" name="Rectángulo: esquinas redondeadas 8">
+            <a:extLst>
+              <a:ext uri="{FF2B5EF4-FFF2-40B4-BE49-F238E27FC236}">
+                <a16:creationId xmlns:a16="http://schemas.microsoft.com/office/drawing/2014/main" id="{55121FE0-014C-1184-96A4-3596AE20A164}"/>
+              </a:ext>
+            </a:extLst>
+          </p:cNvPr>
+          <p:cNvSpPr/>
+          <p:nvPr/>
+        </p:nvSpPr>
+        <p:spPr>
+          <a:xfrm>
+            <a:off x="6716403" y="-8473440"/>
+            <a:ext cx="4495800" cy="6858000"/>
+          </a:xfrm>
+          <a:prstGeom prst="roundRect">
+            <a:avLst/>
+          </a:prstGeom>
+          <a:solidFill>
+            <a:srgbClr val="FFC000"/>
+          </a:solidFill>
+          <a:ln>
+            <a:noFill/>
+          </a:ln>
+        </p:spPr>
+        <p:style>
+          <a:lnRef idx="2">
+            <a:schemeClr val="accent1">
+              <a:shade val="15000"/>
+            </a:schemeClr>
+          </a:lnRef>
+          <a:fillRef idx="1">
+            <a:schemeClr val="accent1"/>
+          </a:fillRef>
+          <a:effectRef idx="0">
+            <a:schemeClr val="accent1"/>
+          </a:effectRef>
+          <a:fontRef idx="minor">
+            <a:schemeClr val="lt1"/>
+          </a:fontRef>
+        </p:style>
+        <p:txBody>
+          <a:bodyPr rtlCol="0" anchor="ctr"/>
+          <a:lstStyle/>
+          <a:p>
+            <a:pPr algn="ctr"/>
+            <a:endParaRPr lang="es-ES"/>
+          </a:p>
+        </p:txBody>
+      </p:sp>
+      <p:sp>
+        <p:nvSpPr>
+          <p:cNvPr id="10" name="CuadroTexto 9">
+            <a:extLst>
+              <a:ext uri="{FF2B5EF4-FFF2-40B4-BE49-F238E27FC236}">
+                <a16:creationId xmlns:a16="http://schemas.microsoft.com/office/drawing/2014/main" id="{2367A931-6124-23E1-19A1-DA189B247A21}"/>
+              </a:ext>
+            </a:extLst>
+          </p:cNvPr>
+          <p:cNvSpPr txBox="1"/>
+          <p:nvPr/>
+        </p:nvSpPr>
+        <p:spPr>
+          <a:xfrm>
+            <a:off x="6716403" y="-7586036"/>
+            <a:ext cx="4495800" cy="3477875"/>
+          </a:xfrm>
+          <a:prstGeom prst="rect">
+            <a:avLst/>
+          </a:prstGeom>
+          <a:noFill/>
+        </p:spPr>
+        <p:txBody>
+          <a:bodyPr wrap="square" rtlCol="0">
+            <a:spAutoFit/>
+          </a:bodyPr>
+          <a:lstStyle/>
+          <a:p>
+            <a:r>
+              <a:rPr lang="en-US" sz="2000" dirty="0">
+                <a:solidFill>
+                  <a:schemeClr val="bg1"/>
+                </a:solidFill>
+              </a:rPr>
+              <a:t>In the digital era, the Atanasoff Berry computer was the first electronic digital computer. The von Neumann architecture was proposed by John von Neumann, who introduced the concept of storing instructions and data in a single memory, which improved the efficiency of computers. Alan Turing also made important contributions to theoretical computer science and artificial computation.</a:t>
+            </a:r>
+            <a:endParaRPr lang="es-ES" sz="2000" dirty="0">
+              <a:solidFill>
+                <a:schemeClr val="bg1"/>
+              </a:solidFill>
+            </a:endParaRPr>
+          </a:p>
+        </p:txBody>
+      </p:sp>
+      <p:sp>
+        <p:nvSpPr>
+          <p:cNvPr id="11" name="CuadroTexto 10">
+            <a:extLst>
+              <a:ext uri="{FF2B5EF4-FFF2-40B4-BE49-F238E27FC236}">
+                <a16:creationId xmlns:a16="http://schemas.microsoft.com/office/drawing/2014/main" id="{EA124609-C464-8AB5-3997-00C16C40E086}"/>
+              </a:ext>
+            </a:extLst>
+          </p:cNvPr>
+          <p:cNvSpPr txBox="1"/>
+          <p:nvPr/>
+        </p:nvSpPr>
+        <p:spPr>
+          <a:xfrm>
+            <a:off x="7427282" y="-8293922"/>
+            <a:ext cx="3074042" cy="707886"/>
+          </a:xfrm>
+          <a:prstGeom prst="rect">
+            <a:avLst/>
+          </a:prstGeom>
+          <a:noFill/>
+        </p:spPr>
+        <p:txBody>
+          <a:bodyPr wrap="square" rtlCol="0">
+            <a:spAutoFit/>
+          </a:bodyPr>
+          <a:lstStyle/>
+          <a:p>
+            <a:r>
+              <a:rPr lang="es-ES" sz="4000" dirty="0">
+                <a:solidFill>
+                  <a:schemeClr val="bg1"/>
+                </a:solidFill>
+              </a:rPr>
+              <a:t>DIGITAL TIME</a:t>
+            </a:r>
+          </a:p>
+        </p:txBody>
+      </p:sp>
+      <p:pic>
+        <p:nvPicPr>
+          <p:cNvPr id="12" name="Imagen 11" descr="Diagrama&#10;&#10;Descripción generada automáticamente">
+            <a:extLst>
+              <a:ext uri="{FF2B5EF4-FFF2-40B4-BE49-F238E27FC236}">
+                <a16:creationId xmlns:a16="http://schemas.microsoft.com/office/drawing/2014/main" id="{17598184-5F00-05C7-AF09-4EC1A467F8C5}"/>
+              </a:ext>
+            </a:extLst>
+          </p:cNvPr>
+          <p:cNvPicPr>
+            <a:picLocks noChangeAspect="1"/>
+          </p:cNvPicPr>
+          <p:nvPr/>
+        </p:nvPicPr>
+        <p:blipFill>
+          <a:blip r:embed="rId4">
+            <a:extLst>
+              <a:ext uri="{28A0092B-C50C-407E-A947-70E740481C1C}">
+                <a14:useLocalDpi xmlns:a14="http://schemas.microsoft.com/office/drawing/2010/main" val="0"/>
+              </a:ext>
+            </a:extLst>
+          </a:blip>
+          <a:stretch>
+            <a:fillRect/>
+          </a:stretch>
+        </p:blipFill>
+        <p:spPr>
+          <a:xfrm>
+            <a:off x="7297102" y="-3917426"/>
+            <a:ext cx="3471729" cy="2012426"/>
+          </a:xfrm>
+          <a:prstGeom prst="rect">
+            <a:avLst/>
+          </a:prstGeom>
+        </p:spPr>
+      </p:pic>
     </p:spTree>
     <p:extLst>
       <p:ext uri="{BB962C8B-B14F-4D97-AF65-F5344CB8AC3E}">
@@ -5761,42 +7413,12 @@
           <a:chExt cx="0" cy="0"/>
         </a:xfrm>
       </p:grpSpPr>
-    </p:spTree>
-    <p:extLst>
-      <p:ext uri="{BB962C8B-B14F-4D97-AF65-F5344CB8AC3E}">
-        <p14:creationId xmlns:p14="http://schemas.microsoft.com/office/powerpoint/2010/main" val="1638443025"/>
-      </p:ext>
-    </p:extLst>
-  </p:cSld>
-  <p:clrMapOvr>
-    <a:masterClrMapping/>
-  </p:clrMapOvr>
-</p:sld>
-</file>
-
-<file path=ppt/slides/slide3.xml><?xml version="1.0" encoding="utf-8"?>
-<p:sld xmlns:a="http://schemas.openxmlformats.org/drawingml/2006/main" xmlns:r="http://schemas.openxmlformats.org/officeDocument/2006/relationships" xmlns:p="http://schemas.openxmlformats.org/presentationml/2006/main">
-  <p:cSld>
-    <p:spTree>
-      <p:nvGrpSpPr>
-        <p:cNvPr id="1" name=""/>
-        <p:cNvGrpSpPr/>
-        <p:nvPr/>
-      </p:nvGrpSpPr>
-      <p:grpSpPr>
-        <a:xfrm>
-          <a:off x="0" y="0"/>
-          <a:ext cx="0" cy="0"/>
-          <a:chOff x="0" y="0"/>
-          <a:chExt cx="0" cy="0"/>
-        </a:xfrm>
-      </p:grpSpPr>
       <p:sp>
         <p:nvSpPr>
-          <p:cNvPr id="2" name="Flecha: a la derecha 1">
-            <a:extLst>
-              <a:ext uri="{FF2B5EF4-FFF2-40B4-BE49-F238E27FC236}">
-                <a16:creationId xmlns:a16="http://schemas.microsoft.com/office/drawing/2014/main" id="{65D761A7-5E1A-4363-1EE7-487839A24CB4}"/>
+          <p:cNvPr id="12" name="Rectángulo 11">
+            <a:extLst>
+              <a:ext uri="{FF2B5EF4-FFF2-40B4-BE49-F238E27FC236}">
+                <a16:creationId xmlns:a16="http://schemas.microsoft.com/office/drawing/2014/main" id="{C46EDB26-700A-13CA-9933-5740F0127FEA}"/>
               </a:ext>
             </a:extLst>
           </p:cNvPr>
@@ -5805,7 +7427,398 @@
         </p:nvSpPr>
         <p:spPr>
           <a:xfrm>
-            <a:off x="259080" y="2118360"/>
+            <a:off x="-1264920" y="-929640"/>
+            <a:ext cx="14340840" cy="8519160"/>
+          </a:xfrm>
+          <a:prstGeom prst="rect">
+            <a:avLst/>
+          </a:prstGeom>
+          <a:solidFill>
+            <a:schemeClr val="bg1">
+              <a:lumMod val="65000"/>
+            </a:schemeClr>
+          </a:solidFill>
+        </p:spPr>
+        <p:style>
+          <a:lnRef idx="2">
+            <a:schemeClr val="accent1">
+              <a:shade val="15000"/>
+            </a:schemeClr>
+          </a:lnRef>
+          <a:fillRef idx="1">
+            <a:schemeClr val="accent1"/>
+          </a:fillRef>
+          <a:effectRef idx="0">
+            <a:schemeClr val="accent1"/>
+          </a:effectRef>
+          <a:fontRef idx="minor">
+            <a:schemeClr val="lt1"/>
+          </a:fontRef>
+        </p:style>
+        <p:txBody>
+          <a:bodyPr rtlCol="0" anchor="ctr"/>
+          <a:lstStyle/>
+          <a:p>
+            <a:pPr algn="ctr"/>
+            <a:endParaRPr lang="es-ES"/>
+          </a:p>
+        </p:txBody>
+      </p:sp>
+      <p:sp>
+        <p:nvSpPr>
+          <p:cNvPr id="4" name="Rectángulo: esquinas redondeadas 3">
+            <a:extLst>
+              <a:ext uri="{FF2B5EF4-FFF2-40B4-BE49-F238E27FC236}">
+                <a16:creationId xmlns:a16="http://schemas.microsoft.com/office/drawing/2014/main" id="{DC87F1DC-FAE6-E8B9-8FF6-6230C2B2E2B4}"/>
+              </a:ext>
+            </a:extLst>
+          </p:cNvPr>
+          <p:cNvSpPr/>
+          <p:nvPr/>
+        </p:nvSpPr>
+        <p:spPr>
+          <a:xfrm>
+            <a:off x="6716403" y="0"/>
+            <a:ext cx="4495800" cy="6858000"/>
+          </a:xfrm>
+          <a:prstGeom prst="roundRect">
+            <a:avLst/>
+          </a:prstGeom>
+          <a:solidFill>
+            <a:srgbClr val="FFC000"/>
+          </a:solidFill>
+          <a:ln>
+            <a:noFill/>
+          </a:ln>
+        </p:spPr>
+        <p:style>
+          <a:lnRef idx="2">
+            <a:schemeClr val="accent1">
+              <a:shade val="15000"/>
+            </a:schemeClr>
+          </a:lnRef>
+          <a:fillRef idx="1">
+            <a:schemeClr val="accent1"/>
+          </a:fillRef>
+          <a:effectRef idx="0">
+            <a:schemeClr val="accent1"/>
+          </a:effectRef>
+          <a:fontRef idx="minor">
+            <a:schemeClr val="lt1"/>
+          </a:fontRef>
+        </p:style>
+        <p:txBody>
+          <a:bodyPr rtlCol="0" anchor="ctr"/>
+          <a:lstStyle/>
+          <a:p>
+            <a:pPr algn="ctr"/>
+            <a:endParaRPr lang="es-ES"/>
+          </a:p>
+        </p:txBody>
+      </p:sp>
+      <p:sp>
+        <p:nvSpPr>
+          <p:cNvPr id="2" name="CuadroTexto 1">
+            <a:extLst>
+              <a:ext uri="{FF2B5EF4-FFF2-40B4-BE49-F238E27FC236}">
+                <a16:creationId xmlns:a16="http://schemas.microsoft.com/office/drawing/2014/main" id="{B3AC832D-289B-8984-CFB2-1152DE1B4A74}"/>
+              </a:ext>
+            </a:extLst>
+          </p:cNvPr>
+          <p:cNvSpPr txBox="1"/>
+          <p:nvPr/>
+        </p:nvSpPr>
+        <p:spPr>
+          <a:xfrm>
+            <a:off x="6716403" y="887404"/>
+            <a:ext cx="4495800" cy="3477875"/>
+          </a:xfrm>
+          <a:prstGeom prst="rect">
+            <a:avLst/>
+          </a:prstGeom>
+          <a:noFill/>
+        </p:spPr>
+        <p:txBody>
+          <a:bodyPr wrap="square" rtlCol="0">
+            <a:spAutoFit/>
+          </a:bodyPr>
+          <a:lstStyle/>
+          <a:p>
+            <a:r>
+              <a:rPr lang="en-US" sz="2000" dirty="0">
+                <a:solidFill>
+                  <a:schemeClr val="bg1"/>
+                </a:solidFill>
+              </a:rPr>
+              <a:t>In the digital era, the Atanasoff Berry computer was the first electronic digital computer. The von Neumann architecture was proposed by John von Neumann, who introduced the concept of storing instructions and data in a single memory, which improved the efficiency of computers. Alan Turing also made important contributions to theoretical computer science and artificial computation.</a:t>
+            </a:r>
+            <a:endParaRPr lang="es-ES" sz="2000" dirty="0">
+              <a:solidFill>
+                <a:schemeClr val="bg1"/>
+              </a:solidFill>
+            </a:endParaRPr>
+          </a:p>
+        </p:txBody>
+      </p:sp>
+      <p:sp>
+        <p:nvSpPr>
+          <p:cNvPr id="3" name="Rectángulo: esquinas redondeadas 2">
+            <a:extLst>
+              <a:ext uri="{FF2B5EF4-FFF2-40B4-BE49-F238E27FC236}">
+                <a16:creationId xmlns:a16="http://schemas.microsoft.com/office/drawing/2014/main" id="{A9BDF635-3EFD-2EA0-AE81-72216DD1F220}"/>
+              </a:ext>
+            </a:extLst>
+          </p:cNvPr>
+          <p:cNvSpPr/>
+          <p:nvPr/>
+        </p:nvSpPr>
+        <p:spPr>
+          <a:xfrm>
+            <a:off x="701040" y="0"/>
+            <a:ext cx="4495800" cy="6858000"/>
+          </a:xfrm>
+          <a:prstGeom prst="roundRect">
+            <a:avLst/>
+          </a:prstGeom>
+          <a:solidFill>
+            <a:srgbClr val="92D050"/>
+          </a:solidFill>
+          <a:ln>
+            <a:noFill/>
+          </a:ln>
+        </p:spPr>
+        <p:style>
+          <a:lnRef idx="2">
+            <a:schemeClr val="accent1">
+              <a:shade val="15000"/>
+            </a:schemeClr>
+          </a:lnRef>
+          <a:fillRef idx="1">
+            <a:schemeClr val="accent1"/>
+          </a:fillRef>
+          <a:effectRef idx="0">
+            <a:schemeClr val="accent1"/>
+          </a:effectRef>
+          <a:fontRef idx="minor">
+            <a:schemeClr val="lt1"/>
+          </a:fontRef>
+        </p:style>
+        <p:txBody>
+          <a:bodyPr rtlCol="0" anchor="ctr"/>
+          <a:lstStyle/>
+          <a:p>
+            <a:pPr algn="ctr"/>
+            <a:endParaRPr lang="es-ES"/>
+          </a:p>
+        </p:txBody>
+      </p:sp>
+      <p:sp>
+        <p:nvSpPr>
+          <p:cNvPr id="5" name="CuadroTexto 4">
+            <a:extLst>
+              <a:ext uri="{FF2B5EF4-FFF2-40B4-BE49-F238E27FC236}">
+                <a16:creationId xmlns:a16="http://schemas.microsoft.com/office/drawing/2014/main" id="{6531D578-3137-1E53-14EB-400E6290AF71}"/>
+              </a:ext>
+            </a:extLst>
+          </p:cNvPr>
+          <p:cNvSpPr txBox="1"/>
+          <p:nvPr/>
+        </p:nvSpPr>
+        <p:spPr>
+          <a:xfrm>
+            <a:off x="857878" y="218322"/>
+            <a:ext cx="4201802" cy="707886"/>
+          </a:xfrm>
+          <a:prstGeom prst="rect">
+            <a:avLst/>
+          </a:prstGeom>
+          <a:noFill/>
+        </p:spPr>
+        <p:txBody>
+          <a:bodyPr wrap="square" rtlCol="0">
+            <a:spAutoFit/>
+          </a:bodyPr>
+          <a:lstStyle/>
+          <a:p>
+            <a:r>
+              <a:rPr lang="es-ES" sz="4000" dirty="0">
+                <a:solidFill>
+                  <a:schemeClr val="bg1"/>
+                </a:solidFill>
+              </a:rPr>
+              <a:t>NON DIGITAL TIME</a:t>
+            </a:r>
+          </a:p>
+        </p:txBody>
+      </p:sp>
+      <p:sp>
+        <p:nvSpPr>
+          <p:cNvPr id="6" name="CuadroTexto 5">
+            <a:extLst>
+              <a:ext uri="{FF2B5EF4-FFF2-40B4-BE49-F238E27FC236}">
+                <a16:creationId xmlns:a16="http://schemas.microsoft.com/office/drawing/2014/main" id="{A164C7C3-94FC-22F6-26D0-2684227C0435}"/>
+              </a:ext>
+            </a:extLst>
+          </p:cNvPr>
+          <p:cNvSpPr txBox="1"/>
+          <p:nvPr/>
+        </p:nvSpPr>
+        <p:spPr>
+          <a:xfrm>
+            <a:off x="857878" y="887404"/>
+            <a:ext cx="4338962" cy="3754874"/>
+          </a:xfrm>
+          <a:prstGeom prst="rect">
+            <a:avLst/>
+          </a:prstGeom>
+          <a:noFill/>
+        </p:spPr>
+        <p:txBody>
+          <a:bodyPr wrap="square" rtlCol="0">
+            <a:spAutoFit/>
+          </a:bodyPr>
+          <a:lstStyle/>
+          <a:p>
+            <a:r>
+              <a:rPr lang="en-US" sz="2000" dirty="0">
+                <a:solidFill>
+                  <a:schemeClr val="bg1"/>
+                </a:solidFill>
+              </a:rPr>
+              <a:t>Before the advent of digital computers, people used various computing devices, such as the abacus and the ruler. Charles Babbage and Ada Lovelace made important advances in the design of computing machines, while Herman Hollerith developed punched cards for data processing. Godfrey Leibniz and George Boole laid the foundations of modern computing with their work on binary arithmetic and Boolean algebra.</a:t>
+            </a:r>
+          </a:p>
+          <a:p>
+            <a:endParaRPr lang="es-ES" dirty="0"/>
+          </a:p>
+        </p:txBody>
+      </p:sp>
+      <p:sp>
+        <p:nvSpPr>
+          <p:cNvPr id="7" name="CuadroTexto 6">
+            <a:extLst>
+              <a:ext uri="{FF2B5EF4-FFF2-40B4-BE49-F238E27FC236}">
+                <a16:creationId xmlns:a16="http://schemas.microsoft.com/office/drawing/2014/main" id="{010FC586-B66C-BFC1-1247-1C6CCE4FDB66}"/>
+              </a:ext>
+            </a:extLst>
+          </p:cNvPr>
+          <p:cNvSpPr txBox="1"/>
+          <p:nvPr/>
+        </p:nvSpPr>
+        <p:spPr>
+          <a:xfrm>
+            <a:off x="7427282" y="179518"/>
+            <a:ext cx="3074042" cy="707886"/>
+          </a:xfrm>
+          <a:prstGeom prst="rect">
+            <a:avLst/>
+          </a:prstGeom>
+          <a:noFill/>
+        </p:spPr>
+        <p:txBody>
+          <a:bodyPr wrap="square" rtlCol="0">
+            <a:spAutoFit/>
+          </a:bodyPr>
+          <a:lstStyle/>
+          <a:p>
+            <a:r>
+              <a:rPr lang="es-ES" sz="4000" dirty="0">
+                <a:solidFill>
+                  <a:schemeClr val="bg1"/>
+                </a:solidFill>
+              </a:rPr>
+              <a:t>DIGITAL TIME</a:t>
+            </a:r>
+          </a:p>
+        </p:txBody>
+      </p:sp>
+      <p:pic>
+        <p:nvPicPr>
+          <p:cNvPr id="9" name="Imagen 8">
+            <a:extLst>
+              <a:ext uri="{FF2B5EF4-FFF2-40B4-BE49-F238E27FC236}">
+                <a16:creationId xmlns:a16="http://schemas.microsoft.com/office/drawing/2014/main" id="{5E917A25-F131-BC25-3C62-B82EEBC384AC}"/>
+              </a:ext>
+            </a:extLst>
+          </p:cNvPr>
+          <p:cNvPicPr>
+            <a:picLocks noChangeAspect="1"/>
+          </p:cNvPicPr>
+          <p:nvPr/>
+        </p:nvPicPr>
+        <p:blipFill>
+          <a:blip r:embed="rId2">
+            <a:extLst>
+              <a:ext uri="{28A0092B-C50C-407E-A947-70E740481C1C}">
+                <a14:useLocalDpi xmlns:a14="http://schemas.microsoft.com/office/drawing/2010/main" val="0"/>
+              </a:ext>
+            </a:extLst>
+          </a:blip>
+          <a:stretch>
+            <a:fillRect/>
+          </a:stretch>
+        </p:blipFill>
+        <p:spPr>
+          <a:xfrm>
+            <a:off x="837571" y="4556014"/>
+            <a:ext cx="4252589" cy="1856964"/>
+          </a:xfrm>
+          <a:prstGeom prst="rect">
+            <a:avLst/>
+          </a:prstGeom>
+        </p:spPr>
+      </p:pic>
+      <p:pic>
+        <p:nvPicPr>
+          <p:cNvPr id="11" name="Imagen 10" descr="Diagrama&#10;&#10;Descripción generada automáticamente">
+            <a:extLst>
+              <a:ext uri="{FF2B5EF4-FFF2-40B4-BE49-F238E27FC236}">
+                <a16:creationId xmlns:a16="http://schemas.microsoft.com/office/drawing/2014/main" id="{CD09E7DE-4E5A-72B9-3F71-C3144E1CC651}"/>
+              </a:ext>
+            </a:extLst>
+          </p:cNvPr>
+          <p:cNvPicPr>
+            <a:picLocks noChangeAspect="1"/>
+          </p:cNvPicPr>
+          <p:nvPr/>
+        </p:nvPicPr>
+        <p:blipFill>
+          <a:blip r:embed="rId3">
+            <a:extLst>
+              <a:ext uri="{28A0092B-C50C-407E-A947-70E740481C1C}">
+                <a14:useLocalDpi xmlns:a14="http://schemas.microsoft.com/office/drawing/2010/main" val="0"/>
+              </a:ext>
+            </a:extLst>
+          </a:blip>
+          <a:stretch>
+            <a:fillRect/>
+          </a:stretch>
+        </p:blipFill>
+        <p:spPr>
+          <a:xfrm>
+            <a:off x="7297102" y="4556014"/>
+            <a:ext cx="3471729" cy="2012426"/>
+          </a:xfrm>
+          <a:prstGeom prst="rect">
+            <a:avLst/>
+          </a:prstGeom>
+        </p:spPr>
+      </p:pic>
+      <p:sp>
+        <p:nvSpPr>
+          <p:cNvPr id="13" name="Flecha: a la derecha 12">
+            <a:extLst>
+              <a:ext uri="{FF2B5EF4-FFF2-40B4-BE49-F238E27FC236}">
+                <a16:creationId xmlns:a16="http://schemas.microsoft.com/office/drawing/2014/main" id="{32010B86-4CED-B96A-E3E9-301D1BB1935D}"/>
+              </a:ext>
+            </a:extLst>
+          </p:cNvPr>
+          <p:cNvSpPr/>
+          <p:nvPr/>
+        </p:nvSpPr>
+        <p:spPr>
+          <a:xfrm>
+            <a:off x="-13472160" y="2118360"/>
             <a:ext cx="11932920" cy="2545080"/>
           </a:xfrm>
           <a:prstGeom prst="rightArrow">
@@ -5868,230 +7881,637 @@
           </a:p>
         </p:txBody>
       </p:sp>
-      <p:cxnSp>
-        <p:nvCxnSpPr>
-          <p:cNvPr id="4" name="Conector recto de flecha 3">
-            <a:extLst>
-              <a:ext uri="{FF2B5EF4-FFF2-40B4-BE49-F238E27FC236}">
-                <a16:creationId xmlns:a16="http://schemas.microsoft.com/office/drawing/2014/main" id="{D77D6478-C40D-2117-286D-746692343AC4}"/>
-              </a:ext>
-            </a:extLst>
-          </p:cNvPr>
-          <p:cNvCxnSpPr/>
+      <p:grpSp>
+        <p:nvGrpSpPr>
+          <p:cNvPr id="14" name="Grupo 13">
+            <a:extLst>
+              <a:ext uri="{FF2B5EF4-FFF2-40B4-BE49-F238E27FC236}">
+                <a16:creationId xmlns:a16="http://schemas.microsoft.com/office/drawing/2014/main" id="{988C2078-2CB8-A2C9-DDED-7920ACFA089C}"/>
+              </a:ext>
+            </a:extLst>
+          </p:cNvPr>
+          <p:cNvGrpSpPr/>
           <p:nvPr/>
-        </p:nvCxnSpPr>
-        <p:spPr>
-          <a:xfrm flipH="1" flipV="1">
-            <a:off x="838200" y="1127760"/>
-            <a:ext cx="807720" cy="2072640"/>
-          </a:xfrm>
-          <a:prstGeom prst="straightConnector1">
-            <a:avLst/>
-          </a:prstGeom>
-          <a:ln w="57150">
+        </p:nvGrpSpPr>
+        <p:grpSpPr>
+          <a:xfrm>
+            <a:off x="784860" y="-4765186"/>
+            <a:ext cx="990600" cy="2270760"/>
+            <a:chOff x="838200" y="1127760"/>
+            <a:chExt cx="990600" cy="2270760"/>
+          </a:xfrm>
+        </p:grpSpPr>
+        <p:cxnSp>
+          <p:nvCxnSpPr>
+            <p:cNvPr id="15" name="Conector recto de flecha 14">
+              <a:extLst>
+                <a:ext uri="{FF2B5EF4-FFF2-40B4-BE49-F238E27FC236}">
+                  <a16:creationId xmlns:a16="http://schemas.microsoft.com/office/drawing/2014/main" id="{3C38BEB2-50D5-6203-EE2E-C122D7970719}"/>
+                </a:ext>
+              </a:extLst>
+            </p:cNvPr>
+            <p:cNvCxnSpPr/>
+            <p:nvPr/>
+          </p:nvCxnSpPr>
+          <p:spPr>
+            <a:xfrm flipH="1" flipV="1">
+              <a:off x="838200" y="1127760"/>
+              <a:ext cx="807720" cy="2072640"/>
+            </a:xfrm>
+            <a:prstGeom prst="straightConnector1">
+              <a:avLst/>
+            </a:prstGeom>
+            <a:ln w="57150">
+              <a:solidFill>
+                <a:schemeClr val="tx1"/>
+              </a:solidFill>
+              <a:tailEnd type="triangle"/>
+            </a:ln>
+          </p:spPr>
+          <p:style>
+            <a:lnRef idx="1">
+              <a:schemeClr val="accent1"/>
+            </a:lnRef>
+            <a:fillRef idx="0">
+              <a:schemeClr val="accent1"/>
+            </a:fillRef>
+            <a:effectRef idx="0">
+              <a:schemeClr val="accent1"/>
+            </a:effectRef>
+            <a:fontRef idx="minor">
+              <a:schemeClr val="tx1"/>
+            </a:fontRef>
+          </p:style>
+        </p:cxnSp>
+        <p:sp>
+          <p:nvSpPr>
+            <p:cNvPr id="16" name="Diagrama de flujo: conector 15">
+              <a:extLst>
+                <a:ext uri="{FF2B5EF4-FFF2-40B4-BE49-F238E27FC236}">
+                  <a16:creationId xmlns:a16="http://schemas.microsoft.com/office/drawing/2014/main" id="{779391DA-DE6D-E4FB-8CEC-238D2A36BCA0}"/>
+                </a:ext>
+              </a:extLst>
+            </p:cNvPr>
+            <p:cNvSpPr/>
+            <p:nvPr/>
+          </p:nvSpPr>
+          <p:spPr>
+            <a:xfrm>
+              <a:off x="1478280" y="3063240"/>
+              <a:ext cx="350520" cy="335280"/>
+            </a:xfrm>
+            <a:prstGeom prst="flowChartConnector">
+              <a:avLst/>
+            </a:prstGeom>
             <a:solidFill>
+              <a:srgbClr val="FF0000"/>
+            </a:solidFill>
+            <a:ln>
+              <a:noFill/>
+            </a:ln>
+          </p:spPr>
+          <p:style>
+            <a:lnRef idx="2">
+              <a:schemeClr val="accent1">
+                <a:shade val="15000"/>
+              </a:schemeClr>
+            </a:lnRef>
+            <a:fillRef idx="1">
+              <a:schemeClr val="accent1"/>
+            </a:fillRef>
+            <a:effectRef idx="0">
+              <a:schemeClr val="accent1"/>
+            </a:effectRef>
+            <a:fontRef idx="minor">
+              <a:schemeClr val="lt1"/>
+            </a:fontRef>
+          </p:style>
+          <p:txBody>
+            <a:bodyPr rtlCol="0" anchor="ctr"/>
+            <a:lstStyle/>
+            <a:p>
+              <a:pPr algn="ctr"/>
+              <a:endParaRPr lang="es-ES"/>
+            </a:p>
+          </p:txBody>
+        </p:sp>
+      </p:grpSp>
+      <p:grpSp>
+        <p:nvGrpSpPr>
+          <p:cNvPr id="17" name="Grupo 16">
+            <a:extLst>
+              <a:ext uri="{FF2B5EF4-FFF2-40B4-BE49-F238E27FC236}">
+                <a16:creationId xmlns:a16="http://schemas.microsoft.com/office/drawing/2014/main" id="{02F90508-A1A4-77D2-6220-F43ED32F3C86}"/>
+              </a:ext>
+            </a:extLst>
+          </p:cNvPr>
+          <p:cNvGrpSpPr/>
+          <p:nvPr/>
+        </p:nvGrpSpPr>
+        <p:grpSpPr>
+          <a:xfrm>
+            <a:off x="4183380" y="9001906"/>
+            <a:ext cx="594360" cy="2301240"/>
+            <a:chOff x="3002280" y="3200400"/>
+            <a:chExt cx="594360" cy="2301240"/>
+          </a:xfrm>
+        </p:grpSpPr>
+        <p:cxnSp>
+          <p:nvCxnSpPr>
+            <p:cNvPr id="18" name="Conector recto de flecha 17">
+              <a:extLst>
+                <a:ext uri="{FF2B5EF4-FFF2-40B4-BE49-F238E27FC236}">
+                  <a16:creationId xmlns:a16="http://schemas.microsoft.com/office/drawing/2014/main" id="{C3CB5082-5CBE-8A26-3B2E-143A13201A59}"/>
+                </a:ext>
+              </a:extLst>
+            </p:cNvPr>
+            <p:cNvCxnSpPr>
+              <a:cxnSpLocks/>
+            </p:cNvCxnSpPr>
+            <p:nvPr/>
+          </p:nvCxnSpPr>
+          <p:spPr>
+            <a:xfrm>
+              <a:off x="3139440" y="3200400"/>
+              <a:ext cx="457200" cy="2301240"/>
+            </a:xfrm>
+            <a:prstGeom prst="straightConnector1">
+              <a:avLst/>
+            </a:prstGeom>
+            <a:ln w="57150">
+              <a:solidFill>
+                <a:schemeClr val="tx1"/>
+              </a:solidFill>
+              <a:tailEnd type="triangle"/>
+            </a:ln>
+          </p:spPr>
+          <p:style>
+            <a:lnRef idx="1">
+              <a:schemeClr val="accent1"/>
+            </a:lnRef>
+            <a:fillRef idx="0">
+              <a:schemeClr val="accent1"/>
+            </a:fillRef>
+            <a:effectRef idx="0">
+              <a:schemeClr val="accent1"/>
+            </a:effectRef>
+            <a:fontRef idx="minor">
               <a:schemeClr val="tx1"/>
+            </a:fontRef>
+          </p:style>
+        </p:cxnSp>
+        <p:sp>
+          <p:nvSpPr>
+            <p:cNvPr id="19" name="Diagrama de flujo: conector 18">
+              <a:extLst>
+                <a:ext uri="{FF2B5EF4-FFF2-40B4-BE49-F238E27FC236}">
+                  <a16:creationId xmlns:a16="http://schemas.microsoft.com/office/drawing/2014/main" id="{7DB688CB-D74C-1C9C-B28E-ECE7713AA844}"/>
+                </a:ext>
+              </a:extLst>
+            </p:cNvPr>
+            <p:cNvSpPr/>
+            <p:nvPr/>
+          </p:nvSpPr>
+          <p:spPr>
+            <a:xfrm>
+              <a:off x="3002280" y="3200400"/>
+              <a:ext cx="350520" cy="335280"/>
+            </a:xfrm>
+            <a:prstGeom prst="flowChartConnector">
+              <a:avLst/>
+            </a:prstGeom>
+            <a:solidFill>
+              <a:srgbClr val="FF0000"/>
             </a:solidFill>
-            <a:tailEnd type="triangle"/>
-          </a:ln>
-        </p:spPr>
-        <p:style>
-          <a:lnRef idx="1">
-            <a:schemeClr val="accent1"/>
-          </a:lnRef>
-          <a:fillRef idx="0">
-            <a:schemeClr val="accent1"/>
-          </a:fillRef>
-          <a:effectRef idx="0">
-            <a:schemeClr val="accent1"/>
-          </a:effectRef>
-          <a:fontRef idx="minor">
-            <a:schemeClr val="tx1"/>
-          </a:fontRef>
-        </p:style>
-      </p:cxnSp>
-      <p:cxnSp>
-        <p:nvCxnSpPr>
-          <p:cNvPr id="5" name="Conector recto de flecha 4">
-            <a:extLst>
-              <a:ext uri="{FF2B5EF4-FFF2-40B4-BE49-F238E27FC236}">
-                <a16:creationId xmlns:a16="http://schemas.microsoft.com/office/drawing/2014/main" id="{A6923B18-B73B-C6E8-DA63-80EC231AA56F}"/>
-              </a:ext>
-            </a:extLst>
-          </p:cNvPr>
-          <p:cNvCxnSpPr>
-            <a:cxnSpLocks/>
-          </p:cNvCxnSpPr>
+            <a:ln>
+              <a:noFill/>
+            </a:ln>
+          </p:spPr>
+          <p:style>
+            <a:lnRef idx="2">
+              <a:schemeClr val="accent1">
+                <a:shade val="15000"/>
+              </a:schemeClr>
+            </a:lnRef>
+            <a:fillRef idx="1">
+              <a:schemeClr val="accent1"/>
+            </a:fillRef>
+            <a:effectRef idx="0">
+              <a:schemeClr val="accent1"/>
+            </a:effectRef>
+            <a:fontRef idx="minor">
+              <a:schemeClr val="lt1"/>
+            </a:fontRef>
+          </p:style>
+          <p:txBody>
+            <a:bodyPr rtlCol="0" anchor="ctr"/>
+            <a:lstStyle/>
+            <a:p>
+              <a:pPr algn="ctr"/>
+              <a:endParaRPr lang="es-ES"/>
+            </a:p>
+          </p:txBody>
+        </p:sp>
+      </p:grpSp>
+      <p:grpSp>
+        <p:nvGrpSpPr>
+          <p:cNvPr id="20" name="Grupo 19">
+            <a:extLst>
+              <a:ext uri="{FF2B5EF4-FFF2-40B4-BE49-F238E27FC236}">
+                <a16:creationId xmlns:a16="http://schemas.microsoft.com/office/drawing/2014/main" id="{614A09BA-97DD-F02C-41D5-E46D32F1B228}"/>
+              </a:ext>
+            </a:extLst>
+          </p:cNvPr>
+          <p:cNvGrpSpPr/>
           <p:nvPr/>
-        </p:nvCxnSpPr>
-        <p:spPr>
+        </p:nvGrpSpPr>
+        <p:grpSpPr>
           <a:xfrm>
-            <a:off x="3139440" y="3200400"/>
-            <a:ext cx="457200" cy="2301240"/>
-          </a:xfrm>
-          <a:prstGeom prst="straightConnector1">
-            <a:avLst/>
-          </a:prstGeom>
-          <a:ln w="57150">
+            <a:off x="5021580" y="-4521346"/>
+            <a:ext cx="350520" cy="2316480"/>
+            <a:chOff x="5074920" y="1371600"/>
+            <a:chExt cx="350520" cy="2316480"/>
+          </a:xfrm>
+        </p:grpSpPr>
+        <p:cxnSp>
+          <p:nvCxnSpPr>
+            <p:cNvPr id="21" name="Conector recto de flecha 20">
+              <a:extLst>
+                <a:ext uri="{FF2B5EF4-FFF2-40B4-BE49-F238E27FC236}">
+                  <a16:creationId xmlns:a16="http://schemas.microsoft.com/office/drawing/2014/main" id="{03E74D0F-FD09-D72C-2D05-919D46817FD3}"/>
+                </a:ext>
+              </a:extLst>
+            </p:cNvPr>
+            <p:cNvCxnSpPr>
+              <a:cxnSpLocks/>
+            </p:cNvCxnSpPr>
+            <p:nvPr/>
+          </p:nvCxnSpPr>
+          <p:spPr>
+            <a:xfrm flipH="1" flipV="1">
+              <a:off x="5120640" y="1371600"/>
+              <a:ext cx="121920" cy="2164080"/>
+            </a:xfrm>
+            <a:prstGeom prst="straightConnector1">
+              <a:avLst/>
+            </a:prstGeom>
+            <a:ln w="57150">
+              <a:solidFill>
+                <a:schemeClr val="tx1"/>
+              </a:solidFill>
+              <a:tailEnd type="triangle"/>
+            </a:ln>
+          </p:spPr>
+          <p:style>
+            <a:lnRef idx="1">
+              <a:schemeClr val="accent1"/>
+            </a:lnRef>
+            <a:fillRef idx="0">
+              <a:schemeClr val="accent1"/>
+            </a:fillRef>
+            <a:effectRef idx="0">
+              <a:schemeClr val="accent1"/>
+            </a:effectRef>
+            <a:fontRef idx="minor">
+              <a:schemeClr val="tx1"/>
+            </a:fontRef>
+          </p:style>
+        </p:cxnSp>
+        <p:sp>
+          <p:nvSpPr>
+            <p:cNvPr id="22" name="Diagrama de flujo: conector 21">
+              <a:extLst>
+                <a:ext uri="{FF2B5EF4-FFF2-40B4-BE49-F238E27FC236}">
+                  <a16:creationId xmlns:a16="http://schemas.microsoft.com/office/drawing/2014/main" id="{3845E150-E608-3423-7570-3307776051A8}"/>
+                </a:ext>
+              </a:extLst>
+            </p:cNvPr>
+            <p:cNvSpPr/>
+            <p:nvPr/>
+          </p:nvSpPr>
+          <p:spPr>
+            <a:xfrm>
+              <a:off x="5074920" y="3352800"/>
+              <a:ext cx="350520" cy="335280"/>
+            </a:xfrm>
+            <a:prstGeom prst="flowChartConnector">
+              <a:avLst/>
+            </a:prstGeom>
             <a:solidFill>
+              <a:srgbClr val="FF0000"/>
+            </a:solidFill>
+            <a:ln>
+              <a:noFill/>
+            </a:ln>
+          </p:spPr>
+          <p:style>
+            <a:lnRef idx="2">
+              <a:schemeClr val="accent1">
+                <a:shade val="15000"/>
+              </a:schemeClr>
+            </a:lnRef>
+            <a:fillRef idx="1">
+              <a:schemeClr val="accent1"/>
+            </a:fillRef>
+            <a:effectRef idx="0">
+              <a:schemeClr val="accent1"/>
+            </a:effectRef>
+            <a:fontRef idx="minor">
+              <a:schemeClr val="lt1"/>
+            </a:fontRef>
+          </p:style>
+          <p:txBody>
+            <a:bodyPr rtlCol="0" anchor="ctr"/>
+            <a:lstStyle/>
+            <a:p>
+              <a:pPr algn="ctr"/>
+              <a:endParaRPr lang="es-ES"/>
+            </a:p>
+          </p:txBody>
+        </p:sp>
+      </p:grpSp>
+      <p:grpSp>
+        <p:nvGrpSpPr>
+          <p:cNvPr id="23" name="Grupo 22">
+            <a:extLst>
+              <a:ext uri="{FF2B5EF4-FFF2-40B4-BE49-F238E27FC236}">
+                <a16:creationId xmlns:a16="http://schemas.microsoft.com/office/drawing/2014/main" id="{9BB3D10E-50D1-ECE3-D6C9-C523829964F1}"/>
+              </a:ext>
+            </a:extLst>
+          </p:cNvPr>
+          <p:cNvGrpSpPr/>
+          <p:nvPr/>
+        </p:nvGrpSpPr>
+        <p:grpSpPr>
+          <a:xfrm>
+            <a:off x="8252460" y="9154306"/>
+            <a:ext cx="670560" cy="2057400"/>
+            <a:chOff x="7071360" y="3352800"/>
+            <a:chExt cx="670560" cy="2057400"/>
+          </a:xfrm>
+        </p:grpSpPr>
+        <p:cxnSp>
+          <p:nvCxnSpPr>
+            <p:cNvPr id="24" name="Conector recto de flecha 23">
+              <a:extLst>
+                <a:ext uri="{FF2B5EF4-FFF2-40B4-BE49-F238E27FC236}">
+                  <a16:creationId xmlns:a16="http://schemas.microsoft.com/office/drawing/2014/main" id="{0542D9C8-9033-06F3-DA2C-7C377AB4A3BF}"/>
+                </a:ext>
+              </a:extLst>
+            </p:cNvPr>
+            <p:cNvCxnSpPr>
+              <a:cxnSpLocks/>
+            </p:cNvCxnSpPr>
+            <p:nvPr/>
+          </p:nvCxnSpPr>
+          <p:spPr>
+            <a:xfrm>
+              <a:off x="7208520" y="3429000"/>
+              <a:ext cx="533400" cy="1981200"/>
+            </a:xfrm>
+            <a:prstGeom prst="straightConnector1">
+              <a:avLst/>
+            </a:prstGeom>
+            <a:ln w="57150">
+              <a:solidFill>
+                <a:schemeClr val="tx1"/>
+              </a:solidFill>
+              <a:tailEnd type="triangle"/>
+            </a:ln>
+          </p:spPr>
+          <p:style>
+            <a:lnRef idx="1">
+              <a:schemeClr val="accent1"/>
+            </a:lnRef>
+            <a:fillRef idx="0">
+              <a:schemeClr val="accent1"/>
+            </a:fillRef>
+            <a:effectRef idx="0">
+              <a:schemeClr val="accent1"/>
+            </a:effectRef>
+            <a:fontRef idx="minor">
               <a:schemeClr val="tx1"/>
+            </a:fontRef>
+          </p:style>
+        </p:cxnSp>
+        <p:sp>
+          <p:nvSpPr>
+            <p:cNvPr id="25" name="Diagrama de flujo: conector 24">
+              <a:extLst>
+                <a:ext uri="{FF2B5EF4-FFF2-40B4-BE49-F238E27FC236}">
+                  <a16:creationId xmlns:a16="http://schemas.microsoft.com/office/drawing/2014/main" id="{D3EEA35E-B0C0-0D84-37EE-ECA976B96222}"/>
+                </a:ext>
+              </a:extLst>
+            </p:cNvPr>
+            <p:cNvSpPr/>
+            <p:nvPr/>
+          </p:nvSpPr>
+          <p:spPr>
+            <a:xfrm>
+              <a:off x="7071360" y="3352800"/>
+              <a:ext cx="350520" cy="335280"/>
+            </a:xfrm>
+            <a:prstGeom prst="flowChartConnector">
+              <a:avLst/>
+            </a:prstGeom>
+            <a:solidFill>
+              <a:srgbClr val="FF0000"/>
             </a:solidFill>
-            <a:tailEnd type="triangle"/>
-          </a:ln>
-        </p:spPr>
-        <p:style>
-          <a:lnRef idx="1">
-            <a:schemeClr val="accent1"/>
-          </a:lnRef>
-          <a:fillRef idx="0">
-            <a:schemeClr val="accent1"/>
-          </a:fillRef>
-          <a:effectRef idx="0">
-            <a:schemeClr val="accent1"/>
-          </a:effectRef>
-          <a:fontRef idx="minor">
-            <a:schemeClr val="tx1"/>
-          </a:fontRef>
-        </p:style>
-      </p:cxnSp>
-      <p:cxnSp>
-        <p:nvCxnSpPr>
-          <p:cNvPr id="8" name="Conector recto de flecha 7">
-            <a:extLst>
-              <a:ext uri="{FF2B5EF4-FFF2-40B4-BE49-F238E27FC236}">
-                <a16:creationId xmlns:a16="http://schemas.microsoft.com/office/drawing/2014/main" id="{4F8F12F2-A560-92D6-79B8-C7EFCB588A99}"/>
-              </a:ext>
-            </a:extLst>
-          </p:cNvPr>
-          <p:cNvCxnSpPr>
-            <a:cxnSpLocks/>
-          </p:cNvCxnSpPr>
+            <a:ln>
+              <a:noFill/>
+            </a:ln>
+          </p:spPr>
+          <p:style>
+            <a:lnRef idx="2">
+              <a:schemeClr val="accent1">
+                <a:shade val="15000"/>
+              </a:schemeClr>
+            </a:lnRef>
+            <a:fillRef idx="1">
+              <a:schemeClr val="accent1"/>
+            </a:fillRef>
+            <a:effectRef idx="0">
+              <a:schemeClr val="accent1"/>
+            </a:effectRef>
+            <a:fontRef idx="minor">
+              <a:schemeClr val="lt1"/>
+            </a:fontRef>
+          </p:style>
+          <p:txBody>
+            <a:bodyPr rtlCol="0" anchor="ctr"/>
+            <a:lstStyle/>
+            <a:p>
+              <a:pPr algn="ctr"/>
+              <a:endParaRPr lang="es-ES"/>
+            </a:p>
+          </p:txBody>
+        </p:sp>
+      </p:grpSp>
+      <p:grpSp>
+        <p:nvGrpSpPr>
+          <p:cNvPr id="26" name="Grupo 25">
+            <a:extLst>
+              <a:ext uri="{FF2B5EF4-FFF2-40B4-BE49-F238E27FC236}">
+                <a16:creationId xmlns:a16="http://schemas.microsoft.com/office/drawing/2014/main" id="{8A6CE59E-99C7-6FCC-8189-45072218B63B}"/>
+              </a:ext>
+            </a:extLst>
+          </p:cNvPr>
+          <p:cNvGrpSpPr/>
           <p:nvPr/>
-        </p:nvCxnSpPr>
-        <p:spPr>
+        </p:nvGrpSpPr>
+        <p:grpSpPr>
           <a:xfrm>
-            <a:off x="7208520" y="3429000"/>
-            <a:ext cx="533400" cy="1981200"/>
-          </a:xfrm>
-          <a:prstGeom prst="straightConnector1">
-            <a:avLst/>
-          </a:prstGeom>
-          <a:ln w="57150">
+            <a:off x="8923020" y="-4140346"/>
+            <a:ext cx="640080" cy="2011680"/>
+            <a:chOff x="8976360" y="1752600"/>
+            <a:chExt cx="640080" cy="2011680"/>
+          </a:xfrm>
+        </p:grpSpPr>
+        <p:cxnSp>
+          <p:nvCxnSpPr>
+            <p:cNvPr id="27" name="Conector recto de flecha 26">
+              <a:extLst>
+                <a:ext uri="{FF2B5EF4-FFF2-40B4-BE49-F238E27FC236}">
+                  <a16:creationId xmlns:a16="http://schemas.microsoft.com/office/drawing/2014/main" id="{199E2D71-B999-C79F-15D4-F40DE06D7D52}"/>
+                </a:ext>
+              </a:extLst>
+            </p:cNvPr>
+            <p:cNvCxnSpPr>
+              <a:cxnSpLocks/>
+            </p:cNvCxnSpPr>
+            <p:nvPr/>
+          </p:nvCxnSpPr>
+          <p:spPr>
+            <a:xfrm flipV="1">
+              <a:off x="9159240" y="1752600"/>
+              <a:ext cx="457200" cy="1798320"/>
+            </a:xfrm>
+            <a:prstGeom prst="straightConnector1">
+              <a:avLst/>
+            </a:prstGeom>
+            <a:ln w="57150">
+              <a:solidFill>
+                <a:schemeClr val="tx1"/>
+              </a:solidFill>
+              <a:tailEnd type="triangle"/>
+            </a:ln>
+          </p:spPr>
+          <p:style>
+            <a:lnRef idx="1">
+              <a:schemeClr val="accent1"/>
+            </a:lnRef>
+            <a:fillRef idx="0">
+              <a:schemeClr val="accent1"/>
+            </a:fillRef>
+            <a:effectRef idx="0">
+              <a:schemeClr val="accent1"/>
+            </a:effectRef>
+            <a:fontRef idx="minor">
+              <a:schemeClr val="tx1"/>
+            </a:fontRef>
+          </p:style>
+        </p:cxnSp>
+        <p:sp>
+          <p:nvSpPr>
+            <p:cNvPr id="28" name="Diagrama de flujo: conector 27">
+              <a:extLst>
+                <a:ext uri="{FF2B5EF4-FFF2-40B4-BE49-F238E27FC236}">
+                  <a16:creationId xmlns:a16="http://schemas.microsoft.com/office/drawing/2014/main" id="{28546082-65C6-0CE2-5B13-3119AF3750DB}"/>
+                </a:ext>
+              </a:extLst>
+            </p:cNvPr>
+            <p:cNvSpPr/>
+            <p:nvPr/>
+          </p:nvSpPr>
+          <p:spPr>
+            <a:xfrm>
+              <a:off x="8976360" y="3429000"/>
+              <a:ext cx="350520" cy="335280"/>
+            </a:xfrm>
+            <a:prstGeom prst="flowChartConnector">
+              <a:avLst/>
+            </a:prstGeom>
             <a:solidFill>
-              <a:schemeClr val="tx1"/>
+              <a:srgbClr val="FF0000"/>
             </a:solidFill>
-            <a:tailEnd type="triangle"/>
-          </a:ln>
-        </p:spPr>
-        <p:style>
-          <a:lnRef idx="1">
-            <a:schemeClr val="accent1"/>
-          </a:lnRef>
-          <a:fillRef idx="0">
-            <a:schemeClr val="accent1"/>
-          </a:fillRef>
-          <a:effectRef idx="0">
-            <a:schemeClr val="accent1"/>
-          </a:effectRef>
-          <a:fontRef idx="minor">
-            <a:schemeClr val="tx1"/>
-          </a:fontRef>
-        </p:style>
-      </p:cxnSp>
-      <p:cxnSp>
-        <p:nvCxnSpPr>
-          <p:cNvPr id="12" name="Conector recto de flecha 11">
-            <a:extLst>
-              <a:ext uri="{FF2B5EF4-FFF2-40B4-BE49-F238E27FC236}">
-                <a16:creationId xmlns:a16="http://schemas.microsoft.com/office/drawing/2014/main" id="{E8B8A75A-5488-1EE6-39CC-FFB65442BE9D}"/>
-              </a:ext>
-            </a:extLst>
-          </p:cNvPr>
-          <p:cNvCxnSpPr>
-            <a:cxnSpLocks/>
-          </p:cNvCxnSpPr>
-          <p:nvPr/>
-        </p:nvCxnSpPr>
-        <p:spPr>
-          <a:xfrm flipV="1">
-            <a:off x="9159240" y="1752600"/>
-            <a:ext cx="457200" cy="1798320"/>
-          </a:xfrm>
-          <a:prstGeom prst="straightConnector1">
-            <a:avLst/>
-          </a:prstGeom>
-          <a:ln w="57150">
-            <a:solidFill>
-              <a:schemeClr val="tx1"/>
-            </a:solidFill>
-            <a:tailEnd type="triangle"/>
-          </a:ln>
-        </p:spPr>
-        <p:style>
-          <a:lnRef idx="1">
-            <a:schemeClr val="accent1"/>
-          </a:lnRef>
-          <a:fillRef idx="0">
-            <a:schemeClr val="accent1"/>
-          </a:fillRef>
-          <a:effectRef idx="0">
-            <a:schemeClr val="accent1"/>
-          </a:effectRef>
-          <a:fontRef idx="minor">
-            <a:schemeClr val="tx1"/>
-          </a:fontRef>
-        </p:style>
-      </p:cxnSp>
-      <p:cxnSp>
-        <p:nvCxnSpPr>
-          <p:cNvPr id="20" name="Conector recto de flecha 19">
-            <a:extLst>
-              <a:ext uri="{FF2B5EF4-FFF2-40B4-BE49-F238E27FC236}">
-                <a16:creationId xmlns:a16="http://schemas.microsoft.com/office/drawing/2014/main" id="{529A13FE-CC88-EBD5-29CF-F8BAD9EECEFF}"/>
-              </a:ext>
-            </a:extLst>
-          </p:cNvPr>
-          <p:cNvCxnSpPr>
-            <a:cxnSpLocks/>
-          </p:cNvCxnSpPr>
-          <p:nvPr/>
-        </p:nvCxnSpPr>
-        <p:spPr>
-          <a:xfrm flipH="1" flipV="1">
-            <a:off x="5120640" y="1371600"/>
-            <a:ext cx="121920" cy="2164080"/>
-          </a:xfrm>
-          <a:prstGeom prst="straightConnector1">
-            <a:avLst/>
-          </a:prstGeom>
-          <a:ln w="57150">
-            <a:solidFill>
-              <a:schemeClr val="tx1"/>
-            </a:solidFill>
-            <a:tailEnd type="triangle"/>
-          </a:ln>
-        </p:spPr>
-        <p:style>
-          <a:lnRef idx="1">
-            <a:schemeClr val="accent1"/>
-          </a:lnRef>
-          <a:fillRef idx="0">
-            <a:schemeClr val="accent1"/>
-          </a:fillRef>
-          <a:effectRef idx="0">
-            <a:schemeClr val="accent1"/>
-          </a:effectRef>
-          <a:fontRef idx="minor">
-            <a:schemeClr val="tx1"/>
-          </a:fontRef>
-        </p:style>
-      </p:cxnSp>
+            <a:ln>
+              <a:noFill/>
+            </a:ln>
+          </p:spPr>
+          <p:style>
+            <a:lnRef idx="2">
+              <a:schemeClr val="accent1">
+                <a:shade val="15000"/>
+              </a:schemeClr>
+            </a:lnRef>
+            <a:fillRef idx="1">
+              <a:schemeClr val="accent1"/>
+            </a:fillRef>
+            <a:effectRef idx="0">
+              <a:schemeClr val="accent1"/>
+            </a:effectRef>
+            <a:fontRef idx="minor">
+              <a:schemeClr val="lt1"/>
+            </a:fontRef>
+          </p:style>
+          <p:txBody>
+            <a:bodyPr rtlCol="0" anchor="ctr"/>
+            <a:lstStyle/>
+            <a:p>
+              <a:pPr algn="ctr"/>
+              <a:endParaRPr lang="es-ES"/>
+            </a:p>
+          </p:txBody>
+        </p:sp>
+      </p:grpSp>
+    </p:spTree>
+    <p:extLst>
+      <p:ext uri="{BB962C8B-B14F-4D97-AF65-F5344CB8AC3E}">
+        <p14:creationId xmlns:p14="http://schemas.microsoft.com/office/powerpoint/2010/main" val="1638443025"/>
+      </p:ext>
+    </p:extLst>
+  </p:cSld>
+  <p:clrMapOvr>
+    <a:masterClrMapping/>
+  </p:clrMapOvr>
+  <mc:AlternateContent xmlns:mc="http://schemas.openxmlformats.org/markup-compatibility/2006">
+    <mc:Choice xmlns:p159="http://schemas.microsoft.com/office/powerpoint/2015/09/main" Requires="p159">
+      <p:transition xmlns:p14="http://schemas.microsoft.com/office/powerpoint/2010/main" spd="slow" p14:dur="2000">
+        <p159:morph option="byObject"/>
+      </p:transition>
+    </mc:Choice>
+    <mc:Fallback>
+      <p:transition spd="slow">
+        <p:fade/>
+      </p:transition>
+    </mc:Fallback>
+  </mc:AlternateContent>
+</p:sld>
+</file>
+
+<file path=ppt/slides/slide3.xml><?xml version="1.0" encoding="utf-8"?>
+<p:sld xmlns:a="http://schemas.openxmlformats.org/drawingml/2006/main" xmlns:r="http://schemas.openxmlformats.org/officeDocument/2006/relationships" xmlns:p="http://schemas.openxmlformats.org/presentationml/2006/main">
+  <p:cSld>
+    <p:spTree>
+      <p:nvGrpSpPr>
+        <p:cNvPr id="1" name=""/>
+        <p:cNvGrpSpPr/>
+        <p:nvPr/>
+      </p:nvGrpSpPr>
+      <p:grpSpPr>
+        <a:xfrm>
+          <a:off x="0" y="0"/>
+          <a:ext cx="0" cy="0"/>
+          <a:chOff x="0" y="0"/>
+          <a:chExt cx="0" cy="0"/>
+        </a:xfrm>
+      </p:grpSpPr>
       <p:sp>
         <p:nvSpPr>
-          <p:cNvPr id="25" name="Diagrama de flujo: conector 24">
-            <a:extLst>
-              <a:ext uri="{FF2B5EF4-FFF2-40B4-BE49-F238E27FC236}">
-                <a16:creationId xmlns:a16="http://schemas.microsoft.com/office/drawing/2014/main" id="{38D984AA-3721-7658-BB37-C13BA810F3CB}"/>
+          <p:cNvPr id="11" name="Rectángulo 10">
+            <a:extLst>
+              <a:ext uri="{FF2B5EF4-FFF2-40B4-BE49-F238E27FC236}">
+                <a16:creationId xmlns:a16="http://schemas.microsoft.com/office/drawing/2014/main" id="{BF8CF8DA-6B37-68F1-6226-A2B0DC3A338D}"/>
               </a:ext>
             </a:extLst>
           </p:cNvPr>
@@ -6100,18 +8520,17 @@
         </p:nvSpPr>
         <p:spPr>
           <a:xfrm>
-            <a:off x="1478280" y="3063240"/>
-            <a:ext cx="350520" cy="335280"/>
-          </a:xfrm>
-          <a:prstGeom prst="flowChartConnector">
+            <a:off x="-731520" y="0"/>
+            <a:ext cx="13319760" cy="7132320"/>
+          </a:xfrm>
+          <a:prstGeom prst="rect">
             <a:avLst/>
           </a:prstGeom>
           <a:solidFill>
-            <a:srgbClr val="FF0000"/>
+            <a:schemeClr val="tx2">
+              <a:lumMod val="75000"/>
+            </a:schemeClr>
           </a:solidFill>
-          <a:ln>
-            <a:noFill/>
-          </a:ln>
         </p:spPr>
         <p:style>
           <a:lnRef idx="2">
@@ -6140,10 +8559,10 @@
       </p:sp>
       <p:sp>
         <p:nvSpPr>
-          <p:cNvPr id="26" name="Diagrama de flujo: conector 25">
-            <a:extLst>
-              <a:ext uri="{FF2B5EF4-FFF2-40B4-BE49-F238E27FC236}">
-                <a16:creationId xmlns:a16="http://schemas.microsoft.com/office/drawing/2014/main" id="{59CAB5D7-83E8-FC8A-C974-5762B211637B}"/>
+          <p:cNvPr id="2" name="Flecha: a la derecha 1">
+            <a:extLst>
+              <a:ext uri="{FF2B5EF4-FFF2-40B4-BE49-F238E27FC236}">
+                <a16:creationId xmlns:a16="http://schemas.microsoft.com/office/drawing/2014/main" id="{65D761A7-5E1A-4363-1EE7-487839A24CB4}"/>
               </a:ext>
             </a:extLst>
           </p:cNvPr>
@@ -6152,18 +8571,43 @@
         </p:nvSpPr>
         <p:spPr>
           <a:xfrm>
-            <a:off x="3002280" y="3200400"/>
-            <a:ext cx="350520" cy="335280"/>
-          </a:xfrm>
-          <a:prstGeom prst="flowChartConnector">
+            <a:off x="259080" y="2118360"/>
+            <a:ext cx="11932920" cy="2545080"/>
+          </a:xfrm>
+          <a:prstGeom prst="rightArrow">
             <a:avLst/>
           </a:prstGeom>
-          <a:solidFill>
-            <a:srgbClr val="FF0000"/>
-          </a:solidFill>
-          <a:ln>
-            <a:noFill/>
-          </a:ln>
+          <a:gradFill flip="none" rotWithShape="1">
+            <a:gsLst>
+              <a:gs pos="74150">
+                <a:schemeClr val="accent6">
+                  <a:lumMod val="40000"/>
+                  <a:lumOff val="60000"/>
+                </a:schemeClr>
+              </a:gs>
+              <a:gs pos="0">
+                <a:schemeClr val="accent6">
+                  <a:lumMod val="75000"/>
+                </a:schemeClr>
+              </a:gs>
+              <a:gs pos="50000">
+                <a:schemeClr val="accent6">
+                  <a:lumMod val="60000"/>
+                  <a:lumOff val="40000"/>
+                </a:schemeClr>
+              </a:gs>
+              <a:gs pos="100000">
+                <a:schemeClr val="accent6">
+                  <a:lumMod val="20000"/>
+                  <a:lumOff val="80000"/>
+                </a:schemeClr>
+              </a:gs>
+            </a:gsLst>
+            <a:path path="circle">
+              <a:fillToRect l="100000" t="100000"/>
+            </a:path>
+            <a:tileRect r="-100000" b="-100000"/>
+          </a:gradFill>
         </p:spPr>
         <p:style>
           <a:lnRef idx="2">
@@ -6190,162 +8634,589 @@
           </a:p>
         </p:txBody>
       </p:sp>
-      <p:sp>
-        <p:nvSpPr>
-          <p:cNvPr id="27" name="Diagrama de flujo: conector 26">
-            <a:extLst>
-              <a:ext uri="{FF2B5EF4-FFF2-40B4-BE49-F238E27FC236}">
-                <a16:creationId xmlns:a16="http://schemas.microsoft.com/office/drawing/2014/main" id="{7C571550-1362-052F-12FB-2C6B2EDA86E7}"/>
-              </a:ext>
-            </a:extLst>
-          </p:cNvPr>
-          <p:cNvSpPr/>
+      <p:grpSp>
+        <p:nvGrpSpPr>
+          <p:cNvPr id="3" name="Grupo 2">
+            <a:extLst>
+              <a:ext uri="{FF2B5EF4-FFF2-40B4-BE49-F238E27FC236}">
+                <a16:creationId xmlns:a16="http://schemas.microsoft.com/office/drawing/2014/main" id="{7BA532D4-62DA-1163-EE66-50BEEFAC6EF9}"/>
+              </a:ext>
+            </a:extLst>
+          </p:cNvPr>
+          <p:cNvGrpSpPr/>
           <p:nvPr/>
-        </p:nvSpPr>
-        <p:spPr>
+        </p:nvGrpSpPr>
+        <p:grpSpPr>
           <a:xfrm>
-            <a:off x="5074920" y="3352800"/>
-            <a:ext cx="350520" cy="335280"/>
-          </a:xfrm>
-          <a:prstGeom prst="flowChartConnector">
-            <a:avLst/>
-          </a:prstGeom>
-          <a:solidFill>
-            <a:srgbClr val="FF0000"/>
-          </a:solidFill>
-          <a:ln>
-            <a:noFill/>
-          </a:ln>
-        </p:spPr>
-        <p:style>
-          <a:lnRef idx="2">
-            <a:schemeClr val="accent1">
-              <a:shade val="15000"/>
-            </a:schemeClr>
-          </a:lnRef>
-          <a:fillRef idx="1">
-            <a:schemeClr val="accent1"/>
-          </a:fillRef>
-          <a:effectRef idx="0">
-            <a:schemeClr val="accent1"/>
-          </a:effectRef>
-          <a:fontRef idx="minor">
-            <a:schemeClr val="lt1"/>
-          </a:fontRef>
-        </p:style>
-        <p:txBody>
-          <a:bodyPr rtlCol="0" anchor="ctr"/>
-          <a:lstStyle/>
-          <a:p>
-            <a:pPr algn="ctr"/>
-            <a:endParaRPr lang="es-ES"/>
-          </a:p>
-        </p:txBody>
-      </p:sp>
-      <p:sp>
-        <p:nvSpPr>
-          <p:cNvPr id="28" name="Diagrama de flujo: conector 27">
-            <a:extLst>
-              <a:ext uri="{FF2B5EF4-FFF2-40B4-BE49-F238E27FC236}">
-                <a16:creationId xmlns:a16="http://schemas.microsoft.com/office/drawing/2014/main" id="{A92A375B-FA65-4045-21F4-0420A9419C18}"/>
-              </a:ext>
-            </a:extLst>
-          </p:cNvPr>
-          <p:cNvSpPr/>
+            <a:off x="838200" y="1127760"/>
+            <a:ext cx="990600" cy="2270760"/>
+            <a:chOff x="838200" y="1127760"/>
+            <a:chExt cx="990600" cy="2270760"/>
+          </a:xfrm>
+        </p:grpSpPr>
+        <p:cxnSp>
+          <p:nvCxnSpPr>
+            <p:cNvPr id="4" name="Conector recto de flecha 3">
+              <a:extLst>
+                <a:ext uri="{FF2B5EF4-FFF2-40B4-BE49-F238E27FC236}">
+                  <a16:creationId xmlns:a16="http://schemas.microsoft.com/office/drawing/2014/main" id="{D77D6478-C40D-2117-286D-746692343AC4}"/>
+                </a:ext>
+              </a:extLst>
+            </p:cNvPr>
+            <p:cNvCxnSpPr/>
+            <p:nvPr/>
+          </p:nvCxnSpPr>
+          <p:spPr>
+            <a:xfrm flipH="1" flipV="1">
+              <a:off x="838200" y="1127760"/>
+              <a:ext cx="807720" cy="2072640"/>
+            </a:xfrm>
+            <a:prstGeom prst="straightConnector1">
+              <a:avLst/>
+            </a:prstGeom>
+            <a:ln w="57150">
+              <a:solidFill>
+                <a:schemeClr val="tx1"/>
+              </a:solidFill>
+              <a:tailEnd type="triangle"/>
+            </a:ln>
+          </p:spPr>
+          <p:style>
+            <a:lnRef idx="1">
+              <a:schemeClr val="accent1"/>
+            </a:lnRef>
+            <a:fillRef idx="0">
+              <a:schemeClr val="accent1"/>
+            </a:fillRef>
+            <a:effectRef idx="0">
+              <a:schemeClr val="accent1"/>
+            </a:effectRef>
+            <a:fontRef idx="minor">
+              <a:schemeClr val="tx1"/>
+            </a:fontRef>
+          </p:style>
+        </p:cxnSp>
+        <p:sp>
+          <p:nvSpPr>
+            <p:cNvPr id="25" name="Diagrama de flujo: conector 24">
+              <a:extLst>
+                <a:ext uri="{FF2B5EF4-FFF2-40B4-BE49-F238E27FC236}">
+                  <a16:creationId xmlns:a16="http://schemas.microsoft.com/office/drawing/2014/main" id="{38D984AA-3721-7658-BB37-C13BA810F3CB}"/>
+                </a:ext>
+              </a:extLst>
+            </p:cNvPr>
+            <p:cNvSpPr/>
+            <p:nvPr/>
+          </p:nvSpPr>
+          <p:spPr>
+            <a:xfrm>
+              <a:off x="1478280" y="3063240"/>
+              <a:ext cx="350520" cy="335280"/>
+            </a:xfrm>
+            <a:prstGeom prst="flowChartConnector">
+              <a:avLst/>
+            </a:prstGeom>
+            <a:solidFill>
+              <a:srgbClr val="FF0000"/>
+            </a:solidFill>
+            <a:ln>
+              <a:noFill/>
+            </a:ln>
+          </p:spPr>
+          <p:style>
+            <a:lnRef idx="2">
+              <a:schemeClr val="accent1">
+                <a:shade val="15000"/>
+              </a:schemeClr>
+            </a:lnRef>
+            <a:fillRef idx="1">
+              <a:schemeClr val="accent1"/>
+            </a:fillRef>
+            <a:effectRef idx="0">
+              <a:schemeClr val="accent1"/>
+            </a:effectRef>
+            <a:fontRef idx="minor">
+              <a:schemeClr val="lt1"/>
+            </a:fontRef>
+          </p:style>
+          <p:txBody>
+            <a:bodyPr rtlCol="0" anchor="ctr"/>
+            <a:lstStyle/>
+            <a:p>
+              <a:pPr algn="ctr"/>
+              <a:endParaRPr lang="es-ES"/>
+            </a:p>
+          </p:txBody>
+        </p:sp>
+      </p:grpSp>
+      <p:grpSp>
+        <p:nvGrpSpPr>
+          <p:cNvPr id="6" name="Grupo 5">
+            <a:extLst>
+              <a:ext uri="{FF2B5EF4-FFF2-40B4-BE49-F238E27FC236}">
+                <a16:creationId xmlns:a16="http://schemas.microsoft.com/office/drawing/2014/main" id="{EE1E5373-C503-718D-A827-B8B9F4CDF5E8}"/>
+              </a:ext>
+            </a:extLst>
+          </p:cNvPr>
+          <p:cNvGrpSpPr/>
           <p:nvPr/>
-        </p:nvSpPr>
-        <p:spPr>
+        </p:nvGrpSpPr>
+        <p:grpSpPr>
+          <a:xfrm>
+            <a:off x="3002280" y="3200400"/>
+            <a:ext cx="594360" cy="2301240"/>
+            <a:chOff x="3002280" y="3200400"/>
+            <a:chExt cx="594360" cy="2301240"/>
+          </a:xfrm>
+        </p:grpSpPr>
+        <p:cxnSp>
+          <p:nvCxnSpPr>
+            <p:cNvPr id="5" name="Conector recto de flecha 4">
+              <a:extLst>
+                <a:ext uri="{FF2B5EF4-FFF2-40B4-BE49-F238E27FC236}">
+                  <a16:creationId xmlns:a16="http://schemas.microsoft.com/office/drawing/2014/main" id="{A6923B18-B73B-C6E8-DA63-80EC231AA56F}"/>
+                </a:ext>
+              </a:extLst>
+            </p:cNvPr>
+            <p:cNvCxnSpPr>
+              <a:cxnSpLocks/>
+            </p:cNvCxnSpPr>
+            <p:nvPr/>
+          </p:nvCxnSpPr>
+          <p:spPr>
+            <a:xfrm>
+              <a:off x="3139440" y="3200400"/>
+              <a:ext cx="457200" cy="2301240"/>
+            </a:xfrm>
+            <a:prstGeom prst="straightConnector1">
+              <a:avLst/>
+            </a:prstGeom>
+            <a:ln w="57150">
+              <a:solidFill>
+                <a:schemeClr val="tx1"/>
+              </a:solidFill>
+              <a:tailEnd type="triangle"/>
+            </a:ln>
+          </p:spPr>
+          <p:style>
+            <a:lnRef idx="1">
+              <a:schemeClr val="accent1"/>
+            </a:lnRef>
+            <a:fillRef idx="0">
+              <a:schemeClr val="accent1"/>
+            </a:fillRef>
+            <a:effectRef idx="0">
+              <a:schemeClr val="accent1"/>
+            </a:effectRef>
+            <a:fontRef idx="minor">
+              <a:schemeClr val="tx1"/>
+            </a:fontRef>
+          </p:style>
+        </p:cxnSp>
+        <p:sp>
+          <p:nvSpPr>
+            <p:cNvPr id="26" name="Diagrama de flujo: conector 25">
+              <a:extLst>
+                <a:ext uri="{FF2B5EF4-FFF2-40B4-BE49-F238E27FC236}">
+                  <a16:creationId xmlns:a16="http://schemas.microsoft.com/office/drawing/2014/main" id="{59CAB5D7-83E8-FC8A-C974-5762B211637B}"/>
+                </a:ext>
+              </a:extLst>
+            </p:cNvPr>
+            <p:cNvSpPr/>
+            <p:nvPr/>
+          </p:nvSpPr>
+          <p:spPr>
+            <a:xfrm>
+              <a:off x="3002280" y="3200400"/>
+              <a:ext cx="350520" cy="335280"/>
+            </a:xfrm>
+            <a:prstGeom prst="flowChartConnector">
+              <a:avLst/>
+            </a:prstGeom>
+            <a:solidFill>
+              <a:srgbClr val="FF0000"/>
+            </a:solidFill>
+            <a:ln>
+              <a:noFill/>
+            </a:ln>
+          </p:spPr>
+          <p:style>
+            <a:lnRef idx="2">
+              <a:schemeClr val="accent1">
+                <a:shade val="15000"/>
+              </a:schemeClr>
+            </a:lnRef>
+            <a:fillRef idx="1">
+              <a:schemeClr val="accent1"/>
+            </a:fillRef>
+            <a:effectRef idx="0">
+              <a:schemeClr val="accent1"/>
+            </a:effectRef>
+            <a:fontRef idx="minor">
+              <a:schemeClr val="lt1"/>
+            </a:fontRef>
+          </p:style>
+          <p:txBody>
+            <a:bodyPr rtlCol="0" anchor="ctr"/>
+            <a:lstStyle/>
+            <a:p>
+              <a:pPr algn="ctr"/>
+              <a:endParaRPr lang="es-ES"/>
+            </a:p>
+          </p:txBody>
+        </p:sp>
+      </p:grpSp>
+      <p:grpSp>
+        <p:nvGrpSpPr>
+          <p:cNvPr id="7" name="Grupo 6">
+            <a:extLst>
+              <a:ext uri="{FF2B5EF4-FFF2-40B4-BE49-F238E27FC236}">
+                <a16:creationId xmlns:a16="http://schemas.microsoft.com/office/drawing/2014/main" id="{A37F0681-5C81-AB93-3DAE-509902C423DB}"/>
+              </a:ext>
+            </a:extLst>
+          </p:cNvPr>
+          <p:cNvGrpSpPr/>
+          <p:nvPr/>
+        </p:nvGrpSpPr>
+        <p:grpSpPr>
+          <a:xfrm>
+            <a:off x="5074920" y="1371600"/>
+            <a:ext cx="350520" cy="2316480"/>
+            <a:chOff x="5074920" y="1371600"/>
+            <a:chExt cx="350520" cy="2316480"/>
+          </a:xfrm>
+        </p:grpSpPr>
+        <p:cxnSp>
+          <p:nvCxnSpPr>
+            <p:cNvPr id="20" name="Conector recto de flecha 19">
+              <a:extLst>
+                <a:ext uri="{FF2B5EF4-FFF2-40B4-BE49-F238E27FC236}">
+                  <a16:creationId xmlns:a16="http://schemas.microsoft.com/office/drawing/2014/main" id="{529A13FE-CC88-EBD5-29CF-F8BAD9EECEFF}"/>
+                </a:ext>
+              </a:extLst>
+            </p:cNvPr>
+            <p:cNvCxnSpPr>
+              <a:cxnSpLocks/>
+            </p:cNvCxnSpPr>
+            <p:nvPr/>
+          </p:nvCxnSpPr>
+          <p:spPr>
+            <a:xfrm flipH="1" flipV="1">
+              <a:off x="5120640" y="1371600"/>
+              <a:ext cx="121920" cy="2164080"/>
+            </a:xfrm>
+            <a:prstGeom prst="straightConnector1">
+              <a:avLst/>
+            </a:prstGeom>
+            <a:ln w="57150">
+              <a:solidFill>
+                <a:schemeClr val="tx1"/>
+              </a:solidFill>
+              <a:tailEnd type="triangle"/>
+            </a:ln>
+          </p:spPr>
+          <p:style>
+            <a:lnRef idx="1">
+              <a:schemeClr val="accent1"/>
+            </a:lnRef>
+            <a:fillRef idx="0">
+              <a:schemeClr val="accent1"/>
+            </a:fillRef>
+            <a:effectRef idx="0">
+              <a:schemeClr val="accent1"/>
+            </a:effectRef>
+            <a:fontRef idx="minor">
+              <a:schemeClr val="tx1"/>
+            </a:fontRef>
+          </p:style>
+        </p:cxnSp>
+        <p:sp>
+          <p:nvSpPr>
+            <p:cNvPr id="27" name="Diagrama de flujo: conector 26">
+              <a:extLst>
+                <a:ext uri="{FF2B5EF4-FFF2-40B4-BE49-F238E27FC236}">
+                  <a16:creationId xmlns:a16="http://schemas.microsoft.com/office/drawing/2014/main" id="{7C571550-1362-052F-12FB-2C6B2EDA86E7}"/>
+                </a:ext>
+              </a:extLst>
+            </p:cNvPr>
+            <p:cNvSpPr/>
+            <p:nvPr/>
+          </p:nvSpPr>
+          <p:spPr>
+            <a:xfrm>
+              <a:off x="5074920" y="3352800"/>
+              <a:ext cx="350520" cy="335280"/>
+            </a:xfrm>
+            <a:prstGeom prst="flowChartConnector">
+              <a:avLst/>
+            </a:prstGeom>
+            <a:solidFill>
+              <a:srgbClr val="FF0000"/>
+            </a:solidFill>
+            <a:ln>
+              <a:noFill/>
+            </a:ln>
+          </p:spPr>
+          <p:style>
+            <a:lnRef idx="2">
+              <a:schemeClr val="accent1">
+                <a:shade val="15000"/>
+              </a:schemeClr>
+            </a:lnRef>
+            <a:fillRef idx="1">
+              <a:schemeClr val="accent1"/>
+            </a:fillRef>
+            <a:effectRef idx="0">
+              <a:schemeClr val="accent1"/>
+            </a:effectRef>
+            <a:fontRef idx="minor">
+              <a:schemeClr val="lt1"/>
+            </a:fontRef>
+          </p:style>
+          <p:txBody>
+            <a:bodyPr rtlCol="0" anchor="ctr"/>
+            <a:lstStyle/>
+            <a:p>
+              <a:pPr algn="ctr"/>
+              <a:endParaRPr lang="es-ES"/>
+            </a:p>
+          </p:txBody>
+        </p:sp>
+      </p:grpSp>
+      <p:grpSp>
+        <p:nvGrpSpPr>
+          <p:cNvPr id="9" name="Grupo 8">
+            <a:extLst>
+              <a:ext uri="{FF2B5EF4-FFF2-40B4-BE49-F238E27FC236}">
+                <a16:creationId xmlns:a16="http://schemas.microsoft.com/office/drawing/2014/main" id="{3F0F393A-ECA6-9244-5D47-8596863930E7}"/>
+              </a:ext>
+            </a:extLst>
+          </p:cNvPr>
+          <p:cNvGrpSpPr/>
+          <p:nvPr/>
+        </p:nvGrpSpPr>
+        <p:grpSpPr>
           <a:xfrm>
             <a:off x="7071360" y="3352800"/>
-            <a:ext cx="350520" cy="335280"/>
-          </a:xfrm>
-          <a:prstGeom prst="flowChartConnector">
-            <a:avLst/>
-          </a:prstGeom>
-          <a:solidFill>
-            <a:srgbClr val="FF0000"/>
-          </a:solidFill>
-          <a:ln>
-            <a:noFill/>
-          </a:ln>
-        </p:spPr>
-        <p:style>
-          <a:lnRef idx="2">
-            <a:schemeClr val="accent1">
-              <a:shade val="15000"/>
-            </a:schemeClr>
-          </a:lnRef>
-          <a:fillRef idx="1">
-            <a:schemeClr val="accent1"/>
-          </a:fillRef>
-          <a:effectRef idx="0">
-            <a:schemeClr val="accent1"/>
-          </a:effectRef>
-          <a:fontRef idx="minor">
-            <a:schemeClr val="lt1"/>
-          </a:fontRef>
-        </p:style>
-        <p:txBody>
-          <a:bodyPr rtlCol="0" anchor="ctr"/>
-          <a:lstStyle/>
-          <a:p>
-            <a:pPr algn="ctr"/>
-            <a:endParaRPr lang="es-ES"/>
-          </a:p>
-        </p:txBody>
-      </p:sp>
-      <p:sp>
-        <p:nvSpPr>
-          <p:cNvPr id="29" name="Diagrama de flujo: conector 28">
-            <a:extLst>
-              <a:ext uri="{FF2B5EF4-FFF2-40B4-BE49-F238E27FC236}">
-                <a16:creationId xmlns:a16="http://schemas.microsoft.com/office/drawing/2014/main" id="{BE3A9EE8-26D3-CC17-2627-6E6BA4A105C4}"/>
-              </a:ext>
-            </a:extLst>
-          </p:cNvPr>
-          <p:cNvSpPr/>
+            <a:ext cx="670560" cy="2057400"/>
+            <a:chOff x="7071360" y="3352800"/>
+            <a:chExt cx="670560" cy="2057400"/>
+          </a:xfrm>
+        </p:grpSpPr>
+        <p:cxnSp>
+          <p:nvCxnSpPr>
+            <p:cNvPr id="8" name="Conector recto de flecha 7">
+              <a:extLst>
+                <a:ext uri="{FF2B5EF4-FFF2-40B4-BE49-F238E27FC236}">
+                  <a16:creationId xmlns:a16="http://schemas.microsoft.com/office/drawing/2014/main" id="{4F8F12F2-A560-92D6-79B8-C7EFCB588A99}"/>
+                </a:ext>
+              </a:extLst>
+            </p:cNvPr>
+            <p:cNvCxnSpPr>
+              <a:cxnSpLocks/>
+            </p:cNvCxnSpPr>
+            <p:nvPr/>
+          </p:nvCxnSpPr>
+          <p:spPr>
+            <a:xfrm>
+              <a:off x="7208520" y="3429000"/>
+              <a:ext cx="533400" cy="1981200"/>
+            </a:xfrm>
+            <a:prstGeom prst="straightConnector1">
+              <a:avLst/>
+            </a:prstGeom>
+            <a:ln w="57150">
+              <a:solidFill>
+                <a:schemeClr val="tx1"/>
+              </a:solidFill>
+              <a:tailEnd type="triangle"/>
+            </a:ln>
+          </p:spPr>
+          <p:style>
+            <a:lnRef idx="1">
+              <a:schemeClr val="accent1"/>
+            </a:lnRef>
+            <a:fillRef idx="0">
+              <a:schemeClr val="accent1"/>
+            </a:fillRef>
+            <a:effectRef idx="0">
+              <a:schemeClr val="accent1"/>
+            </a:effectRef>
+            <a:fontRef idx="minor">
+              <a:schemeClr val="tx1"/>
+            </a:fontRef>
+          </p:style>
+        </p:cxnSp>
+        <p:sp>
+          <p:nvSpPr>
+            <p:cNvPr id="28" name="Diagrama de flujo: conector 27">
+              <a:extLst>
+                <a:ext uri="{FF2B5EF4-FFF2-40B4-BE49-F238E27FC236}">
+                  <a16:creationId xmlns:a16="http://schemas.microsoft.com/office/drawing/2014/main" id="{A92A375B-FA65-4045-21F4-0420A9419C18}"/>
+                </a:ext>
+              </a:extLst>
+            </p:cNvPr>
+            <p:cNvSpPr/>
+            <p:nvPr/>
+          </p:nvSpPr>
+          <p:spPr>
+            <a:xfrm>
+              <a:off x="7071360" y="3352800"/>
+              <a:ext cx="350520" cy="335280"/>
+            </a:xfrm>
+            <a:prstGeom prst="flowChartConnector">
+              <a:avLst/>
+            </a:prstGeom>
+            <a:solidFill>
+              <a:srgbClr val="FF0000"/>
+            </a:solidFill>
+            <a:ln>
+              <a:noFill/>
+            </a:ln>
+          </p:spPr>
+          <p:style>
+            <a:lnRef idx="2">
+              <a:schemeClr val="accent1">
+                <a:shade val="15000"/>
+              </a:schemeClr>
+            </a:lnRef>
+            <a:fillRef idx="1">
+              <a:schemeClr val="accent1"/>
+            </a:fillRef>
+            <a:effectRef idx="0">
+              <a:schemeClr val="accent1"/>
+            </a:effectRef>
+            <a:fontRef idx="minor">
+              <a:schemeClr val="lt1"/>
+            </a:fontRef>
+          </p:style>
+          <p:txBody>
+            <a:bodyPr rtlCol="0" anchor="ctr"/>
+            <a:lstStyle/>
+            <a:p>
+              <a:pPr algn="ctr"/>
+              <a:endParaRPr lang="es-ES"/>
+            </a:p>
+          </p:txBody>
+        </p:sp>
+      </p:grpSp>
+      <p:grpSp>
+        <p:nvGrpSpPr>
+          <p:cNvPr id="10" name="Grupo 9">
+            <a:extLst>
+              <a:ext uri="{FF2B5EF4-FFF2-40B4-BE49-F238E27FC236}">
+                <a16:creationId xmlns:a16="http://schemas.microsoft.com/office/drawing/2014/main" id="{31933D57-C3C8-F437-36D3-F7FC3EC05257}"/>
+              </a:ext>
+            </a:extLst>
+          </p:cNvPr>
+          <p:cNvGrpSpPr/>
           <p:nvPr/>
-        </p:nvSpPr>
-        <p:spPr>
+        </p:nvGrpSpPr>
+        <p:grpSpPr>
           <a:xfrm>
-            <a:off x="8976360" y="3429000"/>
-            <a:ext cx="350520" cy="335280"/>
-          </a:xfrm>
-          <a:prstGeom prst="flowChartConnector">
-            <a:avLst/>
-          </a:prstGeom>
-          <a:solidFill>
-            <a:srgbClr val="FF0000"/>
-          </a:solidFill>
-          <a:ln>
-            <a:noFill/>
-          </a:ln>
-        </p:spPr>
-        <p:style>
-          <a:lnRef idx="2">
-            <a:schemeClr val="accent1">
-              <a:shade val="15000"/>
-            </a:schemeClr>
-          </a:lnRef>
-          <a:fillRef idx="1">
-            <a:schemeClr val="accent1"/>
-          </a:fillRef>
-          <a:effectRef idx="0">
-            <a:schemeClr val="accent1"/>
-          </a:effectRef>
-          <a:fontRef idx="minor">
-            <a:schemeClr val="lt1"/>
-          </a:fontRef>
-        </p:style>
-        <p:txBody>
-          <a:bodyPr rtlCol="0" anchor="ctr"/>
-          <a:lstStyle/>
-          <a:p>
-            <a:pPr algn="ctr"/>
-            <a:endParaRPr lang="es-ES"/>
-          </a:p>
-        </p:txBody>
-      </p:sp>
+            <a:off x="8976360" y="1752600"/>
+            <a:ext cx="640080" cy="2011680"/>
+            <a:chOff x="8976360" y="1752600"/>
+            <a:chExt cx="640080" cy="2011680"/>
+          </a:xfrm>
+        </p:grpSpPr>
+        <p:cxnSp>
+          <p:nvCxnSpPr>
+            <p:cNvPr id="12" name="Conector recto de flecha 11">
+              <a:extLst>
+                <a:ext uri="{FF2B5EF4-FFF2-40B4-BE49-F238E27FC236}">
+                  <a16:creationId xmlns:a16="http://schemas.microsoft.com/office/drawing/2014/main" id="{E8B8A75A-5488-1EE6-39CC-FFB65442BE9D}"/>
+                </a:ext>
+              </a:extLst>
+            </p:cNvPr>
+            <p:cNvCxnSpPr>
+              <a:cxnSpLocks/>
+            </p:cNvCxnSpPr>
+            <p:nvPr/>
+          </p:nvCxnSpPr>
+          <p:spPr>
+            <a:xfrm flipV="1">
+              <a:off x="9159240" y="1752600"/>
+              <a:ext cx="457200" cy="1798320"/>
+            </a:xfrm>
+            <a:prstGeom prst="straightConnector1">
+              <a:avLst/>
+            </a:prstGeom>
+            <a:ln w="57150">
+              <a:solidFill>
+                <a:schemeClr val="tx1"/>
+              </a:solidFill>
+              <a:tailEnd type="triangle"/>
+            </a:ln>
+          </p:spPr>
+          <p:style>
+            <a:lnRef idx="1">
+              <a:schemeClr val="accent1"/>
+            </a:lnRef>
+            <a:fillRef idx="0">
+              <a:schemeClr val="accent1"/>
+            </a:fillRef>
+            <a:effectRef idx="0">
+              <a:schemeClr val="accent1"/>
+            </a:effectRef>
+            <a:fontRef idx="minor">
+              <a:schemeClr val="tx1"/>
+            </a:fontRef>
+          </p:style>
+        </p:cxnSp>
+        <p:sp>
+          <p:nvSpPr>
+            <p:cNvPr id="29" name="Diagrama de flujo: conector 28">
+              <a:extLst>
+                <a:ext uri="{FF2B5EF4-FFF2-40B4-BE49-F238E27FC236}">
+                  <a16:creationId xmlns:a16="http://schemas.microsoft.com/office/drawing/2014/main" id="{BE3A9EE8-26D3-CC17-2627-6E6BA4A105C4}"/>
+                </a:ext>
+              </a:extLst>
+            </p:cNvPr>
+            <p:cNvSpPr/>
+            <p:nvPr/>
+          </p:nvSpPr>
+          <p:spPr>
+            <a:xfrm>
+              <a:off x="8976360" y="3429000"/>
+              <a:ext cx="350520" cy="335280"/>
+            </a:xfrm>
+            <a:prstGeom prst="flowChartConnector">
+              <a:avLst/>
+            </a:prstGeom>
+            <a:solidFill>
+              <a:srgbClr val="FF0000"/>
+            </a:solidFill>
+            <a:ln>
+              <a:noFill/>
+            </a:ln>
+          </p:spPr>
+          <p:style>
+            <a:lnRef idx="2">
+              <a:schemeClr val="accent1">
+                <a:shade val="15000"/>
+              </a:schemeClr>
+            </a:lnRef>
+            <a:fillRef idx="1">
+              <a:schemeClr val="accent1"/>
+            </a:fillRef>
+            <a:effectRef idx="0">
+              <a:schemeClr val="accent1"/>
+            </a:effectRef>
+            <a:fontRef idx="minor">
+              <a:schemeClr val="lt1"/>
+            </a:fontRef>
+          </p:style>
+          <p:txBody>
+            <a:bodyPr rtlCol="0" anchor="ctr"/>
+            <a:lstStyle/>
+            <a:p>
+              <a:pPr algn="ctr"/>
+              <a:endParaRPr lang="es-ES"/>
+            </a:p>
+          </p:txBody>
+        </p:sp>
+      </p:grpSp>
       <p:sp>
         <p:nvSpPr>
           <p:cNvPr id="31" name="Triángulo rectángulo 15">
@@ -6525,6 +9396,18 @@
   <p:clrMapOvr>
     <a:masterClrMapping/>
   </p:clrMapOvr>
+  <mc:AlternateContent xmlns:mc="http://schemas.openxmlformats.org/markup-compatibility/2006">
+    <mc:Choice xmlns:p159="http://schemas.microsoft.com/office/powerpoint/2015/09/main" Requires="p159">
+      <p:transition xmlns:p14="http://schemas.microsoft.com/office/powerpoint/2010/main" spd="slow" p14:dur="2000">
+        <p159:morph option="byObject"/>
+      </p:transition>
+    </mc:Choice>
+    <mc:Fallback>
+      <p:transition spd="slow">
+        <p:fade/>
+      </p:transition>
+    </mc:Fallback>
+  </mc:AlternateContent>
 </p:sld>
 </file>
 
@@ -6934,6 +9817,661 @@
           </a:p>
         </p:txBody>
       </p:sp>
+      <p:pic>
+        <p:nvPicPr>
+          <p:cNvPr id="5" name="Imagen 4" descr="Imagen en blanco y negro de una computadora&#10;&#10;Descripción generada automáticamente con confianza baja">
+            <a:extLst>
+              <a:ext uri="{FF2B5EF4-FFF2-40B4-BE49-F238E27FC236}">
+                <a16:creationId xmlns:a16="http://schemas.microsoft.com/office/drawing/2014/main" id="{104702F1-AC4A-3A78-A311-0024A728ABC2}"/>
+              </a:ext>
+            </a:extLst>
+          </p:cNvPr>
+          <p:cNvPicPr>
+            <a:picLocks noChangeAspect="1"/>
+          </p:cNvPicPr>
+          <p:nvPr/>
+        </p:nvPicPr>
+        <p:blipFill>
+          <a:blip r:embed="rId4">
+            <a:extLst>
+              <a:ext uri="{28A0092B-C50C-407E-A947-70E740481C1C}">
+                <a14:useLocalDpi xmlns:a14="http://schemas.microsoft.com/office/drawing/2010/main" val="0"/>
+              </a:ext>
+            </a:extLst>
+          </a:blip>
+          <a:stretch>
+            <a:fillRect/>
+          </a:stretch>
+        </p:blipFill>
+        <p:spPr>
+          <a:xfrm rot="1005357">
+            <a:off x="-5129333" y="-1134594"/>
+            <a:ext cx="3363069" cy="2389549"/>
+          </a:xfrm>
+          <a:prstGeom prst="rect">
+            <a:avLst/>
+          </a:prstGeom>
+        </p:spPr>
+      </p:pic>
+      <p:pic>
+        <p:nvPicPr>
+          <p:cNvPr id="6" name="Imagen 5" descr="Imagen en blanco y negro de un escritorio&#10;&#10;Descripción generada automáticamente con confianza media">
+            <a:extLst>
+              <a:ext uri="{FF2B5EF4-FFF2-40B4-BE49-F238E27FC236}">
+                <a16:creationId xmlns:a16="http://schemas.microsoft.com/office/drawing/2014/main" id="{32E96978-D11B-67DA-DD23-D40C5E461850}"/>
+              </a:ext>
+            </a:extLst>
+          </p:cNvPr>
+          <p:cNvPicPr>
+            <a:picLocks noChangeAspect="1"/>
+          </p:cNvPicPr>
+          <p:nvPr/>
+        </p:nvPicPr>
+        <p:blipFill>
+          <a:blip r:embed="rId5">
+            <a:extLst>
+              <a:ext uri="{28A0092B-C50C-407E-A947-70E740481C1C}">
+                <a14:useLocalDpi xmlns:a14="http://schemas.microsoft.com/office/drawing/2010/main" val="0"/>
+              </a:ext>
+            </a:extLst>
+          </a:blip>
+          <a:stretch>
+            <a:fillRect/>
+          </a:stretch>
+        </p:blipFill>
+        <p:spPr>
+          <a:xfrm rot="20714454">
+            <a:off x="-1461123" y="-2854152"/>
+            <a:ext cx="3499126" cy="2308324"/>
+          </a:xfrm>
+          <a:prstGeom prst="rect">
+            <a:avLst/>
+          </a:prstGeom>
+        </p:spPr>
+      </p:pic>
+      <p:grpSp>
+        <p:nvGrpSpPr>
+          <p:cNvPr id="19" name="Grupo 18">
+            <a:extLst>
+              <a:ext uri="{FF2B5EF4-FFF2-40B4-BE49-F238E27FC236}">
+                <a16:creationId xmlns:a16="http://schemas.microsoft.com/office/drawing/2014/main" id="{CD45B3CB-F569-514F-69C0-49FEB7441FFA}"/>
+              </a:ext>
+            </a:extLst>
+          </p:cNvPr>
+          <p:cNvGrpSpPr/>
+          <p:nvPr/>
+        </p:nvGrpSpPr>
+        <p:grpSpPr>
+          <a:xfrm>
+            <a:off x="838200" y="-3992880"/>
+            <a:ext cx="990600" cy="2270760"/>
+            <a:chOff x="838200" y="1127760"/>
+            <a:chExt cx="990600" cy="2270760"/>
+          </a:xfrm>
+        </p:grpSpPr>
+        <p:cxnSp>
+          <p:nvCxnSpPr>
+            <p:cNvPr id="20" name="Conector recto de flecha 19">
+              <a:extLst>
+                <a:ext uri="{FF2B5EF4-FFF2-40B4-BE49-F238E27FC236}">
+                  <a16:creationId xmlns:a16="http://schemas.microsoft.com/office/drawing/2014/main" id="{031484EE-266F-C440-891A-5822794B8245}"/>
+                </a:ext>
+              </a:extLst>
+            </p:cNvPr>
+            <p:cNvCxnSpPr/>
+            <p:nvPr/>
+          </p:nvCxnSpPr>
+          <p:spPr>
+            <a:xfrm flipH="1" flipV="1">
+              <a:off x="838200" y="1127760"/>
+              <a:ext cx="807720" cy="2072640"/>
+            </a:xfrm>
+            <a:prstGeom prst="straightConnector1">
+              <a:avLst/>
+            </a:prstGeom>
+            <a:ln w="57150">
+              <a:solidFill>
+                <a:schemeClr val="tx1"/>
+              </a:solidFill>
+              <a:tailEnd type="triangle"/>
+            </a:ln>
+          </p:spPr>
+          <p:style>
+            <a:lnRef idx="1">
+              <a:schemeClr val="accent1"/>
+            </a:lnRef>
+            <a:fillRef idx="0">
+              <a:schemeClr val="accent1"/>
+            </a:fillRef>
+            <a:effectRef idx="0">
+              <a:schemeClr val="accent1"/>
+            </a:effectRef>
+            <a:fontRef idx="minor">
+              <a:schemeClr val="tx1"/>
+            </a:fontRef>
+          </p:style>
+        </p:cxnSp>
+        <p:sp>
+          <p:nvSpPr>
+            <p:cNvPr id="22" name="Diagrama de flujo: conector 21">
+              <a:extLst>
+                <a:ext uri="{FF2B5EF4-FFF2-40B4-BE49-F238E27FC236}">
+                  <a16:creationId xmlns:a16="http://schemas.microsoft.com/office/drawing/2014/main" id="{D20E9AD6-EDC5-064C-FAAF-11F8BD004464}"/>
+                </a:ext>
+              </a:extLst>
+            </p:cNvPr>
+            <p:cNvSpPr/>
+            <p:nvPr/>
+          </p:nvSpPr>
+          <p:spPr>
+            <a:xfrm>
+              <a:off x="1478280" y="3063240"/>
+              <a:ext cx="350520" cy="335280"/>
+            </a:xfrm>
+            <a:prstGeom prst="flowChartConnector">
+              <a:avLst/>
+            </a:prstGeom>
+            <a:solidFill>
+              <a:srgbClr val="FF0000"/>
+            </a:solidFill>
+            <a:ln>
+              <a:noFill/>
+            </a:ln>
+          </p:spPr>
+          <p:style>
+            <a:lnRef idx="2">
+              <a:schemeClr val="accent1">
+                <a:shade val="15000"/>
+              </a:schemeClr>
+            </a:lnRef>
+            <a:fillRef idx="1">
+              <a:schemeClr val="accent1"/>
+            </a:fillRef>
+            <a:effectRef idx="0">
+              <a:schemeClr val="accent1"/>
+            </a:effectRef>
+            <a:fontRef idx="minor">
+              <a:schemeClr val="lt1"/>
+            </a:fontRef>
+          </p:style>
+          <p:txBody>
+            <a:bodyPr rtlCol="0" anchor="ctr"/>
+            <a:lstStyle/>
+            <a:p>
+              <a:pPr algn="ctr"/>
+              <a:endParaRPr lang="es-ES"/>
+            </a:p>
+          </p:txBody>
+        </p:sp>
+      </p:grpSp>
+      <p:grpSp>
+        <p:nvGrpSpPr>
+          <p:cNvPr id="23" name="Grupo 22">
+            <a:extLst>
+              <a:ext uri="{FF2B5EF4-FFF2-40B4-BE49-F238E27FC236}">
+                <a16:creationId xmlns:a16="http://schemas.microsoft.com/office/drawing/2014/main" id="{B124CF58-E15F-E800-87B0-F385B9F77FFC}"/>
+              </a:ext>
+            </a:extLst>
+          </p:cNvPr>
+          <p:cNvGrpSpPr/>
+          <p:nvPr/>
+        </p:nvGrpSpPr>
+        <p:grpSpPr>
+          <a:xfrm>
+            <a:off x="5074920" y="-3749040"/>
+            <a:ext cx="350520" cy="2316480"/>
+            <a:chOff x="5074920" y="1371600"/>
+            <a:chExt cx="350520" cy="2316480"/>
+          </a:xfrm>
+        </p:grpSpPr>
+        <p:cxnSp>
+          <p:nvCxnSpPr>
+            <p:cNvPr id="24" name="Conector recto de flecha 23">
+              <a:extLst>
+                <a:ext uri="{FF2B5EF4-FFF2-40B4-BE49-F238E27FC236}">
+                  <a16:creationId xmlns:a16="http://schemas.microsoft.com/office/drawing/2014/main" id="{8E086460-13BA-C1A7-3F21-E73B4FF37D5E}"/>
+                </a:ext>
+              </a:extLst>
+            </p:cNvPr>
+            <p:cNvCxnSpPr>
+              <a:cxnSpLocks/>
+            </p:cNvCxnSpPr>
+            <p:nvPr/>
+          </p:nvCxnSpPr>
+          <p:spPr>
+            <a:xfrm flipH="1" flipV="1">
+              <a:off x="5120640" y="1371600"/>
+              <a:ext cx="121920" cy="2164080"/>
+            </a:xfrm>
+            <a:prstGeom prst="straightConnector1">
+              <a:avLst/>
+            </a:prstGeom>
+            <a:ln w="57150">
+              <a:solidFill>
+                <a:schemeClr val="tx1"/>
+              </a:solidFill>
+              <a:tailEnd type="triangle"/>
+            </a:ln>
+          </p:spPr>
+          <p:style>
+            <a:lnRef idx="1">
+              <a:schemeClr val="accent1"/>
+            </a:lnRef>
+            <a:fillRef idx="0">
+              <a:schemeClr val="accent1"/>
+            </a:fillRef>
+            <a:effectRef idx="0">
+              <a:schemeClr val="accent1"/>
+            </a:effectRef>
+            <a:fontRef idx="minor">
+              <a:schemeClr val="tx1"/>
+            </a:fontRef>
+          </p:style>
+        </p:cxnSp>
+        <p:sp>
+          <p:nvSpPr>
+            <p:cNvPr id="25" name="Diagrama de flujo: conector 24">
+              <a:extLst>
+                <a:ext uri="{FF2B5EF4-FFF2-40B4-BE49-F238E27FC236}">
+                  <a16:creationId xmlns:a16="http://schemas.microsoft.com/office/drawing/2014/main" id="{64AD502C-BDDD-02D2-021B-6AA05C80A645}"/>
+                </a:ext>
+              </a:extLst>
+            </p:cNvPr>
+            <p:cNvSpPr/>
+            <p:nvPr/>
+          </p:nvSpPr>
+          <p:spPr>
+            <a:xfrm>
+              <a:off x="5074920" y="3352800"/>
+              <a:ext cx="350520" cy="335280"/>
+            </a:xfrm>
+            <a:prstGeom prst="flowChartConnector">
+              <a:avLst/>
+            </a:prstGeom>
+            <a:solidFill>
+              <a:srgbClr val="FF0000"/>
+            </a:solidFill>
+            <a:ln>
+              <a:noFill/>
+            </a:ln>
+          </p:spPr>
+          <p:style>
+            <a:lnRef idx="2">
+              <a:schemeClr val="accent1">
+                <a:shade val="15000"/>
+              </a:schemeClr>
+            </a:lnRef>
+            <a:fillRef idx="1">
+              <a:schemeClr val="accent1"/>
+            </a:fillRef>
+            <a:effectRef idx="0">
+              <a:schemeClr val="accent1"/>
+            </a:effectRef>
+            <a:fontRef idx="minor">
+              <a:schemeClr val="lt1"/>
+            </a:fontRef>
+          </p:style>
+          <p:txBody>
+            <a:bodyPr rtlCol="0" anchor="ctr"/>
+            <a:lstStyle/>
+            <a:p>
+              <a:pPr algn="ctr"/>
+              <a:endParaRPr lang="es-ES"/>
+            </a:p>
+          </p:txBody>
+        </p:sp>
+      </p:grpSp>
+      <p:grpSp>
+        <p:nvGrpSpPr>
+          <p:cNvPr id="26" name="Grupo 25">
+            <a:extLst>
+              <a:ext uri="{FF2B5EF4-FFF2-40B4-BE49-F238E27FC236}">
+                <a16:creationId xmlns:a16="http://schemas.microsoft.com/office/drawing/2014/main" id="{4A77C105-2456-F64F-79CE-23ACEDE86BC4}"/>
+              </a:ext>
+            </a:extLst>
+          </p:cNvPr>
+          <p:cNvGrpSpPr/>
+          <p:nvPr/>
+        </p:nvGrpSpPr>
+        <p:grpSpPr>
+          <a:xfrm>
+            <a:off x="8976360" y="-3368040"/>
+            <a:ext cx="640080" cy="2011680"/>
+            <a:chOff x="8976360" y="1752600"/>
+            <a:chExt cx="640080" cy="2011680"/>
+          </a:xfrm>
+        </p:grpSpPr>
+        <p:cxnSp>
+          <p:nvCxnSpPr>
+            <p:cNvPr id="27" name="Conector recto de flecha 26">
+              <a:extLst>
+                <a:ext uri="{FF2B5EF4-FFF2-40B4-BE49-F238E27FC236}">
+                  <a16:creationId xmlns:a16="http://schemas.microsoft.com/office/drawing/2014/main" id="{736B78FE-0536-FD44-1994-C620A7177EDC}"/>
+                </a:ext>
+              </a:extLst>
+            </p:cNvPr>
+            <p:cNvCxnSpPr>
+              <a:cxnSpLocks/>
+            </p:cNvCxnSpPr>
+            <p:nvPr/>
+          </p:nvCxnSpPr>
+          <p:spPr>
+            <a:xfrm flipV="1">
+              <a:off x="9159240" y="1752600"/>
+              <a:ext cx="457200" cy="1798320"/>
+            </a:xfrm>
+            <a:prstGeom prst="straightConnector1">
+              <a:avLst/>
+            </a:prstGeom>
+            <a:ln w="57150">
+              <a:solidFill>
+                <a:schemeClr val="tx1"/>
+              </a:solidFill>
+              <a:tailEnd type="triangle"/>
+            </a:ln>
+          </p:spPr>
+          <p:style>
+            <a:lnRef idx="1">
+              <a:schemeClr val="accent1"/>
+            </a:lnRef>
+            <a:fillRef idx="0">
+              <a:schemeClr val="accent1"/>
+            </a:fillRef>
+            <a:effectRef idx="0">
+              <a:schemeClr val="accent1"/>
+            </a:effectRef>
+            <a:fontRef idx="minor">
+              <a:schemeClr val="tx1"/>
+            </a:fontRef>
+          </p:style>
+        </p:cxnSp>
+        <p:sp>
+          <p:nvSpPr>
+            <p:cNvPr id="28" name="Diagrama de flujo: conector 27">
+              <a:extLst>
+                <a:ext uri="{FF2B5EF4-FFF2-40B4-BE49-F238E27FC236}">
+                  <a16:creationId xmlns:a16="http://schemas.microsoft.com/office/drawing/2014/main" id="{8133BC87-335D-45BB-B0E1-97DF8BEE3645}"/>
+                </a:ext>
+              </a:extLst>
+            </p:cNvPr>
+            <p:cNvSpPr/>
+            <p:nvPr/>
+          </p:nvSpPr>
+          <p:spPr>
+            <a:xfrm>
+              <a:off x="8976360" y="3429000"/>
+              <a:ext cx="350520" cy="335280"/>
+            </a:xfrm>
+            <a:prstGeom prst="flowChartConnector">
+              <a:avLst/>
+            </a:prstGeom>
+            <a:solidFill>
+              <a:srgbClr val="FF0000"/>
+            </a:solidFill>
+            <a:ln>
+              <a:noFill/>
+            </a:ln>
+          </p:spPr>
+          <p:style>
+            <a:lnRef idx="2">
+              <a:schemeClr val="accent1">
+                <a:shade val="15000"/>
+              </a:schemeClr>
+            </a:lnRef>
+            <a:fillRef idx="1">
+              <a:schemeClr val="accent1"/>
+            </a:fillRef>
+            <a:effectRef idx="0">
+              <a:schemeClr val="accent1"/>
+            </a:effectRef>
+            <a:fontRef idx="minor">
+              <a:schemeClr val="lt1"/>
+            </a:fontRef>
+          </p:style>
+          <p:txBody>
+            <a:bodyPr rtlCol="0" anchor="ctr"/>
+            <a:lstStyle/>
+            <a:p>
+              <a:pPr algn="ctr"/>
+              <a:endParaRPr lang="es-ES"/>
+            </a:p>
+          </p:txBody>
+        </p:sp>
+      </p:grpSp>
+      <p:grpSp>
+        <p:nvGrpSpPr>
+          <p:cNvPr id="29" name="Grupo 28">
+            <a:extLst>
+              <a:ext uri="{FF2B5EF4-FFF2-40B4-BE49-F238E27FC236}">
+                <a16:creationId xmlns:a16="http://schemas.microsoft.com/office/drawing/2014/main" id="{CEA0F0FC-1506-1550-4A81-600CFCE43007}"/>
+              </a:ext>
+            </a:extLst>
+          </p:cNvPr>
+          <p:cNvGrpSpPr/>
+          <p:nvPr/>
+        </p:nvGrpSpPr>
+        <p:grpSpPr>
+          <a:xfrm>
+            <a:off x="3002280" y="8168640"/>
+            <a:ext cx="594360" cy="2301240"/>
+            <a:chOff x="3002280" y="3200400"/>
+            <a:chExt cx="594360" cy="2301240"/>
+          </a:xfrm>
+        </p:grpSpPr>
+        <p:cxnSp>
+          <p:nvCxnSpPr>
+            <p:cNvPr id="30" name="Conector recto de flecha 29">
+              <a:extLst>
+                <a:ext uri="{FF2B5EF4-FFF2-40B4-BE49-F238E27FC236}">
+                  <a16:creationId xmlns:a16="http://schemas.microsoft.com/office/drawing/2014/main" id="{5F0D491C-3471-6FED-5CC0-142B43193181}"/>
+                </a:ext>
+              </a:extLst>
+            </p:cNvPr>
+            <p:cNvCxnSpPr>
+              <a:cxnSpLocks/>
+            </p:cNvCxnSpPr>
+            <p:nvPr/>
+          </p:nvCxnSpPr>
+          <p:spPr>
+            <a:xfrm>
+              <a:off x="3139440" y="3200400"/>
+              <a:ext cx="457200" cy="2301240"/>
+            </a:xfrm>
+            <a:prstGeom prst="straightConnector1">
+              <a:avLst/>
+            </a:prstGeom>
+            <a:ln w="57150">
+              <a:solidFill>
+                <a:schemeClr val="tx1"/>
+              </a:solidFill>
+              <a:tailEnd type="triangle"/>
+            </a:ln>
+          </p:spPr>
+          <p:style>
+            <a:lnRef idx="1">
+              <a:schemeClr val="accent1"/>
+            </a:lnRef>
+            <a:fillRef idx="0">
+              <a:schemeClr val="accent1"/>
+            </a:fillRef>
+            <a:effectRef idx="0">
+              <a:schemeClr val="accent1"/>
+            </a:effectRef>
+            <a:fontRef idx="minor">
+              <a:schemeClr val="tx1"/>
+            </a:fontRef>
+          </p:style>
+        </p:cxnSp>
+        <p:sp>
+          <p:nvSpPr>
+            <p:cNvPr id="31" name="Diagrama de flujo: conector 30">
+              <a:extLst>
+                <a:ext uri="{FF2B5EF4-FFF2-40B4-BE49-F238E27FC236}">
+                  <a16:creationId xmlns:a16="http://schemas.microsoft.com/office/drawing/2014/main" id="{0F5D14C5-8EF2-ED75-7393-F977376FB5F0}"/>
+                </a:ext>
+              </a:extLst>
+            </p:cNvPr>
+            <p:cNvSpPr/>
+            <p:nvPr/>
+          </p:nvSpPr>
+          <p:spPr>
+            <a:xfrm>
+              <a:off x="3002280" y="3200400"/>
+              <a:ext cx="350520" cy="335280"/>
+            </a:xfrm>
+            <a:prstGeom prst="flowChartConnector">
+              <a:avLst/>
+            </a:prstGeom>
+            <a:solidFill>
+              <a:srgbClr val="FF0000"/>
+            </a:solidFill>
+            <a:ln>
+              <a:noFill/>
+            </a:ln>
+          </p:spPr>
+          <p:style>
+            <a:lnRef idx="2">
+              <a:schemeClr val="accent1">
+                <a:shade val="15000"/>
+              </a:schemeClr>
+            </a:lnRef>
+            <a:fillRef idx="1">
+              <a:schemeClr val="accent1"/>
+            </a:fillRef>
+            <a:effectRef idx="0">
+              <a:schemeClr val="accent1"/>
+            </a:effectRef>
+            <a:fontRef idx="minor">
+              <a:schemeClr val="lt1"/>
+            </a:fontRef>
+          </p:style>
+          <p:txBody>
+            <a:bodyPr rtlCol="0" anchor="ctr"/>
+            <a:lstStyle/>
+            <a:p>
+              <a:pPr algn="ctr"/>
+              <a:endParaRPr lang="es-ES"/>
+            </a:p>
+          </p:txBody>
+        </p:sp>
+      </p:grpSp>
+      <p:grpSp>
+        <p:nvGrpSpPr>
+          <p:cNvPr id="32" name="Grupo 31">
+            <a:extLst>
+              <a:ext uri="{FF2B5EF4-FFF2-40B4-BE49-F238E27FC236}">
+                <a16:creationId xmlns:a16="http://schemas.microsoft.com/office/drawing/2014/main" id="{08A11607-60EE-67A9-2613-86A58849DDE0}"/>
+              </a:ext>
+            </a:extLst>
+          </p:cNvPr>
+          <p:cNvGrpSpPr/>
+          <p:nvPr/>
+        </p:nvGrpSpPr>
+        <p:grpSpPr>
+          <a:xfrm>
+            <a:off x="7071360" y="8321040"/>
+            <a:ext cx="670560" cy="2057400"/>
+            <a:chOff x="7071360" y="3352800"/>
+            <a:chExt cx="670560" cy="2057400"/>
+          </a:xfrm>
+        </p:grpSpPr>
+        <p:cxnSp>
+          <p:nvCxnSpPr>
+            <p:cNvPr id="33" name="Conector recto de flecha 32">
+              <a:extLst>
+                <a:ext uri="{FF2B5EF4-FFF2-40B4-BE49-F238E27FC236}">
+                  <a16:creationId xmlns:a16="http://schemas.microsoft.com/office/drawing/2014/main" id="{22B984BC-3459-ACD8-CB5B-B175452372A6}"/>
+                </a:ext>
+              </a:extLst>
+            </p:cNvPr>
+            <p:cNvCxnSpPr>
+              <a:cxnSpLocks/>
+            </p:cNvCxnSpPr>
+            <p:nvPr/>
+          </p:nvCxnSpPr>
+          <p:spPr>
+            <a:xfrm>
+              <a:off x="7208520" y="3429000"/>
+              <a:ext cx="533400" cy="1981200"/>
+            </a:xfrm>
+            <a:prstGeom prst="straightConnector1">
+              <a:avLst/>
+            </a:prstGeom>
+            <a:ln w="57150">
+              <a:solidFill>
+                <a:schemeClr val="tx1"/>
+              </a:solidFill>
+              <a:tailEnd type="triangle"/>
+            </a:ln>
+          </p:spPr>
+          <p:style>
+            <a:lnRef idx="1">
+              <a:schemeClr val="accent1"/>
+            </a:lnRef>
+            <a:fillRef idx="0">
+              <a:schemeClr val="accent1"/>
+            </a:fillRef>
+            <a:effectRef idx="0">
+              <a:schemeClr val="accent1"/>
+            </a:effectRef>
+            <a:fontRef idx="minor">
+              <a:schemeClr val="tx1"/>
+            </a:fontRef>
+          </p:style>
+        </p:cxnSp>
+        <p:sp>
+          <p:nvSpPr>
+            <p:cNvPr id="34" name="Diagrama de flujo: conector 33">
+              <a:extLst>
+                <a:ext uri="{FF2B5EF4-FFF2-40B4-BE49-F238E27FC236}">
+                  <a16:creationId xmlns:a16="http://schemas.microsoft.com/office/drawing/2014/main" id="{2CA0C054-4209-D78F-C1FD-A3E6B7C88553}"/>
+                </a:ext>
+              </a:extLst>
+            </p:cNvPr>
+            <p:cNvSpPr/>
+            <p:nvPr/>
+          </p:nvSpPr>
+          <p:spPr>
+            <a:xfrm>
+              <a:off x="7071360" y="3352800"/>
+              <a:ext cx="350520" cy="335280"/>
+            </a:xfrm>
+            <a:prstGeom prst="flowChartConnector">
+              <a:avLst/>
+            </a:prstGeom>
+            <a:solidFill>
+              <a:srgbClr val="FF0000"/>
+            </a:solidFill>
+            <a:ln>
+              <a:noFill/>
+            </a:ln>
+          </p:spPr>
+          <p:style>
+            <a:lnRef idx="2">
+              <a:schemeClr val="accent1">
+                <a:shade val="15000"/>
+              </a:schemeClr>
+            </a:lnRef>
+            <a:fillRef idx="1">
+              <a:schemeClr val="accent1"/>
+            </a:fillRef>
+            <a:effectRef idx="0">
+              <a:schemeClr val="accent1"/>
+            </a:effectRef>
+            <a:fontRef idx="minor">
+              <a:schemeClr val="lt1"/>
+            </a:fontRef>
+          </p:style>
+          <p:txBody>
+            <a:bodyPr rtlCol="0" anchor="ctr"/>
+            <a:lstStyle/>
+            <a:p>
+              <a:pPr algn="ctr"/>
+              <a:endParaRPr lang="es-ES"/>
+            </a:p>
+          </p:txBody>
+        </p:sp>
+      </p:grpSp>
     </p:spTree>
     <p:extLst>
       <p:ext uri="{BB962C8B-B14F-4D97-AF65-F5344CB8AC3E}">
@@ -7306,7 +10844,7 @@
                   <a:schemeClr val="bg1"/>
                 </a:solidFill>
               </a:rPr>
-              <a:t>1938 </a:t>
+              <a:t>1960 </a:t>
             </a:r>
             <a:r>
               <a:rPr lang="es-ES" sz="2500" dirty="0">
@@ -7315,7 +10853,7 @@
                 </a:solidFill>
                 <a:sym typeface="Wingdings" panose="05000000000000000000" pitchFamily="2" charset="2"/>
               </a:rPr>
-              <a:t>- 1959</a:t>
+              <a:t>- 1965</a:t>
             </a:r>
             <a:endParaRPr lang="es-ES" sz="2500" dirty="0">
               <a:solidFill>
@@ -7339,8 +10877,8 @@
         </p:nvSpPr>
         <p:spPr>
           <a:xfrm>
-            <a:off x="4919452" y="3997857"/>
-            <a:ext cx="7933820" cy="2031325"/>
+            <a:off x="4378276" y="4352420"/>
+            <a:ext cx="7933820" cy="2308324"/>
           </a:xfrm>
           <a:prstGeom prst="rect">
             <a:avLst/>
@@ -7359,7 +10897,7 @@
                   <a:schemeClr val="bg1"/>
                 </a:solidFill>
               </a:rPr>
-              <a:t>The first generation of computers marked a before and after in the history of computing.</a:t>
+              <a:t>The use of transistors, integrated circuits and magnetic memories resulted in smaller, faster and more reliable computers. </a:t>
             </a:r>
           </a:p>
           <a:p>
@@ -7376,11 +10914,10 @@
                   <a:schemeClr val="bg1"/>
                 </a:solidFill>
               </a:rPr>
-              <a:t>Despite their limitations, these computers paved the way for future advances.</a:t>
+              <a:t>These machines played a pivotal role in a variety of industries and laid the foundation for future advances. </a:t>
             </a:r>
           </a:p>
           <a:p>
-            <a:pPr algn="ctr"/>
             <a:endParaRPr lang="en-US" dirty="0">
               <a:solidFill>
                 <a:schemeClr val="bg1"/>
@@ -7394,7 +10931,7 @@
                   <a:schemeClr val="bg1"/>
                 </a:solidFill>
               </a:rPr>
-              <a:t>The development of the Atanasoff Berry computer and the Von Neumann architecture laid the foundation for the next generations of computers.</a:t>
+              <a:t>The legacy of second-generation computers can still be seen today in the powerful and compact devices that have become an integral part of our daily lives.</a:t>
             </a:r>
             <a:endParaRPr lang="es-ES" dirty="0">
               <a:solidFill>
@@ -7404,10 +10941,3505 @@
           </a:p>
         </p:txBody>
       </p:sp>
+      <p:pic>
+        <p:nvPicPr>
+          <p:cNvPr id="6" name="Imagen 5" descr="Imagen en blanco y negro de una computadora&#10;&#10;Descripción generada automáticamente con confianza baja">
+            <a:extLst>
+              <a:ext uri="{FF2B5EF4-FFF2-40B4-BE49-F238E27FC236}">
+                <a16:creationId xmlns:a16="http://schemas.microsoft.com/office/drawing/2014/main" id="{3FCAB125-F530-4B0D-70B7-DF8B7B2A81EB}"/>
+              </a:ext>
+            </a:extLst>
+          </p:cNvPr>
+          <p:cNvPicPr>
+            <a:picLocks noChangeAspect="1"/>
+          </p:cNvPicPr>
+          <p:nvPr/>
+        </p:nvPicPr>
+        <p:blipFill>
+          <a:blip r:embed="rId4">
+            <a:extLst>
+              <a:ext uri="{28A0092B-C50C-407E-A947-70E740481C1C}">
+                <a14:useLocalDpi xmlns:a14="http://schemas.microsoft.com/office/drawing/2010/main" val="0"/>
+              </a:ext>
+            </a:extLst>
+          </a:blip>
+          <a:stretch>
+            <a:fillRect/>
+          </a:stretch>
+        </p:blipFill>
+        <p:spPr>
+          <a:xfrm rot="1005357">
+            <a:off x="273052" y="2127187"/>
+            <a:ext cx="3363069" cy="2389549"/>
+          </a:xfrm>
+          <a:prstGeom prst="rect">
+            <a:avLst/>
+          </a:prstGeom>
+        </p:spPr>
+      </p:pic>
+      <p:pic>
+        <p:nvPicPr>
+          <p:cNvPr id="8" name="Imagen 7" descr="Imagen en blanco y negro de un escritorio&#10;&#10;Descripción generada automáticamente con confianza media">
+            <a:extLst>
+              <a:ext uri="{FF2B5EF4-FFF2-40B4-BE49-F238E27FC236}">
+                <a16:creationId xmlns:a16="http://schemas.microsoft.com/office/drawing/2014/main" id="{1C207210-3542-F1E9-6EC3-A78A41FD2959}"/>
+              </a:ext>
+            </a:extLst>
+          </p:cNvPr>
+          <p:cNvPicPr>
+            <a:picLocks noChangeAspect="1"/>
+          </p:cNvPicPr>
+          <p:nvPr/>
+        </p:nvPicPr>
+        <p:blipFill>
+          <a:blip r:embed="rId5">
+            <a:extLst>
+              <a:ext uri="{28A0092B-C50C-407E-A947-70E740481C1C}">
+                <a14:useLocalDpi xmlns:a14="http://schemas.microsoft.com/office/drawing/2010/main" val="0"/>
+              </a:ext>
+            </a:extLst>
+          </a:blip>
+          <a:stretch>
+            <a:fillRect/>
+          </a:stretch>
+        </p:blipFill>
+        <p:spPr>
+          <a:xfrm rot="20714454">
+            <a:off x="3941262" y="407629"/>
+            <a:ext cx="3499126" cy="2308324"/>
+          </a:xfrm>
+          <a:prstGeom prst="rect">
+            <a:avLst/>
+          </a:prstGeom>
+        </p:spPr>
+      </p:pic>
+      <p:sp>
+        <p:nvSpPr>
+          <p:cNvPr id="9" name="Rectángulo 8">
+            <a:extLst>
+              <a:ext uri="{FF2B5EF4-FFF2-40B4-BE49-F238E27FC236}">
+                <a16:creationId xmlns:a16="http://schemas.microsoft.com/office/drawing/2014/main" id="{3A87696D-379D-0E62-E086-0561DEC6CDC2}"/>
+              </a:ext>
+            </a:extLst>
+          </p:cNvPr>
+          <p:cNvSpPr/>
+          <p:nvPr/>
+        </p:nvSpPr>
+        <p:spPr>
+          <a:xfrm>
+            <a:off x="-1" y="7345680"/>
+            <a:ext cx="12506566" cy="6858000"/>
+          </a:xfrm>
+          <a:prstGeom prst="rect">
+            <a:avLst/>
+          </a:prstGeom>
+        </p:spPr>
+        <p:style>
+          <a:lnRef idx="2">
+            <a:schemeClr val="accent1">
+              <a:shade val="15000"/>
+            </a:schemeClr>
+          </a:lnRef>
+          <a:fillRef idx="1">
+            <a:schemeClr val="accent1"/>
+          </a:fillRef>
+          <a:effectRef idx="0">
+            <a:schemeClr val="accent1"/>
+          </a:effectRef>
+          <a:fontRef idx="minor">
+            <a:schemeClr val="lt1"/>
+          </a:fontRef>
+        </p:style>
+        <p:txBody>
+          <a:bodyPr rtlCol="0" anchor="ctr"/>
+          <a:lstStyle/>
+          <a:p>
+            <a:pPr algn="ctr"/>
+            <a:endParaRPr lang="es-ES"/>
+          </a:p>
+        </p:txBody>
+      </p:sp>
+      <p:sp>
+        <p:nvSpPr>
+          <p:cNvPr id="10" name="Rectángulo 9">
+            <a:extLst>
+              <a:ext uri="{FF2B5EF4-FFF2-40B4-BE49-F238E27FC236}">
+                <a16:creationId xmlns:a16="http://schemas.microsoft.com/office/drawing/2014/main" id="{70F7C0C0-AC17-A1B9-646D-6F8563628C47}"/>
+              </a:ext>
+            </a:extLst>
+          </p:cNvPr>
+          <p:cNvSpPr/>
+          <p:nvPr/>
+        </p:nvSpPr>
+        <p:spPr>
+          <a:xfrm>
+            <a:off x="-13749392" y="58616"/>
+            <a:ext cx="12506566" cy="6858000"/>
+          </a:xfrm>
+          <a:prstGeom prst="rect">
+            <a:avLst/>
+          </a:prstGeom>
+          <a:solidFill>
+            <a:srgbClr val="7030A0"/>
+          </a:solidFill>
+          <a:ln>
+            <a:noFill/>
+          </a:ln>
+        </p:spPr>
+        <p:style>
+          <a:lnRef idx="2">
+            <a:schemeClr val="accent1">
+              <a:shade val="15000"/>
+            </a:schemeClr>
+          </a:lnRef>
+          <a:fillRef idx="1">
+            <a:schemeClr val="accent1"/>
+          </a:fillRef>
+          <a:effectRef idx="0">
+            <a:schemeClr val="accent1"/>
+          </a:effectRef>
+          <a:fontRef idx="minor">
+            <a:schemeClr val="lt1"/>
+          </a:fontRef>
+        </p:style>
+        <p:txBody>
+          <a:bodyPr rtlCol="0" anchor="ctr"/>
+          <a:lstStyle/>
+          <a:p>
+            <a:pPr algn="ctr"/>
+            <a:endParaRPr lang="es-ES"/>
+          </a:p>
+        </p:txBody>
+      </p:sp>
+      <p:sp>
+        <p:nvSpPr>
+          <p:cNvPr id="11" name="Rectángulo: esquinas redondeadas 10">
+            <a:extLst>
+              <a:ext uri="{FF2B5EF4-FFF2-40B4-BE49-F238E27FC236}">
+                <a16:creationId xmlns:a16="http://schemas.microsoft.com/office/drawing/2014/main" id="{D7AF360E-0D0F-8577-DFC3-B6E3D86B06B1}"/>
+              </a:ext>
+            </a:extLst>
+          </p:cNvPr>
+          <p:cNvSpPr/>
+          <p:nvPr/>
+        </p:nvSpPr>
+        <p:spPr>
+          <a:xfrm>
+            <a:off x="-1641411" y="363416"/>
+            <a:ext cx="1172308" cy="844062"/>
+          </a:xfrm>
+          <a:prstGeom prst="roundRect">
+            <a:avLst/>
+          </a:prstGeom>
+          <a:solidFill>
+            <a:srgbClr val="7030A0"/>
+          </a:solidFill>
+          <a:ln>
+            <a:noFill/>
+          </a:ln>
+        </p:spPr>
+        <p:style>
+          <a:lnRef idx="2">
+            <a:schemeClr val="accent1">
+              <a:shade val="15000"/>
+            </a:schemeClr>
+          </a:lnRef>
+          <a:fillRef idx="1">
+            <a:schemeClr val="accent1"/>
+          </a:fillRef>
+          <a:effectRef idx="0">
+            <a:schemeClr val="accent1"/>
+          </a:effectRef>
+          <a:fontRef idx="minor">
+            <a:schemeClr val="lt1"/>
+          </a:fontRef>
+        </p:style>
+        <p:txBody>
+          <a:bodyPr rtlCol="0" anchor="ctr"/>
+          <a:lstStyle/>
+          <a:p>
+            <a:pPr algn="ctr"/>
+            <a:endParaRPr lang="es-ES"/>
+          </a:p>
+        </p:txBody>
+      </p:sp>
+      <p:pic>
+        <p:nvPicPr>
+          <p:cNvPr id="12" name="Imagen 11" descr="Un dibujo de una persona&#10;&#10;Descripción generada automáticamente con confianza baja">
+            <a:extLst>
+              <a:ext uri="{FF2B5EF4-FFF2-40B4-BE49-F238E27FC236}">
+                <a16:creationId xmlns:a16="http://schemas.microsoft.com/office/drawing/2014/main" id="{8235586E-5C8B-04F4-5251-F8C709A8FB21}"/>
+              </a:ext>
+            </a:extLst>
+          </p:cNvPr>
+          <p:cNvPicPr>
+            <a:picLocks noChangeAspect="1"/>
+          </p:cNvPicPr>
+          <p:nvPr/>
+        </p:nvPicPr>
+        <p:blipFill>
+          <a:blip r:embed="rId6">
+            <a:extLst>
+              <a:ext uri="{28A0092B-C50C-407E-A947-70E740481C1C}">
+                <a14:useLocalDpi xmlns:a14="http://schemas.microsoft.com/office/drawing/2010/main" val="0"/>
+              </a:ext>
+            </a:extLst>
+          </a:blip>
+          <a:stretch>
+            <a:fillRect/>
+          </a:stretch>
+        </p:blipFill>
+        <p:spPr>
+          <a:xfrm>
+            <a:off x="12975669" y="1916742"/>
+            <a:ext cx="3337010" cy="2261344"/>
+          </a:xfrm>
+          <a:prstGeom prst="rect">
+            <a:avLst/>
+          </a:prstGeom>
+        </p:spPr>
+      </p:pic>
+      <p:pic>
+        <p:nvPicPr>
+          <p:cNvPr id="13" name="Imagen 12" descr="Una computadora portátil&#10;&#10;Descripción generada automáticamente con confianza media">
+            <a:extLst>
+              <a:ext uri="{FF2B5EF4-FFF2-40B4-BE49-F238E27FC236}">
+                <a16:creationId xmlns:a16="http://schemas.microsoft.com/office/drawing/2014/main" id="{7306C52D-5806-782A-2AE9-0CB7078455CA}"/>
+              </a:ext>
+            </a:extLst>
+          </p:cNvPr>
+          <p:cNvPicPr>
+            <a:picLocks noChangeAspect="1"/>
+          </p:cNvPicPr>
+          <p:nvPr/>
+        </p:nvPicPr>
+        <p:blipFill>
+          <a:blip r:embed="rId7">
+            <a:extLst>
+              <a:ext uri="{28A0092B-C50C-407E-A947-70E740481C1C}">
+                <a14:useLocalDpi xmlns:a14="http://schemas.microsoft.com/office/drawing/2010/main" val="0"/>
+              </a:ext>
+            </a:extLst>
+          </a:blip>
+          <a:stretch>
+            <a:fillRect/>
+          </a:stretch>
+        </p:blipFill>
+        <p:spPr>
+          <a:xfrm>
+            <a:off x="12630973" y="6858000"/>
+            <a:ext cx="3240429" cy="2344401"/>
+          </a:xfrm>
+          <a:prstGeom prst="rect">
+            <a:avLst/>
+          </a:prstGeom>
+        </p:spPr>
+      </p:pic>
     </p:spTree>
     <p:extLst>
       <p:ext uri="{BB962C8B-B14F-4D97-AF65-F5344CB8AC3E}">
         <p14:creationId xmlns:p14="http://schemas.microsoft.com/office/powerpoint/2010/main" val="2271487826"/>
+      </p:ext>
+    </p:extLst>
+  </p:cSld>
+  <p:clrMapOvr>
+    <a:masterClrMapping/>
+  </p:clrMapOvr>
+  <mc:AlternateContent xmlns:mc="http://schemas.openxmlformats.org/markup-compatibility/2006" xmlns:p159="http://schemas.microsoft.com/office/powerpoint/2015/09/main">
+    <mc:Choice Requires="p159">
+      <p:transition xmlns:p14="http://schemas.microsoft.com/office/powerpoint/2010/main" spd="slow" p14:dur="2000">
+        <p159:morph option="byObject"/>
+      </p:transition>
+    </mc:Choice>
+    <mc:Fallback xmlns="">
+      <p:transition spd="slow">
+        <p:fade/>
+      </p:transition>
+    </mc:Fallback>
+  </mc:AlternateContent>
+</p:sld>
+</file>
+
+<file path=ppt/slides/slide6.xml><?xml version="1.0" encoding="utf-8"?>
+<p:sld xmlns:a="http://schemas.openxmlformats.org/drawingml/2006/main" xmlns:r="http://schemas.openxmlformats.org/officeDocument/2006/relationships" xmlns:p="http://schemas.openxmlformats.org/presentationml/2006/main">
+  <p:cSld>
+    <p:spTree>
+      <p:nvGrpSpPr>
+        <p:cNvPr id="1" name=""/>
+        <p:cNvGrpSpPr/>
+        <p:nvPr/>
+      </p:nvGrpSpPr>
+      <p:grpSpPr>
+        <a:xfrm>
+          <a:off x="0" y="0"/>
+          <a:ext cx="0" cy="0"/>
+          <a:chOff x="0" y="0"/>
+          <a:chExt cx="0" cy="0"/>
+        </a:xfrm>
+      </p:grpSpPr>
+      <p:sp>
+        <p:nvSpPr>
+          <p:cNvPr id="5" name="Triángulo rectángulo 15">
+            <a:extLst>
+              <a:ext uri="{FF2B5EF4-FFF2-40B4-BE49-F238E27FC236}">
+                <a16:creationId xmlns:a16="http://schemas.microsoft.com/office/drawing/2014/main" id="{B1F973F9-0C83-7DA6-549A-C2B958781C5B}"/>
+              </a:ext>
+            </a:extLst>
+          </p:cNvPr>
+          <p:cNvSpPr/>
+          <p:nvPr/>
+        </p:nvSpPr>
+        <p:spPr>
+          <a:xfrm>
+            <a:off x="6267233" y="7444291"/>
+            <a:ext cx="12506566" cy="7054812"/>
+          </a:xfrm>
+          <a:custGeom>
+            <a:avLst/>
+            <a:gdLst>
+              <a:gd name="connsiteX0" fmla="*/ 0 w 12192000"/>
+              <a:gd name="connsiteY0" fmla="*/ 6858000 h 6858000"/>
+              <a:gd name="connsiteX1" fmla="*/ 0 w 12192000"/>
+              <a:gd name="connsiteY1" fmla="*/ 0 h 6858000"/>
+              <a:gd name="connsiteX2" fmla="*/ 12192000 w 12192000"/>
+              <a:gd name="connsiteY2" fmla="*/ 6858000 h 6858000"/>
+              <a:gd name="connsiteX3" fmla="*/ 0 w 12192000"/>
+              <a:gd name="connsiteY3" fmla="*/ 6858000 h 6858000"/>
+              <a:gd name="connsiteX0" fmla="*/ 0 w 12222480"/>
+              <a:gd name="connsiteY0" fmla="*/ 6858000 h 6858000"/>
+              <a:gd name="connsiteX1" fmla="*/ 0 w 12222480"/>
+              <a:gd name="connsiteY1" fmla="*/ 0 h 6858000"/>
+              <a:gd name="connsiteX2" fmla="*/ 12222480 w 12222480"/>
+              <a:gd name="connsiteY2" fmla="*/ 30480 h 6858000"/>
+              <a:gd name="connsiteX3" fmla="*/ 0 w 12222480"/>
+              <a:gd name="connsiteY3" fmla="*/ 6858000 h 6858000"/>
+              <a:gd name="connsiteX0" fmla="*/ 0 w 12506566"/>
+              <a:gd name="connsiteY0" fmla="*/ 6996196 h 6996196"/>
+              <a:gd name="connsiteX1" fmla="*/ 0 w 12506566"/>
+              <a:gd name="connsiteY1" fmla="*/ 138196 h 6996196"/>
+              <a:gd name="connsiteX2" fmla="*/ 12506566 w 12506566"/>
+              <a:gd name="connsiteY2" fmla="*/ 0 h 6996196"/>
+              <a:gd name="connsiteX3" fmla="*/ 0 w 12506566"/>
+              <a:gd name="connsiteY3" fmla="*/ 6996196 h 6996196"/>
+              <a:gd name="connsiteX0" fmla="*/ 0 w 12506566"/>
+              <a:gd name="connsiteY0" fmla="*/ 6996196 h 7054812"/>
+              <a:gd name="connsiteX1" fmla="*/ 12238892 w 12506566"/>
+              <a:gd name="connsiteY1" fmla="*/ 7054812 h 7054812"/>
+              <a:gd name="connsiteX2" fmla="*/ 12506566 w 12506566"/>
+              <a:gd name="connsiteY2" fmla="*/ 0 h 7054812"/>
+              <a:gd name="connsiteX3" fmla="*/ 0 w 12506566"/>
+              <a:gd name="connsiteY3" fmla="*/ 6996196 h 7054812"/>
+            </a:gdLst>
+            <a:ahLst/>
+            <a:cxnLst>
+              <a:cxn ang="0">
+                <a:pos x="connsiteX0" y="connsiteY0"/>
+              </a:cxn>
+              <a:cxn ang="0">
+                <a:pos x="connsiteX1" y="connsiteY1"/>
+              </a:cxn>
+              <a:cxn ang="0">
+                <a:pos x="connsiteX2" y="connsiteY2"/>
+              </a:cxn>
+              <a:cxn ang="0">
+                <a:pos x="connsiteX3" y="connsiteY3"/>
+              </a:cxn>
+            </a:cxnLst>
+            <a:rect l="l" t="t" r="r" b="b"/>
+            <a:pathLst>
+              <a:path w="12506566" h="7054812">
+                <a:moveTo>
+                  <a:pt x="0" y="6996196"/>
+                </a:moveTo>
+                <a:lnTo>
+                  <a:pt x="12238892" y="7054812"/>
+                </a:lnTo>
+                <a:lnTo>
+                  <a:pt x="12506566" y="0"/>
+                </a:lnTo>
+                <a:lnTo>
+                  <a:pt x="0" y="6996196"/>
+                </a:lnTo>
+                <a:close/>
+              </a:path>
+            </a:pathLst>
+          </a:custGeom>
+          <a:solidFill>
+            <a:schemeClr val="tx2"/>
+          </a:solidFill>
+        </p:spPr>
+        <p:style>
+          <a:lnRef idx="2">
+            <a:schemeClr val="accent1">
+              <a:shade val="15000"/>
+            </a:schemeClr>
+          </a:lnRef>
+          <a:fillRef idx="1">
+            <a:schemeClr val="accent1"/>
+          </a:fillRef>
+          <a:effectRef idx="0">
+            <a:schemeClr val="accent1"/>
+          </a:effectRef>
+          <a:fontRef idx="minor">
+            <a:schemeClr val="lt1"/>
+          </a:fontRef>
+        </p:style>
+        <p:txBody>
+          <a:bodyPr rtlCol="0" anchor="ctr"/>
+          <a:lstStyle/>
+          <a:p>
+            <a:pPr algn="ctr"/>
+            <a:endParaRPr lang="es-ES" dirty="0"/>
+          </a:p>
+        </p:txBody>
+      </p:sp>
+      <p:pic>
+        <p:nvPicPr>
+          <p:cNvPr id="6" name="Imagen 5" descr="Imagen en blanco y negro de una computadora&#10;&#10;Descripción generada automáticamente con confianza baja">
+            <a:extLst>
+              <a:ext uri="{FF2B5EF4-FFF2-40B4-BE49-F238E27FC236}">
+                <a16:creationId xmlns:a16="http://schemas.microsoft.com/office/drawing/2014/main" id="{3FCAB125-F530-4B0D-70B7-DF8B7B2A81EB}"/>
+              </a:ext>
+            </a:extLst>
+          </p:cNvPr>
+          <p:cNvPicPr>
+            <a:picLocks noChangeAspect="1"/>
+          </p:cNvPicPr>
+          <p:nvPr/>
+        </p:nvPicPr>
+        <p:blipFill>
+          <a:blip r:embed="rId2">
+            <a:extLst>
+              <a:ext uri="{28A0092B-C50C-407E-A947-70E740481C1C}">
+                <a14:useLocalDpi xmlns:a14="http://schemas.microsoft.com/office/drawing/2010/main" val="0"/>
+              </a:ext>
+            </a:extLst>
+          </a:blip>
+          <a:stretch>
+            <a:fillRect/>
+          </a:stretch>
+        </p:blipFill>
+        <p:spPr>
+          <a:xfrm rot="1005357">
+            <a:off x="-7072627" y="-2961796"/>
+            <a:ext cx="3363069" cy="2389549"/>
+          </a:xfrm>
+          <a:prstGeom prst="rect">
+            <a:avLst/>
+          </a:prstGeom>
+        </p:spPr>
+      </p:pic>
+      <p:pic>
+        <p:nvPicPr>
+          <p:cNvPr id="8" name="Imagen 7" descr="Imagen en blanco y negro de un escritorio&#10;&#10;Descripción generada automáticamente con confianza media">
+            <a:extLst>
+              <a:ext uri="{FF2B5EF4-FFF2-40B4-BE49-F238E27FC236}">
+                <a16:creationId xmlns:a16="http://schemas.microsoft.com/office/drawing/2014/main" id="{1C207210-3542-F1E9-6EC3-A78A41FD2959}"/>
+              </a:ext>
+            </a:extLst>
+          </p:cNvPr>
+          <p:cNvPicPr>
+            <a:picLocks noChangeAspect="1"/>
+          </p:cNvPicPr>
+          <p:nvPr/>
+        </p:nvPicPr>
+        <p:blipFill>
+          <a:blip r:embed="rId3">
+            <a:extLst>
+              <a:ext uri="{28A0092B-C50C-407E-A947-70E740481C1C}">
+                <a14:useLocalDpi xmlns:a14="http://schemas.microsoft.com/office/drawing/2010/main" val="0"/>
+              </a:ext>
+            </a:extLst>
+          </a:blip>
+          <a:stretch>
+            <a:fillRect/>
+          </a:stretch>
+        </p:blipFill>
+        <p:spPr>
+          <a:xfrm rot="20714454">
+            <a:off x="3605983" y="-6111801"/>
+            <a:ext cx="3499126" cy="2308324"/>
+          </a:xfrm>
+          <a:prstGeom prst="rect">
+            <a:avLst/>
+          </a:prstGeom>
+        </p:spPr>
+      </p:pic>
+      <p:sp>
+        <p:nvSpPr>
+          <p:cNvPr id="2" name="Rectángulo 1">
+            <a:extLst>
+              <a:ext uri="{FF2B5EF4-FFF2-40B4-BE49-F238E27FC236}">
+                <a16:creationId xmlns:a16="http://schemas.microsoft.com/office/drawing/2014/main" id="{30C84C7C-3583-3298-91B4-B6B7AA6BDBF0}"/>
+              </a:ext>
+            </a:extLst>
+          </p:cNvPr>
+          <p:cNvSpPr/>
+          <p:nvPr/>
+        </p:nvSpPr>
+        <p:spPr>
+          <a:xfrm>
+            <a:off x="0" y="0"/>
+            <a:ext cx="12506566" cy="6858000"/>
+          </a:xfrm>
+          <a:prstGeom prst="rect">
+            <a:avLst/>
+          </a:prstGeom>
+          <a:solidFill>
+            <a:srgbClr val="92D050"/>
+          </a:solidFill>
+          <a:ln>
+            <a:noFill/>
+          </a:ln>
+        </p:spPr>
+        <p:style>
+          <a:lnRef idx="2">
+            <a:schemeClr val="accent1">
+              <a:shade val="15000"/>
+            </a:schemeClr>
+          </a:lnRef>
+          <a:fillRef idx="1">
+            <a:schemeClr val="accent1"/>
+          </a:fillRef>
+          <a:effectRef idx="0">
+            <a:schemeClr val="accent1"/>
+          </a:effectRef>
+          <a:fontRef idx="minor">
+            <a:schemeClr val="lt1"/>
+          </a:fontRef>
+        </p:style>
+        <p:txBody>
+          <a:bodyPr rtlCol="0" anchor="ctr"/>
+          <a:lstStyle/>
+          <a:p>
+            <a:pPr algn="ctr"/>
+            <a:endParaRPr lang="es-ES"/>
+          </a:p>
+        </p:txBody>
+      </p:sp>
+      <p:sp>
+        <p:nvSpPr>
+          <p:cNvPr id="7" name="Rectángulo 6">
+            <a:extLst>
+              <a:ext uri="{FF2B5EF4-FFF2-40B4-BE49-F238E27FC236}">
+                <a16:creationId xmlns:a16="http://schemas.microsoft.com/office/drawing/2014/main" id="{EDBABC68-ADFA-CD5C-CD82-70ADF513A970}"/>
+              </a:ext>
+            </a:extLst>
+          </p:cNvPr>
+          <p:cNvSpPr/>
+          <p:nvPr/>
+        </p:nvSpPr>
+        <p:spPr>
+          <a:xfrm>
+            <a:off x="-11920412" y="0"/>
+            <a:ext cx="12506566" cy="6858000"/>
+          </a:xfrm>
+          <a:prstGeom prst="rect">
+            <a:avLst/>
+          </a:prstGeom>
+          <a:solidFill>
+            <a:srgbClr val="7030A0"/>
+          </a:solidFill>
+          <a:ln>
+            <a:noFill/>
+          </a:ln>
+        </p:spPr>
+        <p:style>
+          <a:lnRef idx="2">
+            <a:schemeClr val="accent1">
+              <a:shade val="15000"/>
+            </a:schemeClr>
+          </a:lnRef>
+          <a:fillRef idx="1">
+            <a:schemeClr val="accent1"/>
+          </a:fillRef>
+          <a:effectRef idx="0">
+            <a:schemeClr val="accent1"/>
+          </a:effectRef>
+          <a:fontRef idx="minor">
+            <a:schemeClr val="lt1"/>
+          </a:fontRef>
+        </p:style>
+        <p:txBody>
+          <a:bodyPr rtlCol="0" anchor="ctr"/>
+          <a:lstStyle/>
+          <a:p>
+            <a:pPr algn="ctr"/>
+            <a:endParaRPr lang="es-ES"/>
+          </a:p>
+        </p:txBody>
+      </p:sp>
+      <p:sp>
+        <p:nvSpPr>
+          <p:cNvPr id="9" name="Rectángulo: esquinas redondeadas 8">
+            <a:extLst>
+              <a:ext uri="{FF2B5EF4-FFF2-40B4-BE49-F238E27FC236}">
+                <a16:creationId xmlns:a16="http://schemas.microsoft.com/office/drawing/2014/main" id="{44F06CC8-059F-66B8-A83C-8A4CFA347CD7}"/>
+              </a:ext>
+            </a:extLst>
+          </p:cNvPr>
+          <p:cNvSpPr/>
+          <p:nvPr/>
+        </p:nvSpPr>
+        <p:spPr>
+          <a:xfrm>
+            <a:off x="187569" y="304800"/>
+            <a:ext cx="1172308" cy="844062"/>
+          </a:xfrm>
+          <a:prstGeom prst="roundRect">
+            <a:avLst/>
+          </a:prstGeom>
+          <a:solidFill>
+            <a:srgbClr val="7030A0"/>
+          </a:solidFill>
+          <a:ln>
+            <a:noFill/>
+          </a:ln>
+        </p:spPr>
+        <p:style>
+          <a:lnRef idx="2">
+            <a:schemeClr val="accent1">
+              <a:shade val="15000"/>
+            </a:schemeClr>
+          </a:lnRef>
+          <a:fillRef idx="1">
+            <a:schemeClr val="accent1"/>
+          </a:fillRef>
+          <a:effectRef idx="0">
+            <a:schemeClr val="accent1"/>
+          </a:effectRef>
+          <a:fontRef idx="minor">
+            <a:schemeClr val="lt1"/>
+          </a:fontRef>
+        </p:style>
+        <p:txBody>
+          <a:bodyPr rtlCol="0" anchor="ctr"/>
+          <a:lstStyle/>
+          <a:p>
+            <a:pPr algn="ctr"/>
+            <a:endParaRPr lang="es-ES"/>
+          </a:p>
+        </p:txBody>
+      </p:sp>
+      <p:sp>
+        <p:nvSpPr>
+          <p:cNvPr id="4" name="CuadroTexto 3">
+            <a:extLst>
+              <a:ext uri="{FF2B5EF4-FFF2-40B4-BE49-F238E27FC236}">
+                <a16:creationId xmlns:a16="http://schemas.microsoft.com/office/drawing/2014/main" id="{FA656749-8259-EBBB-6F78-A3976723CFE1}"/>
+              </a:ext>
+            </a:extLst>
+          </p:cNvPr>
+          <p:cNvSpPr txBox="1"/>
+          <p:nvPr/>
+        </p:nvSpPr>
+        <p:spPr>
+          <a:xfrm>
+            <a:off x="1244130" y="1453662"/>
+            <a:ext cx="7933820" cy="3139321"/>
+          </a:xfrm>
+          <a:prstGeom prst="rect">
+            <a:avLst/>
+          </a:prstGeom>
+          <a:noFill/>
+        </p:spPr>
+        <p:txBody>
+          <a:bodyPr wrap="square" rtlCol="0">
+            <a:spAutoFit/>
+          </a:bodyPr>
+          <a:lstStyle/>
+          <a:p>
+            <a:r>
+              <a:rPr lang="en-US" dirty="0">
+                <a:solidFill>
+                  <a:schemeClr val="bg1"/>
+                </a:solidFill>
+              </a:rPr>
+              <a:t>The third generation of computers marked an important event in the history of computing. </a:t>
+            </a:r>
+          </a:p>
+          <a:p>
+            <a:r>
+              <a:rPr lang="en-US" dirty="0">
+                <a:solidFill>
+                  <a:schemeClr val="bg1"/>
+                </a:solidFill>
+              </a:rPr>
+              <a:t>With the introduction of transistors, these machines were faster, more reliable and more versatile than their predecessors. </a:t>
+            </a:r>
+          </a:p>
+          <a:p>
+            <a:r>
+              <a:rPr lang="en-US" dirty="0">
+                <a:solidFill>
+                  <a:schemeClr val="bg1"/>
+                </a:solidFill>
+              </a:rPr>
+              <a:t>The standardized architecture, operating systems and high-level programming languages introduced during this era laid the foundation for modern computer technology. </a:t>
+            </a:r>
+          </a:p>
+          <a:p>
+            <a:r>
+              <a:rPr lang="en-US" dirty="0">
+                <a:solidFill>
+                  <a:schemeClr val="bg1"/>
+                </a:solidFill>
+              </a:rPr>
+              <a:t>Third-generation computers, such as IBM System/360, revolutionized computing and scientific computing and paved the way for further advances in the field. </a:t>
+            </a:r>
+          </a:p>
+          <a:p>
+            <a:r>
+              <a:rPr lang="en-US" dirty="0">
+                <a:solidFill>
+                  <a:schemeClr val="bg1"/>
+                </a:solidFill>
+              </a:rPr>
+              <a:t>These advances have shaped the world we live in today, where technology plays a vital role in all aspects of our lives.</a:t>
+            </a:r>
+          </a:p>
+        </p:txBody>
+      </p:sp>
+      <p:sp>
+        <p:nvSpPr>
+          <p:cNvPr id="3" name="CuadroTexto 2">
+            <a:extLst>
+              <a:ext uri="{FF2B5EF4-FFF2-40B4-BE49-F238E27FC236}">
+                <a16:creationId xmlns:a16="http://schemas.microsoft.com/office/drawing/2014/main" id="{89A11176-808E-50D5-24F3-1CE4E0E618E3}"/>
+              </a:ext>
+            </a:extLst>
+          </p:cNvPr>
+          <p:cNvSpPr txBox="1"/>
+          <p:nvPr/>
+        </p:nvSpPr>
+        <p:spPr>
+          <a:xfrm>
+            <a:off x="1359877" y="867371"/>
+            <a:ext cx="6939521" cy="477054"/>
+          </a:xfrm>
+          <a:prstGeom prst="rect">
+            <a:avLst/>
+          </a:prstGeom>
+          <a:noFill/>
+        </p:spPr>
+        <p:txBody>
+          <a:bodyPr wrap="square" rtlCol="0">
+            <a:spAutoFit/>
+          </a:bodyPr>
+          <a:lstStyle/>
+          <a:p>
+            <a:r>
+              <a:rPr lang="es-ES" sz="2500" dirty="0">
+                <a:solidFill>
+                  <a:schemeClr val="bg1"/>
+                </a:solidFill>
+              </a:rPr>
+              <a:t>1966 </a:t>
+            </a:r>
+            <a:r>
+              <a:rPr lang="es-ES" sz="2500" dirty="0">
+                <a:solidFill>
+                  <a:schemeClr val="bg1"/>
+                </a:solidFill>
+                <a:sym typeface="Wingdings" panose="05000000000000000000" pitchFamily="2" charset="2"/>
+              </a:rPr>
+              <a:t>- 1971</a:t>
+            </a:r>
+            <a:endParaRPr lang="es-ES" sz="2500" dirty="0">
+              <a:solidFill>
+                <a:schemeClr val="bg1"/>
+              </a:solidFill>
+            </a:endParaRPr>
+          </a:p>
+        </p:txBody>
+      </p:sp>
+      <p:pic>
+        <p:nvPicPr>
+          <p:cNvPr id="11" name="Imagen 10" descr="Una computadora portátil&#10;&#10;Descripción generada automáticamente con confianza media">
+            <a:extLst>
+              <a:ext uri="{FF2B5EF4-FFF2-40B4-BE49-F238E27FC236}">
+                <a16:creationId xmlns:a16="http://schemas.microsoft.com/office/drawing/2014/main" id="{56A2C9EE-5B83-A08A-4660-C25802C88347}"/>
+              </a:ext>
+            </a:extLst>
+          </p:cNvPr>
+          <p:cNvPicPr>
+            <a:picLocks noChangeAspect="1"/>
+          </p:cNvPicPr>
+          <p:nvPr/>
+        </p:nvPicPr>
+        <p:blipFill>
+          <a:blip r:embed="rId4">
+            <a:extLst>
+              <a:ext uri="{28A0092B-C50C-407E-A947-70E740481C1C}">
+                <a14:useLocalDpi xmlns:a14="http://schemas.microsoft.com/office/drawing/2010/main" val="0"/>
+              </a:ext>
+            </a:extLst>
+          </a:blip>
+          <a:stretch>
+            <a:fillRect/>
+          </a:stretch>
+        </p:blipFill>
+        <p:spPr>
+          <a:xfrm>
+            <a:off x="4829637" y="4437236"/>
+            <a:ext cx="3240429" cy="2344401"/>
+          </a:xfrm>
+          <a:prstGeom prst="rect">
+            <a:avLst/>
+          </a:prstGeom>
+        </p:spPr>
+      </p:pic>
+      <p:pic>
+        <p:nvPicPr>
+          <p:cNvPr id="13" name="Imagen 12" descr="Un dibujo de una persona&#10;&#10;Descripción generada automáticamente con confianza baja">
+            <a:extLst>
+              <a:ext uri="{FF2B5EF4-FFF2-40B4-BE49-F238E27FC236}">
+                <a16:creationId xmlns:a16="http://schemas.microsoft.com/office/drawing/2014/main" id="{84676C56-2314-0F3A-B4C5-A1BC756DFE6C}"/>
+              </a:ext>
+            </a:extLst>
+          </p:cNvPr>
+          <p:cNvPicPr>
+            <a:picLocks noChangeAspect="1"/>
+          </p:cNvPicPr>
+          <p:nvPr/>
+        </p:nvPicPr>
+        <p:blipFill>
+          <a:blip r:embed="rId5">
+            <a:extLst>
+              <a:ext uri="{28A0092B-C50C-407E-A947-70E740481C1C}">
+                <a14:useLocalDpi xmlns:a14="http://schemas.microsoft.com/office/drawing/2010/main" val="0"/>
+              </a:ext>
+            </a:extLst>
+          </a:blip>
+          <a:stretch>
+            <a:fillRect/>
+          </a:stretch>
+        </p:blipFill>
+        <p:spPr>
+          <a:xfrm>
+            <a:off x="9078470" y="1892650"/>
+            <a:ext cx="3337010" cy="2261344"/>
+          </a:xfrm>
+          <a:prstGeom prst="rect">
+            <a:avLst/>
+          </a:prstGeom>
+        </p:spPr>
+      </p:pic>
+      <p:sp>
+        <p:nvSpPr>
+          <p:cNvPr id="14" name="Rectángulo 13">
+            <a:extLst>
+              <a:ext uri="{FF2B5EF4-FFF2-40B4-BE49-F238E27FC236}">
+                <a16:creationId xmlns:a16="http://schemas.microsoft.com/office/drawing/2014/main" id="{3F9C5AB2-6BE1-2893-112B-80B378A6F498}"/>
+              </a:ext>
+            </a:extLst>
+          </p:cNvPr>
+          <p:cNvSpPr/>
+          <p:nvPr/>
+        </p:nvSpPr>
+        <p:spPr>
+          <a:xfrm>
+            <a:off x="-12621452" y="15240"/>
+            <a:ext cx="12506566" cy="6858000"/>
+          </a:xfrm>
+          <a:prstGeom prst="rect">
+            <a:avLst/>
+          </a:prstGeom>
+          <a:solidFill>
+            <a:srgbClr val="FFC000"/>
+          </a:solidFill>
+          <a:ln>
+            <a:noFill/>
+          </a:ln>
+        </p:spPr>
+        <p:style>
+          <a:lnRef idx="2">
+            <a:schemeClr val="accent1">
+              <a:shade val="15000"/>
+            </a:schemeClr>
+          </a:lnRef>
+          <a:fillRef idx="1">
+            <a:schemeClr val="accent1"/>
+          </a:fillRef>
+          <a:effectRef idx="0">
+            <a:schemeClr val="accent1"/>
+          </a:effectRef>
+          <a:fontRef idx="minor">
+            <a:schemeClr val="lt1"/>
+          </a:fontRef>
+        </p:style>
+        <p:txBody>
+          <a:bodyPr rtlCol="0" anchor="ctr"/>
+          <a:lstStyle/>
+          <a:p>
+            <a:pPr algn="ctr"/>
+            <a:endParaRPr lang="es-ES"/>
+          </a:p>
+        </p:txBody>
+      </p:sp>
+      <p:sp>
+        <p:nvSpPr>
+          <p:cNvPr id="19" name="CuadroTexto 18">
+            <a:extLst>
+              <a:ext uri="{FF2B5EF4-FFF2-40B4-BE49-F238E27FC236}">
+                <a16:creationId xmlns:a16="http://schemas.microsoft.com/office/drawing/2014/main" id="{7437F4CE-110E-E95E-75E2-93AF6DC69F1C}"/>
+              </a:ext>
+            </a:extLst>
+          </p:cNvPr>
+          <p:cNvSpPr txBox="1"/>
+          <p:nvPr/>
+        </p:nvSpPr>
+        <p:spPr>
+          <a:xfrm>
+            <a:off x="-6477785" y="1995767"/>
+            <a:ext cx="3108960" cy="523220"/>
+          </a:xfrm>
+          <a:prstGeom prst="rect">
+            <a:avLst/>
+          </a:prstGeom>
+          <a:noFill/>
+        </p:spPr>
+        <p:txBody>
+          <a:bodyPr wrap="square" rtlCol="0">
+            <a:spAutoFit/>
+          </a:bodyPr>
+          <a:lstStyle/>
+          <a:p>
+            <a:r>
+              <a:rPr lang="es-ES" sz="2800" dirty="0">
+                <a:solidFill>
+                  <a:schemeClr val="bg1"/>
+                </a:solidFill>
+              </a:rPr>
+              <a:t>1972-1981</a:t>
+            </a:r>
+          </a:p>
+        </p:txBody>
+      </p:sp>
+      <p:sp>
+        <p:nvSpPr>
+          <p:cNvPr id="20" name="CuadroTexto 19">
+            <a:extLst>
+              <a:ext uri="{FF2B5EF4-FFF2-40B4-BE49-F238E27FC236}">
+                <a16:creationId xmlns:a16="http://schemas.microsoft.com/office/drawing/2014/main" id="{8063276E-2627-320F-6A65-1CF23B91321C}"/>
+              </a:ext>
+            </a:extLst>
+          </p:cNvPr>
+          <p:cNvSpPr txBox="1"/>
+          <p:nvPr/>
+        </p:nvSpPr>
+        <p:spPr>
+          <a:xfrm>
+            <a:off x="-6510997" y="2518987"/>
+            <a:ext cx="6583680" cy="1477328"/>
+          </a:xfrm>
+          <a:prstGeom prst="rect">
+            <a:avLst/>
+          </a:prstGeom>
+          <a:noFill/>
+        </p:spPr>
+        <p:txBody>
+          <a:bodyPr wrap="square" rtlCol="0">
+            <a:spAutoFit/>
+          </a:bodyPr>
+          <a:lstStyle/>
+          <a:p>
+            <a:r>
+              <a:rPr lang="en-US" dirty="0">
+                <a:solidFill>
+                  <a:schemeClr val="bg1"/>
+                </a:solidFill>
+              </a:rPr>
+              <a:t>The advent of microprocessors, multitasking capabilities, high-level programming languages and the personal computer revolutionized the way we interact with technology. These advances laid the groundwork for other innovations and paved the way for the modern computer technology we depend on today.</a:t>
+            </a:r>
+          </a:p>
+        </p:txBody>
+      </p:sp>
+      <p:sp>
+        <p:nvSpPr>
+          <p:cNvPr id="17" name="Rectángulo 16">
+            <a:extLst>
+              <a:ext uri="{FF2B5EF4-FFF2-40B4-BE49-F238E27FC236}">
+                <a16:creationId xmlns:a16="http://schemas.microsoft.com/office/drawing/2014/main" id="{52252AC3-BC00-299E-8EF9-EA56AAB4C0A7}"/>
+              </a:ext>
+            </a:extLst>
+          </p:cNvPr>
+          <p:cNvSpPr/>
+          <p:nvPr/>
+        </p:nvSpPr>
+        <p:spPr>
+          <a:xfrm>
+            <a:off x="-12809021" y="15240"/>
+            <a:ext cx="12506566" cy="6858000"/>
+          </a:xfrm>
+          <a:prstGeom prst="rect">
+            <a:avLst/>
+          </a:prstGeom>
+          <a:solidFill>
+            <a:srgbClr val="FFC000"/>
+          </a:solidFill>
+          <a:ln>
+            <a:noFill/>
+          </a:ln>
+        </p:spPr>
+        <p:style>
+          <a:lnRef idx="2">
+            <a:schemeClr val="accent1">
+              <a:shade val="15000"/>
+            </a:schemeClr>
+          </a:lnRef>
+          <a:fillRef idx="1">
+            <a:schemeClr val="accent1"/>
+          </a:fillRef>
+          <a:effectRef idx="0">
+            <a:schemeClr val="accent1"/>
+          </a:effectRef>
+          <a:fontRef idx="minor">
+            <a:schemeClr val="lt1"/>
+          </a:fontRef>
+        </p:style>
+        <p:txBody>
+          <a:bodyPr rtlCol="0" anchor="ctr"/>
+          <a:lstStyle/>
+          <a:p>
+            <a:pPr algn="ctr"/>
+            <a:endParaRPr lang="es-ES"/>
+          </a:p>
+        </p:txBody>
+      </p:sp>
+      <p:sp>
+        <p:nvSpPr>
+          <p:cNvPr id="15" name="Rectángulo: esquinas redondeadas 14">
+            <a:extLst>
+              <a:ext uri="{FF2B5EF4-FFF2-40B4-BE49-F238E27FC236}">
+                <a16:creationId xmlns:a16="http://schemas.microsoft.com/office/drawing/2014/main" id="{90D77B5E-6C9E-FB12-9226-12125790A817}"/>
+              </a:ext>
+            </a:extLst>
+          </p:cNvPr>
+          <p:cNvSpPr/>
+          <p:nvPr/>
+        </p:nvSpPr>
+        <p:spPr>
+          <a:xfrm>
+            <a:off x="-147711" y="1143000"/>
+            <a:ext cx="1172308" cy="844062"/>
+          </a:xfrm>
+          <a:prstGeom prst="roundRect">
+            <a:avLst/>
+          </a:prstGeom>
+          <a:solidFill>
+            <a:srgbClr val="FFC000"/>
+          </a:solidFill>
+          <a:ln>
+            <a:noFill/>
+          </a:ln>
+        </p:spPr>
+        <p:style>
+          <a:lnRef idx="2">
+            <a:schemeClr val="accent1">
+              <a:shade val="15000"/>
+            </a:schemeClr>
+          </a:lnRef>
+          <a:fillRef idx="1">
+            <a:schemeClr val="accent1"/>
+          </a:fillRef>
+          <a:effectRef idx="0">
+            <a:schemeClr val="accent1"/>
+          </a:effectRef>
+          <a:fontRef idx="minor">
+            <a:schemeClr val="lt1"/>
+          </a:fontRef>
+        </p:style>
+        <p:txBody>
+          <a:bodyPr rtlCol="0" anchor="ctr"/>
+          <a:lstStyle/>
+          <a:p>
+            <a:pPr algn="ctr"/>
+            <a:endParaRPr lang="es-ES"/>
+          </a:p>
+        </p:txBody>
+      </p:sp>
+      <p:pic>
+        <p:nvPicPr>
+          <p:cNvPr id="22" name="Imagen 21">
+            <a:extLst>
+              <a:ext uri="{FF2B5EF4-FFF2-40B4-BE49-F238E27FC236}">
+                <a16:creationId xmlns:a16="http://schemas.microsoft.com/office/drawing/2014/main" id="{2FAA5ADE-5D89-7972-B63C-6154BF148831}"/>
+              </a:ext>
+            </a:extLst>
+          </p:cNvPr>
+          <p:cNvPicPr>
+            <a:picLocks noChangeAspect="1"/>
+          </p:cNvPicPr>
+          <p:nvPr/>
+        </p:nvPicPr>
+        <p:blipFill>
+          <a:blip r:embed="rId6">
+            <a:extLst>
+              <a:ext uri="{28A0092B-C50C-407E-A947-70E740481C1C}">
+                <a14:useLocalDpi xmlns:a14="http://schemas.microsoft.com/office/drawing/2010/main" val="0"/>
+              </a:ext>
+            </a:extLst>
+          </a:blip>
+          <a:stretch>
+            <a:fillRect/>
+          </a:stretch>
+        </p:blipFill>
+        <p:spPr>
+          <a:xfrm>
+            <a:off x="2190750" y="9730812"/>
+            <a:ext cx="3097530" cy="2311234"/>
+          </a:xfrm>
+          <a:prstGeom prst="rect">
+            <a:avLst/>
+          </a:prstGeom>
+        </p:spPr>
+      </p:pic>
+      <p:pic>
+        <p:nvPicPr>
+          <p:cNvPr id="23" name="Imagen 22">
+            <a:extLst>
+              <a:ext uri="{FF2B5EF4-FFF2-40B4-BE49-F238E27FC236}">
+                <a16:creationId xmlns:a16="http://schemas.microsoft.com/office/drawing/2014/main" id="{0CA23594-AC4D-4D14-7E2F-B09D36F55D83}"/>
+              </a:ext>
+            </a:extLst>
+          </p:cNvPr>
+          <p:cNvPicPr>
+            <a:picLocks noChangeAspect="1"/>
+          </p:cNvPicPr>
+          <p:nvPr/>
+        </p:nvPicPr>
+        <p:blipFill>
+          <a:blip r:embed="rId7">
+            <a:extLst>
+              <a:ext uri="{28A0092B-C50C-407E-A947-70E740481C1C}">
+                <a14:useLocalDpi xmlns:a14="http://schemas.microsoft.com/office/drawing/2010/main" val="0"/>
+              </a:ext>
+            </a:extLst>
+          </a:blip>
+          <a:stretch>
+            <a:fillRect/>
+          </a:stretch>
+        </p:blipFill>
+        <p:spPr>
+          <a:xfrm>
+            <a:off x="6989005" y="10455757"/>
+            <a:ext cx="3506648" cy="2333515"/>
+          </a:xfrm>
+          <a:prstGeom prst="rect">
+            <a:avLst/>
+          </a:prstGeom>
+        </p:spPr>
+      </p:pic>
+      <p:pic>
+        <p:nvPicPr>
+          <p:cNvPr id="24" name="Imagen 23">
+            <a:extLst>
+              <a:ext uri="{FF2B5EF4-FFF2-40B4-BE49-F238E27FC236}">
+                <a16:creationId xmlns:a16="http://schemas.microsoft.com/office/drawing/2014/main" id="{B16B2DF4-CFF0-A45C-AF27-477D86227EE3}"/>
+              </a:ext>
+            </a:extLst>
+          </p:cNvPr>
+          <p:cNvPicPr>
+            <a:picLocks noChangeAspect="1"/>
+          </p:cNvPicPr>
+          <p:nvPr/>
+        </p:nvPicPr>
+        <p:blipFill>
+          <a:blip r:embed="rId8">
+            <a:extLst>
+              <a:ext uri="{28A0092B-C50C-407E-A947-70E740481C1C}">
+                <a14:useLocalDpi xmlns:a14="http://schemas.microsoft.com/office/drawing/2010/main" val="0"/>
+              </a:ext>
+            </a:extLst>
+          </a:blip>
+          <a:stretch>
+            <a:fillRect/>
+          </a:stretch>
+        </p:blipFill>
+        <p:spPr>
+          <a:xfrm>
+            <a:off x="7893324" y="7444291"/>
+            <a:ext cx="4064926" cy="2286521"/>
+          </a:xfrm>
+          <a:prstGeom prst="rect">
+            <a:avLst/>
+          </a:prstGeom>
+        </p:spPr>
+      </p:pic>
+    </p:spTree>
+    <p:extLst>
+      <p:ext uri="{BB962C8B-B14F-4D97-AF65-F5344CB8AC3E}">
+        <p14:creationId xmlns:p14="http://schemas.microsoft.com/office/powerpoint/2010/main" val="2315756250"/>
+      </p:ext>
+    </p:extLst>
+  </p:cSld>
+  <p:clrMapOvr>
+    <a:masterClrMapping/>
+  </p:clrMapOvr>
+  <mc:AlternateContent xmlns:mc="http://schemas.openxmlformats.org/markup-compatibility/2006">
+    <mc:Choice xmlns:p159="http://schemas.microsoft.com/office/powerpoint/2015/09/main" Requires="p159">
+      <p:transition xmlns:p14="http://schemas.microsoft.com/office/powerpoint/2010/main" spd="slow" p14:dur="2000">
+        <p159:morph option="byObject"/>
+      </p:transition>
+    </mc:Choice>
+    <mc:Fallback>
+      <p:transition spd="slow">
+        <p:fade/>
+      </p:transition>
+    </mc:Fallback>
+  </mc:AlternateContent>
+</p:sld>
+</file>
+
+<file path=ppt/slides/slide7.xml><?xml version="1.0" encoding="utf-8"?>
+<p:sld xmlns:a="http://schemas.openxmlformats.org/drawingml/2006/main" xmlns:r="http://schemas.openxmlformats.org/officeDocument/2006/relationships" xmlns:p="http://schemas.openxmlformats.org/presentationml/2006/main">
+  <p:cSld>
+    <p:spTree>
+      <p:nvGrpSpPr>
+        <p:cNvPr id="1" name=""/>
+        <p:cNvGrpSpPr/>
+        <p:nvPr/>
+      </p:nvGrpSpPr>
+      <p:grpSpPr>
+        <a:xfrm>
+          <a:off x="0" y="0"/>
+          <a:ext cx="0" cy="0"/>
+          <a:chOff x="0" y="0"/>
+          <a:chExt cx="0" cy="0"/>
+        </a:xfrm>
+      </p:grpSpPr>
+      <p:sp>
+        <p:nvSpPr>
+          <p:cNvPr id="2" name="Rectángulo 1">
+            <a:extLst>
+              <a:ext uri="{FF2B5EF4-FFF2-40B4-BE49-F238E27FC236}">
+                <a16:creationId xmlns:a16="http://schemas.microsoft.com/office/drawing/2014/main" id="{30C84C7C-3583-3298-91B4-B6B7AA6BDBF0}"/>
+              </a:ext>
+            </a:extLst>
+          </p:cNvPr>
+          <p:cNvSpPr/>
+          <p:nvPr/>
+        </p:nvSpPr>
+        <p:spPr>
+          <a:xfrm>
+            <a:off x="0" y="0"/>
+            <a:ext cx="12506566" cy="6858000"/>
+          </a:xfrm>
+          <a:prstGeom prst="rect">
+            <a:avLst/>
+          </a:prstGeom>
+          <a:solidFill>
+            <a:srgbClr val="92D050"/>
+          </a:solidFill>
+          <a:ln>
+            <a:noFill/>
+          </a:ln>
+        </p:spPr>
+        <p:style>
+          <a:lnRef idx="2">
+            <a:schemeClr val="accent1">
+              <a:shade val="15000"/>
+            </a:schemeClr>
+          </a:lnRef>
+          <a:fillRef idx="1">
+            <a:schemeClr val="accent1"/>
+          </a:fillRef>
+          <a:effectRef idx="0">
+            <a:schemeClr val="accent1"/>
+          </a:effectRef>
+          <a:fontRef idx="minor">
+            <a:schemeClr val="lt1"/>
+          </a:fontRef>
+        </p:style>
+        <p:txBody>
+          <a:bodyPr rtlCol="0" anchor="ctr"/>
+          <a:lstStyle/>
+          <a:p>
+            <a:pPr algn="ctr"/>
+            <a:endParaRPr lang="es-ES"/>
+          </a:p>
+        </p:txBody>
+      </p:sp>
+      <p:sp>
+        <p:nvSpPr>
+          <p:cNvPr id="7" name="Rectángulo 6">
+            <a:extLst>
+              <a:ext uri="{FF2B5EF4-FFF2-40B4-BE49-F238E27FC236}">
+                <a16:creationId xmlns:a16="http://schemas.microsoft.com/office/drawing/2014/main" id="{EDBABC68-ADFA-CD5C-CD82-70ADF513A970}"/>
+              </a:ext>
+            </a:extLst>
+          </p:cNvPr>
+          <p:cNvSpPr/>
+          <p:nvPr/>
+        </p:nvSpPr>
+        <p:spPr>
+          <a:xfrm>
+            <a:off x="-33212" y="0"/>
+            <a:ext cx="12506566" cy="6858000"/>
+          </a:xfrm>
+          <a:prstGeom prst="rect">
+            <a:avLst/>
+          </a:prstGeom>
+          <a:solidFill>
+            <a:srgbClr val="7030A0"/>
+          </a:solidFill>
+          <a:ln>
+            <a:noFill/>
+          </a:ln>
+        </p:spPr>
+        <p:style>
+          <a:lnRef idx="2">
+            <a:schemeClr val="accent1">
+              <a:shade val="15000"/>
+            </a:schemeClr>
+          </a:lnRef>
+          <a:fillRef idx="1">
+            <a:schemeClr val="accent1"/>
+          </a:fillRef>
+          <a:effectRef idx="0">
+            <a:schemeClr val="accent1"/>
+          </a:effectRef>
+          <a:fontRef idx="minor">
+            <a:schemeClr val="lt1"/>
+          </a:fontRef>
+        </p:style>
+        <p:txBody>
+          <a:bodyPr rtlCol="0" anchor="ctr"/>
+          <a:lstStyle/>
+          <a:p>
+            <a:pPr algn="ctr"/>
+            <a:endParaRPr lang="es-ES" dirty="0"/>
+          </a:p>
+        </p:txBody>
+      </p:sp>
+      <p:sp>
+        <p:nvSpPr>
+          <p:cNvPr id="9" name="Rectángulo: esquinas redondeadas 8">
+            <a:extLst>
+              <a:ext uri="{FF2B5EF4-FFF2-40B4-BE49-F238E27FC236}">
+                <a16:creationId xmlns:a16="http://schemas.microsoft.com/office/drawing/2014/main" id="{44F06CC8-059F-66B8-A83C-8A4CFA347CD7}"/>
+              </a:ext>
+            </a:extLst>
+          </p:cNvPr>
+          <p:cNvSpPr/>
+          <p:nvPr/>
+        </p:nvSpPr>
+        <p:spPr>
+          <a:xfrm>
+            <a:off x="12242409" y="304800"/>
+            <a:ext cx="1172308" cy="844062"/>
+          </a:xfrm>
+          <a:prstGeom prst="roundRect">
+            <a:avLst/>
+          </a:prstGeom>
+          <a:solidFill>
+            <a:srgbClr val="7030A0"/>
+          </a:solidFill>
+          <a:ln>
+            <a:noFill/>
+          </a:ln>
+        </p:spPr>
+        <p:style>
+          <a:lnRef idx="2">
+            <a:schemeClr val="accent1">
+              <a:shade val="15000"/>
+            </a:schemeClr>
+          </a:lnRef>
+          <a:fillRef idx="1">
+            <a:schemeClr val="accent1"/>
+          </a:fillRef>
+          <a:effectRef idx="0">
+            <a:schemeClr val="accent1"/>
+          </a:effectRef>
+          <a:fontRef idx="minor">
+            <a:schemeClr val="lt1"/>
+          </a:fontRef>
+        </p:style>
+        <p:txBody>
+          <a:bodyPr rtlCol="0" anchor="ctr"/>
+          <a:lstStyle/>
+          <a:p>
+            <a:pPr algn="ctr"/>
+            <a:endParaRPr lang="es-ES"/>
+          </a:p>
+        </p:txBody>
+      </p:sp>
+      <p:pic>
+        <p:nvPicPr>
+          <p:cNvPr id="11" name="Imagen 10" descr="Una computadora portátil&#10;&#10;Descripción generada automáticamente con confianza media">
+            <a:extLst>
+              <a:ext uri="{FF2B5EF4-FFF2-40B4-BE49-F238E27FC236}">
+                <a16:creationId xmlns:a16="http://schemas.microsoft.com/office/drawing/2014/main" id="{56A2C9EE-5B83-A08A-4660-C25802C88347}"/>
+              </a:ext>
+            </a:extLst>
+          </p:cNvPr>
+          <p:cNvPicPr>
+            <a:picLocks noChangeAspect="1"/>
+          </p:cNvPicPr>
+          <p:nvPr/>
+        </p:nvPicPr>
+        <p:blipFill>
+          <a:blip r:embed="rId2">
+            <a:extLst>
+              <a:ext uri="{28A0092B-C50C-407E-A947-70E740481C1C}">
+                <a14:useLocalDpi xmlns:a14="http://schemas.microsoft.com/office/drawing/2010/main" val="0"/>
+              </a:ext>
+            </a:extLst>
+          </a:blip>
+          <a:stretch>
+            <a:fillRect/>
+          </a:stretch>
+        </p:blipFill>
+        <p:spPr>
+          <a:xfrm>
+            <a:off x="9280087" y="8299748"/>
+            <a:ext cx="3240429" cy="2344401"/>
+          </a:xfrm>
+          <a:prstGeom prst="rect">
+            <a:avLst/>
+          </a:prstGeom>
+        </p:spPr>
+      </p:pic>
+      <p:pic>
+        <p:nvPicPr>
+          <p:cNvPr id="13" name="Imagen 12" descr="Un dibujo de una persona&#10;&#10;Descripción generada automáticamente con confianza baja">
+            <a:extLst>
+              <a:ext uri="{FF2B5EF4-FFF2-40B4-BE49-F238E27FC236}">
+                <a16:creationId xmlns:a16="http://schemas.microsoft.com/office/drawing/2014/main" id="{84676C56-2314-0F3A-B4C5-A1BC756DFE6C}"/>
+              </a:ext>
+            </a:extLst>
+          </p:cNvPr>
+          <p:cNvPicPr>
+            <a:picLocks noChangeAspect="1"/>
+          </p:cNvPicPr>
+          <p:nvPr/>
+        </p:nvPicPr>
+        <p:blipFill>
+          <a:blip r:embed="rId3">
+            <a:extLst>
+              <a:ext uri="{28A0092B-C50C-407E-A947-70E740481C1C}">
+                <a14:useLocalDpi xmlns:a14="http://schemas.microsoft.com/office/drawing/2010/main" val="0"/>
+              </a:ext>
+            </a:extLst>
+          </a:blip>
+          <a:stretch>
+            <a:fillRect/>
+          </a:stretch>
+        </p:blipFill>
+        <p:spPr>
+          <a:xfrm>
+            <a:off x="17510639" y="1451105"/>
+            <a:ext cx="3337010" cy="2261344"/>
+          </a:xfrm>
+          <a:prstGeom prst="rect">
+            <a:avLst/>
+          </a:prstGeom>
+        </p:spPr>
+      </p:pic>
+      <p:sp>
+        <p:nvSpPr>
+          <p:cNvPr id="15" name="CuadroTexto 14">
+            <a:extLst>
+              <a:ext uri="{FF2B5EF4-FFF2-40B4-BE49-F238E27FC236}">
+                <a16:creationId xmlns:a16="http://schemas.microsoft.com/office/drawing/2014/main" id="{582C65E6-E023-321E-FA55-C76311B494CE}"/>
+              </a:ext>
+            </a:extLst>
+          </p:cNvPr>
+          <p:cNvSpPr txBox="1"/>
+          <p:nvPr/>
+        </p:nvSpPr>
+        <p:spPr>
+          <a:xfrm>
+            <a:off x="1057809" y="958101"/>
+            <a:ext cx="3108960" cy="523220"/>
+          </a:xfrm>
+          <a:prstGeom prst="rect">
+            <a:avLst/>
+          </a:prstGeom>
+          <a:noFill/>
+        </p:spPr>
+        <p:txBody>
+          <a:bodyPr wrap="square" rtlCol="0">
+            <a:spAutoFit/>
+          </a:bodyPr>
+          <a:lstStyle/>
+          <a:p>
+            <a:r>
+              <a:rPr lang="es-ES" sz="2800" dirty="0">
+                <a:solidFill>
+                  <a:schemeClr val="bg1"/>
+                </a:solidFill>
+              </a:rPr>
+              <a:t>1972-1981</a:t>
+            </a:r>
+          </a:p>
+        </p:txBody>
+      </p:sp>
+      <p:sp>
+        <p:nvSpPr>
+          <p:cNvPr id="16" name="CuadroTexto 15">
+            <a:extLst>
+              <a:ext uri="{FF2B5EF4-FFF2-40B4-BE49-F238E27FC236}">
+                <a16:creationId xmlns:a16="http://schemas.microsoft.com/office/drawing/2014/main" id="{43C89C5F-DCAD-DCF1-DAB5-727C1484D9D8}"/>
+              </a:ext>
+            </a:extLst>
+          </p:cNvPr>
+          <p:cNvSpPr txBox="1"/>
+          <p:nvPr/>
+        </p:nvSpPr>
+        <p:spPr>
+          <a:xfrm>
+            <a:off x="1024597" y="1481321"/>
+            <a:ext cx="6583680" cy="1477328"/>
+          </a:xfrm>
+          <a:prstGeom prst="rect">
+            <a:avLst/>
+          </a:prstGeom>
+          <a:noFill/>
+        </p:spPr>
+        <p:txBody>
+          <a:bodyPr wrap="square" rtlCol="0">
+            <a:spAutoFit/>
+          </a:bodyPr>
+          <a:lstStyle/>
+          <a:p>
+            <a:r>
+              <a:rPr lang="en-US" dirty="0">
+                <a:solidFill>
+                  <a:schemeClr val="bg1"/>
+                </a:solidFill>
+              </a:rPr>
+              <a:t>The advent of microprocessors, multitasking capabilities, high-level programming languages and the personal computer revolutionized the way we interact with technology. These advances laid the groundwork for other innovations and paved the way for the modern computer technology we depend on today.</a:t>
+            </a:r>
+          </a:p>
+        </p:txBody>
+      </p:sp>
+      <p:sp>
+        <p:nvSpPr>
+          <p:cNvPr id="17" name="Rectángulo: esquinas redondeadas 16">
+            <a:extLst>
+              <a:ext uri="{FF2B5EF4-FFF2-40B4-BE49-F238E27FC236}">
+                <a16:creationId xmlns:a16="http://schemas.microsoft.com/office/drawing/2014/main" id="{DC458CFC-8B29-10EA-4AC0-166B7D238F2D}"/>
+              </a:ext>
+            </a:extLst>
+          </p:cNvPr>
+          <p:cNvSpPr/>
+          <p:nvPr/>
+        </p:nvSpPr>
+        <p:spPr>
+          <a:xfrm>
+            <a:off x="-147711" y="1143000"/>
+            <a:ext cx="1172308" cy="844062"/>
+          </a:xfrm>
+          <a:prstGeom prst="roundRect">
+            <a:avLst/>
+          </a:prstGeom>
+          <a:solidFill>
+            <a:srgbClr val="FFC000"/>
+          </a:solidFill>
+          <a:ln>
+            <a:noFill/>
+          </a:ln>
+        </p:spPr>
+        <p:style>
+          <a:lnRef idx="2">
+            <a:schemeClr val="accent1">
+              <a:shade val="15000"/>
+            </a:schemeClr>
+          </a:lnRef>
+          <a:fillRef idx="1">
+            <a:schemeClr val="accent1"/>
+          </a:fillRef>
+          <a:effectRef idx="0">
+            <a:schemeClr val="accent1"/>
+          </a:effectRef>
+          <a:fontRef idx="minor">
+            <a:schemeClr val="lt1"/>
+          </a:fontRef>
+        </p:style>
+        <p:txBody>
+          <a:bodyPr rtlCol="0" anchor="ctr"/>
+          <a:lstStyle/>
+          <a:p>
+            <a:pPr algn="ctr"/>
+            <a:endParaRPr lang="es-ES"/>
+          </a:p>
+        </p:txBody>
+      </p:sp>
+      <p:sp>
+        <p:nvSpPr>
+          <p:cNvPr id="18" name="Rectángulo 17">
+            <a:extLst>
+              <a:ext uri="{FF2B5EF4-FFF2-40B4-BE49-F238E27FC236}">
+                <a16:creationId xmlns:a16="http://schemas.microsoft.com/office/drawing/2014/main" id="{D784A650-4277-C71F-B85A-C4BADC6815E0}"/>
+              </a:ext>
+            </a:extLst>
+          </p:cNvPr>
+          <p:cNvSpPr/>
+          <p:nvPr/>
+        </p:nvSpPr>
+        <p:spPr>
+          <a:xfrm>
+            <a:off x="-12138461" y="15240"/>
+            <a:ext cx="12506566" cy="6858000"/>
+          </a:xfrm>
+          <a:prstGeom prst="rect">
+            <a:avLst/>
+          </a:prstGeom>
+          <a:solidFill>
+            <a:srgbClr val="FFC000"/>
+          </a:solidFill>
+          <a:ln>
+            <a:noFill/>
+          </a:ln>
+        </p:spPr>
+        <p:style>
+          <a:lnRef idx="2">
+            <a:schemeClr val="accent1">
+              <a:shade val="15000"/>
+            </a:schemeClr>
+          </a:lnRef>
+          <a:fillRef idx="1">
+            <a:schemeClr val="accent1"/>
+          </a:fillRef>
+          <a:effectRef idx="0">
+            <a:schemeClr val="accent1"/>
+          </a:effectRef>
+          <a:fontRef idx="minor">
+            <a:schemeClr val="lt1"/>
+          </a:fontRef>
+        </p:style>
+        <p:txBody>
+          <a:bodyPr rtlCol="0" anchor="ctr"/>
+          <a:lstStyle/>
+          <a:p>
+            <a:pPr algn="ctr"/>
+            <a:endParaRPr lang="es-ES"/>
+          </a:p>
+        </p:txBody>
+      </p:sp>
+      <p:pic>
+        <p:nvPicPr>
+          <p:cNvPr id="20" name="Imagen 19">
+            <a:extLst>
+              <a:ext uri="{FF2B5EF4-FFF2-40B4-BE49-F238E27FC236}">
+                <a16:creationId xmlns:a16="http://schemas.microsoft.com/office/drawing/2014/main" id="{465612B1-F90A-F556-0BD8-FD88DB51229F}"/>
+              </a:ext>
+            </a:extLst>
+          </p:cNvPr>
+          <p:cNvPicPr>
+            <a:picLocks noChangeAspect="1"/>
+          </p:cNvPicPr>
+          <p:nvPr/>
+        </p:nvPicPr>
+        <p:blipFill>
+          <a:blip r:embed="rId4">
+            <a:extLst>
+              <a:ext uri="{28A0092B-C50C-407E-A947-70E740481C1C}">
+                <a14:useLocalDpi xmlns:a14="http://schemas.microsoft.com/office/drawing/2010/main" val="0"/>
+              </a:ext>
+            </a:extLst>
+          </a:blip>
+          <a:stretch>
+            <a:fillRect/>
+          </a:stretch>
+        </p:blipFill>
+        <p:spPr>
+          <a:xfrm>
+            <a:off x="2068830" y="3353657"/>
+            <a:ext cx="3097530" cy="2311234"/>
+          </a:xfrm>
+          <a:prstGeom prst="rect">
+            <a:avLst/>
+          </a:prstGeom>
+        </p:spPr>
+      </p:pic>
+      <p:pic>
+        <p:nvPicPr>
+          <p:cNvPr id="22" name="Imagen 21">
+            <a:extLst>
+              <a:ext uri="{FF2B5EF4-FFF2-40B4-BE49-F238E27FC236}">
+                <a16:creationId xmlns:a16="http://schemas.microsoft.com/office/drawing/2014/main" id="{C76BF180-8DE0-45EA-BF9F-ACE9C95999AE}"/>
+              </a:ext>
+            </a:extLst>
+          </p:cNvPr>
+          <p:cNvPicPr>
+            <a:picLocks noChangeAspect="1"/>
+          </p:cNvPicPr>
+          <p:nvPr/>
+        </p:nvPicPr>
+        <p:blipFill>
+          <a:blip r:embed="rId5">
+            <a:extLst>
+              <a:ext uri="{28A0092B-C50C-407E-A947-70E740481C1C}">
+                <a14:useLocalDpi xmlns:a14="http://schemas.microsoft.com/office/drawing/2010/main" val="0"/>
+              </a:ext>
+            </a:extLst>
+          </a:blip>
+          <a:stretch>
+            <a:fillRect/>
+          </a:stretch>
+        </p:blipFill>
+        <p:spPr>
+          <a:xfrm>
+            <a:off x="6867085" y="4078602"/>
+            <a:ext cx="3506648" cy="2333515"/>
+          </a:xfrm>
+          <a:prstGeom prst="rect">
+            <a:avLst/>
+          </a:prstGeom>
+        </p:spPr>
+      </p:pic>
+      <p:pic>
+        <p:nvPicPr>
+          <p:cNvPr id="24" name="Imagen 23">
+            <a:extLst>
+              <a:ext uri="{FF2B5EF4-FFF2-40B4-BE49-F238E27FC236}">
+                <a16:creationId xmlns:a16="http://schemas.microsoft.com/office/drawing/2014/main" id="{B2A098AC-3F1C-6F16-FCA4-07F8F8EE1BA2}"/>
+              </a:ext>
+            </a:extLst>
+          </p:cNvPr>
+          <p:cNvPicPr>
+            <a:picLocks noChangeAspect="1"/>
+          </p:cNvPicPr>
+          <p:nvPr/>
+        </p:nvPicPr>
+        <p:blipFill>
+          <a:blip r:embed="rId6">
+            <a:extLst>
+              <a:ext uri="{28A0092B-C50C-407E-A947-70E740481C1C}">
+                <a14:useLocalDpi xmlns:a14="http://schemas.microsoft.com/office/drawing/2010/main" val="0"/>
+              </a:ext>
+            </a:extLst>
+          </a:blip>
+          <a:stretch>
+            <a:fillRect/>
+          </a:stretch>
+        </p:blipFill>
+        <p:spPr>
+          <a:xfrm>
+            <a:off x="7771404" y="1067136"/>
+            <a:ext cx="4064926" cy="2286521"/>
+          </a:xfrm>
+          <a:prstGeom prst="rect">
+            <a:avLst/>
+          </a:prstGeom>
+        </p:spPr>
+      </p:pic>
+      <p:sp>
+        <p:nvSpPr>
+          <p:cNvPr id="28" name="CuadroTexto 27">
+            <a:extLst>
+              <a:ext uri="{FF2B5EF4-FFF2-40B4-BE49-F238E27FC236}">
+                <a16:creationId xmlns:a16="http://schemas.microsoft.com/office/drawing/2014/main" id="{794ACF00-B833-BA79-ACD4-A24EC5712011}"/>
+              </a:ext>
+            </a:extLst>
+          </p:cNvPr>
+          <p:cNvSpPr txBox="1"/>
+          <p:nvPr/>
+        </p:nvSpPr>
+        <p:spPr>
+          <a:xfrm>
+            <a:off x="-11933909" y="304800"/>
+            <a:ext cx="2342077" cy="523220"/>
+          </a:xfrm>
+          <a:prstGeom prst="rect">
+            <a:avLst/>
+          </a:prstGeom>
+          <a:noFill/>
+        </p:spPr>
+        <p:txBody>
+          <a:bodyPr wrap="square" rtlCol="0">
+            <a:spAutoFit/>
+          </a:bodyPr>
+          <a:lstStyle/>
+          <a:p>
+            <a:r>
+              <a:rPr lang="es-ES" sz="2800" dirty="0">
+                <a:solidFill>
+                  <a:schemeClr val="bg1"/>
+                </a:solidFill>
+              </a:rPr>
+              <a:t>1981-Actual</a:t>
+            </a:r>
+            <a:endParaRPr lang="es-ES" dirty="0">
+              <a:solidFill>
+                <a:schemeClr val="bg1"/>
+              </a:solidFill>
+            </a:endParaRPr>
+          </a:p>
+        </p:txBody>
+      </p:sp>
+      <p:sp>
+        <p:nvSpPr>
+          <p:cNvPr id="37" name="CuadroTexto 36">
+            <a:extLst>
+              <a:ext uri="{FF2B5EF4-FFF2-40B4-BE49-F238E27FC236}">
+                <a16:creationId xmlns:a16="http://schemas.microsoft.com/office/drawing/2014/main" id="{1F8C57E7-57BC-3C0A-D10E-613D2D40C855}"/>
+              </a:ext>
+            </a:extLst>
+          </p:cNvPr>
+          <p:cNvSpPr txBox="1"/>
+          <p:nvPr/>
+        </p:nvSpPr>
+        <p:spPr>
+          <a:xfrm>
+            <a:off x="-11980804" y="865444"/>
+            <a:ext cx="11818625" cy="2308324"/>
+          </a:xfrm>
+          <a:prstGeom prst="rect">
+            <a:avLst/>
+          </a:prstGeom>
+          <a:noFill/>
+        </p:spPr>
+        <p:txBody>
+          <a:bodyPr wrap="square" rtlCol="0">
+            <a:spAutoFit/>
+          </a:bodyPr>
+          <a:lstStyle/>
+          <a:p>
+            <a:pPr algn="l"/>
+            <a:r>
+              <a:rPr lang="en-US" b="0" i="0" dirty="0">
+                <a:solidFill>
+                  <a:schemeClr val="bg1"/>
+                </a:solidFill>
+                <a:effectLst/>
+                <a:latin typeface="Proxima Nova"/>
+              </a:rPr>
+              <a:t>FGCS (Fifth Generation Computer Systems)</a:t>
+            </a:r>
+          </a:p>
+          <a:p>
+            <a:pPr algn="l"/>
+            <a:r>
+              <a:rPr lang="en-US" b="0" i="0" dirty="0">
+                <a:solidFill>
+                  <a:schemeClr val="bg1"/>
+                </a:solidFill>
+                <a:effectLst/>
+                <a:latin typeface="Proxima Nova"/>
+              </a:rPr>
+              <a:t>It was an ambitious project that Japan initiated in the late 1980s with the aim of developing a new type of computer that would use artificial intelligence methods and techniques at both the hardware and software levels. Today, the computer industry is focused on improving and optimizing computers for users, making them more comfortable to use and realistically addressing people's needs.</a:t>
+            </a:r>
+          </a:p>
+          <a:p>
+            <a:pPr algn="l"/>
+            <a:r>
+              <a:rPr lang="en-US" b="0" i="0" dirty="0">
+                <a:solidFill>
+                  <a:schemeClr val="bg1"/>
+                </a:solidFill>
+                <a:effectLst/>
+                <a:latin typeface="Proxima Nova"/>
+              </a:rPr>
+              <a:t>In conclusion The FGCS project has had a major impact on computer technology, in particular on hardware, programming languages, operating systems, artificial intelligence and databases, paving the way for the development of modern computing.</a:t>
+            </a:r>
+            <a:endParaRPr lang="es-ES" dirty="0">
+              <a:solidFill>
+                <a:schemeClr val="bg1"/>
+              </a:solidFill>
+            </a:endParaRPr>
+          </a:p>
+        </p:txBody>
+      </p:sp>
+      <p:pic>
+        <p:nvPicPr>
+          <p:cNvPr id="38" name="Picture 2" descr="Evolucion de los computadores timeline | Timetoast timelines">
+            <a:extLst>
+              <a:ext uri="{FF2B5EF4-FFF2-40B4-BE49-F238E27FC236}">
+                <a16:creationId xmlns:a16="http://schemas.microsoft.com/office/drawing/2014/main" id="{E4D9EAD0-3BA2-3F78-E0BB-7738B564FC0C}"/>
+              </a:ext>
+            </a:extLst>
+          </p:cNvPr>
+          <p:cNvPicPr>
+            <a:picLocks noChangeAspect="1" noChangeArrowheads="1"/>
+          </p:cNvPicPr>
+          <p:nvPr/>
+        </p:nvPicPr>
+        <p:blipFill>
+          <a:blip r:embed="rId7">
+            <a:extLst>
+              <a:ext uri="{28A0092B-C50C-407E-A947-70E740481C1C}">
+                <a14:useLocalDpi xmlns:a14="http://schemas.microsoft.com/office/drawing/2010/main" val="0"/>
+              </a:ext>
+            </a:extLst>
+          </a:blip>
+          <a:srcRect/>
+          <a:stretch>
+            <a:fillRect/>
+          </a:stretch>
+        </p:blipFill>
+        <p:spPr bwMode="auto">
+          <a:xfrm>
+            <a:off x="-10982107" y="3421178"/>
+            <a:ext cx="2861507" cy="2861507"/>
+          </a:xfrm>
+          <a:prstGeom prst="rect">
+            <a:avLst/>
+          </a:prstGeom>
+          <a:noFill/>
+          <a:extLst>
+            <a:ext uri="{909E8E84-426E-40DD-AFC4-6F175D3DCCD1}">
+              <a14:hiddenFill xmlns:a14="http://schemas.microsoft.com/office/drawing/2010/main">
+                <a:solidFill>
+                  <a:srgbClr val="FFFFFF"/>
+                </a:solidFill>
+              </a14:hiddenFill>
+            </a:ext>
+          </a:extLst>
+        </p:spPr>
+      </p:pic>
+      <p:pic>
+        <p:nvPicPr>
+          <p:cNvPr id="39" name="Picture 6" descr="Torres de ordenador: características que debes conocer a la hora de comprar  una">
+            <a:extLst>
+              <a:ext uri="{FF2B5EF4-FFF2-40B4-BE49-F238E27FC236}">
+                <a16:creationId xmlns:a16="http://schemas.microsoft.com/office/drawing/2014/main" id="{311A17C4-5D5B-E66C-1B70-D98E013A9DD3}"/>
+              </a:ext>
+            </a:extLst>
+          </p:cNvPr>
+          <p:cNvPicPr>
+            <a:picLocks noChangeAspect="1" noChangeArrowheads="1"/>
+          </p:cNvPicPr>
+          <p:nvPr/>
+        </p:nvPicPr>
+        <p:blipFill>
+          <a:blip r:embed="rId8">
+            <a:extLst>
+              <a:ext uri="{28A0092B-C50C-407E-A947-70E740481C1C}">
+                <a14:useLocalDpi xmlns:a14="http://schemas.microsoft.com/office/drawing/2010/main" val="0"/>
+              </a:ext>
+            </a:extLst>
+          </a:blip>
+          <a:srcRect/>
+          <a:stretch>
+            <a:fillRect/>
+          </a:stretch>
+        </p:blipFill>
+        <p:spPr bwMode="auto">
+          <a:xfrm>
+            <a:off x="-7183939" y="3764278"/>
+            <a:ext cx="3362203" cy="2518407"/>
+          </a:xfrm>
+          <a:prstGeom prst="rect">
+            <a:avLst/>
+          </a:prstGeom>
+          <a:noFill/>
+          <a:extLst>
+            <a:ext uri="{909E8E84-426E-40DD-AFC4-6F175D3DCCD1}">
+              <a14:hiddenFill xmlns:a14="http://schemas.microsoft.com/office/drawing/2010/main">
+                <a:solidFill>
+                  <a:srgbClr val="FFFFFF"/>
+                </a:solidFill>
+              </a14:hiddenFill>
+            </a:ext>
+          </a:extLst>
+        </p:spPr>
+      </p:pic>
+      <p:pic>
+        <p:nvPicPr>
+          <p:cNvPr id="40" name="Picture 10" descr="México avanza en la adopción de la IA y así se está usando en las empresas">
+            <a:extLst>
+              <a:ext uri="{FF2B5EF4-FFF2-40B4-BE49-F238E27FC236}">
+                <a16:creationId xmlns:a16="http://schemas.microsoft.com/office/drawing/2014/main" id="{DCAFF876-8851-DD5C-19A6-3CB9664E7EA9}"/>
+              </a:ext>
+            </a:extLst>
+          </p:cNvPr>
+          <p:cNvPicPr>
+            <a:picLocks noChangeAspect="1" noChangeArrowheads="1"/>
+          </p:cNvPicPr>
+          <p:nvPr/>
+        </p:nvPicPr>
+        <p:blipFill>
+          <a:blip r:embed="rId9">
+            <a:extLst>
+              <a:ext uri="{28A0092B-C50C-407E-A947-70E740481C1C}">
+                <a14:useLocalDpi xmlns:a14="http://schemas.microsoft.com/office/drawing/2010/main" val="0"/>
+              </a:ext>
+            </a:extLst>
+          </a:blip>
+          <a:srcRect/>
+          <a:stretch>
+            <a:fillRect/>
+          </a:stretch>
+        </p:blipFill>
+        <p:spPr bwMode="auto">
+          <a:xfrm>
+            <a:off x="-3462554" y="3057812"/>
+            <a:ext cx="3400664" cy="2131402"/>
+          </a:xfrm>
+          <a:prstGeom prst="rect">
+            <a:avLst/>
+          </a:prstGeom>
+          <a:noFill/>
+          <a:extLst>
+            <a:ext uri="{909E8E84-426E-40DD-AFC4-6F175D3DCCD1}">
+              <a14:hiddenFill xmlns:a14="http://schemas.microsoft.com/office/drawing/2010/main">
+                <a:solidFill>
+                  <a:srgbClr val="FFFFFF"/>
+                </a:solidFill>
+              </a14:hiddenFill>
+            </a:ext>
+          </a:extLst>
+        </p:spPr>
+      </p:pic>
+    </p:spTree>
+    <p:extLst>
+      <p:ext uri="{BB962C8B-B14F-4D97-AF65-F5344CB8AC3E}">
+        <p14:creationId xmlns:p14="http://schemas.microsoft.com/office/powerpoint/2010/main" val="2721584381"/>
+      </p:ext>
+    </p:extLst>
+  </p:cSld>
+  <p:clrMapOvr>
+    <a:masterClrMapping/>
+  </p:clrMapOvr>
+  <mc:AlternateContent xmlns:mc="http://schemas.openxmlformats.org/markup-compatibility/2006">
+    <mc:Choice xmlns:p159="http://schemas.microsoft.com/office/powerpoint/2015/09/main" Requires="p159">
+      <p:transition xmlns:p14="http://schemas.microsoft.com/office/powerpoint/2010/main" spd="slow" p14:dur="2000">
+        <p159:morph option="byObject"/>
+      </p:transition>
+    </mc:Choice>
+    <mc:Fallback>
+      <p:transition spd="slow">
+        <p:fade/>
+      </p:transition>
+    </mc:Fallback>
+  </mc:AlternateContent>
+</p:sld>
+</file>
+
+<file path=ppt/slides/slide8.xml><?xml version="1.0" encoding="utf-8"?>
+<p:sld xmlns:a="http://schemas.openxmlformats.org/drawingml/2006/main" xmlns:r="http://schemas.openxmlformats.org/officeDocument/2006/relationships" xmlns:p="http://schemas.openxmlformats.org/presentationml/2006/main">
+  <p:cSld>
+    <p:spTree>
+      <p:nvGrpSpPr>
+        <p:cNvPr id="1" name=""/>
+        <p:cNvGrpSpPr/>
+        <p:nvPr/>
+      </p:nvGrpSpPr>
+      <p:grpSpPr>
+        <a:xfrm>
+          <a:off x="0" y="0"/>
+          <a:ext cx="0" cy="0"/>
+          <a:chOff x="0" y="0"/>
+          <a:chExt cx="0" cy="0"/>
+        </a:xfrm>
+      </p:grpSpPr>
+      <p:sp>
+        <p:nvSpPr>
+          <p:cNvPr id="2" name="Rectángulo 1">
+            <a:extLst>
+              <a:ext uri="{FF2B5EF4-FFF2-40B4-BE49-F238E27FC236}">
+                <a16:creationId xmlns:a16="http://schemas.microsoft.com/office/drawing/2014/main" id="{30C84C7C-3583-3298-91B4-B6B7AA6BDBF0}"/>
+              </a:ext>
+            </a:extLst>
+          </p:cNvPr>
+          <p:cNvSpPr/>
+          <p:nvPr/>
+        </p:nvSpPr>
+        <p:spPr>
+          <a:xfrm>
+            <a:off x="0" y="0"/>
+            <a:ext cx="12506566" cy="6858000"/>
+          </a:xfrm>
+          <a:prstGeom prst="rect">
+            <a:avLst/>
+          </a:prstGeom>
+          <a:solidFill>
+            <a:srgbClr val="92D050"/>
+          </a:solidFill>
+          <a:ln>
+            <a:noFill/>
+          </a:ln>
+        </p:spPr>
+        <p:style>
+          <a:lnRef idx="2">
+            <a:schemeClr val="accent1">
+              <a:shade val="15000"/>
+            </a:schemeClr>
+          </a:lnRef>
+          <a:fillRef idx="1">
+            <a:schemeClr val="accent1"/>
+          </a:fillRef>
+          <a:effectRef idx="0">
+            <a:schemeClr val="accent1"/>
+          </a:effectRef>
+          <a:fontRef idx="minor">
+            <a:schemeClr val="lt1"/>
+          </a:fontRef>
+        </p:style>
+        <p:txBody>
+          <a:bodyPr rtlCol="0" anchor="ctr"/>
+          <a:lstStyle/>
+          <a:p>
+            <a:pPr algn="ctr"/>
+            <a:endParaRPr lang="es-ES"/>
+          </a:p>
+        </p:txBody>
+      </p:sp>
+      <p:sp>
+        <p:nvSpPr>
+          <p:cNvPr id="7" name="Rectángulo 6">
+            <a:extLst>
+              <a:ext uri="{FF2B5EF4-FFF2-40B4-BE49-F238E27FC236}">
+                <a16:creationId xmlns:a16="http://schemas.microsoft.com/office/drawing/2014/main" id="{EDBABC68-ADFA-CD5C-CD82-70ADF513A970}"/>
+              </a:ext>
+            </a:extLst>
+          </p:cNvPr>
+          <p:cNvSpPr/>
+          <p:nvPr/>
+        </p:nvSpPr>
+        <p:spPr>
+          <a:xfrm>
+            <a:off x="-33212" y="0"/>
+            <a:ext cx="12506566" cy="6858000"/>
+          </a:xfrm>
+          <a:prstGeom prst="rect">
+            <a:avLst/>
+          </a:prstGeom>
+          <a:solidFill>
+            <a:srgbClr val="7030A0"/>
+          </a:solidFill>
+          <a:ln>
+            <a:noFill/>
+          </a:ln>
+        </p:spPr>
+        <p:style>
+          <a:lnRef idx="2">
+            <a:schemeClr val="accent1">
+              <a:shade val="15000"/>
+            </a:schemeClr>
+          </a:lnRef>
+          <a:fillRef idx="1">
+            <a:schemeClr val="accent1"/>
+          </a:fillRef>
+          <a:effectRef idx="0">
+            <a:schemeClr val="accent1"/>
+          </a:effectRef>
+          <a:fontRef idx="minor">
+            <a:schemeClr val="lt1"/>
+          </a:fontRef>
+        </p:style>
+        <p:txBody>
+          <a:bodyPr rtlCol="0" anchor="ctr"/>
+          <a:lstStyle/>
+          <a:p>
+            <a:pPr algn="ctr"/>
+            <a:endParaRPr lang="es-ES" dirty="0"/>
+          </a:p>
+        </p:txBody>
+      </p:sp>
+      <p:sp>
+        <p:nvSpPr>
+          <p:cNvPr id="9" name="Rectángulo: esquinas redondeadas 8">
+            <a:extLst>
+              <a:ext uri="{FF2B5EF4-FFF2-40B4-BE49-F238E27FC236}">
+                <a16:creationId xmlns:a16="http://schemas.microsoft.com/office/drawing/2014/main" id="{44F06CC8-059F-66B8-A83C-8A4CFA347CD7}"/>
+              </a:ext>
+            </a:extLst>
+          </p:cNvPr>
+          <p:cNvSpPr/>
+          <p:nvPr/>
+        </p:nvSpPr>
+        <p:spPr>
+          <a:xfrm>
+            <a:off x="12242409" y="304800"/>
+            <a:ext cx="1172308" cy="844062"/>
+          </a:xfrm>
+          <a:prstGeom prst="roundRect">
+            <a:avLst/>
+          </a:prstGeom>
+          <a:solidFill>
+            <a:srgbClr val="7030A0"/>
+          </a:solidFill>
+          <a:ln>
+            <a:noFill/>
+          </a:ln>
+        </p:spPr>
+        <p:style>
+          <a:lnRef idx="2">
+            <a:schemeClr val="accent1">
+              <a:shade val="15000"/>
+            </a:schemeClr>
+          </a:lnRef>
+          <a:fillRef idx="1">
+            <a:schemeClr val="accent1"/>
+          </a:fillRef>
+          <a:effectRef idx="0">
+            <a:schemeClr val="accent1"/>
+          </a:effectRef>
+          <a:fontRef idx="minor">
+            <a:schemeClr val="lt1"/>
+          </a:fontRef>
+        </p:style>
+        <p:txBody>
+          <a:bodyPr rtlCol="0" anchor="ctr"/>
+          <a:lstStyle/>
+          <a:p>
+            <a:pPr algn="ctr"/>
+            <a:endParaRPr lang="es-ES"/>
+          </a:p>
+        </p:txBody>
+      </p:sp>
+      <p:sp>
+        <p:nvSpPr>
+          <p:cNvPr id="15" name="CuadroTexto 14">
+            <a:extLst>
+              <a:ext uri="{FF2B5EF4-FFF2-40B4-BE49-F238E27FC236}">
+                <a16:creationId xmlns:a16="http://schemas.microsoft.com/office/drawing/2014/main" id="{582C65E6-E023-321E-FA55-C76311B494CE}"/>
+              </a:ext>
+            </a:extLst>
+          </p:cNvPr>
+          <p:cNvSpPr txBox="1"/>
+          <p:nvPr/>
+        </p:nvSpPr>
+        <p:spPr>
+          <a:xfrm>
+            <a:off x="13731443" y="1234776"/>
+            <a:ext cx="3108960" cy="523220"/>
+          </a:xfrm>
+          <a:prstGeom prst="rect">
+            <a:avLst/>
+          </a:prstGeom>
+          <a:noFill/>
+        </p:spPr>
+        <p:txBody>
+          <a:bodyPr wrap="square" rtlCol="0">
+            <a:spAutoFit/>
+          </a:bodyPr>
+          <a:lstStyle/>
+          <a:p>
+            <a:r>
+              <a:rPr lang="es-ES" sz="2800" dirty="0">
+                <a:solidFill>
+                  <a:schemeClr val="bg1"/>
+                </a:solidFill>
+              </a:rPr>
+              <a:t>1972-1981</a:t>
+            </a:r>
+          </a:p>
+        </p:txBody>
+      </p:sp>
+      <p:sp>
+        <p:nvSpPr>
+          <p:cNvPr id="16" name="CuadroTexto 15">
+            <a:extLst>
+              <a:ext uri="{FF2B5EF4-FFF2-40B4-BE49-F238E27FC236}">
+                <a16:creationId xmlns:a16="http://schemas.microsoft.com/office/drawing/2014/main" id="{43C89C5F-DCAD-DCF1-DAB5-727C1484D9D8}"/>
+              </a:ext>
+            </a:extLst>
+          </p:cNvPr>
+          <p:cNvSpPr txBox="1"/>
+          <p:nvPr/>
+        </p:nvSpPr>
+        <p:spPr>
+          <a:xfrm>
+            <a:off x="13548563" y="2237987"/>
+            <a:ext cx="6583680" cy="1477328"/>
+          </a:xfrm>
+          <a:prstGeom prst="rect">
+            <a:avLst/>
+          </a:prstGeom>
+          <a:noFill/>
+        </p:spPr>
+        <p:txBody>
+          <a:bodyPr wrap="square" rtlCol="0">
+            <a:spAutoFit/>
+          </a:bodyPr>
+          <a:lstStyle/>
+          <a:p>
+            <a:r>
+              <a:rPr lang="en-US" dirty="0">
+                <a:solidFill>
+                  <a:schemeClr val="bg1"/>
+                </a:solidFill>
+              </a:rPr>
+              <a:t>The advent of microprocessors, multitasking capabilities, high-level programming languages and the personal computer revolutionized the way we interact with technology. These advances laid the groundwork for other innovations and paved the way for the modern computer technology we depend on today.</a:t>
+            </a:r>
+          </a:p>
+        </p:txBody>
+      </p:sp>
+      <p:sp>
+        <p:nvSpPr>
+          <p:cNvPr id="17" name="Rectángulo: esquinas redondeadas 16">
+            <a:extLst>
+              <a:ext uri="{FF2B5EF4-FFF2-40B4-BE49-F238E27FC236}">
+                <a16:creationId xmlns:a16="http://schemas.microsoft.com/office/drawing/2014/main" id="{DC458CFC-8B29-10EA-4AC0-166B7D238F2D}"/>
+              </a:ext>
+            </a:extLst>
+          </p:cNvPr>
+          <p:cNvSpPr/>
+          <p:nvPr/>
+        </p:nvSpPr>
+        <p:spPr>
+          <a:xfrm>
+            <a:off x="12013809" y="1143000"/>
+            <a:ext cx="1172308" cy="844062"/>
+          </a:xfrm>
+          <a:prstGeom prst="roundRect">
+            <a:avLst/>
+          </a:prstGeom>
+          <a:solidFill>
+            <a:srgbClr val="FFC000"/>
+          </a:solidFill>
+          <a:ln>
+            <a:noFill/>
+          </a:ln>
+        </p:spPr>
+        <p:style>
+          <a:lnRef idx="2">
+            <a:schemeClr val="accent1">
+              <a:shade val="15000"/>
+            </a:schemeClr>
+          </a:lnRef>
+          <a:fillRef idx="1">
+            <a:schemeClr val="accent1"/>
+          </a:fillRef>
+          <a:effectRef idx="0">
+            <a:schemeClr val="accent1"/>
+          </a:effectRef>
+          <a:fontRef idx="minor">
+            <a:schemeClr val="lt1"/>
+          </a:fontRef>
+        </p:style>
+        <p:txBody>
+          <a:bodyPr rtlCol="0" anchor="ctr"/>
+          <a:lstStyle/>
+          <a:p>
+            <a:pPr algn="ctr"/>
+            <a:endParaRPr lang="es-ES"/>
+          </a:p>
+        </p:txBody>
+      </p:sp>
+      <p:sp>
+        <p:nvSpPr>
+          <p:cNvPr id="18" name="Rectángulo 17">
+            <a:extLst>
+              <a:ext uri="{FF2B5EF4-FFF2-40B4-BE49-F238E27FC236}">
+                <a16:creationId xmlns:a16="http://schemas.microsoft.com/office/drawing/2014/main" id="{D784A650-4277-C71F-B85A-C4BADC6815E0}"/>
+              </a:ext>
+            </a:extLst>
+          </p:cNvPr>
+          <p:cNvSpPr/>
+          <p:nvPr/>
+        </p:nvSpPr>
+        <p:spPr>
+          <a:xfrm>
+            <a:off x="-7421" y="15240"/>
+            <a:ext cx="12506566" cy="6858000"/>
+          </a:xfrm>
+          <a:prstGeom prst="rect">
+            <a:avLst/>
+          </a:prstGeom>
+          <a:solidFill>
+            <a:srgbClr val="FFC000"/>
+          </a:solidFill>
+          <a:ln>
+            <a:noFill/>
+          </a:ln>
+        </p:spPr>
+        <p:style>
+          <a:lnRef idx="2">
+            <a:schemeClr val="accent1">
+              <a:shade val="15000"/>
+            </a:schemeClr>
+          </a:lnRef>
+          <a:fillRef idx="1">
+            <a:schemeClr val="accent1"/>
+          </a:fillRef>
+          <a:effectRef idx="0">
+            <a:schemeClr val="accent1"/>
+          </a:effectRef>
+          <a:fontRef idx="minor">
+            <a:schemeClr val="lt1"/>
+          </a:fontRef>
+        </p:style>
+        <p:txBody>
+          <a:bodyPr rtlCol="0" anchor="ctr"/>
+          <a:lstStyle/>
+          <a:p>
+            <a:pPr algn="ctr"/>
+            <a:endParaRPr lang="es-ES" dirty="0"/>
+          </a:p>
+        </p:txBody>
+      </p:sp>
+      <p:pic>
+        <p:nvPicPr>
+          <p:cNvPr id="20" name="Imagen 19">
+            <a:extLst>
+              <a:ext uri="{FF2B5EF4-FFF2-40B4-BE49-F238E27FC236}">
+                <a16:creationId xmlns:a16="http://schemas.microsoft.com/office/drawing/2014/main" id="{465612B1-F90A-F556-0BD8-FD88DB51229F}"/>
+              </a:ext>
+            </a:extLst>
+          </p:cNvPr>
+          <p:cNvPicPr>
+            <a:picLocks noChangeAspect="1"/>
+          </p:cNvPicPr>
+          <p:nvPr/>
+        </p:nvPicPr>
+        <p:blipFill>
+          <a:blip r:embed="rId2">
+            <a:extLst>
+              <a:ext uri="{28A0092B-C50C-407E-A947-70E740481C1C}">
+                <a14:useLocalDpi xmlns:a14="http://schemas.microsoft.com/office/drawing/2010/main" val="0"/>
+              </a:ext>
+            </a:extLst>
+          </a:blip>
+          <a:stretch>
+            <a:fillRect/>
+          </a:stretch>
+        </p:blipFill>
+        <p:spPr>
+          <a:xfrm>
+            <a:off x="12984103" y="5590978"/>
+            <a:ext cx="3097530" cy="2311234"/>
+          </a:xfrm>
+          <a:prstGeom prst="rect">
+            <a:avLst/>
+          </a:prstGeom>
+        </p:spPr>
+      </p:pic>
+      <p:pic>
+        <p:nvPicPr>
+          <p:cNvPr id="22" name="Imagen 21">
+            <a:extLst>
+              <a:ext uri="{FF2B5EF4-FFF2-40B4-BE49-F238E27FC236}">
+                <a16:creationId xmlns:a16="http://schemas.microsoft.com/office/drawing/2014/main" id="{C76BF180-8DE0-45EA-BF9F-ACE9C95999AE}"/>
+              </a:ext>
+            </a:extLst>
+          </p:cNvPr>
+          <p:cNvPicPr>
+            <a:picLocks noChangeAspect="1"/>
+          </p:cNvPicPr>
+          <p:nvPr/>
+        </p:nvPicPr>
+        <p:blipFill>
+          <a:blip r:embed="rId3">
+            <a:extLst>
+              <a:ext uri="{28A0092B-C50C-407E-A947-70E740481C1C}">
+                <a14:useLocalDpi xmlns:a14="http://schemas.microsoft.com/office/drawing/2010/main" val="0"/>
+              </a:ext>
+            </a:extLst>
+          </a:blip>
+          <a:stretch>
+            <a:fillRect/>
+          </a:stretch>
+        </p:blipFill>
+        <p:spPr>
+          <a:xfrm>
+            <a:off x="16625595" y="5023482"/>
+            <a:ext cx="3506648" cy="2333515"/>
+          </a:xfrm>
+          <a:prstGeom prst="rect">
+            <a:avLst/>
+          </a:prstGeom>
+        </p:spPr>
+      </p:pic>
+      <p:pic>
+        <p:nvPicPr>
+          <p:cNvPr id="24" name="Imagen 23">
+            <a:extLst>
+              <a:ext uri="{FF2B5EF4-FFF2-40B4-BE49-F238E27FC236}">
+                <a16:creationId xmlns:a16="http://schemas.microsoft.com/office/drawing/2014/main" id="{B2A098AC-3F1C-6F16-FCA4-07F8F8EE1BA2}"/>
+              </a:ext>
+            </a:extLst>
+          </p:cNvPr>
+          <p:cNvPicPr>
+            <a:picLocks noChangeAspect="1"/>
+          </p:cNvPicPr>
+          <p:nvPr/>
+        </p:nvPicPr>
+        <p:blipFill>
+          <a:blip r:embed="rId4">
+            <a:extLst>
+              <a:ext uri="{28A0092B-C50C-407E-A947-70E740481C1C}">
+                <a14:useLocalDpi xmlns:a14="http://schemas.microsoft.com/office/drawing/2010/main" val="0"/>
+              </a:ext>
+            </a:extLst>
+          </a:blip>
+          <a:stretch>
+            <a:fillRect/>
+          </a:stretch>
+        </p:blipFill>
+        <p:spPr>
+          <a:xfrm>
+            <a:off x="22005564" y="1428794"/>
+            <a:ext cx="4064926" cy="2286521"/>
+          </a:xfrm>
+          <a:prstGeom prst="rect">
+            <a:avLst/>
+          </a:prstGeom>
+        </p:spPr>
+      </p:pic>
+      <p:sp>
+        <p:nvSpPr>
+          <p:cNvPr id="3" name="CuadroTexto 2">
+            <a:extLst>
+              <a:ext uri="{FF2B5EF4-FFF2-40B4-BE49-F238E27FC236}">
+                <a16:creationId xmlns:a16="http://schemas.microsoft.com/office/drawing/2014/main" id="{CD1DA583-0EA5-17CB-32B0-08B6C92729BC}"/>
+              </a:ext>
+            </a:extLst>
+          </p:cNvPr>
+          <p:cNvSpPr txBox="1"/>
+          <p:nvPr/>
+        </p:nvSpPr>
+        <p:spPr>
+          <a:xfrm>
+            <a:off x="187763" y="304800"/>
+            <a:ext cx="2342077" cy="523220"/>
+          </a:xfrm>
+          <a:prstGeom prst="rect">
+            <a:avLst/>
+          </a:prstGeom>
+          <a:noFill/>
+        </p:spPr>
+        <p:txBody>
+          <a:bodyPr wrap="square" rtlCol="0">
+            <a:spAutoFit/>
+          </a:bodyPr>
+          <a:lstStyle/>
+          <a:p>
+            <a:r>
+              <a:rPr lang="es-ES" sz="2800" dirty="0">
+                <a:solidFill>
+                  <a:schemeClr val="bg1"/>
+                </a:solidFill>
+              </a:rPr>
+              <a:t>1981-Actual</a:t>
+            </a:r>
+            <a:endParaRPr lang="es-ES" dirty="0">
+              <a:solidFill>
+                <a:schemeClr val="bg1"/>
+              </a:solidFill>
+            </a:endParaRPr>
+          </a:p>
+        </p:txBody>
+      </p:sp>
+      <p:sp>
+        <p:nvSpPr>
+          <p:cNvPr id="4" name="CuadroTexto 3">
+            <a:extLst>
+              <a:ext uri="{FF2B5EF4-FFF2-40B4-BE49-F238E27FC236}">
+                <a16:creationId xmlns:a16="http://schemas.microsoft.com/office/drawing/2014/main" id="{5BDF0777-9E01-FD28-D549-B1973A382CA0}"/>
+              </a:ext>
+            </a:extLst>
+          </p:cNvPr>
+          <p:cNvSpPr txBox="1"/>
+          <p:nvPr/>
+        </p:nvSpPr>
+        <p:spPr>
+          <a:xfrm>
+            <a:off x="187762" y="865444"/>
+            <a:ext cx="11818625" cy="2308324"/>
+          </a:xfrm>
+          <a:prstGeom prst="rect">
+            <a:avLst/>
+          </a:prstGeom>
+          <a:noFill/>
+        </p:spPr>
+        <p:txBody>
+          <a:bodyPr wrap="square" rtlCol="0">
+            <a:spAutoFit/>
+          </a:bodyPr>
+          <a:lstStyle/>
+          <a:p>
+            <a:pPr algn="l"/>
+            <a:r>
+              <a:rPr lang="en-US" b="0" i="0" dirty="0">
+                <a:solidFill>
+                  <a:schemeClr val="bg1"/>
+                </a:solidFill>
+                <a:effectLst/>
+                <a:latin typeface="Proxima Nova"/>
+              </a:rPr>
+              <a:t>FGCS (Fifth Generation Computer Systems)</a:t>
+            </a:r>
+          </a:p>
+          <a:p>
+            <a:pPr algn="l"/>
+            <a:r>
+              <a:rPr lang="en-US" b="0" i="0" dirty="0">
+                <a:solidFill>
+                  <a:schemeClr val="bg1"/>
+                </a:solidFill>
+                <a:effectLst/>
+                <a:latin typeface="Proxima Nova"/>
+              </a:rPr>
+              <a:t>It was an ambitious project that Japan initiated in the late 1980s with the aim of developing a new type of computer that would use artificial intelligence methods and techniques at both the hardware and software levels. Today, the computer industry is focused on improving and optimizing computers for users, making them more comfortable to use and realistically addressing people's needs.</a:t>
+            </a:r>
+          </a:p>
+          <a:p>
+            <a:pPr algn="l"/>
+            <a:r>
+              <a:rPr lang="en-US" b="0" i="0" dirty="0">
+                <a:solidFill>
+                  <a:schemeClr val="bg1"/>
+                </a:solidFill>
+                <a:effectLst/>
+                <a:latin typeface="Proxima Nova"/>
+              </a:rPr>
+              <a:t>In conclusion The FGCS project has had a major impact on computer technology, in particular on hardware, programming languages, operating systems, artificial intelligence and databases, paving the way for the development of modern computing.</a:t>
+            </a:r>
+            <a:endParaRPr lang="es-ES" dirty="0">
+              <a:solidFill>
+                <a:schemeClr val="bg1"/>
+              </a:solidFill>
+            </a:endParaRPr>
+          </a:p>
+        </p:txBody>
+      </p:sp>
+      <p:pic>
+        <p:nvPicPr>
+          <p:cNvPr id="2050" name="Picture 2" descr="Evolucion de los computadores timeline | Timetoast timelines">
+            <a:extLst>
+              <a:ext uri="{FF2B5EF4-FFF2-40B4-BE49-F238E27FC236}">
+                <a16:creationId xmlns:a16="http://schemas.microsoft.com/office/drawing/2014/main" id="{9D538B02-52BD-6938-FFA8-04EE13FF5697}"/>
+              </a:ext>
+            </a:extLst>
+          </p:cNvPr>
+          <p:cNvPicPr>
+            <a:picLocks noChangeAspect="1" noChangeArrowheads="1"/>
+          </p:cNvPicPr>
+          <p:nvPr/>
+        </p:nvPicPr>
+        <p:blipFill>
+          <a:blip r:embed="rId5">
+            <a:extLst>
+              <a:ext uri="{28A0092B-C50C-407E-A947-70E740481C1C}">
+                <a14:useLocalDpi xmlns:a14="http://schemas.microsoft.com/office/drawing/2010/main" val="0"/>
+              </a:ext>
+            </a:extLst>
+          </a:blip>
+          <a:srcRect/>
+          <a:stretch>
+            <a:fillRect/>
+          </a:stretch>
+        </p:blipFill>
+        <p:spPr bwMode="auto">
+          <a:xfrm>
+            <a:off x="1186459" y="3421178"/>
+            <a:ext cx="2861507" cy="2861507"/>
+          </a:xfrm>
+          <a:prstGeom prst="rect">
+            <a:avLst/>
+          </a:prstGeom>
+          <a:noFill/>
+          <a:extLst>
+            <a:ext uri="{909E8E84-426E-40DD-AFC4-6F175D3DCCD1}">
+              <a14:hiddenFill xmlns:a14="http://schemas.microsoft.com/office/drawing/2010/main">
+                <a:solidFill>
+                  <a:srgbClr val="FFFFFF"/>
+                </a:solidFill>
+              </a14:hiddenFill>
+            </a:ext>
+          </a:extLst>
+        </p:spPr>
+      </p:pic>
+      <p:pic>
+        <p:nvPicPr>
+          <p:cNvPr id="2054" name="Picture 6" descr="Torres de ordenador: características que debes conocer a la hora de comprar  una">
+            <a:extLst>
+              <a:ext uri="{FF2B5EF4-FFF2-40B4-BE49-F238E27FC236}">
+                <a16:creationId xmlns:a16="http://schemas.microsoft.com/office/drawing/2014/main" id="{63C225B1-040A-418E-7181-FD362FD9ADFC}"/>
+              </a:ext>
+            </a:extLst>
+          </p:cNvPr>
+          <p:cNvPicPr>
+            <a:picLocks noChangeAspect="1" noChangeArrowheads="1"/>
+          </p:cNvPicPr>
+          <p:nvPr/>
+        </p:nvPicPr>
+        <p:blipFill>
+          <a:blip r:embed="rId6">
+            <a:extLst>
+              <a:ext uri="{28A0092B-C50C-407E-A947-70E740481C1C}">
+                <a14:useLocalDpi xmlns:a14="http://schemas.microsoft.com/office/drawing/2010/main" val="0"/>
+              </a:ext>
+            </a:extLst>
+          </a:blip>
+          <a:srcRect/>
+          <a:stretch>
+            <a:fillRect/>
+          </a:stretch>
+        </p:blipFill>
+        <p:spPr bwMode="auto">
+          <a:xfrm>
+            <a:off x="4984627" y="3764278"/>
+            <a:ext cx="3362203" cy="2518407"/>
+          </a:xfrm>
+          <a:prstGeom prst="rect">
+            <a:avLst/>
+          </a:prstGeom>
+          <a:noFill/>
+          <a:extLst>
+            <a:ext uri="{909E8E84-426E-40DD-AFC4-6F175D3DCCD1}">
+              <a14:hiddenFill xmlns:a14="http://schemas.microsoft.com/office/drawing/2010/main">
+                <a:solidFill>
+                  <a:srgbClr val="FFFFFF"/>
+                </a:solidFill>
+              </a14:hiddenFill>
+            </a:ext>
+          </a:extLst>
+        </p:spPr>
+      </p:pic>
+      <p:pic>
+        <p:nvPicPr>
+          <p:cNvPr id="2058" name="Picture 10" descr="México avanza en la adopción de la IA y así se está usando en las empresas">
+            <a:extLst>
+              <a:ext uri="{FF2B5EF4-FFF2-40B4-BE49-F238E27FC236}">
+                <a16:creationId xmlns:a16="http://schemas.microsoft.com/office/drawing/2014/main" id="{246ADEFE-667B-47EE-F314-DA23FB29C123}"/>
+              </a:ext>
+            </a:extLst>
+          </p:cNvPr>
+          <p:cNvPicPr>
+            <a:picLocks noChangeAspect="1" noChangeArrowheads="1"/>
+          </p:cNvPicPr>
+          <p:nvPr/>
+        </p:nvPicPr>
+        <p:blipFill>
+          <a:blip r:embed="rId7">
+            <a:extLst>
+              <a:ext uri="{28A0092B-C50C-407E-A947-70E740481C1C}">
+                <a14:useLocalDpi xmlns:a14="http://schemas.microsoft.com/office/drawing/2010/main" val="0"/>
+              </a:ext>
+            </a:extLst>
+          </a:blip>
+          <a:srcRect/>
+          <a:stretch>
+            <a:fillRect/>
+          </a:stretch>
+        </p:blipFill>
+        <p:spPr bwMode="auto">
+          <a:xfrm>
+            <a:off x="8706012" y="3057812"/>
+            <a:ext cx="3400664" cy="2131402"/>
+          </a:xfrm>
+          <a:prstGeom prst="rect">
+            <a:avLst/>
+          </a:prstGeom>
+          <a:noFill/>
+          <a:extLst>
+            <a:ext uri="{909E8E84-426E-40DD-AFC4-6F175D3DCCD1}">
+              <a14:hiddenFill xmlns:a14="http://schemas.microsoft.com/office/drawing/2010/main">
+                <a:solidFill>
+                  <a:srgbClr val="FFFFFF"/>
+                </a:solidFill>
+              </a14:hiddenFill>
+            </a:ext>
+          </a:extLst>
+        </p:spPr>
+      </p:pic>
+      <p:sp>
+        <p:nvSpPr>
+          <p:cNvPr id="5" name="Forma en L 4">
+            <a:extLst>
+              <a:ext uri="{FF2B5EF4-FFF2-40B4-BE49-F238E27FC236}">
+                <a16:creationId xmlns:a16="http://schemas.microsoft.com/office/drawing/2014/main" id="{C6AA9602-39B0-9B3F-364F-5C64457602FE}"/>
+              </a:ext>
+            </a:extLst>
+          </p:cNvPr>
+          <p:cNvSpPr/>
+          <p:nvPr/>
+        </p:nvSpPr>
+        <p:spPr>
+          <a:xfrm>
+            <a:off x="12031393" y="-1707660"/>
+            <a:ext cx="1359877" cy="1259203"/>
+          </a:xfrm>
+          <a:prstGeom prst="corner">
+            <a:avLst/>
+          </a:prstGeom>
+          <a:solidFill>
+            <a:schemeClr val="tx2">
+              <a:lumMod val="75000"/>
+            </a:schemeClr>
+          </a:solidFill>
+        </p:spPr>
+        <p:style>
+          <a:lnRef idx="2">
+            <a:schemeClr val="accent1">
+              <a:shade val="15000"/>
+            </a:schemeClr>
+          </a:lnRef>
+          <a:fillRef idx="1">
+            <a:schemeClr val="accent1"/>
+          </a:fillRef>
+          <a:effectRef idx="0">
+            <a:schemeClr val="accent1"/>
+          </a:effectRef>
+          <a:fontRef idx="minor">
+            <a:schemeClr val="lt1"/>
+          </a:fontRef>
+        </p:style>
+        <p:txBody>
+          <a:bodyPr rtlCol="0" anchor="ctr"/>
+          <a:lstStyle/>
+          <a:p>
+            <a:pPr algn="ctr"/>
+            <a:endParaRPr lang="es-ES"/>
+          </a:p>
+        </p:txBody>
+      </p:sp>
+      <p:sp>
+        <p:nvSpPr>
+          <p:cNvPr id="6" name="Rectángulo 5">
+            <a:extLst>
+              <a:ext uri="{FF2B5EF4-FFF2-40B4-BE49-F238E27FC236}">
+                <a16:creationId xmlns:a16="http://schemas.microsoft.com/office/drawing/2014/main" id="{CA8F7752-0C1A-3CEA-5690-620E1F2BF208}"/>
+              </a:ext>
+            </a:extLst>
+          </p:cNvPr>
+          <p:cNvSpPr/>
+          <p:nvPr/>
+        </p:nvSpPr>
+        <p:spPr>
+          <a:xfrm>
+            <a:off x="12619929" y="-7936058"/>
+            <a:ext cx="12506566" cy="6858000"/>
+          </a:xfrm>
+          <a:prstGeom prst="rect">
+            <a:avLst/>
+          </a:prstGeom>
+          <a:solidFill>
+            <a:schemeClr val="tx2">
+              <a:lumMod val="75000"/>
+            </a:schemeClr>
+          </a:solidFill>
+          <a:ln>
+            <a:noFill/>
+          </a:ln>
+        </p:spPr>
+        <p:style>
+          <a:lnRef idx="2">
+            <a:schemeClr val="accent1">
+              <a:shade val="15000"/>
+            </a:schemeClr>
+          </a:lnRef>
+          <a:fillRef idx="1">
+            <a:schemeClr val="accent1"/>
+          </a:fillRef>
+          <a:effectRef idx="0">
+            <a:schemeClr val="accent1"/>
+          </a:effectRef>
+          <a:fontRef idx="minor">
+            <a:schemeClr val="lt1"/>
+          </a:fontRef>
+        </p:style>
+        <p:txBody>
+          <a:bodyPr rtlCol="0" anchor="ctr"/>
+          <a:lstStyle/>
+          <a:p>
+            <a:pPr algn="ctr"/>
+            <a:endParaRPr lang="es-ES" dirty="0"/>
+          </a:p>
+        </p:txBody>
+      </p:sp>
+    </p:spTree>
+    <p:extLst>
+      <p:ext uri="{BB962C8B-B14F-4D97-AF65-F5344CB8AC3E}">
+        <p14:creationId xmlns:p14="http://schemas.microsoft.com/office/powerpoint/2010/main" val="2693214980"/>
+      </p:ext>
+    </p:extLst>
+  </p:cSld>
+  <p:clrMapOvr>
+    <a:masterClrMapping/>
+  </p:clrMapOvr>
+  <mc:AlternateContent xmlns:mc="http://schemas.openxmlformats.org/markup-compatibility/2006">
+    <mc:Choice xmlns:p159="http://schemas.microsoft.com/office/powerpoint/2015/09/main" Requires="p159">
+      <p:transition xmlns:p14="http://schemas.microsoft.com/office/powerpoint/2010/main" spd="slow" p14:dur="2000">
+        <p159:morph option="byObject"/>
+      </p:transition>
+    </mc:Choice>
+    <mc:Fallback>
+      <p:transition spd="slow">
+        <p:fade/>
+      </p:transition>
+    </mc:Fallback>
+  </mc:AlternateContent>
+</p:sld>
+</file>
+
+<file path=ppt/slides/slide9.xml><?xml version="1.0" encoding="utf-8"?>
+<p:sld xmlns:a="http://schemas.openxmlformats.org/drawingml/2006/main" xmlns:r="http://schemas.openxmlformats.org/officeDocument/2006/relationships" xmlns:p="http://schemas.openxmlformats.org/presentationml/2006/main">
+  <p:cSld>
+    <p:spTree>
+      <p:nvGrpSpPr>
+        <p:cNvPr id="1" name=""/>
+        <p:cNvGrpSpPr/>
+        <p:nvPr/>
+      </p:nvGrpSpPr>
+      <p:grpSpPr>
+        <a:xfrm>
+          <a:off x="0" y="0"/>
+          <a:ext cx="0" cy="0"/>
+          <a:chOff x="0" y="0"/>
+          <a:chExt cx="0" cy="0"/>
+        </a:xfrm>
+      </p:grpSpPr>
+      <p:sp>
+        <p:nvSpPr>
+          <p:cNvPr id="2" name="Rectángulo 1">
+            <a:extLst>
+              <a:ext uri="{FF2B5EF4-FFF2-40B4-BE49-F238E27FC236}">
+                <a16:creationId xmlns:a16="http://schemas.microsoft.com/office/drawing/2014/main" id="{30C84C7C-3583-3298-91B4-B6B7AA6BDBF0}"/>
+              </a:ext>
+            </a:extLst>
+          </p:cNvPr>
+          <p:cNvSpPr/>
+          <p:nvPr/>
+        </p:nvSpPr>
+        <p:spPr>
+          <a:xfrm>
+            <a:off x="0" y="0"/>
+            <a:ext cx="12506566" cy="6858000"/>
+          </a:xfrm>
+          <a:prstGeom prst="rect">
+            <a:avLst/>
+          </a:prstGeom>
+          <a:solidFill>
+            <a:srgbClr val="92D050"/>
+          </a:solidFill>
+          <a:ln>
+            <a:noFill/>
+          </a:ln>
+        </p:spPr>
+        <p:style>
+          <a:lnRef idx="2">
+            <a:schemeClr val="accent1">
+              <a:shade val="15000"/>
+            </a:schemeClr>
+          </a:lnRef>
+          <a:fillRef idx="1">
+            <a:schemeClr val="accent1"/>
+          </a:fillRef>
+          <a:effectRef idx="0">
+            <a:schemeClr val="accent1"/>
+          </a:effectRef>
+          <a:fontRef idx="minor">
+            <a:schemeClr val="lt1"/>
+          </a:fontRef>
+        </p:style>
+        <p:txBody>
+          <a:bodyPr rtlCol="0" anchor="ctr"/>
+          <a:lstStyle/>
+          <a:p>
+            <a:pPr algn="ctr"/>
+            <a:endParaRPr lang="es-ES"/>
+          </a:p>
+        </p:txBody>
+      </p:sp>
+      <p:sp>
+        <p:nvSpPr>
+          <p:cNvPr id="7" name="Rectángulo 6">
+            <a:extLst>
+              <a:ext uri="{FF2B5EF4-FFF2-40B4-BE49-F238E27FC236}">
+                <a16:creationId xmlns:a16="http://schemas.microsoft.com/office/drawing/2014/main" id="{EDBABC68-ADFA-CD5C-CD82-70ADF513A970}"/>
+              </a:ext>
+            </a:extLst>
+          </p:cNvPr>
+          <p:cNvSpPr/>
+          <p:nvPr/>
+        </p:nvSpPr>
+        <p:spPr>
+          <a:xfrm>
+            <a:off x="-33212" y="0"/>
+            <a:ext cx="12506566" cy="6858000"/>
+          </a:xfrm>
+          <a:prstGeom prst="rect">
+            <a:avLst/>
+          </a:prstGeom>
+          <a:solidFill>
+            <a:srgbClr val="7030A0"/>
+          </a:solidFill>
+          <a:ln>
+            <a:noFill/>
+          </a:ln>
+        </p:spPr>
+        <p:style>
+          <a:lnRef idx="2">
+            <a:schemeClr val="accent1">
+              <a:shade val="15000"/>
+            </a:schemeClr>
+          </a:lnRef>
+          <a:fillRef idx="1">
+            <a:schemeClr val="accent1"/>
+          </a:fillRef>
+          <a:effectRef idx="0">
+            <a:schemeClr val="accent1"/>
+          </a:effectRef>
+          <a:fontRef idx="minor">
+            <a:schemeClr val="lt1"/>
+          </a:fontRef>
+        </p:style>
+        <p:txBody>
+          <a:bodyPr rtlCol="0" anchor="ctr"/>
+          <a:lstStyle/>
+          <a:p>
+            <a:pPr algn="ctr"/>
+            <a:endParaRPr lang="es-ES" dirty="0"/>
+          </a:p>
+        </p:txBody>
+      </p:sp>
+      <p:sp>
+        <p:nvSpPr>
+          <p:cNvPr id="18" name="Rectángulo 17">
+            <a:extLst>
+              <a:ext uri="{FF2B5EF4-FFF2-40B4-BE49-F238E27FC236}">
+                <a16:creationId xmlns:a16="http://schemas.microsoft.com/office/drawing/2014/main" id="{D784A650-4277-C71F-B85A-C4BADC6815E0}"/>
+              </a:ext>
+            </a:extLst>
+          </p:cNvPr>
+          <p:cNvSpPr/>
+          <p:nvPr/>
+        </p:nvSpPr>
+        <p:spPr>
+          <a:xfrm>
+            <a:off x="-7421" y="15240"/>
+            <a:ext cx="12506566" cy="6858000"/>
+          </a:xfrm>
+          <a:prstGeom prst="rect">
+            <a:avLst/>
+          </a:prstGeom>
+          <a:solidFill>
+            <a:srgbClr val="FFC000"/>
+          </a:solidFill>
+          <a:ln>
+            <a:noFill/>
+          </a:ln>
+        </p:spPr>
+        <p:style>
+          <a:lnRef idx="2">
+            <a:schemeClr val="accent1">
+              <a:shade val="15000"/>
+            </a:schemeClr>
+          </a:lnRef>
+          <a:fillRef idx="1">
+            <a:schemeClr val="accent1"/>
+          </a:fillRef>
+          <a:effectRef idx="0">
+            <a:schemeClr val="accent1"/>
+          </a:effectRef>
+          <a:fontRef idx="minor">
+            <a:schemeClr val="lt1"/>
+          </a:fontRef>
+        </p:style>
+        <p:txBody>
+          <a:bodyPr rtlCol="0" anchor="ctr"/>
+          <a:lstStyle/>
+          <a:p>
+            <a:pPr algn="ctr"/>
+            <a:endParaRPr lang="es-ES" dirty="0"/>
+          </a:p>
+        </p:txBody>
+      </p:sp>
+      <p:sp>
+        <p:nvSpPr>
+          <p:cNvPr id="3" name="CuadroTexto 2">
+            <a:extLst>
+              <a:ext uri="{FF2B5EF4-FFF2-40B4-BE49-F238E27FC236}">
+                <a16:creationId xmlns:a16="http://schemas.microsoft.com/office/drawing/2014/main" id="{CD1DA583-0EA5-17CB-32B0-08B6C92729BC}"/>
+              </a:ext>
+            </a:extLst>
+          </p:cNvPr>
+          <p:cNvSpPr txBox="1"/>
+          <p:nvPr/>
+        </p:nvSpPr>
+        <p:spPr>
+          <a:xfrm>
+            <a:off x="187763" y="304800"/>
+            <a:ext cx="2342077" cy="523220"/>
+          </a:xfrm>
+          <a:prstGeom prst="rect">
+            <a:avLst/>
+          </a:prstGeom>
+          <a:noFill/>
+        </p:spPr>
+        <p:txBody>
+          <a:bodyPr wrap="square" rtlCol="0">
+            <a:spAutoFit/>
+          </a:bodyPr>
+          <a:lstStyle/>
+          <a:p>
+            <a:r>
+              <a:rPr lang="es-ES" sz="2800" dirty="0">
+                <a:solidFill>
+                  <a:schemeClr val="bg1"/>
+                </a:solidFill>
+              </a:rPr>
+              <a:t>1981-Actual</a:t>
+            </a:r>
+            <a:endParaRPr lang="es-ES" dirty="0">
+              <a:solidFill>
+                <a:schemeClr val="bg1"/>
+              </a:solidFill>
+            </a:endParaRPr>
+          </a:p>
+        </p:txBody>
+      </p:sp>
+      <p:sp>
+        <p:nvSpPr>
+          <p:cNvPr id="4" name="CuadroTexto 3">
+            <a:extLst>
+              <a:ext uri="{FF2B5EF4-FFF2-40B4-BE49-F238E27FC236}">
+                <a16:creationId xmlns:a16="http://schemas.microsoft.com/office/drawing/2014/main" id="{5BDF0777-9E01-FD28-D549-B1973A382CA0}"/>
+              </a:ext>
+            </a:extLst>
+          </p:cNvPr>
+          <p:cNvSpPr txBox="1"/>
+          <p:nvPr/>
+        </p:nvSpPr>
+        <p:spPr>
+          <a:xfrm>
+            <a:off x="187762" y="865444"/>
+            <a:ext cx="11818625" cy="2308324"/>
+          </a:xfrm>
+          <a:prstGeom prst="rect">
+            <a:avLst/>
+          </a:prstGeom>
+          <a:noFill/>
+        </p:spPr>
+        <p:txBody>
+          <a:bodyPr wrap="square" rtlCol="0">
+            <a:spAutoFit/>
+          </a:bodyPr>
+          <a:lstStyle/>
+          <a:p>
+            <a:pPr algn="l"/>
+            <a:r>
+              <a:rPr lang="en-US" b="0" i="0" dirty="0">
+                <a:solidFill>
+                  <a:schemeClr val="bg1"/>
+                </a:solidFill>
+                <a:effectLst/>
+                <a:latin typeface="Proxima Nova"/>
+              </a:rPr>
+              <a:t>FGCS (Fifth Generation Computer Systems)</a:t>
+            </a:r>
+          </a:p>
+          <a:p>
+            <a:pPr algn="l"/>
+            <a:r>
+              <a:rPr lang="en-US" b="0" i="0" dirty="0">
+                <a:solidFill>
+                  <a:schemeClr val="bg1"/>
+                </a:solidFill>
+                <a:effectLst/>
+                <a:latin typeface="Proxima Nova"/>
+              </a:rPr>
+              <a:t>It was an ambitious project that Japan initiated in the late 1980s with the aim of developing a new type of computer that would use artificial intelligence methods and techniques at both the hardware and software levels. Today, the computer industry is focused on improving and optimizing computers for users, making them more comfortable to use and realistically addressing people's needs.</a:t>
+            </a:r>
+          </a:p>
+          <a:p>
+            <a:pPr algn="l"/>
+            <a:r>
+              <a:rPr lang="en-US" b="0" i="0" dirty="0">
+                <a:solidFill>
+                  <a:schemeClr val="bg1"/>
+                </a:solidFill>
+                <a:effectLst/>
+                <a:latin typeface="Proxima Nova"/>
+              </a:rPr>
+              <a:t>In conclusion The FGCS project has had a major impact on computer technology, in particular on hardware, programming languages, operating systems, artificial intelligence and databases, paving the way for the development of modern computing.</a:t>
+            </a:r>
+            <a:endParaRPr lang="es-ES" dirty="0">
+              <a:solidFill>
+                <a:schemeClr val="bg1"/>
+              </a:solidFill>
+            </a:endParaRPr>
+          </a:p>
+        </p:txBody>
+      </p:sp>
+      <p:pic>
+        <p:nvPicPr>
+          <p:cNvPr id="2050" name="Picture 2" descr="Evolucion de los computadores timeline | Timetoast timelines">
+            <a:extLst>
+              <a:ext uri="{FF2B5EF4-FFF2-40B4-BE49-F238E27FC236}">
+                <a16:creationId xmlns:a16="http://schemas.microsoft.com/office/drawing/2014/main" id="{9D538B02-52BD-6938-FFA8-04EE13FF5697}"/>
+              </a:ext>
+            </a:extLst>
+          </p:cNvPr>
+          <p:cNvPicPr>
+            <a:picLocks noChangeAspect="1" noChangeArrowheads="1"/>
+          </p:cNvPicPr>
+          <p:nvPr/>
+        </p:nvPicPr>
+        <p:blipFill>
+          <a:blip r:embed="rId2">
+            <a:extLst>
+              <a:ext uri="{28A0092B-C50C-407E-A947-70E740481C1C}">
+                <a14:useLocalDpi xmlns:a14="http://schemas.microsoft.com/office/drawing/2010/main" val="0"/>
+              </a:ext>
+            </a:extLst>
+          </a:blip>
+          <a:srcRect/>
+          <a:stretch>
+            <a:fillRect/>
+          </a:stretch>
+        </p:blipFill>
+        <p:spPr bwMode="auto">
+          <a:xfrm>
+            <a:off x="1186459" y="3421178"/>
+            <a:ext cx="2861507" cy="2861507"/>
+          </a:xfrm>
+          <a:prstGeom prst="rect">
+            <a:avLst/>
+          </a:prstGeom>
+          <a:noFill/>
+          <a:extLst>
+            <a:ext uri="{909E8E84-426E-40DD-AFC4-6F175D3DCCD1}">
+              <a14:hiddenFill xmlns:a14="http://schemas.microsoft.com/office/drawing/2010/main">
+                <a:solidFill>
+                  <a:srgbClr val="FFFFFF"/>
+                </a:solidFill>
+              </a14:hiddenFill>
+            </a:ext>
+          </a:extLst>
+        </p:spPr>
+      </p:pic>
+      <p:pic>
+        <p:nvPicPr>
+          <p:cNvPr id="2054" name="Picture 6" descr="Torres de ordenador: características que debes conocer a la hora de comprar  una">
+            <a:extLst>
+              <a:ext uri="{FF2B5EF4-FFF2-40B4-BE49-F238E27FC236}">
+                <a16:creationId xmlns:a16="http://schemas.microsoft.com/office/drawing/2014/main" id="{63C225B1-040A-418E-7181-FD362FD9ADFC}"/>
+              </a:ext>
+            </a:extLst>
+          </p:cNvPr>
+          <p:cNvPicPr>
+            <a:picLocks noChangeAspect="1" noChangeArrowheads="1"/>
+          </p:cNvPicPr>
+          <p:nvPr/>
+        </p:nvPicPr>
+        <p:blipFill>
+          <a:blip r:embed="rId3">
+            <a:extLst>
+              <a:ext uri="{28A0092B-C50C-407E-A947-70E740481C1C}">
+                <a14:useLocalDpi xmlns:a14="http://schemas.microsoft.com/office/drawing/2010/main" val="0"/>
+              </a:ext>
+            </a:extLst>
+          </a:blip>
+          <a:srcRect/>
+          <a:stretch>
+            <a:fillRect/>
+          </a:stretch>
+        </p:blipFill>
+        <p:spPr bwMode="auto">
+          <a:xfrm>
+            <a:off x="4984627" y="3764278"/>
+            <a:ext cx="3362203" cy="2518407"/>
+          </a:xfrm>
+          <a:prstGeom prst="rect">
+            <a:avLst/>
+          </a:prstGeom>
+          <a:noFill/>
+          <a:extLst>
+            <a:ext uri="{909E8E84-426E-40DD-AFC4-6F175D3DCCD1}">
+              <a14:hiddenFill xmlns:a14="http://schemas.microsoft.com/office/drawing/2010/main">
+                <a:solidFill>
+                  <a:srgbClr val="FFFFFF"/>
+                </a:solidFill>
+              </a14:hiddenFill>
+            </a:ext>
+          </a:extLst>
+        </p:spPr>
+      </p:pic>
+      <p:pic>
+        <p:nvPicPr>
+          <p:cNvPr id="2058" name="Picture 10" descr="México avanza en la adopción de la IA y así se está usando en las empresas">
+            <a:extLst>
+              <a:ext uri="{FF2B5EF4-FFF2-40B4-BE49-F238E27FC236}">
+                <a16:creationId xmlns:a16="http://schemas.microsoft.com/office/drawing/2014/main" id="{246ADEFE-667B-47EE-F314-DA23FB29C123}"/>
+              </a:ext>
+            </a:extLst>
+          </p:cNvPr>
+          <p:cNvPicPr>
+            <a:picLocks noChangeAspect="1" noChangeArrowheads="1"/>
+          </p:cNvPicPr>
+          <p:nvPr/>
+        </p:nvPicPr>
+        <p:blipFill>
+          <a:blip r:embed="rId4">
+            <a:extLst>
+              <a:ext uri="{28A0092B-C50C-407E-A947-70E740481C1C}">
+                <a14:useLocalDpi xmlns:a14="http://schemas.microsoft.com/office/drawing/2010/main" val="0"/>
+              </a:ext>
+            </a:extLst>
+          </a:blip>
+          <a:srcRect/>
+          <a:stretch>
+            <a:fillRect/>
+          </a:stretch>
+        </p:blipFill>
+        <p:spPr bwMode="auto">
+          <a:xfrm>
+            <a:off x="8706012" y="3057812"/>
+            <a:ext cx="3400664" cy="2131402"/>
+          </a:xfrm>
+          <a:prstGeom prst="rect">
+            <a:avLst/>
+          </a:prstGeom>
+          <a:noFill/>
+          <a:extLst>
+            <a:ext uri="{909E8E84-426E-40DD-AFC4-6F175D3DCCD1}">
+              <a14:hiddenFill xmlns:a14="http://schemas.microsoft.com/office/drawing/2010/main">
+                <a:solidFill>
+                  <a:srgbClr val="FFFFFF"/>
+                </a:solidFill>
+              </a14:hiddenFill>
+            </a:ext>
+          </a:extLst>
+        </p:spPr>
+      </p:pic>
+      <p:sp>
+        <p:nvSpPr>
+          <p:cNvPr id="5" name="Forma en L 4">
+            <a:extLst>
+              <a:ext uri="{FF2B5EF4-FFF2-40B4-BE49-F238E27FC236}">
+                <a16:creationId xmlns:a16="http://schemas.microsoft.com/office/drawing/2014/main" id="{C6AA9602-39B0-9B3F-364F-5C64457602FE}"/>
+              </a:ext>
+            </a:extLst>
+          </p:cNvPr>
+          <p:cNvSpPr/>
+          <p:nvPr/>
+        </p:nvSpPr>
+        <p:spPr>
+          <a:xfrm>
+            <a:off x="-708822" y="6281062"/>
+            <a:ext cx="1359877" cy="1259203"/>
+          </a:xfrm>
+          <a:prstGeom prst="corner">
+            <a:avLst/>
+          </a:prstGeom>
+          <a:solidFill>
+            <a:schemeClr val="tx2">
+              <a:lumMod val="75000"/>
+            </a:schemeClr>
+          </a:solidFill>
+        </p:spPr>
+        <p:style>
+          <a:lnRef idx="2">
+            <a:schemeClr val="accent1">
+              <a:shade val="15000"/>
+            </a:schemeClr>
+          </a:lnRef>
+          <a:fillRef idx="1">
+            <a:schemeClr val="accent1"/>
+          </a:fillRef>
+          <a:effectRef idx="0">
+            <a:schemeClr val="accent1"/>
+          </a:effectRef>
+          <a:fontRef idx="minor">
+            <a:schemeClr val="lt1"/>
+          </a:fontRef>
+        </p:style>
+        <p:txBody>
+          <a:bodyPr rtlCol="0" anchor="ctr"/>
+          <a:lstStyle/>
+          <a:p>
+            <a:pPr algn="ctr"/>
+            <a:endParaRPr lang="es-ES"/>
+          </a:p>
+        </p:txBody>
+      </p:sp>
+      <p:sp>
+        <p:nvSpPr>
+          <p:cNvPr id="6" name="Rectángulo 5">
+            <a:extLst>
+              <a:ext uri="{FF2B5EF4-FFF2-40B4-BE49-F238E27FC236}">
+                <a16:creationId xmlns:a16="http://schemas.microsoft.com/office/drawing/2014/main" id="{CA8F7752-0C1A-3CEA-5690-620E1F2BF208}"/>
+              </a:ext>
+            </a:extLst>
+          </p:cNvPr>
+          <p:cNvSpPr/>
+          <p:nvPr/>
+        </p:nvSpPr>
+        <p:spPr>
+          <a:xfrm>
+            <a:off x="0" y="-365760"/>
+            <a:ext cx="12506566" cy="7257861"/>
+          </a:xfrm>
+          <a:prstGeom prst="rect">
+            <a:avLst/>
+          </a:prstGeom>
+          <a:solidFill>
+            <a:schemeClr val="tx2">
+              <a:lumMod val="75000"/>
+            </a:schemeClr>
+          </a:solidFill>
+          <a:ln>
+            <a:noFill/>
+          </a:ln>
+        </p:spPr>
+        <p:style>
+          <a:lnRef idx="2">
+            <a:schemeClr val="accent1">
+              <a:shade val="15000"/>
+            </a:schemeClr>
+          </a:lnRef>
+          <a:fillRef idx="1">
+            <a:schemeClr val="accent1"/>
+          </a:fillRef>
+          <a:effectRef idx="0">
+            <a:schemeClr val="accent1"/>
+          </a:effectRef>
+          <a:fontRef idx="minor">
+            <a:schemeClr val="lt1"/>
+          </a:fontRef>
+        </p:style>
+        <p:txBody>
+          <a:bodyPr rtlCol="0" anchor="ctr"/>
+          <a:lstStyle/>
+          <a:p>
+            <a:pPr algn="ctr"/>
+            <a:endParaRPr lang="es-ES" dirty="0"/>
+          </a:p>
+        </p:txBody>
+      </p:sp>
+      <p:sp>
+        <p:nvSpPr>
+          <p:cNvPr id="8" name="CuadroTexto 7">
+            <a:extLst>
+              <a:ext uri="{FF2B5EF4-FFF2-40B4-BE49-F238E27FC236}">
+                <a16:creationId xmlns:a16="http://schemas.microsoft.com/office/drawing/2014/main" id="{2F1A5FB4-2C1B-5B74-29D5-EF9219DD04B6}"/>
+              </a:ext>
+            </a:extLst>
+          </p:cNvPr>
+          <p:cNvSpPr txBox="1"/>
+          <p:nvPr/>
+        </p:nvSpPr>
+        <p:spPr>
+          <a:xfrm>
+            <a:off x="4984627" y="2613392"/>
+            <a:ext cx="2239133" cy="1631216"/>
+          </a:xfrm>
+          <a:prstGeom prst="rect">
+            <a:avLst/>
+          </a:prstGeom>
+          <a:noFill/>
+        </p:spPr>
+        <p:txBody>
+          <a:bodyPr wrap="square" rtlCol="0">
+            <a:spAutoFit/>
+          </a:bodyPr>
+          <a:lstStyle/>
+          <a:p>
+            <a:r>
+              <a:rPr lang="es-ES" sz="10000" dirty="0">
+                <a:solidFill>
+                  <a:schemeClr val="bg1"/>
+                </a:solidFill>
+              </a:rPr>
+              <a:t>FIN</a:t>
+            </a:r>
+          </a:p>
+        </p:txBody>
+      </p:sp>
+    </p:spTree>
+    <p:extLst>
+      <p:ext uri="{BB962C8B-B14F-4D97-AF65-F5344CB8AC3E}">
+        <p14:creationId xmlns:p14="http://schemas.microsoft.com/office/powerpoint/2010/main" val="4222792968"/>
       </p:ext>
     </p:extLst>
   </p:cSld>
